--- a/documents/slides/ppt.pptx
+++ b/documents/slides/ppt.pptx
@@ -5,7 +5,7 @@
     <p:sldMasterId id="2147483756" r:id="rId1"/>
   </p:sldMasterIdLst>
   <p:notesMasterIdLst>
-    <p:notesMasterId r:id="rId45"/>
+    <p:notesMasterId r:id="rId52"/>
   </p:notesMasterIdLst>
   <p:sldIdLst>
     <p:sldId id="282" r:id="rId2"/>
@@ -51,6 +51,13 @@
     <p:sldId id="270" r:id="rId42"/>
     <p:sldId id="271" r:id="rId43"/>
     <p:sldId id="272" r:id="rId44"/>
+    <p:sldId id="302" r:id="rId45"/>
+    <p:sldId id="303" r:id="rId46"/>
+    <p:sldId id="304" r:id="rId47"/>
+    <p:sldId id="305" r:id="rId48"/>
+    <p:sldId id="307" r:id="rId49"/>
+    <p:sldId id="308" r:id="rId50"/>
+    <p:sldId id="306" r:id="rId51"/>
   </p:sldIdLst>
   <p:sldSz cx="9144000" cy="5143500" type="screen16x9"/>
   <p:notesSz cx="6858000" cy="9144000"/>
@@ -2698,8 +2705,8 @@
     <dgm:cxn modelId="{27F70CF0-B476-4972-BD2F-A65815353CF9}" type="presOf" srcId="{F7A643C9-3119-421B-B941-EAF7FEA75558}" destId="{BDFC269D-521E-4413-BD46-EAD3B4D7B773}" srcOrd="0" destOrd="0" presId="urn:microsoft.com/office/officeart/2005/8/layout/process1"/>
     <dgm:cxn modelId="{D8A6123C-B5AF-45B4-91DD-F28105198CFC}" srcId="{39EC6EAF-D9CC-4F6D-B842-72B7DE4FE54A}" destId="{9B3D1C29-9683-4F73-991F-5A0672B16B43}" srcOrd="3" destOrd="0" parTransId="{BF1A20D5-A110-45B5-B67D-69F2BC7D53EC}" sibTransId="{FAE67D40-098D-4263-9085-71FE1255A134}"/>
     <dgm:cxn modelId="{16B3D203-7873-4A44-A35E-5A464FD42444}" type="presOf" srcId="{39EC6EAF-D9CC-4F6D-B842-72B7DE4FE54A}" destId="{4EBA5E7F-C099-4217-AA7C-B5359F2BD42F}" srcOrd="0" destOrd="0" presId="urn:microsoft.com/office/officeart/2005/8/layout/process1"/>
+    <dgm:cxn modelId="{F73337C7-0D6A-45D4-9D36-2CB9CF398375}" type="presOf" srcId="{FAE67D40-098D-4263-9085-71FE1255A134}" destId="{C5EAC5D8-5D99-4210-BCDB-CACFF2F7A868}" srcOrd="1" destOrd="0" presId="urn:microsoft.com/office/officeart/2005/8/layout/process1"/>
     <dgm:cxn modelId="{0A038169-9F89-4F79-9E4A-BB05292E495D}" type="presOf" srcId="{9B3D1C29-9683-4F73-991F-5A0672B16B43}" destId="{6DB5CDA1-3C52-4FE7-8448-320AB0C25C0B}" srcOrd="0" destOrd="0" presId="urn:microsoft.com/office/officeart/2005/8/layout/process1"/>
-    <dgm:cxn modelId="{F73337C7-0D6A-45D4-9D36-2CB9CF398375}" type="presOf" srcId="{FAE67D40-098D-4263-9085-71FE1255A134}" destId="{C5EAC5D8-5D99-4210-BCDB-CACFF2F7A868}" srcOrd="1" destOrd="0" presId="urn:microsoft.com/office/officeart/2005/8/layout/process1"/>
     <dgm:cxn modelId="{1A994474-FCD7-4D18-947C-476F60F4D9A4}" srcId="{39EC6EAF-D9CC-4F6D-B842-72B7DE4FE54A}" destId="{7FEDDCA0-CE12-46B8-A63B-2A6C08A755AE}" srcOrd="4" destOrd="0" parTransId="{217AC202-8DB1-4DD6-BDC9-6F6A52D9EE67}" sibTransId="{7D2AE98A-11B1-4D40-976D-6BB78E267C3F}"/>
     <dgm:cxn modelId="{BDB31971-E4CF-4A40-9040-EF5E2B81EE24}" srcId="{39EC6EAF-D9CC-4F6D-B842-72B7DE4FE54A}" destId="{5ABBF41C-0D31-46CB-A0DD-8A2079F3E0ED}" srcOrd="5" destOrd="0" parTransId="{FA2305D7-9FFE-45F1-9189-7DE58EC0C70F}" sibTransId="{10AC144C-93CE-4981-AF88-C44BEC84ADF5}"/>
     <dgm:cxn modelId="{B609B945-92BE-492C-938A-F39F56738E9D}" type="presOf" srcId="{DE1B5354-2E34-4A25-AB48-E553D3A0FA11}" destId="{35D03A86-5FED-4DA0-AEA8-F5D442F67822}" srcOrd="1" destOrd="0" presId="urn:microsoft.com/office/officeart/2005/8/layout/process1"/>
@@ -17198,7 +17205,7 @@
           <p:cNvPr id="4" name="图片 3" descr="图片包含 屏幕截图&#10;&#10;描述已自动生成">
             <a:extLst>
               <a:ext uri="{FF2B5EF4-FFF2-40B4-BE49-F238E27FC236}">
-                <a16:creationId xmlns:a16="http://schemas.microsoft.com/office/drawing/2014/main" xmlns="" id="{E3CD9068-A5A6-4179-A862-35A930605AAE}"/>
+                <a16:creationId xmlns="" xmlns:a16="http://schemas.microsoft.com/office/drawing/2014/main" id="{E3CD9068-A5A6-4179-A862-35A930605AAE}"/>
               </a:ext>
             </a:extLst>
           </p:cNvPr>
@@ -17479,7 +17486,7 @@
           <p:cNvPr id="4" name="内容占位符 4" descr="手机屏幕截图&#10;&#10;描述已自动生成">
             <a:extLst>
               <a:ext uri="{FF2B5EF4-FFF2-40B4-BE49-F238E27FC236}">
-                <a16:creationId xmlns:a16="http://schemas.microsoft.com/office/drawing/2014/main" xmlns="" id="{BFB3E47A-8689-4C1C-B951-C652A31CE737}"/>
+                <a16:creationId xmlns="" xmlns:a16="http://schemas.microsoft.com/office/drawing/2014/main" id="{BFB3E47A-8689-4C1C-B951-C652A31CE737}"/>
               </a:ext>
             </a:extLst>
           </p:cNvPr>
@@ -17926,7 +17933,7 @@
           <p:cNvPr id="4" name="内容占位符 7" descr="手机屏幕截图&#10;&#10;描述已自动生成">
             <a:extLst>
               <a:ext uri="{FF2B5EF4-FFF2-40B4-BE49-F238E27FC236}">
-                <a16:creationId xmlns:a16="http://schemas.microsoft.com/office/drawing/2014/main" xmlns="" id="{FD01787E-E43F-48FD-9472-EBC0F6DED684}"/>
+                <a16:creationId xmlns="" xmlns:a16="http://schemas.microsoft.com/office/drawing/2014/main" id="{FD01787E-E43F-48FD-9472-EBC0F6DED684}"/>
               </a:ext>
             </a:extLst>
           </p:cNvPr>
@@ -18027,7 +18034,7 @@
           <p:cNvPr id="4" name="内容占位符 8" descr="图片包含 游戏机&#10;&#10;描述已自动生成">
             <a:extLst>
               <a:ext uri="{FF2B5EF4-FFF2-40B4-BE49-F238E27FC236}">
-                <a16:creationId xmlns:a16="http://schemas.microsoft.com/office/drawing/2014/main" xmlns="" id="{0D4D6D44-4B17-402B-BF44-BCB1DB5632D7}"/>
+                <a16:creationId xmlns="" xmlns:a16="http://schemas.microsoft.com/office/drawing/2014/main" id="{0D4D6D44-4B17-402B-BF44-BCB1DB5632D7}"/>
               </a:ext>
             </a:extLst>
           </p:cNvPr>
@@ -18123,7 +18130,7 @@
           <p:cNvPr id="4" name="内容占位符 7" descr="手机屏幕的截图&#10;&#10;描述已自动生成">
             <a:extLst>
               <a:ext uri="{FF2B5EF4-FFF2-40B4-BE49-F238E27FC236}">
-                <a16:creationId xmlns:a16="http://schemas.microsoft.com/office/drawing/2014/main" xmlns="" id="{471888FD-D748-4067-99F0-EA95F3E082EC}"/>
+                <a16:creationId xmlns="" xmlns:a16="http://schemas.microsoft.com/office/drawing/2014/main" id="{471888FD-D748-4067-99F0-EA95F3E082EC}"/>
               </a:ext>
             </a:extLst>
           </p:cNvPr>
@@ -24892,6 +24899,2657 @@
 </p:sld>
 </file>
 
+<file path=ppt/slides/slide44.xml><?xml version="1.0" encoding="utf-8"?>
+<p:sld xmlns:a="http://schemas.openxmlformats.org/drawingml/2006/main" xmlns:r="http://schemas.openxmlformats.org/officeDocument/2006/relationships" xmlns:p="http://schemas.openxmlformats.org/presentationml/2006/main">
+  <p:cSld>
+    <p:spTree>
+      <p:nvGrpSpPr>
+        <p:cNvPr id="1" name=""/>
+        <p:cNvGrpSpPr/>
+        <p:nvPr/>
+      </p:nvGrpSpPr>
+      <p:grpSpPr>
+        <a:xfrm>
+          <a:off x="0" y="0"/>
+          <a:ext cx="0" cy="0"/>
+          <a:chOff x="0" y="0"/>
+          <a:chExt cx="0" cy="0"/>
+        </a:xfrm>
+      </p:grpSpPr>
+      <p:sp>
+        <p:nvSpPr>
+          <p:cNvPr id="2" name="标题 1"/>
+          <p:cNvSpPr>
+            <a:spLocks noGrp="1"/>
+          </p:cNvSpPr>
+          <p:nvPr>
+            <p:ph type="ctrTitle"/>
+          </p:nvPr>
+        </p:nvSpPr>
+        <p:spPr/>
+        <p:txBody>
+          <a:bodyPr/>
+          <a:lstStyle/>
+          <a:p>
+            <a:r>
+              <a:rPr lang="en-US" altLang="zh-CN" dirty="0" smtClean="0"/>
+              <a:t>4. </a:t>
+            </a:r>
+            <a:r>
+              <a:rPr lang="zh-CN" altLang="en-US" dirty="0" smtClean="0"/>
+              <a:t>查询优化</a:t>
+            </a:r>
+            <a:endParaRPr lang="zh-CN" altLang="en-US" dirty="0"/>
+          </a:p>
+        </p:txBody>
+      </p:sp>
+      <p:sp>
+        <p:nvSpPr>
+          <p:cNvPr id="3" name="副标题 2"/>
+          <p:cNvSpPr>
+            <a:spLocks noGrp="1"/>
+          </p:cNvSpPr>
+          <p:nvPr>
+            <p:ph type="subTitle" idx="1"/>
+          </p:nvPr>
+        </p:nvSpPr>
+        <p:spPr/>
+        <p:txBody>
+          <a:bodyPr/>
+          <a:lstStyle/>
+          <a:p>
+            <a:r>
+              <a:rPr lang="en-US" altLang="zh-CN" dirty="0" smtClean="0"/>
+              <a:t>Query Optimization</a:t>
+            </a:r>
+            <a:endParaRPr lang="zh-CN" altLang="en-US" dirty="0"/>
+          </a:p>
+        </p:txBody>
+      </p:sp>
+    </p:spTree>
+    <p:extLst>
+      <p:ext uri="{BB962C8B-B14F-4D97-AF65-F5344CB8AC3E}">
+        <p14:creationId xmlns:p14="http://schemas.microsoft.com/office/powerpoint/2010/main" val="2561364621"/>
+      </p:ext>
+    </p:extLst>
+  </p:cSld>
+  <p:clrMapOvr>
+    <a:masterClrMapping/>
+  </p:clrMapOvr>
+</p:sld>
+</file>
+
+<file path=ppt/slides/slide45.xml><?xml version="1.0" encoding="utf-8"?>
+<p:sld xmlns:a="http://schemas.openxmlformats.org/drawingml/2006/main" xmlns:r="http://schemas.openxmlformats.org/officeDocument/2006/relationships" xmlns:p="http://schemas.openxmlformats.org/presentationml/2006/main">
+  <p:cSld>
+    <p:spTree>
+      <p:nvGrpSpPr>
+        <p:cNvPr id="1" name=""/>
+        <p:cNvGrpSpPr/>
+        <p:nvPr/>
+      </p:nvGrpSpPr>
+      <p:grpSpPr>
+        <a:xfrm>
+          <a:off x="0" y="0"/>
+          <a:ext cx="0" cy="0"/>
+          <a:chOff x="0" y="0"/>
+          <a:chExt cx="0" cy="0"/>
+        </a:xfrm>
+      </p:grpSpPr>
+      <p:sp>
+        <p:nvSpPr>
+          <p:cNvPr id="2" name="标题 1"/>
+          <p:cNvSpPr>
+            <a:spLocks noGrp="1"/>
+          </p:cNvSpPr>
+          <p:nvPr>
+            <p:ph type="title"/>
+          </p:nvPr>
+        </p:nvSpPr>
+        <p:spPr/>
+        <p:txBody>
+          <a:bodyPr/>
+          <a:lstStyle/>
+          <a:p>
+            <a:r>
+              <a:rPr lang="en-US" altLang="zh-CN" dirty="0" smtClean="0"/>
+              <a:t>4.1 </a:t>
+            </a:r>
+            <a:r>
+              <a:rPr lang="zh-CN" altLang="en-US" dirty="0" smtClean="0"/>
+              <a:t>优化条件</a:t>
+            </a:r>
+            <a:endParaRPr lang="zh-CN" altLang="en-US" dirty="0"/>
+          </a:p>
+        </p:txBody>
+      </p:sp>
+      <p:sp>
+        <p:nvSpPr>
+          <p:cNvPr id="4" name="文本占位符 3"/>
+          <p:cNvSpPr>
+            <a:spLocks noGrp="1"/>
+          </p:cNvSpPr>
+          <p:nvPr>
+            <p:ph type="body" idx="1"/>
+          </p:nvPr>
+        </p:nvSpPr>
+        <p:spPr/>
+        <p:txBody>
+          <a:bodyPr/>
+          <a:lstStyle/>
+          <a:p>
+            <a:r>
+              <a:rPr lang="en-US" altLang="zh-CN" dirty="0" smtClean="0"/>
+              <a:t>SRA </a:t>
+            </a:r>
+            <a:r>
+              <a:rPr lang="zh-CN" altLang="en-US" dirty="0" smtClean="0"/>
+              <a:t>优化前</a:t>
+            </a:r>
+            <a:endParaRPr lang="zh-CN" altLang="en-US" dirty="0"/>
+          </a:p>
+        </p:txBody>
+      </p:sp>
+      <p:sp>
+        <p:nvSpPr>
+          <p:cNvPr id="5" name="文本占位符 4"/>
+          <p:cNvSpPr>
+            <a:spLocks noGrp="1"/>
+          </p:cNvSpPr>
+          <p:nvPr>
+            <p:ph type="body" sz="quarter" idx="3"/>
+          </p:nvPr>
+        </p:nvSpPr>
+        <p:spPr/>
+        <p:txBody>
+          <a:bodyPr/>
+          <a:lstStyle/>
+          <a:p>
+            <a:r>
+              <a:rPr lang="en-US" altLang="zh-CN" dirty="0" smtClean="0"/>
+              <a:t>SRA </a:t>
+            </a:r>
+            <a:r>
+              <a:rPr lang="zh-CN" altLang="en-US" dirty="0" smtClean="0"/>
+              <a:t>优化后</a:t>
+            </a:r>
+            <a:endParaRPr lang="zh-CN" altLang="en-US" dirty="0"/>
+          </a:p>
+        </p:txBody>
+      </p:sp>
+      <p:sp>
+        <p:nvSpPr>
+          <p:cNvPr id="6" name="内容占位符 5"/>
+          <p:cNvSpPr>
+            <a:spLocks noGrp="1"/>
+          </p:cNvSpPr>
+          <p:nvPr>
+            <p:ph sz="quarter" idx="13"/>
+          </p:nvPr>
+        </p:nvSpPr>
+        <p:spPr/>
+        <p:txBody>
+          <a:bodyPr>
+            <a:normAutofit fontScale="92500" lnSpcReduction="20000"/>
+          </a:bodyPr>
+          <a:lstStyle/>
+          <a:p>
+            <a:pPr marL="0" indent="0">
+              <a:buNone/>
+            </a:pPr>
+            <a:r>
+              <a:rPr lang="en-US" altLang="zh-CN" dirty="0"/>
+              <a:t>Project([*], </a:t>
+            </a:r>
+            <a:endParaRPr lang="en-US" altLang="zh-CN" dirty="0" smtClean="0"/>
+          </a:p>
+          <a:p>
+            <a:pPr marL="0" indent="0">
+              <a:buNone/>
+            </a:pPr>
+            <a:r>
+              <a:rPr lang="en-US" altLang="zh-CN" dirty="0"/>
+              <a:t> </a:t>
+            </a:r>
+            <a:r>
+              <a:rPr lang="en-US" altLang="zh-CN" dirty="0" smtClean="0"/>
+              <a:t>   Select(</a:t>
+            </a:r>
+            <a:r>
+              <a:rPr lang="en-US" altLang="zh-CN" dirty="0" err="1" smtClean="0"/>
+              <a:t>t.a</a:t>
+            </a:r>
+            <a:r>
+              <a:rPr lang="en-US" altLang="zh-CN" dirty="0" smtClean="0"/>
+              <a:t> </a:t>
+            </a:r>
+            <a:r>
+              <a:rPr lang="en-US" altLang="zh-CN" dirty="0"/>
+              <a:t>&gt; </a:t>
+            </a:r>
+            <a:r>
+              <a:rPr lang="en-US" altLang="zh-CN" dirty="0" err="1"/>
+              <a:t>int</a:t>
+            </a:r>
+            <a:r>
+              <a:rPr lang="en-US" altLang="zh-CN" dirty="0"/>
+              <a:t> 10, </a:t>
+            </a:r>
+            <a:endParaRPr lang="en-US" altLang="zh-CN" dirty="0" smtClean="0"/>
+          </a:p>
+          <a:p>
+            <a:pPr marL="0" indent="0">
+              <a:buNone/>
+            </a:pPr>
+            <a:r>
+              <a:rPr lang="en-US" altLang="zh-CN" dirty="0"/>
+              <a:t> </a:t>
+            </a:r>
+            <a:r>
+              <a:rPr lang="en-US" altLang="zh-CN" dirty="0" smtClean="0"/>
+              <a:t>       </a:t>
+            </a:r>
+            <a:r>
+              <a:rPr lang="en-US" altLang="zh-CN" dirty="0" err="1" smtClean="0"/>
+              <a:t>NaturalJoin</a:t>
+            </a:r>
+            <a:r>
+              <a:rPr lang="en-US" altLang="zh-CN" dirty="0" smtClean="0"/>
+              <a:t>(</a:t>
+            </a:r>
+          </a:p>
+          <a:p>
+            <a:pPr marL="0" indent="0">
+              <a:buNone/>
+            </a:pPr>
+            <a:r>
+              <a:rPr lang="en-US" altLang="zh-CN" dirty="0"/>
+              <a:t> </a:t>
+            </a:r>
+            <a:r>
+              <a:rPr lang="en-US" altLang="zh-CN" dirty="0" smtClean="0"/>
+              <a:t>           Table(t),</a:t>
+            </a:r>
+          </a:p>
+          <a:p>
+            <a:pPr marL="0" indent="0">
+              <a:buNone/>
+            </a:pPr>
+            <a:r>
+              <a:rPr lang="en-US" altLang="zh-CN" dirty="0"/>
+              <a:t> </a:t>
+            </a:r>
+            <a:r>
+              <a:rPr lang="en-US" altLang="zh-CN" dirty="0" smtClean="0"/>
+              <a:t>           Table(u</a:t>
+            </a:r>
+            <a:r>
+              <a:rPr lang="en-US" altLang="zh-CN" dirty="0"/>
+              <a:t>) </a:t>
+            </a:r>
+            <a:endParaRPr lang="en-US" altLang="zh-CN" dirty="0" smtClean="0"/>
+          </a:p>
+          <a:p>
+            <a:pPr marL="0" indent="0">
+              <a:buNone/>
+            </a:pPr>
+            <a:r>
+              <a:rPr lang="en-US" altLang="zh-CN" dirty="0" smtClean="0"/>
+              <a:t>        ) </a:t>
+            </a:r>
+          </a:p>
+          <a:p>
+            <a:pPr marL="0" indent="0">
+              <a:buNone/>
+            </a:pPr>
+            <a:r>
+              <a:rPr lang="en-US" altLang="zh-CN" dirty="0"/>
+              <a:t> </a:t>
+            </a:r>
+            <a:r>
+              <a:rPr lang="en-US" altLang="zh-CN" dirty="0" smtClean="0"/>
+              <a:t>   )</a:t>
+            </a:r>
+          </a:p>
+          <a:p>
+            <a:pPr marL="0" indent="0">
+              <a:buNone/>
+            </a:pPr>
+            <a:r>
+              <a:rPr lang="en-US" altLang="zh-CN" dirty="0" smtClean="0"/>
+              <a:t>)</a:t>
+            </a:r>
+            <a:endParaRPr lang="zh-CN" altLang="en-US" dirty="0"/>
+          </a:p>
+        </p:txBody>
+      </p:sp>
+      <p:sp>
+        <p:nvSpPr>
+          <p:cNvPr id="7" name="内容占位符 6"/>
+          <p:cNvSpPr>
+            <a:spLocks noGrp="1"/>
+          </p:cNvSpPr>
+          <p:nvPr>
+            <p:ph sz="quarter" idx="14"/>
+          </p:nvPr>
+        </p:nvSpPr>
+        <p:spPr/>
+        <p:txBody>
+          <a:bodyPr>
+            <a:normAutofit fontScale="92500" lnSpcReduction="20000"/>
+          </a:bodyPr>
+          <a:lstStyle/>
+          <a:p>
+            <a:pPr marL="0" indent="0">
+              <a:buNone/>
+            </a:pPr>
+            <a:r>
+              <a:rPr lang="en-US" altLang="zh-CN" dirty="0"/>
+              <a:t>Project</a:t>
+            </a:r>
+            <a:r>
+              <a:rPr lang="en-US" altLang="zh-CN" dirty="0" smtClean="0"/>
+              <a:t>([*],</a:t>
+            </a:r>
+          </a:p>
+          <a:p>
+            <a:pPr marL="0" indent="0">
+              <a:buNone/>
+            </a:pPr>
+            <a:r>
+              <a:rPr lang="en-US" altLang="zh-CN" dirty="0"/>
+              <a:t> </a:t>
+            </a:r>
+            <a:r>
+              <a:rPr lang="en-US" altLang="zh-CN" dirty="0" smtClean="0"/>
+              <a:t>   </a:t>
+            </a:r>
+            <a:r>
+              <a:rPr lang="en-US" altLang="zh-CN" dirty="0" err="1" smtClean="0"/>
+              <a:t>NaturalJoin</a:t>
+            </a:r>
+            <a:r>
+              <a:rPr lang="en-US" altLang="zh-CN" dirty="0" smtClean="0"/>
+              <a:t>(</a:t>
+            </a:r>
+          </a:p>
+          <a:p>
+            <a:pPr marL="0" indent="0">
+              <a:buNone/>
+            </a:pPr>
+            <a:r>
+              <a:rPr lang="en-US" altLang="zh-CN" dirty="0"/>
+              <a:t> </a:t>
+            </a:r>
+            <a:r>
+              <a:rPr lang="en-US" altLang="zh-CN" dirty="0" smtClean="0"/>
+              <a:t>       Select(</a:t>
+            </a:r>
+            <a:r>
+              <a:rPr lang="en-US" altLang="zh-CN" dirty="0" err="1" smtClean="0"/>
+              <a:t>t.a</a:t>
+            </a:r>
+            <a:r>
+              <a:rPr lang="en-US" altLang="zh-CN" dirty="0" smtClean="0"/>
+              <a:t> </a:t>
+            </a:r>
+            <a:r>
+              <a:rPr lang="en-US" altLang="zh-CN" dirty="0"/>
+              <a:t>&gt; </a:t>
+            </a:r>
+            <a:r>
+              <a:rPr lang="en-US" altLang="zh-CN" dirty="0" err="1"/>
+              <a:t>int</a:t>
+            </a:r>
+            <a:r>
+              <a:rPr lang="en-US" altLang="zh-CN" dirty="0"/>
+              <a:t> </a:t>
+            </a:r>
+            <a:r>
+              <a:rPr lang="en-US" altLang="zh-CN" dirty="0" smtClean="0"/>
+              <a:t>10,</a:t>
+            </a:r>
+          </a:p>
+          <a:p>
+            <a:pPr marL="0" indent="0">
+              <a:buNone/>
+            </a:pPr>
+            <a:r>
+              <a:rPr lang="en-US" altLang="zh-CN" dirty="0"/>
+              <a:t> </a:t>
+            </a:r>
+            <a:r>
+              <a:rPr lang="en-US" altLang="zh-CN" dirty="0" smtClean="0"/>
+              <a:t>           Table(t)</a:t>
+            </a:r>
+          </a:p>
+          <a:p>
+            <a:pPr marL="0" indent="0">
+              <a:buNone/>
+            </a:pPr>
+            <a:r>
+              <a:rPr lang="en-US" altLang="zh-CN" dirty="0"/>
+              <a:t> </a:t>
+            </a:r>
+            <a:r>
+              <a:rPr lang="en-US" altLang="zh-CN" dirty="0" smtClean="0"/>
+              <a:t>       ),</a:t>
+            </a:r>
+          </a:p>
+          <a:p>
+            <a:pPr marL="0" indent="0">
+              <a:buNone/>
+            </a:pPr>
+            <a:r>
+              <a:rPr lang="en-US" altLang="zh-CN" dirty="0"/>
+              <a:t> </a:t>
+            </a:r>
+            <a:r>
+              <a:rPr lang="en-US" altLang="zh-CN" dirty="0" smtClean="0"/>
+              <a:t>       Table(u)</a:t>
+            </a:r>
+          </a:p>
+          <a:p>
+            <a:pPr marL="0" indent="0">
+              <a:buNone/>
+            </a:pPr>
+            <a:r>
+              <a:rPr lang="en-US" altLang="zh-CN" dirty="0"/>
+              <a:t> </a:t>
+            </a:r>
+            <a:r>
+              <a:rPr lang="en-US" altLang="zh-CN" dirty="0" smtClean="0"/>
+              <a:t>   )</a:t>
+            </a:r>
+          </a:p>
+          <a:p>
+            <a:pPr marL="0" indent="0">
+              <a:buNone/>
+            </a:pPr>
+            <a:r>
+              <a:rPr lang="en-US" altLang="zh-CN" dirty="0" smtClean="0"/>
+              <a:t>)</a:t>
+            </a:r>
+            <a:endParaRPr lang="zh-CN" altLang="en-US" dirty="0"/>
+          </a:p>
+        </p:txBody>
+      </p:sp>
+    </p:spTree>
+    <p:extLst>
+      <p:ext uri="{BB962C8B-B14F-4D97-AF65-F5344CB8AC3E}">
+        <p14:creationId xmlns:p14="http://schemas.microsoft.com/office/powerpoint/2010/main" val="126763931"/>
+      </p:ext>
+    </p:extLst>
+  </p:cSld>
+  <p:clrMapOvr>
+    <a:masterClrMapping/>
+  </p:clrMapOvr>
+</p:sld>
+</file>
+
+<file path=ppt/slides/slide46.xml><?xml version="1.0" encoding="utf-8"?>
+<p:sld xmlns:a="http://schemas.openxmlformats.org/drawingml/2006/main" xmlns:r="http://schemas.openxmlformats.org/officeDocument/2006/relationships" xmlns:p="http://schemas.openxmlformats.org/presentationml/2006/main">
+  <p:cSld>
+    <p:spTree>
+      <p:nvGrpSpPr>
+        <p:cNvPr id="1" name=""/>
+        <p:cNvGrpSpPr/>
+        <p:nvPr/>
+      </p:nvGrpSpPr>
+      <p:grpSpPr>
+        <a:xfrm>
+          <a:off x="0" y="0"/>
+          <a:ext cx="0" cy="0"/>
+          <a:chOff x="0" y="0"/>
+          <a:chExt cx="0" cy="0"/>
+        </a:xfrm>
+      </p:grpSpPr>
+      <p:sp>
+        <p:nvSpPr>
+          <p:cNvPr id="2" name="标题 1"/>
+          <p:cNvSpPr>
+            <a:spLocks noGrp="1"/>
+          </p:cNvSpPr>
+          <p:nvPr>
+            <p:ph type="title"/>
+          </p:nvPr>
+        </p:nvSpPr>
+        <p:spPr>
+          <a:xfrm>
+            <a:off x="457200" y="0"/>
+            <a:ext cx="8147248" cy="915566"/>
+          </a:xfrm>
+        </p:spPr>
+        <p:txBody>
+          <a:bodyPr/>
+          <a:lstStyle/>
+          <a:p>
+            <a:r>
+              <a:rPr lang="zh-CN" altLang="en-US" sz="4400" dirty="0" smtClean="0"/>
+              <a:t>判断是否可以优化</a:t>
+            </a:r>
+            <a:endParaRPr lang="zh-CN" altLang="en-US" sz="4400" dirty="0"/>
+          </a:p>
+        </p:txBody>
+      </p:sp>
+      <p:sp>
+        <p:nvSpPr>
+          <p:cNvPr id="4" name="流程图: 决策 3"/>
+          <p:cNvSpPr/>
+          <p:nvPr/>
+        </p:nvSpPr>
+        <p:spPr>
+          <a:xfrm>
+            <a:off x="4642397" y="2542051"/>
+            <a:ext cx="3332669" cy="1175319"/>
+          </a:xfrm>
+          <a:prstGeom prst="flowChartDecision">
+            <a:avLst/>
+          </a:prstGeom>
+        </p:spPr>
+        <p:style>
+          <a:lnRef idx="2">
+            <a:schemeClr val="accent1">
+              <a:shade val="50000"/>
+            </a:schemeClr>
+          </a:lnRef>
+          <a:fillRef idx="1">
+            <a:schemeClr val="accent1"/>
+          </a:fillRef>
+          <a:effectRef idx="0">
+            <a:schemeClr val="accent1"/>
+          </a:effectRef>
+          <a:fontRef idx="minor">
+            <a:schemeClr val="lt1"/>
+          </a:fontRef>
+        </p:style>
+        <p:txBody>
+          <a:bodyPr rtlCol="0" anchor="ctr"/>
+          <a:lstStyle/>
+          <a:p>
+            <a:pPr algn="ctr"/>
+            <a:r>
+              <a:rPr lang="en-US" altLang="zh-CN" dirty="0"/>
+              <a:t>Select</a:t>
+            </a:r>
+            <a:r>
+              <a:rPr lang="zh-CN" altLang="en-US" dirty="0"/>
+              <a:t>中的</a:t>
+            </a:r>
+            <a:r>
+              <a:rPr lang="en-US" altLang="zh-CN" dirty="0"/>
+              <a:t>SRA</a:t>
+            </a:r>
+            <a:r>
+              <a:rPr lang="zh-CN" altLang="en-US" dirty="0"/>
+              <a:t>类型</a:t>
+            </a:r>
+            <a:r>
+              <a:rPr lang="zh-CN" altLang="zh-CN" dirty="0"/>
+              <a:t>是否为自然连接</a:t>
+            </a:r>
+            <a:endParaRPr lang="zh-CN" altLang="zh-CN" dirty="0"/>
+          </a:p>
+        </p:txBody>
+      </p:sp>
+      <p:sp>
+        <p:nvSpPr>
+          <p:cNvPr id="5" name="流程图: 决策 4"/>
+          <p:cNvSpPr/>
+          <p:nvPr/>
+        </p:nvSpPr>
+        <p:spPr>
+          <a:xfrm>
+            <a:off x="1843664" y="1691268"/>
+            <a:ext cx="3107978" cy="1289368"/>
+          </a:xfrm>
+          <a:prstGeom prst="flowChartDecision">
+            <a:avLst/>
+          </a:prstGeom>
+        </p:spPr>
+        <p:style>
+          <a:lnRef idx="2">
+            <a:schemeClr val="accent1">
+              <a:shade val="50000"/>
+            </a:schemeClr>
+          </a:lnRef>
+          <a:fillRef idx="1">
+            <a:schemeClr val="accent1"/>
+          </a:fillRef>
+          <a:effectRef idx="0">
+            <a:schemeClr val="accent1"/>
+          </a:effectRef>
+          <a:fontRef idx="minor">
+            <a:schemeClr val="lt1"/>
+          </a:fontRef>
+        </p:style>
+        <p:txBody>
+          <a:bodyPr rtlCol="0" anchor="ctr"/>
+          <a:lstStyle/>
+          <a:p>
+            <a:pPr algn="ctr"/>
+            <a:r>
+              <a:rPr lang="en-US" altLang="zh-CN" dirty="0" smtClean="0"/>
+              <a:t>Project</a:t>
+            </a:r>
+            <a:r>
+              <a:rPr lang="zh-CN" altLang="en-US" dirty="0" smtClean="0"/>
+              <a:t>中的</a:t>
+            </a:r>
+            <a:r>
+              <a:rPr lang="en-US" altLang="zh-CN" dirty="0" smtClean="0"/>
+              <a:t>SRA</a:t>
+            </a:r>
+            <a:r>
+              <a:rPr lang="zh-CN" altLang="en-US" dirty="0" smtClean="0"/>
+              <a:t>类型是否为</a:t>
+            </a:r>
+            <a:r>
+              <a:rPr lang="en-US" altLang="zh-CN" dirty="0" smtClean="0"/>
+              <a:t>Select</a:t>
+            </a:r>
+            <a:r>
+              <a:rPr lang="zh-CN" altLang="en-US" dirty="0" smtClean="0"/>
+              <a:t>类型</a:t>
+            </a:r>
+            <a:endParaRPr lang="zh-CN" altLang="en-US" dirty="0"/>
+          </a:p>
+        </p:txBody>
+      </p:sp>
+      <p:sp>
+        <p:nvSpPr>
+          <p:cNvPr id="6" name="流程图: 可选过程 5"/>
+          <p:cNvSpPr/>
+          <p:nvPr/>
+        </p:nvSpPr>
+        <p:spPr>
+          <a:xfrm>
+            <a:off x="906461" y="3356968"/>
+            <a:ext cx="1167765" cy="549910"/>
+          </a:xfrm>
+          <a:prstGeom prst="flowChartAlternateProcess">
+            <a:avLst/>
+          </a:prstGeom>
+        </p:spPr>
+        <p:style>
+          <a:lnRef idx="2">
+            <a:schemeClr val="accent1">
+              <a:shade val="50000"/>
+            </a:schemeClr>
+          </a:lnRef>
+          <a:fillRef idx="1">
+            <a:schemeClr val="accent1"/>
+          </a:fillRef>
+          <a:effectRef idx="0">
+            <a:schemeClr val="accent1"/>
+          </a:effectRef>
+          <a:fontRef idx="minor">
+            <a:schemeClr val="lt1"/>
+          </a:fontRef>
+        </p:style>
+        <p:txBody>
+          <a:bodyPr rtlCol="0" anchor="ctr"/>
+          <a:lstStyle/>
+          <a:p>
+            <a:pPr algn="ctr"/>
+            <a:r>
+              <a:rPr lang="zh-CN" altLang="en-US" dirty="0" smtClean="0"/>
+              <a:t>不能优化</a:t>
+            </a:r>
+            <a:endParaRPr lang="zh-CN" altLang="en-US" dirty="0"/>
+          </a:p>
+        </p:txBody>
+      </p:sp>
+      <p:sp>
+        <p:nvSpPr>
+          <p:cNvPr id="7" name="流程图: 可选过程 6"/>
+          <p:cNvSpPr/>
+          <p:nvPr/>
+        </p:nvSpPr>
+        <p:spPr>
+          <a:xfrm>
+            <a:off x="2923625" y="869355"/>
+            <a:ext cx="948055" cy="575945"/>
+          </a:xfrm>
+          <a:prstGeom prst="flowChartAlternateProcess">
+            <a:avLst/>
+          </a:prstGeom>
+        </p:spPr>
+        <p:style>
+          <a:lnRef idx="2">
+            <a:schemeClr val="accent1">
+              <a:shade val="50000"/>
+            </a:schemeClr>
+          </a:lnRef>
+          <a:fillRef idx="1">
+            <a:schemeClr val="accent1"/>
+          </a:fillRef>
+          <a:effectRef idx="0">
+            <a:schemeClr val="accent1"/>
+          </a:effectRef>
+          <a:fontRef idx="minor">
+            <a:schemeClr val="lt1"/>
+          </a:fontRef>
+        </p:style>
+        <p:txBody>
+          <a:bodyPr rtlCol="0" anchor="ctr"/>
+          <a:lstStyle/>
+          <a:p>
+            <a:pPr algn="ctr"/>
+            <a:r>
+              <a:rPr lang="zh-CN" altLang="en-US" dirty="0"/>
+              <a:t>开始</a:t>
+            </a:r>
+            <a:endParaRPr lang="zh-CN" altLang="en-US" dirty="0"/>
+          </a:p>
+        </p:txBody>
+      </p:sp>
+      <p:cxnSp>
+        <p:nvCxnSpPr>
+          <p:cNvPr id="12" name="直接箭头连接符 11"/>
+          <p:cNvCxnSpPr>
+            <a:stCxn id="7" idx="2"/>
+            <a:endCxn id="5" idx="0"/>
+          </p:cNvCxnSpPr>
+          <p:nvPr/>
+        </p:nvCxnSpPr>
+        <p:spPr>
+          <a:xfrm>
+            <a:off x="3397653" y="1445300"/>
+            <a:ext cx="0" cy="245968"/>
+          </a:xfrm>
+          <a:prstGeom prst="straightConnector1">
+            <a:avLst/>
+          </a:prstGeom>
+          <a:ln>
+            <a:solidFill>
+              <a:schemeClr val="tx1"/>
+            </a:solidFill>
+            <a:tailEnd type="arrow" w="med" len="med"/>
+          </a:ln>
+        </p:spPr>
+        <p:style>
+          <a:lnRef idx="1">
+            <a:schemeClr val="dk1"/>
+          </a:lnRef>
+          <a:fillRef idx="0">
+            <a:schemeClr val="dk1"/>
+          </a:fillRef>
+          <a:effectRef idx="0">
+            <a:schemeClr val="dk1"/>
+          </a:effectRef>
+          <a:fontRef idx="minor">
+            <a:schemeClr val="tx1"/>
+          </a:fontRef>
+        </p:style>
+      </p:cxnSp>
+      <p:cxnSp>
+        <p:nvCxnSpPr>
+          <p:cNvPr id="13" name="肘形连接符 12"/>
+          <p:cNvCxnSpPr>
+            <a:stCxn id="5" idx="1"/>
+            <a:endCxn id="6" idx="0"/>
+          </p:cNvCxnSpPr>
+          <p:nvPr/>
+        </p:nvCxnSpPr>
+        <p:spPr>
+          <a:xfrm rot="10800000" flipV="1">
+            <a:off x="1490344" y="2335952"/>
+            <a:ext cx="353320" cy="1021016"/>
+          </a:xfrm>
+          <a:prstGeom prst="bentConnector2">
+            <a:avLst/>
+          </a:prstGeom>
+          <a:ln>
+            <a:solidFill>
+              <a:schemeClr val="tx1"/>
+            </a:solidFill>
+            <a:tailEnd type="arrow" w="med" len="med"/>
+          </a:ln>
+        </p:spPr>
+        <p:style>
+          <a:lnRef idx="1">
+            <a:schemeClr val="dk1"/>
+          </a:lnRef>
+          <a:fillRef idx="0">
+            <a:schemeClr val="dk1"/>
+          </a:fillRef>
+          <a:effectRef idx="0">
+            <a:schemeClr val="dk1"/>
+          </a:effectRef>
+          <a:fontRef idx="minor">
+            <a:schemeClr val="tx1"/>
+          </a:fontRef>
+        </p:style>
+      </p:cxnSp>
+      <p:sp>
+        <p:nvSpPr>
+          <p:cNvPr id="14" name="文本框 32"/>
+          <p:cNvSpPr txBox="1"/>
+          <p:nvPr/>
+        </p:nvSpPr>
+        <p:spPr>
+          <a:xfrm>
+            <a:off x="1490344" y="1955009"/>
+            <a:ext cx="429260" cy="368300"/>
+          </a:xfrm>
+          <a:prstGeom prst="rect">
+            <a:avLst/>
+          </a:prstGeom>
+          <a:noFill/>
+        </p:spPr>
+        <p:txBody>
+          <a:bodyPr wrap="square" rtlCol="0">
+            <a:spAutoFit/>
+          </a:bodyPr>
+          <a:lstStyle/>
+          <a:p>
+            <a:r>
+              <a:rPr lang="zh-CN" altLang="en-US" dirty="0"/>
+              <a:t>否</a:t>
+            </a:r>
+          </a:p>
+        </p:txBody>
+      </p:sp>
+      <p:sp>
+        <p:nvSpPr>
+          <p:cNvPr id="15" name="文本框 33"/>
+          <p:cNvSpPr txBox="1"/>
+          <p:nvPr/>
+        </p:nvSpPr>
+        <p:spPr>
+          <a:xfrm flipH="1">
+            <a:off x="5145259" y="1976796"/>
+            <a:ext cx="319405" cy="368300"/>
+          </a:xfrm>
+          <a:prstGeom prst="rect">
+            <a:avLst/>
+          </a:prstGeom>
+          <a:noFill/>
+        </p:spPr>
+        <p:txBody>
+          <a:bodyPr wrap="square" rtlCol="0">
+            <a:spAutoFit/>
+          </a:bodyPr>
+          <a:lstStyle/>
+          <a:p>
+            <a:r>
+              <a:rPr lang="zh-CN" altLang="en-US" dirty="0"/>
+              <a:t>是</a:t>
+            </a:r>
+          </a:p>
+        </p:txBody>
+      </p:sp>
+      <p:cxnSp>
+        <p:nvCxnSpPr>
+          <p:cNvPr id="16" name="肘形连接符 15"/>
+          <p:cNvCxnSpPr>
+            <a:stCxn id="5" idx="3"/>
+            <a:endCxn id="4" idx="0"/>
+          </p:cNvCxnSpPr>
+          <p:nvPr/>
+        </p:nvCxnSpPr>
+        <p:spPr>
+          <a:xfrm>
+            <a:off x="4951642" y="2335952"/>
+            <a:ext cx="1357090" cy="206099"/>
+          </a:xfrm>
+          <a:prstGeom prst="bentConnector2">
+            <a:avLst/>
+          </a:prstGeom>
+          <a:ln>
+            <a:solidFill>
+              <a:schemeClr val="tx1"/>
+            </a:solidFill>
+            <a:tailEnd type="arrow" w="med" len="med"/>
+          </a:ln>
+        </p:spPr>
+        <p:style>
+          <a:lnRef idx="1">
+            <a:schemeClr val="dk1"/>
+          </a:lnRef>
+          <a:fillRef idx="0">
+            <a:schemeClr val="dk1"/>
+          </a:fillRef>
+          <a:effectRef idx="0">
+            <a:schemeClr val="dk1"/>
+          </a:effectRef>
+          <a:fontRef idx="minor">
+            <a:schemeClr val="tx1"/>
+          </a:fontRef>
+        </p:style>
+      </p:cxnSp>
+      <p:cxnSp>
+        <p:nvCxnSpPr>
+          <p:cNvPr id="17" name="肘形连接符 16"/>
+          <p:cNvCxnSpPr>
+            <a:stCxn id="4" idx="1"/>
+            <a:endCxn id="18" idx="0"/>
+          </p:cNvCxnSpPr>
+          <p:nvPr/>
+        </p:nvCxnSpPr>
+        <p:spPr>
+          <a:xfrm rot="10800000" flipV="1">
+            <a:off x="4287207" y="3129710"/>
+            <a:ext cx="355190" cy="1028471"/>
+          </a:xfrm>
+          <a:prstGeom prst="bentConnector2">
+            <a:avLst/>
+          </a:prstGeom>
+          <a:ln>
+            <a:solidFill>
+              <a:schemeClr val="tx1"/>
+            </a:solidFill>
+            <a:tailEnd type="arrow" w="med" len="med"/>
+          </a:ln>
+        </p:spPr>
+        <p:style>
+          <a:lnRef idx="1">
+            <a:schemeClr val="dk1"/>
+          </a:lnRef>
+          <a:fillRef idx="0">
+            <a:schemeClr val="dk1"/>
+          </a:fillRef>
+          <a:effectRef idx="0">
+            <a:schemeClr val="dk1"/>
+          </a:effectRef>
+          <a:fontRef idx="minor">
+            <a:schemeClr val="tx1"/>
+          </a:fontRef>
+        </p:style>
+      </p:cxnSp>
+      <p:sp>
+        <p:nvSpPr>
+          <p:cNvPr id="18" name="流程图: 可选过程 17"/>
+          <p:cNvSpPr/>
+          <p:nvPr/>
+        </p:nvSpPr>
+        <p:spPr>
+          <a:xfrm>
+            <a:off x="3638872" y="4158182"/>
+            <a:ext cx="1296670" cy="504190"/>
+          </a:xfrm>
+          <a:prstGeom prst="flowChartAlternateProcess">
+            <a:avLst/>
+          </a:prstGeom>
+        </p:spPr>
+        <p:style>
+          <a:lnRef idx="2">
+            <a:schemeClr val="accent1">
+              <a:shade val="50000"/>
+            </a:schemeClr>
+          </a:lnRef>
+          <a:fillRef idx="1">
+            <a:schemeClr val="accent1"/>
+          </a:fillRef>
+          <a:effectRef idx="0">
+            <a:schemeClr val="accent1"/>
+          </a:effectRef>
+          <a:fontRef idx="minor">
+            <a:schemeClr val="lt1"/>
+          </a:fontRef>
+        </p:style>
+        <p:txBody>
+          <a:bodyPr rtlCol="0" anchor="ctr"/>
+          <a:lstStyle/>
+          <a:p>
+            <a:r>
+              <a:rPr lang="zh-CN" altLang="en-US" dirty="0" smtClean="0"/>
+              <a:t>可以优化</a:t>
+            </a:r>
+            <a:endParaRPr lang="en-US" altLang="zh-CN" dirty="0"/>
+          </a:p>
+        </p:txBody>
+      </p:sp>
+      <p:cxnSp>
+        <p:nvCxnSpPr>
+          <p:cNvPr id="20" name="肘形连接符 19"/>
+          <p:cNvCxnSpPr>
+            <a:stCxn id="4" idx="3"/>
+            <a:endCxn id="21" idx="0"/>
+          </p:cNvCxnSpPr>
+          <p:nvPr/>
+        </p:nvCxnSpPr>
+        <p:spPr>
+          <a:xfrm>
+            <a:off x="7975066" y="3129711"/>
+            <a:ext cx="322667" cy="1059743"/>
+          </a:xfrm>
+          <a:prstGeom prst="bentConnector2">
+            <a:avLst/>
+          </a:prstGeom>
+          <a:ln>
+            <a:solidFill>
+              <a:schemeClr val="tx1"/>
+            </a:solidFill>
+            <a:tailEnd type="arrow" w="med" len="med"/>
+          </a:ln>
+        </p:spPr>
+        <p:style>
+          <a:lnRef idx="1">
+            <a:schemeClr val="dk1"/>
+          </a:lnRef>
+          <a:fillRef idx="0">
+            <a:schemeClr val="dk1"/>
+          </a:fillRef>
+          <a:effectRef idx="0">
+            <a:schemeClr val="dk1"/>
+          </a:effectRef>
+          <a:fontRef idx="minor">
+            <a:schemeClr val="tx1"/>
+          </a:fontRef>
+        </p:style>
+      </p:cxnSp>
+      <p:sp>
+        <p:nvSpPr>
+          <p:cNvPr id="21" name="圆角矩形 20"/>
+          <p:cNvSpPr/>
+          <p:nvPr/>
+        </p:nvSpPr>
+        <p:spPr>
+          <a:xfrm>
+            <a:off x="7668345" y="4189454"/>
+            <a:ext cx="1258776" cy="504190"/>
+          </a:xfrm>
+          <a:prstGeom prst="roundRect">
+            <a:avLst/>
+          </a:prstGeom>
+        </p:spPr>
+        <p:style>
+          <a:lnRef idx="2">
+            <a:schemeClr val="accent1">
+              <a:shade val="50000"/>
+            </a:schemeClr>
+          </a:lnRef>
+          <a:fillRef idx="1">
+            <a:schemeClr val="accent1"/>
+          </a:fillRef>
+          <a:effectRef idx="0">
+            <a:schemeClr val="accent1"/>
+          </a:effectRef>
+          <a:fontRef idx="minor">
+            <a:schemeClr val="lt1"/>
+          </a:fontRef>
+        </p:style>
+        <p:txBody>
+          <a:bodyPr rtlCol="0" anchor="ctr"/>
+          <a:lstStyle/>
+          <a:p>
+            <a:pPr algn="ctr"/>
+            <a:r>
+              <a:rPr lang="zh-CN" altLang="en-US" dirty="0" smtClean="0"/>
+              <a:t>不能优化</a:t>
+            </a:r>
+            <a:endParaRPr lang="zh-CN" altLang="en-US" dirty="0"/>
+          </a:p>
+        </p:txBody>
+      </p:sp>
+      <p:sp>
+        <p:nvSpPr>
+          <p:cNvPr id="85" name="文本框 33"/>
+          <p:cNvSpPr txBox="1"/>
+          <p:nvPr/>
+        </p:nvSpPr>
+        <p:spPr>
+          <a:xfrm flipH="1">
+            <a:off x="4322992" y="2761410"/>
+            <a:ext cx="319405" cy="368300"/>
+          </a:xfrm>
+          <a:prstGeom prst="rect">
+            <a:avLst/>
+          </a:prstGeom>
+          <a:noFill/>
+        </p:spPr>
+        <p:txBody>
+          <a:bodyPr wrap="square" rtlCol="0">
+            <a:spAutoFit/>
+          </a:bodyPr>
+          <a:lstStyle/>
+          <a:p>
+            <a:r>
+              <a:rPr lang="zh-CN" altLang="en-US" dirty="0"/>
+              <a:t>是</a:t>
+            </a:r>
+          </a:p>
+        </p:txBody>
+      </p:sp>
+      <p:sp>
+        <p:nvSpPr>
+          <p:cNvPr id="87" name="文本框 32"/>
+          <p:cNvSpPr txBox="1"/>
+          <p:nvPr/>
+        </p:nvSpPr>
+        <p:spPr>
+          <a:xfrm>
+            <a:off x="7921769" y="2753411"/>
+            <a:ext cx="429260" cy="368300"/>
+          </a:xfrm>
+          <a:prstGeom prst="rect">
+            <a:avLst/>
+          </a:prstGeom>
+          <a:noFill/>
+        </p:spPr>
+        <p:txBody>
+          <a:bodyPr wrap="square" rtlCol="0">
+            <a:spAutoFit/>
+          </a:bodyPr>
+          <a:lstStyle/>
+          <a:p>
+            <a:r>
+              <a:rPr lang="zh-CN" altLang="en-US" dirty="0"/>
+              <a:t>否</a:t>
+            </a:r>
+          </a:p>
+        </p:txBody>
+      </p:sp>
+    </p:spTree>
+    <p:extLst>
+      <p:ext uri="{BB962C8B-B14F-4D97-AF65-F5344CB8AC3E}">
+        <p14:creationId xmlns:p14="http://schemas.microsoft.com/office/powerpoint/2010/main" val="3929105622"/>
+      </p:ext>
+    </p:extLst>
+  </p:cSld>
+  <p:clrMapOvr>
+    <a:masterClrMapping/>
+  </p:clrMapOvr>
+</p:sld>
+</file>
+
+<file path=ppt/slides/slide47.xml><?xml version="1.0" encoding="utf-8"?>
+<p:sld xmlns:a="http://schemas.openxmlformats.org/drawingml/2006/main" xmlns:r="http://schemas.openxmlformats.org/officeDocument/2006/relationships" xmlns:p="http://schemas.openxmlformats.org/presentationml/2006/main">
+  <p:cSld>
+    <p:spTree>
+      <p:nvGrpSpPr>
+        <p:cNvPr id="1" name=""/>
+        <p:cNvGrpSpPr/>
+        <p:nvPr/>
+      </p:nvGrpSpPr>
+      <p:grpSpPr>
+        <a:xfrm>
+          <a:off x="0" y="0"/>
+          <a:ext cx="0" cy="0"/>
+          <a:chOff x="0" y="0"/>
+          <a:chExt cx="0" cy="0"/>
+        </a:xfrm>
+      </p:grpSpPr>
+      <p:sp>
+        <p:nvSpPr>
+          <p:cNvPr id="2" name="标题 1"/>
+          <p:cNvSpPr>
+            <a:spLocks noGrp="1"/>
+          </p:cNvSpPr>
+          <p:nvPr>
+            <p:ph type="title"/>
+          </p:nvPr>
+        </p:nvSpPr>
+        <p:spPr/>
+        <p:txBody>
+          <a:bodyPr/>
+          <a:lstStyle/>
+          <a:p>
+            <a:r>
+              <a:rPr lang="zh-CN" altLang="en-US" dirty="0" smtClean="0"/>
+              <a:t>选取后移</a:t>
+            </a:r>
+            <a:r>
+              <a:rPr lang="en-US" altLang="zh-CN" dirty="0" smtClean="0"/>
+              <a:t>(Sigma Push)</a:t>
+            </a:r>
+            <a:endParaRPr lang="zh-CN" altLang="en-US" dirty="0"/>
+          </a:p>
+        </p:txBody>
+      </p:sp>
+      <p:sp>
+        <p:nvSpPr>
+          <p:cNvPr id="3" name="内容占位符 2"/>
+          <p:cNvSpPr>
+            <a:spLocks noGrp="1"/>
+          </p:cNvSpPr>
+          <p:nvPr>
+            <p:ph idx="1"/>
+          </p:nvPr>
+        </p:nvSpPr>
+        <p:spPr/>
+        <p:txBody>
+          <a:bodyPr/>
+          <a:lstStyle/>
+          <a:p>
+            <a:pPr marL="457200" indent="-457200">
+              <a:buFont typeface="+mj-lt"/>
+              <a:buAutoNum type="arabicPeriod"/>
+            </a:pPr>
+            <a:r>
+              <a:rPr lang="zh-CN" altLang="en-US" dirty="0"/>
+              <a:t>获取原 </a:t>
+            </a:r>
+            <a:r>
+              <a:rPr lang="en-US" altLang="zh-CN" dirty="0"/>
+              <a:t>SRA </a:t>
+            </a:r>
+            <a:r>
+              <a:rPr lang="zh-CN" altLang="en-US" dirty="0"/>
+              <a:t>中 </a:t>
+            </a:r>
+            <a:r>
+              <a:rPr lang="en-US" altLang="zh-CN" dirty="0"/>
+              <a:t>Select </a:t>
+            </a:r>
+            <a:r>
+              <a:rPr lang="zh-CN" altLang="en-US" dirty="0"/>
+              <a:t>中条件中的左边值所处的列引用</a:t>
+            </a:r>
+          </a:p>
+          <a:p>
+            <a:pPr marL="457200" indent="-457200">
+              <a:buFont typeface="+mj-lt"/>
+              <a:buAutoNum type="arabicPeriod"/>
+            </a:pPr>
+            <a:r>
+              <a:rPr lang="zh-CN" altLang="en-US" dirty="0"/>
+              <a:t>获取原 </a:t>
+            </a:r>
+            <a:r>
+              <a:rPr lang="en-US" altLang="zh-CN" dirty="0"/>
+              <a:t>SRA </a:t>
+            </a:r>
+            <a:r>
+              <a:rPr lang="zh-CN" altLang="en-US" dirty="0"/>
+              <a:t>中的自然连接中的两个表引用</a:t>
+            </a:r>
+          </a:p>
+          <a:p>
+            <a:pPr marL="457200" indent="-457200">
+              <a:buFont typeface="+mj-lt"/>
+              <a:buAutoNum type="arabicPeriod"/>
+            </a:pPr>
+            <a:r>
+              <a:rPr lang="zh-CN" altLang="en-US" dirty="0"/>
+              <a:t>与列引用中相同的表名记为 </a:t>
+            </a:r>
+            <a:r>
+              <a:rPr lang="en-US" altLang="zh-CN" dirty="0"/>
+              <a:t>table1, </a:t>
+            </a:r>
+            <a:r>
+              <a:rPr lang="zh-CN" altLang="en-US" dirty="0"/>
+              <a:t>另一个记为 </a:t>
+            </a:r>
+            <a:r>
+              <a:rPr lang="en-US" altLang="zh-CN" dirty="0"/>
+              <a:t>table2</a:t>
+            </a:r>
+          </a:p>
+          <a:p>
+            <a:pPr marL="457200" indent="-457200">
+              <a:buFont typeface="+mj-lt"/>
+              <a:buAutoNum type="arabicPeriod"/>
+            </a:pPr>
+            <a:r>
+              <a:rPr lang="zh-CN" altLang="en-US" dirty="0"/>
+              <a:t>为优化后的 </a:t>
+            </a:r>
+            <a:r>
+              <a:rPr lang="en-US" altLang="zh-CN" dirty="0"/>
+              <a:t>SRA </a:t>
+            </a:r>
+            <a:r>
+              <a:rPr lang="zh-CN" altLang="en-US" dirty="0"/>
+              <a:t>及成员分配空间</a:t>
+            </a:r>
+          </a:p>
+          <a:p>
+            <a:pPr marL="457200" indent="-457200">
+              <a:buFont typeface="+mj-lt"/>
+              <a:buAutoNum type="arabicPeriod"/>
+            </a:pPr>
+            <a:r>
+              <a:rPr lang="zh-CN" altLang="en-US" dirty="0"/>
+              <a:t>新 </a:t>
+            </a:r>
+            <a:r>
+              <a:rPr lang="en-US" altLang="zh-CN" dirty="0"/>
+              <a:t>SRA </a:t>
+            </a:r>
+            <a:r>
+              <a:rPr lang="zh-CN" altLang="en-US" dirty="0"/>
+              <a:t>中的自然连接的右边设置为 </a:t>
+            </a:r>
+            <a:r>
+              <a:rPr lang="en-US" altLang="zh-CN" dirty="0"/>
+              <a:t>Table </a:t>
+            </a:r>
+            <a:r>
+              <a:rPr lang="zh-CN" altLang="en-US" dirty="0"/>
+              <a:t>类型的 </a:t>
+            </a:r>
+            <a:r>
+              <a:rPr lang="en-US" altLang="zh-CN" dirty="0"/>
+              <a:t>SRA, </a:t>
+            </a:r>
+            <a:r>
+              <a:rPr lang="zh-CN" altLang="en-US" dirty="0"/>
+              <a:t>其连接的表名为 </a:t>
+            </a:r>
+            <a:r>
+              <a:rPr lang="en-US" altLang="zh-CN" dirty="0"/>
+              <a:t>table2</a:t>
+            </a:r>
+          </a:p>
+          <a:p>
+            <a:pPr marL="457200" indent="-457200">
+              <a:buFont typeface="+mj-lt"/>
+              <a:buAutoNum type="arabicPeriod"/>
+            </a:pPr>
+            <a:r>
+              <a:rPr lang="zh-CN" altLang="en-US" dirty="0"/>
+              <a:t>新 </a:t>
+            </a:r>
+            <a:r>
+              <a:rPr lang="en-US" altLang="zh-CN" dirty="0"/>
+              <a:t>SRA </a:t>
+            </a:r>
+            <a:r>
+              <a:rPr lang="zh-CN" altLang="en-US" dirty="0"/>
+              <a:t>中的 </a:t>
+            </a:r>
+            <a:r>
+              <a:rPr lang="en-US" altLang="zh-CN" dirty="0"/>
+              <a:t>Select </a:t>
+            </a:r>
+            <a:r>
+              <a:rPr lang="zh-CN" altLang="en-US" dirty="0"/>
+              <a:t>部分的条件与原 </a:t>
+            </a:r>
+            <a:r>
+              <a:rPr lang="en-US" altLang="zh-CN" dirty="0"/>
+              <a:t>SRA </a:t>
+            </a:r>
+            <a:r>
+              <a:rPr lang="zh-CN" altLang="en-US" dirty="0"/>
+              <a:t>中的条件相同</a:t>
+            </a:r>
+            <a:r>
+              <a:rPr lang="en-US" altLang="zh-CN" dirty="0"/>
+              <a:t>, Select </a:t>
+            </a:r>
+            <a:r>
+              <a:rPr lang="zh-CN" altLang="en-US" dirty="0"/>
+              <a:t>中的 </a:t>
+            </a:r>
+            <a:r>
+              <a:rPr lang="en-US" altLang="zh-CN" dirty="0"/>
+              <a:t>Table </a:t>
+            </a:r>
+            <a:r>
+              <a:rPr lang="zh-CN" altLang="en-US" dirty="0"/>
+              <a:t>连接的表名为 </a:t>
+            </a:r>
+            <a:r>
+              <a:rPr lang="en-US" altLang="zh-CN" dirty="0"/>
+              <a:t>table1</a:t>
+            </a:r>
+          </a:p>
+          <a:p>
+            <a:pPr marL="0" indent="0">
+              <a:buNone/>
+            </a:pPr>
+            <a:endParaRPr lang="zh-CN" altLang="en-US" dirty="0"/>
+          </a:p>
+        </p:txBody>
+      </p:sp>
+    </p:spTree>
+    <p:extLst>
+      <p:ext uri="{BB962C8B-B14F-4D97-AF65-F5344CB8AC3E}">
+        <p14:creationId xmlns:p14="http://schemas.microsoft.com/office/powerpoint/2010/main" val="2132504923"/>
+      </p:ext>
+    </p:extLst>
+  </p:cSld>
+  <p:clrMapOvr>
+    <a:masterClrMapping/>
+  </p:clrMapOvr>
+</p:sld>
+</file>
+
+<file path=ppt/slides/slide48.xml><?xml version="1.0" encoding="utf-8"?>
+<p:sld xmlns:a="http://schemas.openxmlformats.org/drawingml/2006/main" xmlns:r="http://schemas.openxmlformats.org/officeDocument/2006/relationships" xmlns:p="http://schemas.openxmlformats.org/presentationml/2006/main">
+  <p:cSld>
+    <p:spTree>
+      <p:nvGrpSpPr>
+        <p:cNvPr id="1" name=""/>
+        <p:cNvGrpSpPr/>
+        <p:nvPr/>
+      </p:nvGrpSpPr>
+      <p:grpSpPr>
+        <a:xfrm>
+          <a:off x="0" y="0"/>
+          <a:ext cx="0" cy="0"/>
+          <a:chOff x="0" y="0"/>
+          <a:chExt cx="0" cy="0"/>
+        </a:xfrm>
+      </p:grpSpPr>
+      <p:sp>
+        <p:nvSpPr>
+          <p:cNvPr id="2" name="流程图: 决策 1"/>
+          <p:cNvSpPr/>
+          <p:nvPr/>
+        </p:nvSpPr>
+        <p:spPr>
+          <a:xfrm>
+            <a:off x="2683510" y="1090209"/>
+            <a:ext cx="2406015" cy="791845"/>
+          </a:xfrm>
+          <a:prstGeom prst="flowChartDecision">
+            <a:avLst/>
+          </a:prstGeom>
+        </p:spPr>
+        <p:style>
+          <a:lnRef idx="2">
+            <a:schemeClr val="accent1">
+              <a:shade val="50000"/>
+            </a:schemeClr>
+          </a:lnRef>
+          <a:fillRef idx="1">
+            <a:schemeClr val="accent1"/>
+          </a:fillRef>
+          <a:effectRef idx="0">
+            <a:schemeClr val="accent1"/>
+          </a:effectRef>
+          <a:fontRef idx="minor">
+            <a:schemeClr val="lt1"/>
+          </a:fontRef>
+        </p:style>
+        <p:txBody>
+          <a:bodyPr rtlCol="0" anchor="ctr"/>
+          <a:lstStyle/>
+          <a:p>
+            <a:r>
+              <a:rPr lang="zh-CN" altLang="en-US" dirty="0"/>
+              <a:t>是否满足优化条件</a:t>
+            </a:r>
+            <a:endParaRPr lang="zh-CN" altLang="en-US" dirty="0"/>
+          </a:p>
+        </p:txBody>
+      </p:sp>
+      <p:sp>
+        <p:nvSpPr>
+          <p:cNvPr id="3" name="流程图: 可选过程 2"/>
+          <p:cNvSpPr/>
+          <p:nvPr/>
+        </p:nvSpPr>
+        <p:spPr>
+          <a:xfrm>
+            <a:off x="1269777" y="2563830"/>
+            <a:ext cx="1398905" cy="642937"/>
+          </a:xfrm>
+          <a:prstGeom prst="flowChartAlternateProcess">
+            <a:avLst/>
+          </a:prstGeom>
+        </p:spPr>
+        <p:style>
+          <a:lnRef idx="2">
+            <a:schemeClr val="accent1">
+              <a:shade val="50000"/>
+            </a:schemeClr>
+          </a:lnRef>
+          <a:fillRef idx="1">
+            <a:schemeClr val="accent1"/>
+          </a:fillRef>
+          <a:effectRef idx="0">
+            <a:schemeClr val="accent1"/>
+          </a:effectRef>
+          <a:fontRef idx="minor">
+            <a:schemeClr val="lt1"/>
+          </a:fontRef>
+        </p:style>
+        <p:txBody>
+          <a:bodyPr rtlCol="0" anchor="ctr"/>
+          <a:lstStyle/>
+          <a:p>
+            <a:r>
+              <a:rPr lang="zh-CN" altLang="en-US" dirty="0"/>
+              <a:t>复制</a:t>
+            </a:r>
+            <a:r>
+              <a:rPr lang="zh-CN" altLang="en-US" dirty="0" smtClean="0"/>
+              <a:t>原来的</a:t>
+            </a:r>
+            <a:r>
+              <a:rPr lang="en-US" altLang="zh-CN" dirty="0" smtClean="0"/>
+              <a:t>SQL </a:t>
+            </a:r>
+            <a:r>
+              <a:rPr lang="zh-CN" altLang="en-US" dirty="0" smtClean="0"/>
+              <a:t>返回</a:t>
+            </a:r>
+            <a:endParaRPr lang="zh-CN" altLang="en-US" dirty="0"/>
+          </a:p>
+        </p:txBody>
+      </p:sp>
+      <p:sp>
+        <p:nvSpPr>
+          <p:cNvPr id="4" name="流程图: 可选过程 3"/>
+          <p:cNvSpPr/>
+          <p:nvPr/>
+        </p:nvSpPr>
+        <p:spPr>
+          <a:xfrm>
+            <a:off x="5599430" y="1664361"/>
+            <a:ext cx="1433195" cy="575945"/>
+          </a:xfrm>
+          <a:prstGeom prst="flowChartAlternateProcess">
+            <a:avLst/>
+          </a:prstGeom>
+        </p:spPr>
+        <p:style>
+          <a:lnRef idx="2">
+            <a:schemeClr val="accent1">
+              <a:shade val="50000"/>
+            </a:schemeClr>
+          </a:lnRef>
+          <a:fillRef idx="1">
+            <a:schemeClr val="accent1"/>
+          </a:fillRef>
+          <a:effectRef idx="0">
+            <a:schemeClr val="accent1"/>
+          </a:effectRef>
+          <a:fontRef idx="minor">
+            <a:schemeClr val="lt1"/>
+          </a:fontRef>
+        </p:style>
+        <p:txBody>
+          <a:bodyPr rtlCol="0" anchor="ctr"/>
+          <a:lstStyle/>
+          <a:p>
+            <a:r>
+              <a:rPr lang="zh-CN" altLang="en-US" dirty="0"/>
+              <a:t>设置</a:t>
+            </a:r>
+            <a:r>
+              <a:rPr lang="en-US" altLang="zh-CN" dirty="0"/>
+              <a:t>select</a:t>
+            </a:r>
+            <a:r>
+              <a:rPr lang="zh-CN" altLang="en-US" dirty="0"/>
+              <a:t>类型</a:t>
+            </a:r>
+            <a:endParaRPr lang="zh-CN" altLang="en-US" dirty="0"/>
+          </a:p>
+        </p:txBody>
+      </p:sp>
+      <p:sp>
+        <p:nvSpPr>
+          <p:cNvPr id="5" name="流程图: 可选过程 4"/>
+          <p:cNvSpPr/>
+          <p:nvPr/>
+        </p:nvSpPr>
+        <p:spPr>
+          <a:xfrm>
+            <a:off x="2683510" y="106594"/>
+            <a:ext cx="2393315" cy="575945"/>
+          </a:xfrm>
+          <a:prstGeom prst="flowChartAlternateProcess">
+            <a:avLst/>
+          </a:prstGeom>
+        </p:spPr>
+        <p:style>
+          <a:lnRef idx="2">
+            <a:schemeClr val="accent1">
+              <a:shade val="50000"/>
+            </a:schemeClr>
+          </a:lnRef>
+          <a:fillRef idx="1">
+            <a:schemeClr val="accent1"/>
+          </a:fillRef>
+          <a:effectRef idx="0">
+            <a:schemeClr val="accent1"/>
+          </a:effectRef>
+          <a:fontRef idx="minor">
+            <a:schemeClr val="lt1"/>
+          </a:fontRef>
+        </p:style>
+        <p:txBody>
+          <a:bodyPr rtlCol="0" anchor="ctr"/>
+          <a:lstStyle/>
+          <a:p>
+            <a:pPr algn="ctr"/>
+            <a:r>
+              <a:rPr lang="zh-CN" altLang="en-US" dirty="0" smtClean="0"/>
+              <a:t>为优化后的</a:t>
+            </a:r>
+            <a:r>
+              <a:rPr lang="en-US" altLang="zh-CN" dirty="0" smtClean="0"/>
+              <a:t>SRA</a:t>
+            </a:r>
+            <a:r>
+              <a:rPr lang="zh-CN" altLang="en-US" dirty="0" smtClean="0"/>
+              <a:t>申请空间</a:t>
+            </a:r>
+            <a:endParaRPr lang="zh-CN" altLang="en-US" dirty="0"/>
+          </a:p>
+        </p:txBody>
+      </p:sp>
+      <p:sp>
+        <p:nvSpPr>
+          <p:cNvPr id="9" name="圆角矩形 8"/>
+          <p:cNvSpPr/>
+          <p:nvPr/>
+        </p:nvSpPr>
+        <p:spPr>
+          <a:xfrm>
+            <a:off x="5395911" y="2465618"/>
+            <a:ext cx="1840231" cy="575945"/>
+          </a:xfrm>
+          <a:prstGeom prst="roundRect">
+            <a:avLst/>
+          </a:prstGeom>
+        </p:spPr>
+        <p:style>
+          <a:lnRef idx="2">
+            <a:schemeClr val="accent1">
+              <a:shade val="50000"/>
+            </a:schemeClr>
+          </a:lnRef>
+          <a:fillRef idx="1">
+            <a:schemeClr val="accent1"/>
+          </a:fillRef>
+          <a:effectRef idx="0">
+            <a:schemeClr val="accent1"/>
+          </a:effectRef>
+          <a:fontRef idx="minor">
+            <a:schemeClr val="lt1"/>
+          </a:fontRef>
+        </p:style>
+        <p:txBody>
+          <a:bodyPr rtlCol="0" anchor="ctr"/>
+          <a:lstStyle/>
+          <a:p>
+            <a:r>
+              <a:rPr lang="zh-CN" altLang="en-US" dirty="0"/>
+              <a:t>复制</a:t>
+            </a:r>
+            <a:r>
+              <a:rPr lang="en-US" altLang="zh-CN" dirty="0"/>
+              <a:t>project</a:t>
+            </a:r>
+            <a:r>
+              <a:rPr lang="zh-CN" altLang="en-US" dirty="0"/>
+              <a:t>的</a:t>
+            </a:r>
+            <a:r>
+              <a:rPr lang="en-US" altLang="zh-CN" dirty="0" err="1"/>
+              <a:t>expr_list</a:t>
+            </a:r>
+            <a:r>
+              <a:rPr lang="zh-CN" altLang="en-US" dirty="0"/>
+              <a:t>部分</a:t>
+            </a:r>
+            <a:endParaRPr lang="zh-CN" altLang="en-US" dirty="0"/>
+          </a:p>
+        </p:txBody>
+      </p:sp>
+      <p:sp>
+        <p:nvSpPr>
+          <p:cNvPr id="12" name="圆角矩形 11"/>
+          <p:cNvSpPr/>
+          <p:nvPr/>
+        </p:nvSpPr>
+        <p:spPr>
+          <a:xfrm>
+            <a:off x="5260651" y="3305603"/>
+            <a:ext cx="2110750" cy="593725"/>
+          </a:xfrm>
+          <a:prstGeom prst="roundRect">
+            <a:avLst/>
+          </a:prstGeom>
+        </p:spPr>
+        <p:style>
+          <a:lnRef idx="2">
+            <a:schemeClr val="accent1">
+              <a:shade val="50000"/>
+            </a:schemeClr>
+          </a:lnRef>
+          <a:fillRef idx="1">
+            <a:schemeClr val="accent1"/>
+          </a:fillRef>
+          <a:effectRef idx="0">
+            <a:schemeClr val="accent1"/>
+          </a:effectRef>
+          <a:fontRef idx="minor">
+            <a:schemeClr val="lt1"/>
+          </a:fontRef>
+        </p:style>
+        <p:txBody>
+          <a:bodyPr rtlCol="0" anchor="ctr"/>
+          <a:lstStyle/>
+          <a:p>
+            <a:r>
+              <a:rPr lang="zh-CN" altLang="en-US" dirty="0"/>
+              <a:t>设置</a:t>
+            </a:r>
+            <a:r>
+              <a:rPr lang="en-US" altLang="zh-CN" dirty="0"/>
+              <a:t>select</a:t>
+            </a:r>
+            <a:r>
+              <a:rPr lang="zh-CN" altLang="en-US" dirty="0"/>
+              <a:t>类型为</a:t>
+            </a:r>
+            <a:r>
+              <a:rPr lang="en-US" altLang="zh-CN" dirty="0"/>
+              <a:t>SRA_PROJECT</a:t>
+            </a:r>
+            <a:endParaRPr lang="zh-CN" altLang="en-US" dirty="0"/>
+          </a:p>
+        </p:txBody>
+      </p:sp>
+      <p:sp>
+        <p:nvSpPr>
+          <p:cNvPr id="14" name="圆角矩形 13"/>
+          <p:cNvSpPr/>
+          <p:nvPr/>
+        </p:nvSpPr>
+        <p:spPr>
+          <a:xfrm>
+            <a:off x="5122125" y="4163608"/>
+            <a:ext cx="2387806" cy="829945"/>
+          </a:xfrm>
+          <a:prstGeom prst="roundRect">
+            <a:avLst/>
+          </a:prstGeom>
+        </p:spPr>
+        <p:style>
+          <a:lnRef idx="2">
+            <a:schemeClr val="accent1">
+              <a:shade val="50000"/>
+            </a:schemeClr>
+          </a:lnRef>
+          <a:fillRef idx="1">
+            <a:schemeClr val="accent1"/>
+          </a:fillRef>
+          <a:effectRef idx="0">
+            <a:schemeClr val="accent1"/>
+          </a:effectRef>
+          <a:fontRef idx="minor">
+            <a:schemeClr val="lt1"/>
+          </a:fontRef>
+        </p:style>
+        <p:txBody>
+          <a:bodyPr rtlCol="0" anchor="ctr"/>
+          <a:lstStyle/>
+          <a:p>
+            <a:r>
+              <a:rPr lang="zh-CN" altLang="en-US" dirty="0"/>
+              <a:t>为优化后的</a:t>
+            </a:r>
+            <a:r>
+              <a:rPr lang="en-US" altLang="zh-CN" dirty="0" err="1"/>
+              <a:t>stmt</a:t>
+            </a:r>
+            <a:r>
+              <a:rPr lang="zh-CN" altLang="en-US" dirty="0"/>
+              <a:t>生成</a:t>
+            </a:r>
+            <a:r>
+              <a:rPr lang="en-US" altLang="zh-CN" dirty="0" err="1"/>
+              <a:t>narutaljoin</a:t>
+            </a:r>
+            <a:r>
+              <a:rPr lang="en-US" altLang="zh-CN" dirty="0"/>
+              <a:t> </a:t>
+            </a:r>
+            <a:r>
+              <a:rPr lang="zh-CN" altLang="en-US" dirty="0"/>
+              <a:t>设置类型</a:t>
+            </a:r>
+            <a:r>
+              <a:rPr lang="zh-CN" altLang="en-US" dirty="0" smtClean="0"/>
+              <a:t>为自然连接</a:t>
+            </a:r>
+            <a:endParaRPr lang="zh-CN" altLang="en-US" dirty="0"/>
+          </a:p>
+        </p:txBody>
+      </p:sp>
+      <p:cxnSp>
+        <p:nvCxnSpPr>
+          <p:cNvPr id="16" name="直接箭头连接符 15"/>
+          <p:cNvCxnSpPr>
+            <a:stCxn id="5" idx="2"/>
+            <a:endCxn id="2" idx="0"/>
+          </p:cNvCxnSpPr>
+          <p:nvPr/>
+        </p:nvCxnSpPr>
+        <p:spPr>
+          <a:xfrm>
+            <a:off x="3880168" y="682539"/>
+            <a:ext cx="6350" cy="407670"/>
+          </a:xfrm>
+          <a:prstGeom prst="straightConnector1">
+            <a:avLst/>
+          </a:prstGeom>
+          <a:ln>
+            <a:solidFill>
+              <a:schemeClr val="tx1"/>
+            </a:solidFill>
+            <a:tailEnd type="arrow" w="med" len="med"/>
+          </a:ln>
+        </p:spPr>
+        <p:style>
+          <a:lnRef idx="1">
+            <a:schemeClr val="dk1"/>
+          </a:lnRef>
+          <a:fillRef idx="0">
+            <a:schemeClr val="dk1"/>
+          </a:fillRef>
+          <a:effectRef idx="0">
+            <a:schemeClr val="dk1"/>
+          </a:effectRef>
+          <a:fontRef idx="minor">
+            <a:schemeClr val="tx1"/>
+          </a:fontRef>
+        </p:style>
+      </p:cxnSp>
+      <p:cxnSp>
+        <p:nvCxnSpPr>
+          <p:cNvPr id="17" name="肘形连接符 16"/>
+          <p:cNvCxnSpPr>
+            <a:stCxn id="2" idx="1"/>
+            <a:endCxn id="3" idx="0"/>
+          </p:cNvCxnSpPr>
+          <p:nvPr/>
+        </p:nvCxnSpPr>
+        <p:spPr>
+          <a:xfrm rot="10800000" flipV="1">
+            <a:off x="1969230" y="1486132"/>
+            <a:ext cx="714280" cy="1077698"/>
+          </a:xfrm>
+          <a:prstGeom prst="bentConnector2">
+            <a:avLst/>
+          </a:prstGeom>
+          <a:ln>
+            <a:solidFill>
+              <a:schemeClr val="tx1"/>
+            </a:solidFill>
+            <a:tailEnd type="arrow" w="med" len="med"/>
+          </a:ln>
+        </p:spPr>
+        <p:style>
+          <a:lnRef idx="1">
+            <a:schemeClr val="dk1"/>
+          </a:lnRef>
+          <a:fillRef idx="0">
+            <a:schemeClr val="dk1"/>
+          </a:fillRef>
+          <a:effectRef idx="0">
+            <a:schemeClr val="dk1"/>
+          </a:effectRef>
+          <a:fontRef idx="minor">
+            <a:schemeClr val="tx1"/>
+          </a:fontRef>
+        </p:style>
+      </p:cxnSp>
+      <p:cxnSp>
+        <p:nvCxnSpPr>
+          <p:cNvPr id="18" name="肘形连接符 17"/>
+          <p:cNvCxnSpPr>
+            <a:stCxn id="2" idx="3"/>
+            <a:endCxn id="4" idx="0"/>
+          </p:cNvCxnSpPr>
+          <p:nvPr/>
+        </p:nvCxnSpPr>
+        <p:spPr>
+          <a:xfrm>
+            <a:off x="5089525" y="1486132"/>
+            <a:ext cx="1226503" cy="178229"/>
+          </a:xfrm>
+          <a:prstGeom prst="bentConnector2">
+            <a:avLst/>
+          </a:prstGeom>
+          <a:ln>
+            <a:solidFill>
+              <a:schemeClr val="tx1"/>
+            </a:solidFill>
+            <a:tailEnd type="arrow" w="med" len="med"/>
+          </a:ln>
+        </p:spPr>
+        <p:style>
+          <a:lnRef idx="1">
+            <a:schemeClr val="dk1"/>
+          </a:lnRef>
+          <a:fillRef idx="0">
+            <a:schemeClr val="dk1"/>
+          </a:fillRef>
+          <a:effectRef idx="0">
+            <a:schemeClr val="dk1"/>
+          </a:effectRef>
+          <a:fontRef idx="minor">
+            <a:schemeClr val="tx1"/>
+          </a:fontRef>
+        </p:style>
+      </p:cxnSp>
+      <p:cxnSp>
+        <p:nvCxnSpPr>
+          <p:cNvPr id="19" name="直接箭头连接符 18"/>
+          <p:cNvCxnSpPr>
+            <a:stCxn id="4" idx="2"/>
+            <a:endCxn id="9" idx="0"/>
+          </p:cNvCxnSpPr>
+          <p:nvPr/>
+        </p:nvCxnSpPr>
+        <p:spPr>
+          <a:xfrm flipH="1">
+            <a:off x="6316027" y="2240306"/>
+            <a:ext cx="1" cy="225312"/>
+          </a:xfrm>
+          <a:prstGeom prst="straightConnector1">
+            <a:avLst/>
+          </a:prstGeom>
+          <a:ln>
+            <a:solidFill>
+              <a:schemeClr val="tx1"/>
+            </a:solidFill>
+            <a:tailEnd type="arrow" w="med" len="med"/>
+          </a:ln>
+        </p:spPr>
+        <p:style>
+          <a:lnRef idx="1">
+            <a:schemeClr val="dk1"/>
+          </a:lnRef>
+          <a:fillRef idx="0">
+            <a:schemeClr val="dk1"/>
+          </a:fillRef>
+          <a:effectRef idx="0">
+            <a:schemeClr val="dk1"/>
+          </a:effectRef>
+          <a:fontRef idx="minor">
+            <a:schemeClr val="tx1"/>
+          </a:fontRef>
+        </p:style>
+      </p:cxnSp>
+      <p:cxnSp>
+        <p:nvCxnSpPr>
+          <p:cNvPr id="20" name="直接箭头连接符 19"/>
+          <p:cNvCxnSpPr/>
+          <p:nvPr/>
+        </p:nvCxnSpPr>
+        <p:spPr>
+          <a:xfrm flipH="1">
+            <a:off x="6498592" y="3308264"/>
+            <a:ext cx="52386" cy="237490"/>
+          </a:xfrm>
+          <a:prstGeom prst="straightConnector1">
+            <a:avLst/>
+          </a:prstGeom>
+          <a:ln>
+            <a:tailEnd type="arrow"/>
+          </a:ln>
+        </p:spPr>
+        <p:style>
+          <a:lnRef idx="1">
+            <a:schemeClr val="accent1"/>
+          </a:lnRef>
+          <a:fillRef idx="0">
+            <a:schemeClr val="accent1"/>
+          </a:fillRef>
+          <a:effectRef idx="0">
+            <a:schemeClr val="accent1"/>
+          </a:effectRef>
+          <a:fontRef idx="minor">
+            <a:schemeClr val="tx1"/>
+          </a:fontRef>
+        </p:style>
+      </p:cxnSp>
+      <p:cxnSp>
+        <p:nvCxnSpPr>
+          <p:cNvPr id="21" name="直接箭头连接符 20"/>
+          <p:cNvCxnSpPr>
+            <a:stCxn id="9" idx="2"/>
+            <a:endCxn id="12" idx="0"/>
+          </p:cNvCxnSpPr>
+          <p:nvPr/>
+        </p:nvCxnSpPr>
+        <p:spPr>
+          <a:xfrm flipH="1">
+            <a:off x="6316026" y="3041563"/>
+            <a:ext cx="1" cy="264040"/>
+          </a:xfrm>
+          <a:prstGeom prst="straightConnector1">
+            <a:avLst/>
+          </a:prstGeom>
+          <a:ln>
+            <a:solidFill>
+              <a:schemeClr val="tx1"/>
+            </a:solidFill>
+            <a:tailEnd type="arrow" w="med" len="med"/>
+          </a:ln>
+        </p:spPr>
+        <p:style>
+          <a:lnRef idx="1">
+            <a:schemeClr val="dk1"/>
+          </a:lnRef>
+          <a:fillRef idx="0">
+            <a:schemeClr val="dk1"/>
+          </a:fillRef>
+          <a:effectRef idx="0">
+            <a:schemeClr val="dk1"/>
+          </a:effectRef>
+          <a:fontRef idx="minor">
+            <a:schemeClr val="tx1"/>
+          </a:fontRef>
+        </p:style>
+      </p:cxnSp>
+      <p:cxnSp>
+        <p:nvCxnSpPr>
+          <p:cNvPr id="22" name="直接箭头连接符 21"/>
+          <p:cNvCxnSpPr>
+            <a:stCxn id="12" idx="2"/>
+            <a:endCxn id="14" idx="0"/>
+          </p:cNvCxnSpPr>
+          <p:nvPr/>
+        </p:nvCxnSpPr>
+        <p:spPr>
+          <a:xfrm>
+            <a:off x="6316026" y="3899328"/>
+            <a:ext cx="2" cy="264280"/>
+          </a:xfrm>
+          <a:prstGeom prst="straightConnector1">
+            <a:avLst/>
+          </a:prstGeom>
+          <a:ln>
+            <a:solidFill>
+              <a:schemeClr val="tx1"/>
+            </a:solidFill>
+            <a:tailEnd type="arrow" w="med" len="med"/>
+          </a:ln>
+        </p:spPr>
+        <p:style>
+          <a:lnRef idx="1">
+            <a:schemeClr val="dk1"/>
+          </a:lnRef>
+          <a:fillRef idx="0">
+            <a:schemeClr val="dk1"/>
+          </a:fillRef>
+          <a:effectRef idx="0">
+            <a:schemeClr val="dk1"/>
+          </a:effectRef>
+          <a:fontRef idx="minor">
+            <a:schemeClr val="tx1"/>
+          </a:fontRef>
+        </p:style>
+      </p:cxnSp>
+      <p:sp>
+        <p:nvSpPr>
+          <p:cNvPr id="23" name="文本框 32"/>
+          <p:cNvSpPr txBox="1"/>
+          <p:nvPr/>
+        </p:nvSpPr>
+        <p:spPr>
+          <a:xfrm>
+            <a:off x="2468880" y="906059"/>
+            <a:ext cx="429260" cy="368300"/>
+          </a:xfrm>
+          <a:prstGeom prst="rect">
+            <a:avLst/>
+          </a:prstGeom>
+          <a:noFill/>
+        </p:spPr>
+        <p:txBody>
+          <a:bodyPr wrap="square" rtlCol="0">
+            <a:spAutoFit/>
+          </a:bodyPr>
+          <a:lstStyle/>
+          <a:p>
+            <a:r>
+              <a:rPr lang="zh-CN" altLang="en-US"/>
+              <a:t>否</a:t>
+            </a:r>
+          </a:p>
+        </p:txBody>
+      </p:sp>
+      <p:sp>
+        <p:nvSpPr>
+          <p:cNvPr id="24" name="文本框 33"/>
+          <p:cNvSpPr txBox="1"/>
+          <p:nvPr/>
+        </p:nvSpPr>
+        <p:spPr>
+          <a:xfrm>
+            <a:off x="5418455" y="935269"/>
+            <a:ext cx="432435" cy="368300"/>
+          </a:xfrm>
+          <a:prstGeom prst="rect">
+            <a:avLst/>
+          </a:prstGeom>
+          <a:noFill/>
+        </p:spPr>
+        <p:txBody>
+          <a:bodyPr wrap="square" rtlCol="0">
+            <a:spAutoFit/>
+          </a:bodyPr>
+          <a:lstStyle/>
+          <a:p>
+            <a:r>
+              <a:rPr lang="zh-CN" altLang="en-US"/>
+              <a:t>是</a:t>
+            </a:r>
+          </a:p>
+        </p:txBody>
+      </p:sp>
+    </p:spTree>
+    <p:extLst>
+      <p:ext uri="{BB962C8B-B14F-4D97-AF65-F5344CB8AC3E}">
+        <p14:creationId xmlns:p14="http://schemas.microsoft.com/office/powerpoint/2010/main" val="1407836280"/>
+      </p:ext>
+    </p:extLst>
+  </p:cSld>
+  <p:clrMapOvr>
+    <a:masterClrMapping/>
+  </p:clrMapOvr>
+</p:sld>
+</file>
+
+<file path=ppt/slides/slide49.xml><?xml version="1.0" encoding="utf-8"?>
+<p:sld xmlns:a="http://schemas.openxmlformats.org/drawingml/2006/main" xmlns:r="http://schemas.openxmlformats.org/officeDocument/2006/relationships" xmlns:p="http://schemas.openxmlformats.org/presentationml/2006/main">
+  <p:cSld>
+    <p:spTree>
+      <p:nvGrpSpPr>
+        <p:cNvPr id="1" name=""/>
+        <p:cNvGrpSpPr/>
+        <p:nvPr/>
+      </p:nvGrpSpPr>
+      <p:grpSpPr>
+        <a:xfrm>
+          <a:off x="0" y="0"/>
+          <a:ext cx="0" cy="0"/>
+          <a:chOff x="0" y="0"/>
+          <a:chExt cx="0" cy="0"/>
+        </a:xfrm>
+      </p:grpSpPr>
+      <p:sp>
+        <p:nvSpPr>
+          <p:cNvPr id="2" name="圆角矩形 1"/>
+          <p:cNvSpPr/>
+          <p:nvPr/>
+        </p:nvSpPr>
+        <p:spPr>
+          <a:xfrm>
+            <a:off x="2761425" y="322595"/>
+            <a:ext cx="3119260" cy="503555"/>
+          </a:xfrm>
+          <a:prstGeom prst="roundRect">
+            <a:avLst/>
+          </a:prstGeom>
+        </p:spPr>
+        <p:style>
+          <a:lnRef idx="2">
+            <a:schemeClr val="accent1">
+              <a:shade val="50000"/>
+            </a:schemeClr>
+          </a:lnRef>
+          <a:fillRef idx="1">
+            <a:schemeClr val="accent1"/>
+          </a:fillRef>
+          <a:effectRef idx="0">
+            <a:schemeClr val="accent1"/>
+          </a:effectRef>
+          <a:fontRef idx="minor">
+            <a:schemeClr val="lt1"/>
+          </a:fontRef>
+        </p:style>
+        <p:txBody>
+          <a:bodyPr rtlCol="0" anchor="ctr"/>
+          <a:lstStyle/>
+          <a:p>
+            <a:r>
+              <a:rPr lang="zh-CN" altLang="en-US" dirty="0"/>
+              <a:t>记录原语句比较时出现的表</a:t>
+            </a:r>
+            <a:endParaRPr lang="zh-CN" altLang="en-US" dirty="0"/>
+          </a:p>
+        </p:txBody>
+      </p:sp>
+      <p:sp>
+        <p:nvSpPr>
+          <p:cNvPr id="3" name="圆角矩形 2"/>
+          <p:cNvSpPr/>
+          <p:nvPr/>
+        </p:nvSpPr>
+        <p:spPr>
+          <a:xfrm>
+            <a:off x="2892901" y="1160797"/>
+            <a:ext cx="2854960" cy="503555"/>
+          </a:xfrm>
+          <a:prstGeom prst="roundRect">
+            <a:avLst/>
+          </a:prstGeom>
+        </p:spPr>
+        <p:style>
+          <a:lnRef idx="2">
+            <a:schemeClr val="accent1">
+              <a:shade val="50000"/>
+            </a:schemeClr>
+          </a:lnRef>
+          <a:fillRef idx="1">
+            <a:schemeClr val="accent1"/>
+          </a:fillRef>
+          <a:effectRef idx="0">
+            <a:schemeClr val="accent1"/>
+          </a:effectRef>
+          <a:fontRef idx="minor">
+            <a:schemeClr val="lt1"/>
+          </a:fontRef>
+        </p:style>
+        <p:txBody>
+          <a:bodyPr rtlCol="0" anchor="ctr"/>
+          <a:lstStyle/>
+          <a:p>
+            <a:r>
+              <a:rPr lang="zh-CN" altLang="en-US" dirty="0"/>
+              <a:t>记录自然连接中的另一表</a:t>
+            </a:r>
+            <a:endParaRPr lang="zh-CN" altLang="en-US" dirty="0"/>
+          </a:p>
+        </p:txBody>
+      </p:sp>
+      <p:sp>
+        <p:nvSpPr>
+          <p:cNvPr id="4" name="圆角矩形 3"/>
+          <p:cNvSpPr/>
+          <p:nvPr/>
+        </p:nvSpPr>
+        <p:spPr>
+          <a:xfrm>
+            <a:off x="2922428" y="1953277"/>
+            <a:ext cx="2795905" cy="503555"/>
+          </a:xfrm>
+          <a:prstGeom prst="roundRect">
+            <a:avLst/>
+          </a:prstGeom>
+        </p:spPr>
+        <p:style>
+          <a:lnRef idx="2">
+            <a:schemeClr val="accent1">
+              <a:shade val="50000"/>
+            </a:schemeClr>
+          </a:lnRef>
+          <a:fillRef idx="1">
+            <a:schemeClr val="accent1"/>
+          </a:fillRef>
+          <a:effectRef idx="0">
+            <a:schemeClr val="accent1"/>
+          </a:effectRef>
+          <a:fontRef idx="minor">
+            <a:schemeClr val="lt1"/>
+          </a:fontRef>
+        </p:style>
+        <p:txBody>
+          <a:bodyPr rtlCol="0" anchor="ctr"/>
+          <a:lstStyle/>
+          <a:p>
+            <a:r>
+              <a:rPr lang="zh-CN" altLang="en-US" dirty="0"/>
+              <a:t>设置连接的左边为</a:t>
+            </a:r>
+            <a:r>
+              <a:rPr lang="en-US" altLang="zh-CN" dirty="0"/>
+              <a:t>select</a:t>
+            </a:r>
+            <a:endParaRPr lang="en-US" altLang="zh-CN" dirty="0"/>
+          </a:p>
+        </p:txBody>
+      </p:sp>
+      <p:sp>
+        <p:nvSpPr>
+          <p:cNvPr id="5" name="圆角矩形 4"/>
+          <p:cNvSpPr/>
+          <p:nvPr/>
+        </p:nvSpPr>
+        <p:spPr>
+          <a:xfrm>
+            <a:off x="3114555" y="2772427"/>
+            <a:ext cx="2413000" cy="503555"/>
+          </a:xfrm>
+          <a:prstGeom prst="roundRect">
+            <a:avLst/>
+          </a:prstGeom>
+        </p:spPr>
+        <p:style>
+          <a:lnRef idx="2">
+            <a:schemeClr val="accent1">
+              <a:shade val="50000"/>
+            </a:schemeClr>
+          </a:lnRef>
+          <a:fillRef idx="1">
+            <a:schemeClr val="accent1"/>
+          </a:fillRef>
+          <a:effectRef idx="0">
+            <a:schemeClr val="accent1"/>
+          </a:effectRef>
+          <a:fontRef idx="minor">
+            <a:schemeClr val="lt1"/>
+          </a:fontRef>
+        </p:style>
+        <p:txBody>
+          <a:bodyPr rtlCol="0" anchor="ctr"/>
+          <a:lstStyle/>
+          <a:p>
+            <a:r>
+              <a:rPr lang="zh-CN" altLang="en-US" dirty="0"/>
+              <a:t>设置</a:t>
+            </a:r>
+            <a:r>
+              <a:rPr lang="en-US" altLang="zh-CN" dirty="0"/>
+              <a:t>select</a:t>
+            </a:r>
+            <a:r>
+              <a:rPr lang="zh-CN" altLang="en-US" dirty="0"/>
+              <a:t>中的表</a:t>
+            </a:r>
+            <a:endParaRPr lang="zh-CN" altLang="en-US" dirty="0"/>
+          </a:p>
+        </p:txBody>
+      </p:sp>
+      <p:sp>
+        <p:nvSpPr>
+          <p:cNvPr id="6" name="圆角矩形 5"/>
+          <p:cNvSpPr/>
+          <p:nvPr/>
+        </p:nvSpPr>
+        <p:spPr>
+          <a:xfrm>
+            <a:off x="3258660" y="3558607"/>
+            <a:ext cx="2123440" cy="503555"/>
+          </a:xfrm>
+          <a:prstGeom prst="roundRect">
+            <a:avLst/>
+          </a:prstGeom>
+        </p:spPr>
+        <p:style>
+          <a:lnRef idx="2">
+            <a:schemeClr val="accent1">
+              <a:shade val="50000"/>
+            </a:schemeClr>
+          </a:lnRef>
+          <a:fillRef idx="1">
+            <a:schemeClr val="accent1"/>
+          </a:fillRef>
+          <a:effectRef idx="0">
+            <a:schemeClr val="accent1"/>
+          </a:effectRef>
+          <a:fontRef idx="minor">
+            <a:schemeClr val="lt1"/>
+          </a:fontRef>
+        </p:style>
+        <p:txBody>
+          <a:bodyPr rtlCol="0" anchor="ctr"/>
+          <a:lstStyle/>
+          <a:p>
+            <a:r>
+              <a:rPr lang="zh-CN" altLang="en-US" dirty="0"/>
+              <a:t>设置</a:t>
+            </a:r>
+            <a:r>
+              <a:rPr lang="en-US" altLang="zh-CN" dirty="0"/>
+              <a:t>table</a:t>
+            </a:r>
+            <a:r>
+              <a:rPr lang="zh-CN" altLang="en-US" dirty="0"/>
+              <a:t>中的表</a:t>
+            </a:r>
+            <a:endParaRPr lang="zh-CN" altLang="en-US" dirty="0"/>
+          </a:p>
+        </p:txBody>
+      </p:sp>
+      <p:cxnSp>
+        <p:nvCxnSpPr>
+          <p:cNvPr id="12" name="直接箭头连接符 11"/>
+          <p:cNvCxnSpPr>
+            <a:stCxn id="2" idx="2"/>
+            <a:endCxn id="3" idx="0"/>
+          </p:cNvCxnSpPr>
+          <p:nvPr/>
+        </p:nvCxnSpPr>
+        <p:spPr>
+          <a:xfrm flipH="1">
+            <a:off x="4320381" y="826150"/>
+            <a:ext cx="674" cy="334647"/>
+          </a:xfrm>
+          <a:prstGeom prst="straightConnector1">
+            <a:avLst/>
+          </a:prstGeom>
+          <a:ln>
+            <a:solidFill>
+              <a:schemeClr val="tx1"/>
+            </a:solidFill>
+            <a:tailEnd type="arrow" w="med" len="med"/>
+          </a:ln>
+        </p:spPr>
+        <p:style>
+          <a:lnRef idx="1">
+            <a:schemeClr val="dk1"/>
+          </a:lnRef>
+          <a:fillRef idx="0">
+            <a:schemeClr val="dk1"/>
+          </a:fillRef>
+          <a:effectRef idx="0">
+            <a:schemeClr val="dk1"/>
+          </a:effectRef>
+          <a:fontRef idx="minor">
+            <a:schemeClr val="tx1"/>
+          </a:fontRef>
+        </p:style>
+      </p:cxnSp>
+      <p:cxnSp>
+        <p:nvCxnSpPr>
+          <p:cNvPr id="13" name="直接箭头连接符 12"/>
+          <p:cNvCxnSpPr>
+            <a:stCxn id="3" idx="2"/>
+            <a:endCxn id="4" idx="0"/>
+          </p:cNvCxnSpPr>
+          <p:nvPr/>
+        </p:nvCxnSpPr>
+        <p:spPr>
+          <a:xfrm>
+            <a:off x="4320381" y="1664352"/>
+            <a:ext cx="0" cy="288925"/>
+          </a:xfrm>
+          <a:prstGeom prst="straightConnector1">
+            <a:avLst/>
+          </a:prstGeom>
+          <a:ln>
+            <a:solidFill>
+              <a:schemeClr val="tx1"/>
+            </a:solidFill>
+            <a:tailEnd type="arrow" w="med" len="med"/>
+          </a:ln>
+        </p:spPr>
+        <p:style>
+          <a:lnRef idx="1">
+            <a:schemeClr val="dk1"/>
+          </a:lnRef>
+          <a:fillRef idx="0">
+            <a:schemeClr val="dk1"/>
+          </a:fillRef>
+          <a:effectRef idx="0">
+            <a:schemeClr val="dk1"/>
+          </a:effectRef>
+          <a:fontRef idx="minor">
+            <a:schemeClr val="tx1"/>
+          </a:fontRef>
+        </p:style>
+      </p:cxnSp>
+      <p:cxnSp>
+        <p:nvCxnSpPr>
+          <p:cNvPr id="14" name="直接箭头连接符 13"/>
+          <p:cNvCxnSpPr>
+            <a:stCxn id="4" idx="2"/>
+            <a:endCxn id="5" idx="0"/>
+          </p:cNvCxnSpPr>
+          <p:nvPr/>
+        </p:nvCxnSpPr>
+        <p:spPr>
+          <a:xfrm>
+            <a:off x="4320381" y="2456832"/>
+            <a:ext cx="674" cy="315595"/>
+          </a:xfrm>
+          <a:prstGeom prst="straightConnector1">
+            <a:avLst/>
+          </a:prstGeom>
+          <a:ln>
+            <a:solidFill>
+              <a:schemeClr val="tx1"/>
+            </a:solidFill>
+            <a:tailEnd type="arrow" w="med" len="med"/>
+          </a:ln>
+        </p:spPr>
+        <p:style>
+          <a:lnRef idx="1">
+            <a:schemeClr val="dk1"/>
+          </a:lnRef>
+          <a:fillRef idx="0">
+            <a:schemeClr val="dk1"/>
+          </a:fillRef>
+          <a:effectRef idx="0">
+            <a:schemeClr val="dk1"/>
+          </a:effectRef>
+          <a:fontRef idx="minor">
+            <a:schemeClr val="tx1"/>
+          </a:fontRef>
+        </p:style>
+      </p:cxnSp>
+      <p:cxnSp>
+        <p:nvCxnSpPr>
+          <p:cNvPr id="15" name="直接箭头连接符 14"/>
+          <p:cNvCxnSpPr>
+            <a:stCxn id="5" idx="2"/>
+            <a:endCxn id="6" idx="0"/>
+          </p:cNvCxnSpPr>
+          <p:nvPr/>
+        </p:nvCxnSpPr>
+        <p:spPr>
+          <a:xfrm flipH="1">
+            <a:off x="4320380" y="3275982"/>
+            <a:ext cx="675" cy="282625"/>
+          </a:xfrm>
+          <a:prstGeom prst="straightConnector1">
+            <a:avLst/>
+          </a:prstGeom>
+          <a:ln>
+            <a:solidFill>
+              <a:schemeClr val="tx1"/>
+            </a:solidFill>
+            <a:tailEnd type="arrow" w="med" len="med"/>
+          </a:ln>
+        </p:spPr>
+        <p:style>
+          <a:lnRef idx="1">
+            <a:schemeClr val="dk1"/>
+          </a:lnRef>
+          <a:fillRef idx="0">
+            <a:schemeClr val="dk1"/>
+          </a:fillRef>
+          <a:effectRef idx="0">
+            <a:schemeClr val="dk1"/>
+          </a:effectRef>
+          <a:fontRef idx="minor">
+            <a:schemeClr val="tx1"/>
+          </a:fontRef>
+        </p:style>
+      </p:cxnSp>
+      <p:cxnSp>
+        <p:nvCxnSpPr>
+          <p:cNvPr id="16" name="直接箭头连接符 15"/>
+          <p:cNvCxnSpPr>
+            <a:stCxn id="6" idx="2"/>
+            <a:endCxn id="17" idx="0"/>
+          </p:cNvCxnSpPr>
+          <p:nvPr/>
+        </p:nvCxnSpPr>
+        <p:spPr>
+          <a:xfrm>
+            <a:off x="4320380" y="4062162"/>
+            <a:ext cx="675" cy="378616"/>
+          </a:xfrm>
+          <a:prstGeom prst="straightConnector1">
+            <a:avLst/>
+          </a:prstGeom>
+          <a:ln>
+            <a:solidFill>
+              <a:schemeClr val="tx1"/>
+            </a:solidFill>
+            <a:tailEnd type="arrow" w="med" len="med"/>
+          </a:ln>
+        </p:spPr>
+        <p:style>
+          <a:lnRef idx="1">
+            <a:schemeClr val="dk1"/>
+          </a:lnRef>
+          <a:fillRef idx="0">
+            <a:schemeClr val="dk1"/>
+          </a:fillRef>
+          <a:effectRef idx="0">
+            <a:schemeClr val="dk1"/>
+          </a:effectRef>
+          <a:fontRef idx="minor">
+            <a:schemeClr val="tx1"/>
+          </a:fontRef>
+        </p:style>
+      </p:cxnSp>
+      <p:sp>
+        <p:nvSpPr>
+          <p:cNvPr id="17" name="圆角矩形 16"/>
+          <p:cNvSpPr/>
+          <p:nvPr/>
+        </p:nvSpPr>
+        <p:spPr>
+          <a:xfrm>
+            <a:off x="3889255" y="4440778"/>
+            <a:ext cx="863600" cy="360045"/>
+          </a:xfrm>
+          <a:prstGeom prst="roundRect">
+            <a:avLst/>
+          </a:prstGeom>
+        </p:spPr>
+        <p:style>
+          <a:lnRef idx="2">
+            <a:schemeClr val="accent1">
+              <a:shade val="50000"/>
+            </a:schemeClr>
+          </a:lnRef>
+          <a:fillRef idx="1">
+            <a:schemeClr val="accent1"/>
+          </a:fillRef>
+          <a:effectRef idx="0">
+            <a:schemeClr val="accent1"/>
+          </a:effectRef>
+          <a:fontRef idx="minor">
+            <a:schemeClr val="lt1"/>
+          </a:fontRef>
+        </p:style>
+        <p:txBody>
+          <a:bodyPr rtlCol="0" anchor="ctr"/>
+          <a:lstStyle/>
+          <a:p>
+            <a:r>
+              <a:rPr lang="zh-CN" altLang="en-US" dirty="0"/>
+              <a:t>结束</a:t>
+            </a:r>
+            <a:endParaRPr lang="zh-CN" altLang="en-US" dirty="0"/>
+          </a:p>
+        </p:txBody>
+      </p:sp>
+    </p:spTree>
+    <p:extLst>
+      <p:ext uri="{BB962C8B-B14F-4D97-AF65-F5344CB8AC3E}">
+        <p14:creationId xmlns:p14="http://schemas.microsoft.com/office/powerpoint/2010/main" val="1388628998"/>
+      </p:ext>
+    </p:extLst>
+  </p:cSld>
+  <p:clrMapOvr>
+    <a:masterClrMapping/>
+  </p:clrMapOvr>
+</p:sld>
+</file>
+
 <file path=ppt/slides/slide5.xml><?xml version="1.0" encoding="utf-8"?>
 <p:sld xmlns:a="http://schemas.openxmlformats.org/drawingml/2006/main" xmlns:r="http://schemas.openxmlformats.org/officeDocument/2006/relationships" xmlns:p="http://schemas.openxmlformats.org/presentationml/2006/main">
   <p:cSld>
@@ -25062,6 +27720,92 @@
       </p:par>
     </p:tnLst>
   </p:timing>
+</p:sld>
+</file>
+
+<file path=ppt/slides/slide50.xml><?xml version="1.0" encoding="utf-8"?>
+<p:sld xmlns:a="http://schemas.openxmlformats.org/drawingml/2006/main" xmlns:r="http://schemas.openxmlformats.org/officeDocument/2006/relationships" xmlns:p="http://schemas.openxmlformats.org/presentationml/2006/main">
+  <p:cSld>
+    <p:spTree>
+      <p:nvGrpSpPr>
+        <p:cNvPr id="1" name=""/>
+        <p:cNvGrpSpPr/>
+        <p:nvPr/>
+      </p:nvGrpSpPr>
+      <p:grpSpPr>
+        <a:xfrm>
+          <a:off x="0" y="0"/>
+          <a:ext cx="0" cy="0"/>
+          <a:chOff x="0" y="0"/>
+          <a:chExt cx="0" cy="0"/>
+        </a:xfrm>
+      </p:grpSpPr>
+      <p:sp>
+        <p:nvSpPr>
+          <p:cNvPr id="2" name="标题 1"/>
+          <p:cNvSpPr>
+            <a:spLocks noGrp="1"/>
+          </p:cNvSpPr>
+          <p:nvPr>
+            <p:ph type="title"/>
+          </p:nvPr>
+        </p:nvSpPr>
+        <p:spPr/>
+        <p:txBody>
+          <a:bodyPr/>
+          <a:lstStyle/>
+          <a:p>
+            <a:r>
+              <a:rPr lang="zh-CN" altLang="en-US" dirty="0"/>
+              <a:t>运行</a:t>
+            </a:r>
+            <a:r>
+              <a:rPr lang="zh-CN" altLang="en-US" dirty="0" smtClean="0"/>
+              <a:t>结果</a:t>
+            </a:r>
+            <a:endParaRPr lang="zh-CN" altLang="en-US" dirty="0"/>
+          </a:p>
+        </p:txBody>
+      </p:sp>
+      <p:pic>
+        <p:nvPicPr>
+          <p:cNvPr id="4" name="内容占位符 3" descr="屏幕剪辑"/>
+          <p:cNvPicPr>
+            <a:picLocks noGrp="1" noChangeAspect="1"/>
+          </p:cNvPicPr>
+          <p:nvPr>
+            <p:ph idx="1"/>
+          </p:nvPr>
+        </p:nvPicPr>
+        <p:blipFill>
+          <a:blip r:embed="rId2">
+            <a:extLst>
+              <a:ext uri="{28A0092B-C50C-407E-A947-70E740481C1C}">
+                <a14:useLocalDpi xmlns:a14="http://schemas.microsoft.com/office/drawing/2010/main" val="0"/>
+              </a:ext>
+            </a:extLst>
+          </a:blip>
+          <a:stretch>
+            <a:fillRect/>
+          </a:stretch>
+        </p:blipFill>
+        <p:spPr>
+          <a:xfrm>
+            <a:off x="2600647" y="1200150"/>
+            <a:ext cx="3942705" cy="3394075"/>
+          </a:xfrm>
+        </p:spPr>
+      </p:pic>
+    </p:spTree>
+    <p:extLst>
+      <p:ext uri="{BB962C8B-B14F-4D97-AF65-F5344CB8AC3E}">
+        <p14:creationId xmlns:p14="http://schemas.microsoft.com/office/powerpoint/2010/main" val="130453922"/>
+      </p:ext>
+    </p:extLst>
+  </p:cSld>
+  <p:clrMapOvr>
+    <a:masterClrMapping/>
+  </p:clrMapOvr>
 </p:sld>
 </file>
 

--- a/documents/slides/ppt.pptx
+++ b/documents/slides/ppt.pptx
@@ -3,58 +3,66 @@
 <p:presentation xmlns:a="http://schemas.openxmlformats.org/drawingml/2006/main" xmlns:r="http://schemas.openxmlformats.org/officeDocument/2006/relationships" xmlns:p="http://schemas.openxmlformats.org/presentationml/2006/main">
   <p:sldMasterIdLst>
     <p:sldMasterId id="2147483648" r:id="rId1"/>
+    <p:sldMasterId id="2147483660" r:id="rId2"/>
   </p:sldMasterIdLst>
   <p:notesMasterIdLst>
-    <p:notesMasterId r:id="rId49"/>
+    <p:notesMasterId r:id="rId57"/>
   </p:notesMasterIdLst>
   <p:sldIdLst>
-    <p:sldId id="282" r:id="rId2"/>
-    <p:sldId id="283" r:id="rId3"/>
-    <p:sldId id="284" r:id="rId4"/>
-    <p:sldId id="285" r:id="rId5"/>
-    <p:sldId id="286" r:id="rId6"/>
-    <p:sldId id="287" r:id="rId7"/>
-    <p:sldId id="288" r:id="rId8"/>
-    <p:sldId id="289" r:id="rId9"/>
-    <p:sldId id="290" r:id="rId10"/>
-    <p:sldId id="291" r:id="rId11"/>
-    <p:sldId id="292" r:id="rId12"/>
-    <p:sldId id="293" r:id="rId13"/>
-    <p:sldId id="294" r:id="rId14"/>
-    <p:sldId id="295" r:id="rId15"/>
-    <p:sldId id="296" r:id="rId16"/>
-    <p:sldId id="297" r:id="rId17"/>
-    <p:sldId id="298" r:id="rId18"/>
-    <p:sldId id="299" r:id="rId19"/>
-    <p:sldId id="302" r:id="rId20"/>
-    <p:sldId id="300" r:id="rId21"/>
-    <p:sldId id="301" r:id="rId22"/>
-    <p:sldId id="304" r:id="rId23"/>
-    <p:sldId id="303" r:id="rId24"/>
-    <p:sldId id="274" r:id="rId25"/>
-    <p:sldId id="275" r:id="rId26"/>
-    <p:sldId id="276" r:id="rId27"/>
-    <p:sldId id="277" r:id="rId28"/>
-    <p:sldId id="278" r:id="rId29"/>
-    <p:sldId id="279" r:id="rId30"/>
-    <p:sldId id="280" r:id="rId31"/>
-    <p:sldId id="281" r:id="rId32"/>
-    <p:sldId id="256" r:id="rId33"/>
-    <p:sldId id="257" r:id="rId34"/>
-    <p:sldId id="258" r:id="rId35"/>
-    <p:sldId id="259" r:id="rId36"/>
-    <p:sldId id="260" r:id="rId37"/>
-    <p:sldId id="261" r:id="rId38"/>
-    <p:sldId id="262" r:id="rId39"/>
-    <p:sldId id="263" r:id="rId40"/>
-    <p:sldId id="264" r:id="rId41"/>
-    <p:sldId id="267" r:id="rId42"/>
-    <p:sldId id="265" r:id="rId43"/>
-    <p:sldId id="268" r:id="rId44"/>
-    <p:sldId id="269" r:id="rId45"/>
-    <p:sldId id="270" r:id="rId46"/>
-    <p:sldId id="271" r:id="rId47"/>
-    <p:sldId id="272" r:id="rId48"/>
+    <p:sldId id="282" r:id="rId3"/>
+    <p:sldId id="283" r:id="rId4"/>
+    <p:sldId id="284" r:id="rId5"/>
+    <p:sldId id="285" r:id="rId6"/>
+    <p:sldId id="286" r:id="rId7"/>
+    <p:sldId id="287" r:id="rId8"/>
+    <p:sldId id="288" r:id="rId9"/>
+    <p:sldId id="289" r:id="rId10"/>
+    <p:sldId id="290" r:id="rId11"/>
+    <p:sldId id="291" r:id="rId12"/>
+    <p:sldId id="292" r:id="rId13"/>
+    <p:sldId id="293" r:id="rId14"/>
+    <p:sldId id="294" r:id="rId15"/>
+    <p:sldId id="295" r:id="rId16"/>
+    <p:sldId id="296" r:id="rId17"/>
+    <p:sldId id="297" r:id="rId18"/>
+    <p:sldId id="298" r:id="rId19"/>
+    <p:sldId id="299" r:id="rId20"/>
+    <p:sldId id="302" r:id="rId21"/>
+    <p:sldId id="300" r:id="rId22"/>
+    <p:sldId id="301" r:id="rId23"/>
+    <p:sldId id="304" r:id="rId24"/>
+    <p:sldId id="303" r:id="rId25"/>
+    <p:sldId id="274" r:id="rId26"/>
+    <p:sldId id="275" r:id="rId27"/>
+    <p:sldId id="276" r:id="rId28"/>
+    <p:sldId id="277" r:id="rId29"/>
+    <p:sldId id="278" r:id="rId30"/>
+    <p:sldId id="279" r:id="rId31"/>
+    <p:sldId id="280" r:id="rId32"/>
+    <p:sldId id="281" r:id="rId33"/>
+    <p:sldId id="256" r:id="rId34"/>
+    <p:sldId id="257" r:id="rId35"/>
+    <p:sldId id="258" r:id="rId36"/>
+    <p:sldId id="259" r:id="rId37"/>
+    <p:sldId id="260" r:id="rId38"/>
+    <p:sldId id="261" r:id="rId39"/>
+    <p:sldId id="262" r:id="rId40"/>
+    <p:sldId id="263" r:id="rId41"/>
+    <p:sldId id="264" r:id="rId42"/>
+    <p:sldId id="267" r:id="rId43"/>
+    <p:sldId id="265" r:id="rId44"/>
+    <p:sldId id="268" r:id="rId45"/>
+    <p:sldId id="269" r:id="rId46"/>
+    <p:sldId id="270" r:id="rId47"/>
+    <p:sldId id="271" r:id="rId48"/>
+    <p:sldId id="272" r:id="rId49"/>
+    <p:sldId id="305" r:id="rId50"/>
+    <p:sldId id="306" r:id="rId51"/>
+    <p:sldId id="307" r:id="rId52"/>
+    <p:sldId id="308" r:id="rId53"/>
+    <p:sldId id="309" r:id="rId54"/>
+    <p:sldId id="310" r:id="rId55"/>
+    <p:sldId id="311" r:id="rId56"/>
   </p:sldIdLst>
   <p:sldSz cx="9144000" cy="5143500" type="screen16x9"/>
   <p:notesSz cx="6858000" cy="9144000"/>
@@ -153,6 +161,22 @@
       </a:defRPr>
     </a:lvl9pPr>
   </p:defaultTextStyle>
+  <p:extLst>
+    <p:ext uri="{EFAFB233-063F-42B5-8137-9DF3F51BA10A}">
+      <p15:sldGuideLst xmlns:p15="http://schemas.microsoft.com/office/powerpoint/2012/main">
+        <p15:guide id="1" orient="horz" pos="1634">
+          <p15:clr>
+            <a:srgbClr val="A4A3A4"/>
+          </p15:clr>
+        </p15:guide>
+        <p15:guide id="2" pos="2900">
+          <p15:clr>
+            <a:srgbClr val="A4A3A4"/>
+          </p15:clr>
+        </p15:guide>
+      </p15:sldGuideLst>
+    </p:ext>
+  </p:extLst>
 </p:presentation>
 </file>
 
@@ -2702,8 +2726,8 @@
     <dgm:cxn modelId="{27F70CF0-B476-4972-BD2F-A65815353CF9}" type="presOf" srcId="{F7A643C9-3119-421B-B941-EAF7FEA75558}" destId="{BDFC269D-521E-4413-BD46-EAD3B4D7B773}" srcOrd="0" destOrd="0" presId="urn:microsoft.com/office/officeart/2005/8/layout/process1"/>
     <dgm:cxn modelId="{D8A6123C-B5AF-45B4-91DD-F28105198CFC}" srcId="{39EC6EAF-D9CC-4F6D-B842-72B7DE4FE54A}" destId="{9B3D1C29-9683-4F73-991F-5A0672B16B43}" srcOrd="3" destOrd="0" parTransId="{BF1A20D5-A110-45B5-B67D-69F2BC7D53EC}" sibTransId="{FAE67D40-098D-4263-9085-71FE1255A134}"/>
     <dgm:cxn modelId="{16B3D203-7873-4A44-A35E-5A464FD42444}" type="presOf" srcId="{39EC6EAF-D9CC-4F6D-B842-72B7DE4FE54A}" destId="{4EBA5E7F-C099-4217-AA7C-B5359F2BD42F}" srcOrd="0" destOrd="0" presId="urn:microsoft.com/office/officeart/2005/8/layout/process1"/>
+    <dgm:cxn modelId="{F73337C7-0D6A-45D4-9D36-2CB9CF398375}" type="presOf" srcId="{FAE67D40-098D-4263-9085-71FE1255A134}" destId="{C5EAC5D8-5D99-4210-BCDB-CACFF2F7A868}" srcOrd="1" destOrd="0" presId="urn:microsoft.com/office/officeart/2005/8/layout/process1"/>
     <dgm:cxn modelId="{0A038169-9F89-4F79-9E4A-BB05292E495D}" type="presOf" srcId="{9B3D1C29-9683-4F73-991F-5A0672B16B43}" destId="{6DB5CDA1-3C52-4FE7-8448-320AB0C25C0B}" srcOrd="0" destOrd="0" presId="urn:microsoft.com/office/officeart/2005/8/layout/process1"/>
-    <dgm:cxn modelId="{F73337C7-0D6A-45D4-9D36-2CB9CF398375}" type="presOf" srcId="{FAE67D40-098D-4263-9085-71FE1255A134}" destId="{C5EAC5D8-5D99-4210-BCDB-CACFF2F7A868}" srcOrd="1" destOrd="0" presId="urn:microsoft.com/office/officeart/2005/8/layout/process1"/>
     <dgm:cxn modelId="{1A994474-FCD7-4D18-947C-476F60F4D9A4}" srcId="{39EC6EAF-D9CC-4F6D-B842-72B7DE4FE54A}" destId="{7FEDDCA0-CE12-46B8-A63B-2A6C08A755AE}" srcOrd="4" destOrd="0" parTransId="{217AC202-8DB1-4DD6-BDC9-6F6A52D9EE67}" sibTransId="{7D2AE98A-11B1-4D40-976D-6BB78E267C3F}"/>
     <dgm:cxn modelId="{BDB31971-E4CF-4A40-9040-EF5E2B81EE24}" srcId="{39EC6EAF-D9CC-4F6D-B842-72B7DE4FE54A}" destId="{5ABBF41C-0D31-46CB-A0DD-8A2079F3E0ED}" srcOrd="5" destOrd="0" parTransId="{FA2305D7-9FFE-45F1-9189-7DE58EC0C70F}" sibTransId="{10AC144C-93CE-4981-AF88-C44BEC84ADF5}"/>
     <dgm:cxn modelId="{B609B945-92BE-492C-938A-F39F56738E9D}" type="presOf" srcId="{DE1B5354-2E34-4A25-AB48-E553D3A0FA11}" destId="{35D03A86-5FED-4DA0-AEA8-F5D442F67822}" srcOrd="1" destOrd="0" presId="urn:microsoft.com/office/officeart/2005/8/layout/process1"/>
@@ -2742,963 +2766,6 @@
       <dsp:cNvGrpSpPr/>
     </dsp:nvGrpSpPr>
     <dsp:grpSpPr/>
-    <dsp:sp modelId="{F62212AD-AE54-444F-B7EB-0944074DE6F5}">
-      <dsp:nvSpPr>
-        <dsp:cNvPr id="0" name=""/>
-        <dsp:cNvSpPr/>
-      </dsp:nvSpPr>
-      <dsp:spPr>
-        <a:xfrm>
-          <a:off x="-3836843" y="-589249"/>
-          <a:ext cx="4572970" cy="4572970"/>
-        </a:xfrm>
-        <a:prstGeom prst="blockArc">
-          <a:avLst>
-            <a:gd name="adj1" fmla="val 18900000"/>
-            <a:gd name="adj2" fmla="val 2700000"/>
-            <a:gd name="adj3" fmla="val 472"/>
-          </a:avLst>
-        </a:prstGeom>
-        <a:noFill/>
-        <a:ln w="25400" cap="flat" cmpd="sng" algn="ctr">
-          <a:solidFill>
-            <a:schemeClr val="accent1">
-              <a:shade val="60000"/>
-              <a:hueOff val="0"/>
-              <a:satOff val="0"/>
-              <a:lumOff val="0"/>
-              <a:alphaOff val="0"/>
-            </a:schemeClr>
-          </a:solidFill>
-          <a:prstDash val="solid"/>
-        </a:ln>
-        <a:effectLst/>
-      </dsp:spPr>
-      <dsp:style>
-        <a:lnRef idx="2">
-          <a:scrgbClr r="0" g="0" b="0"/>
-        </a:lnRef>
-        <a:fillRef idx="0">
-          <a:scrgbClr r="0" g="0" b="0"/>
-        </a:fillRef>
-        <a:effectRef idx="0">
-          <a:scrgbClr r="0" g="0" b="0"/>
-        </a:effectRef>
-        <a:fontRef idx="minor"/>
-      </dsp:style>
-    </dsp:sp>
-    <dsp:sp modelId="{C74D45E1-8754-4BAC-A4CD-1DADE0320849}">
-      <dsp:nvSpPr>
-        <dsp:cNvPr id="0" name=""/>
-        <dsp:cNvSpPr/>
-      </dsp:nvSpPr>
-      <dsp:spPr>
-        <a:xfrm>
-          <a:off x="238826" y="154312"/>
-          <a:ext cx="7946161" cy="308489"/>
-        </a:xfrm>
-        <a:prstGeom prst="rect">
-          <a:avLst/>
-        </a:prstGeom>
-        <a:solidFill>
-          <a:schemeClr val="accent1">
-            <a:hueOff val="0"/>
-            <a:satOff val="0"/>
-            <a:lumOff val="0"/>
-            <a:alphaOff val="0"/>
-          </a:schemeClr>
-        </a:solidFill>
-        <a:ln w="25400" cap="flat" cmpd="sng" algn="ctr">
-          <a:solidFill>
-            <a:schemeClr val="lt1">
-              <a:hueOff val="0"/>
-              <a:satOff val="0"/>
-              <a:lumOff val="0"/>
-              <a:alphaOff val="0"/>
-            </a:schemeClr>
-          </a:solidFill>
-          <a:prstDash val="solid"/>
-        </a:ln>
-        <a:effectLst/>
-      </dsp:spPr>
-      <dsp:style>
-        <a:lnRef idx="2">
-          <a:scrgbClr r="0" g="0" b="0"/>
-        </a:lnRef>
-        <a:fillRef idx="1">
-          <a:scrgbClr r="0" g="0" b="0"/>
-        </a:fillRef>
-        <a:effectRef idx="0">
-          <a:scrgbClr r="0" g="0" b="0"/>
-        </a:effectRef>
-        <a:fontRef idx="minor">
-          <a:schemeClr val="lt1"/>
-        </a:fontRef>
-      </dsp:style>
-      <dsp:txBody>
-        <a:bodyPr spcFirstLastPara="0" vert="horz" wrap="square" lIns="244864" tIns="38100" rIns="38100" bIns="38100" numCol="1" spcCol="1270" anchor="ctr" anchorCtr="0">
-          <a:noAutofit/>
-        </a:bodyPr>
-        <a:lstStyle/>
-        <a:p>
-          <a:pPr lvl="0" algn="l" defTabSz="666750">
-            <a:lnSpc>
-              <a:spcPct val="90000"/>
-            </a:lnSpc>
-            <a:spcBef>
-              <a:spcPct val="0"/>
-            </a:spcBef>
-            <a:spcAft>
-              <a:spcPct val="35000"/>
-            </a:spcAft>
-          </a:pPr>
-          <a:r>
-            <a:rPr lang="zh-CN" altLang="en-US" sz="1500" kern="1200" dirty="0" smtClean="0"/>
-            <a:t>打开</a:t>
-          </a:r>
-          <a:r>
-            <a:rPr lang="en-US" altLang="zh-CN" sz="1500" kern="1200" dirty="0" err="1" smtClean="0"/>
-            <a:t>chidb</a:t>
-          </a:r>
-          <a:r>
-            <a:rPr lang="zh-CN" altLang="en-US" sz="1500" kern="1200" dirty="0" smtClean="0"/>
-            <a:t>文件</a:t>
-          </a:r>
-          <a:endParaRPr lang="zh-CN" altLang="en-US" sz="1500" kern="1200" dirty="0"/>
-        </a:p>
-      </dsp:txBody>
-      <dsp:txXfrm>
-        <a:off x="238826" y="154312"/>
-        <a:ext cx="7946161" cy="308489"/>
-      </dsp:txXfrm>
-    </dsp:sp>
-    <dsp:sp modelId="{D2A5C4DE-AFD9-4C6E-9802-22DE1B5562B6}">
-      <dsp:nvSpPr>
-        <dsp:cNvPr id="0" name=""/>
-        <dsp:cNvSpPr/>
-      </dsp:nvSpPr>
-      <dsp:spPr>
-        <a:xfrm>
-          <a:off x="46020" y="115751"/>
-          <a:ext cx="385612" cy="385612"/>
-        </a:xfrm>
-        <a:prstGeom prst="ellipse">
-          <a:avLst/>
-        </a:prstGeom>
-        <a:solidFill>
-          <a:schemeClr val="lt1">
-            <a:hueOff val="0"/>
-            <a:satOff val="0"/>
-            <a:lumOff val="0"/>
-            <a:alphaOff val="0"/>
-          </a:schemeClr>
-        </a:solidFill>
-        <a:ln w="25400" cap="flat" cmpd="sng" algn="ctr">
-          <a:solidFill>
-            <a:schemeClr val="accent1">
-              <a:hueOff val="0"/>
-              <a:satOff val="0"/>
-              <a:lumOff val="0"/>
-              <a:alphaOff val="0"/>
-            </a:schemeClr>
-          </a:solidFill>
-          <a:prstDash val="solid"/>
-        </a:ln>
-        <a:effectLst/>
-      </dsp:spPr>
-      <dsp:style>
-        <a:lnRef idx="2">
-          <a:scrgbClr r="0" g="0" b="0"/>
-        </a:lnRef>
-        <a:fillRef idx="1">
-          <a:scrgbClr r="0" g="0" b="0"/>
-        </a:fillRef>
-        <a:effectRef idx="0">
-          <a:scrgbClr r="0" g="0" b="0"/>
-        </a:effectRef>
-        <a:fontRef idx="minor"/>
-      </dsp:style>
-    </dsp:sp>
-    <dsp:sp modelId="{38542C04-46A7-4591-B09A-795E77FC01CA}">
-      <dsp:nvSpPr>
-        <dsp:cNvPr id="0" name=""/>
-        <dsp:cNvSpPr/>
-      </dsp:nvSpPr>
-      <dsp:spPr>
-        <a:xfrm>
-          <a:off x="518191" y="617318"/>
-          <a:ext cx="7666796" cy="308489"/>
-        </a:xfrm>
-        <a:prstGeom prst="rect">
-          <a:avLst/>
-        </a:prstGeom>
-        <a:solidFill>
-          <a:schemeClr val="accent1">
-            <a:hueOff val="0"/>
-            <a:satOff val="0"/>
-            <a:lumOff val="0"/>
-            <a:alphaOff val="0"/>
-          </a:schemeClr>
-        </a:solidFill>
-        <a:ln w="25400" cap="flat" cmpd="sng" algn="ctr">
-          <a:solidFill>
-            <a:schemeClr val="lt1">
-              <a:hueOff val="0"/>
-              <a:satOff val="0"/>
-              <a:lumOff val="0"/>
-              <a:alphaOff val="0"/>
-            </a:schemeClr>
-          </a:solidFill>
-          <a:prstDash val="solid"/>
-        </a:ln>
-        <a:effectLst/>
-      </dsp:spPr>
-      <dsp:style>
-        <a:lnRef idx="2">
-          <a:scrgbClr r="0" g="0" b="0"/>
-        </a:lnRef>
-        <a:fillRef idx="1">
-          <a:scrgbClr r="0" g="0" b="0"/>
-        </a:fillRef>
-        <a:effectRef idx="0">
-          <a:scrgbClr r="0" g="0" b="0"/>
-        </a:effectRef>
-        <a:fontRef idx="minor">
-          <a:schemeClr val="lt1"/>
-        </a:fontRef>
-      </dsp:style>
-      <dsp:txBody>
-        <a:bodyPr spcFirstLastPara="0" vert="horz" wrap="square" lIns="244864" tIns="38100" rIns="38100" bIns="38100" numCol="1" spcCol="1270" anchor="ctr" anchorCtr="0">
-          <a:noAutofit/>
-        </a:bodyPr>
-        <a:lstStyle/>
-        <a:p>
-          <a:pPr lvl="0" algn="l" defTabSz="666750">
-            <a:lnSpc>
-              <a:spcPct val="90000"/>
-            </a:lnSpc>
-            <a:spcBef>
-              <a:spcPct val="0"/>
-            </a:spcBef>
-            <a:spcAft>
-              <a:spcPct val="35000"/>
-            </a:spcAft>
-          </a:pPr>
-          <a:r>
-            <a:rPr lang="zh-CN" altLang="en-US" sz="1500" kern="1200" dirty="0" smtClean="0"/>
-            <a:t>从文件加载</a:t>
-          </a:r>
-          <a:r>
-            <a:rPr lang="en-US" altLang="zh-CN" sz="1500" kern="1200" dirty="0" smtClean="0"/>
-            <a:t>B</a:t>
-          </a:r>
-          <a:r>
-            <a:rPr lang="zh-CN" altLang="en-US" sz="1500" kern="1200" dirty="0" smtClean="0"/>
-            <a:t>树节点</a:t>
-          </a:r>
-          <a:endParaRPr lang="zh-CN" altLang="en-US" sz="1500" kern="1200" dirty="0"/>
-        </a:p>
-      </dsp:txBody>
-      <dsp:txXfrm>
-        <a:off x="518191" y="617318"/>
-        <a:ext cx="7666796" cy="308489"/>
-      </dsp:txXfrm>
-    </dsp:sp>
-    <dsp:sp modelId="{976F545E-3B87-4060-85D5-B3BF6D03FE44}">
-      <dsp:nvSpPr>
-        <dsp:cNvPr id="0" name=""/>
-        <dsp:cNvSpPr/>
-      </dsp:nvSpPr>
-      <dsp:spPr>
-        <a:xfrm>
-          <a:off x="325385" y="578757"/>
-          <a:ext cx="385612" cy="385612"/>
-        </a:xfrm>
-        <a:prstGeom prst="ellipse">
-          <a:avLst/>
-        </a:prstGeom>
-        <a:solidFill>
-          <a:schemeClr val="lt1">
-            <a:hueOff val="0"/>
-            <a:satOff val="0"/>
-            <a:lumOff val="0"/>
-            <a:alphaOff val="0"/>
-          </a:schemeClr>
-        </a:solidFill>
-        <a:ln w="25400" cap="flat" cmpd="sng" algn="ctr">
-          <a:solidFill>
-            <a:schemeClr val="accent1">
-              <a:hueOff val="0"/>
-              <a:satOff val="0"/>
-              <a:lumOff val="0"/>
-              <a:alphaOff val="0"/>
-            </a:schemeClr>
-          </a:solidFill>
-          <a:prstDash val="solid"/>
-        </a:ln>
-        <a:effectLst/>
-      </dsp:spPr>
-      <dsp:style>
-        <a:lnRef idx="2">
-          <a:scrgbClr r="0" g="0" b="0"/>
-        </a:lnRef>
-        <a:fillRef idx="1">
-          <a:scrgbClr r="0" g="0" b="0"/>
-        </a:fillRef>
-        <a:effectRef idx="0">
-          <a:scrgbClr r="0" g="0" b="0"/>
-        </a:effectRef>
-        <a:fontRef idx="minor"/>
-      </dsp:style>
-    </dsp:sp>
-    <dsp:sp modelId="{379C6CE0-3CBE-429B-80DB-CDB64788DF15}">
-      <dsp:nvSpPr>
-        <dsp:cNvPr id="0" name=""/>
-        <dsp:cNvSpPr/>
-      </dsp:nvSpPr>
-      <dsp:spPr>
-        <a:xfrm>
-          <a:off x="671282" y="1079985"/>
-          <a:ext cx="7513705" cy="308489"/>
-        </a:xfrm>
-        <a:prstGeom prst="rect">
-          <a:avLst/>
-        </a:prstGeom>
-        <a:solidFill>
-          <a:schemeClr val="accent1">
-            <a:hueOff val="0"/>
-            <a:satOff val="0"/>
-            <a:lumOff val="0"/>
-            <a:alphaOff val="0"/>
-          </a:schemeClr>
-        </a:solidFill>
-        <a:ln w="25400" cap="flat" cmpd="sng" algn="ctr">
-          <a:solidFill>
-            <a:schemeClr val="lt1">
-              <a:hueOff val="0"/>
-              <a:satOff val="0"/>
-              <a:lumOff val="0"/>
-              <a:alphaOff val="0"/>
-            </a:schemeClr>
-          </a:solidFill>
-          <a:prstDash val="solid"/>
-        </a:ln>
-        <a:effectLst/>
-      </dsp:spPr>
-      <dsp:style>
-        <a:lnRef idx="2">
-          <a:scrgbClr r="0" g="0" b="0"/>
-        </a:lnRef>
-        <a:fillRef idx="1">
-          <a:scrgbClr r="0" g="0" b="0"/>
-        </a:fillRef>
-        <a:effectRef idx="0">
-          <a:scrgbClr r="0" g="0" b="0"/>
-        </a:effectRef>
-        <a:fontRef idx="minor">
-          <a:schemeClr val="lt1"/>
-        </a:fontRef>
-      </dsp:style>
-      <dsp:txBody>
-        <a:bodyPr spcFirstLastPara="0" vert="horz" wrap="square" lIns="244864" tIns="38100" rIns="38100" bIns="38100" numCol="1" spcCol="1270" anchor="ctr" anchorCtr="0">
-          <a:noAutofit/>
-        </a:bodyPr>
-        <a:lstStyle/>
-        <a:p>
-          <a:pPr lvl="0" algn="l" defTabSz="666750">
-            <a:lnSpc>
-              <a:spcPct val="90000"/>
-            </a:lnSpc>
-            <a:spcBef>
-              <a:spcPct val="0"/>
-            </a:spcBef>
-            <a:spcAft>
-              <a:spcPct val="35000"/>
-            </a:spcAft>
-          </a:pPr>
-          <a:r>
-            <a:rPr lang="zh-CN" altLang="en-US" sz="1500" kern="1200" dirty="0" smtClean="0"/>
-            <a:t>创建</a:t>
-          </a:r>
-          <a:r>
-            <a:rPr lang="en-US" altLang="zh-CN" sz="1500" kern="1200" dirty="0" smtClean="0"/>
-            <a:t>B</a:t>
-          </a:r>
-          <a:r>
-            <a:rPr lang="zh-CN" altLang="en-US" sz="1500" kern="1200" dirty="0" smtClean="0"/>
-            <a:t>树节点并将其写入磁盘</a:t>
-          </a:r>
-          <a:endParaRPr lang="zh-CN" altLang="en-US" sz="1500" kern="1200" dirty="0"/>
-        </a:p>
-      </dsp:txBody>
-      <dsp:txXfrm>
-        <a:off x="671282" y="1079985"/>
-        <a:ext cx="7513705" cy="308489"/>
-      </dsp:txXfrm>
-    </dsp:sp>
-    <dsp:sp modelId="{54F87E09-BADC-4056-8527-4C7B1982628A}">
-      <dsp:nvSpPr>
-        <dsp:cNvPr id="0" name=""/>
-        <dsp:cNvSpPr/>
-      </dsp:nvSpPr>
-      <dsp:spPr>
-        <a:xfrm>
-          <a:off x="478476" y="1041424"/>
-          <a:ext cx="385612" cy="385612"/>
-        </a:xfrm>
-        <a:prstGeom prst="ellipse">
-          <a:avLst/>
-        </a:prstGeom>
-        <a:solidFill>
-          <a:schemeClr val="lt1">
-            <a:hueOff val="0"/>
-            <a:satOff val="0"/>
-            <a:lumOff val="0"/>
-            <a:alphaOff val="0"/>
-          </a:schemeClr>
-        </a:solidFill>
-        <a:ln w="25400" cap="flat" cmpd="sng" algn="ctr">
-          <a:solidFill>
-            <a:schemeClr val="accent1">
-              <a:hueOff val="0"/>
-              <a:satOff val="0"/>
-              <a:lumOff val="0"/>
-              <a:alphaOff val="0"/>
-            </a:schemeClr>
-          </a:solidFill>
-          <a:prstDash val="solid"/>
-        </a:ln>
-        <a:effectLst/>
-      </dsp:spPr>
-      <dsp:style>
-        <a:lnRef idx="2">
-          <a:scrgbClr r="0" g="0" b="0"/>
-        </a:lnRef>
-        <a:fillRef idx="1">
-          <a:scrgbClr r="0" g="0" b="0"/>
-        </a:fillRef>
-        <a:effectRef idx="0">
-          <a:scrgbClr r="0" g="0" b="0"/>
-        </a:effectRef>
-        <a:fontRef idx="minor"/>
-      </dsp:style>
-    </dsp:sp>
-    <dsp:sp modelId="{93A95A73-5C8E-49E9-BD5D-17EE6DF931C8}">
-      <dsp:nvSpPr>
-        <dsp:cNvPr id="0" name=""/>
-        <dsp:cNvSpPr/>
-      </dsp:nvSpPr>
-      <dsp:spPr>
-        <a:xfrm>
-          <a:off x="720162" y="1542991"/>
-          <a:ext cx="7464825" cy="308489"/>
-        </a:xfrm>
-        <a:prstGeom prst="rect">
-          <a:avLst/>
-        </a:prstGeom>
-        <a:solidFill>
-          <a:schemeClr val="accent1">
-            <a:hueOff val="0"/>
-            <a:satOff val="0"/>
-            <a:lumOff val="0"/>
-            <a:alphaOff val="0"/>
-          </a:schemeClr>
-        </a:solidFill>
-        <a:ln w="25400" cap="flat" cmpd="sng" algn="ctr">
-          <a:solidFill>
-            <a:schemeClr val="lt1">
-              <a:hueOff val="0"/>
-              <a:satOff val="0"/>
-              <a:lumOff val="0"/>
-              <a:alphaOff val="0"/>
-            </a:schemeClr>
-          </a:solidFill>
-          <a:prstDash val="solid"/>
-        </a:ln>
-        <a:effectLst/>
-      </dsp:spPr>
-      <dsp:style>
-        <a:lnRef idx="2">
-          <a:scrgbClr r="0" g="0" b="0"/>
-        </a:lnRef>
-        <a:fillRef idx="1">
-          <a:scrgbClr r="0" g="0" b="0"/>
-        </a:fillRef>
-        <a:effectRef idx="0">
-          <a:scrgbClr r="0" g="0" b="0"/>
-        </a:effectRef>
-        <a:fontRef idx="minor">
-          <a:schemeClr val="lt1"/>
-        </a:fontRef>
-      </dsp:style>
-      <dsp:txBody>
-        <a:bodyPr spcFirstLastPara="0" vert="horz" wrap="square" lIns="244864" tIns="38100" rIns="38100" bIns="38100" numCol="1" spcCol="1270" anchor="ctr" anchorCtr="0">
-          <a:noAutofit/>
-        </a:bodyPr>
-        <a:lstStyle/>
-        <a:p>
-          <a:pPr lvl="0" algn="l" defTabSz="666750">
-            <a:lnSpc>
-              <a:spcPct val="90000"/>
-            </a:lnSpc>
-            <a:spcBef>
-              <a:spcPct val="0"/>
-            </a:spcBef>
-            <a:spcAft>
-              <a:spcPct val="35000"/>
-            </a:spcAft>
-          </a:pPr>
-          <a:r>
-            <a:rPr lang="zh-CN" altLang="en-US" sz="1500" kern="1200" dirty="0" smtClean="0"/>
-            <a:t>控制</a:t>
-          </a:r>
-          <a:r>
-            <a:rPr lang="en-US" altLang="zh-CN" sz="1500" kern="1200" dirty="0" smtClean="0"/>
-            <a:t>B</a:t>
-          </a:r>
-          <a:r>
-            <a:rPr lang="zh-CN" altLang="en-US" sz="1500" kern="1200" dirty="0" smtClean="0"/>
-            <a:t>树</a:t>
-          </a:r>
-          <a:r>
-            <a:rPr lang="en-US" altLang="zh-CN" sz="1500" kern="1200" dirty="0" smtClean="0"/>
-            <a:t>cell</a:t>
-          </a:r>
-          <a:endParaRPr lang="zh-CN" altLang="en-US" sz="1500" kern="1200" dirty="0"/>
-        </a:p>
-      </dsp:txBody>
-      <dsp:txXfrm>
-        <a:off x="720162" y="1542991"/>
-        <a:ext cx="7464825" cy="308489"/>
-      </dsp:txXfrm>
-    </dsp:sp>
-    <dsp:sp modelId="{34EDA692-F42D-4A3D-8CA6-2CC7C3F43291}">
-      <dsp:nvSpPr>
-        <dsp:cNvPr id="0" name=""/>
-        <dsp:cNvSpPr/>
-      </dsp:nvSpPr>
-      <dsp:spPr>
-        <a:xfrm>
-          <a:off x="527356" y="1504429"/>
-          <a:ext cx="385612" cy="385612"/>
-        </a:xfrm>
-        <a:prstGeom prst="ellipse">
-          <a:avLst/>
-        </a:prstGeom>
-        <a:solidFill>
-          <a:schemeClr val="lt1">
-            <a:hueOff val="0"/>
-            <a:satOff val="0"/>
-            <a:lumOff val="0"/>
-            <a:alphaOff val="0"/>
-          </a:schemeClr>
-        </a:solidFill>
-        <a:ln w="25400" cap="flat" cmpd="sng" algn="ctr">
-          <a:solidFill>
-            <a:schemeClr val="accent1">
-              <a:hueOff val="0"/>
-              <a:satOff val="0"/>
-              <a:lumOff val="0"/>
-              <a:alphaOff val="0"/>
-            </a:schemeClr>
-          </a:solidFill>
-          <a:prstDash val="solid"/>
-        </a:ln>
-        <a:effectLst/>
-      </dsp:spPr>
-      <dsp:style>
-        <a:lnRef idx="2">
-          <a:scrgbClr r="0" g="0" b="0"/>
-        </a:lnRef>
-        <a:fillRef idx="1">
-          <a:scrgbClr r="0" g="0" b="0"/>
-        </a:fillRef>
-        <a:effectRef idx="0">
-          <a:scrgbClr r="0" g="0" b="0"/>
-        </a:effectRef>
-        <a:fontRef idx="minor"/>
-      </dsp:style>
-    </dsp:sp>
-    <dsp:sp modelId="{8FBB5E65-3659-4D28-B901-960C09BDBB4B}">
-      <dsp:nvSpPr>
-        <dsp:cNvPr id="0" name=""/>
-        <dsp:cNvSpPr/>
-      </dsp:nvSpPr>
-      <dsp:spPr>
-        <a:xfrm>
-          <a:off x="671282" y="2005997"/>
-          <a:ext cx="7513705" cy="308489"/>
-        </a:xfrm>
-        <a:prstGeom prst="rect">
-          <a:avLst/>
-        </a:prstGeom>
-        <a:solidFill>
-          <a:schemeClr val="accent1">
-            <a:hueOff val="0"/>
-            <a:satOff val="0"/>
-            <a:lumOff val="0"/>
-            <a:alphaOff val="0"/>
-          </a:schemeClr>
-        </a:solidFill>
-        <a:ln w="25400" cap="flat" cmpd="sng" algn="ctr">
-          <a:solidFill>
-            <a:schemeClr val="lt1">
-              <a:hueOff val="0"/>
-              <a:satOff val="0"/>
-              <a:lumOff val="0"/>
-              <a:alphaOff val="0"/>
-            </a:schemeClr>
-          </a:solidFill>
-          <a:prstDash val="solid"/>
-        </a:ln>
-        <a:effectLst/>
-      </dsp:spPr>
-      <dsp:style>
-        <a:lnRef idx="2">
-          <a:scrgbClr r="0" g="0" b="0"/>
-        </a:lnRef>
-        <a:fillRef idx="1">
-          <a:scrgbClr r="0" g="0" b="0"/>
-        </a:fillRef>
-        <a:effectRef idx="0">
-          <a:scrgbClr r="0" g="0" b="0"/>
-        </a:effectRef>
-        <a:fontRef idx="minor">
-          <a:schemeClr val="lt1"/>
-        </a:fontRef>
-      </dsp:style>
-      <dsp:txBody>
-        <a:bodyPr spcFirstLastPara="0" vert="horz" wrap="square" lIns="244864" tIns="38100" rIns="38100" bIns="38100" numCol="1" spcCol="1270" anchor="ctr" anchorCtr="0">
-          <a:noAutofit/>
-        </a:bodyPr>
-        <a:lstStyle/>
-        <a:p>
-          <a:pPr lvl="0" algn="l" defTabSz="666750">
-            <a:lnSpc>
-              <a:spcPct val="90000"/>
-            </a:lnSpc>
-            <a:spcBef>
-              <a:spcPct val="0"/>
-            </a:spcBef>
-            <a:spcAft>
-              <a:spcPct val="35000"/>
-            </a:spcAft>
-          </a:pPr>
-          <a:r>
-            <a:rPr lang="zh-CN" altLang="en-US" sz="1500" kern="1200" smtClean="0"/>
-            <a:t>在</a:t>
-          </a:r>
-          <a:r>
-            <a:rPr lang="en-US" altLang="zh-CN" sz="1500" kern="1200" smtClean="0"/>
-            <a:t>B</a:t>
-          </a:r>
-          <a:r>
-            <a:rPr lang="zh-CN" altLang="en-US" sz="1500" kern="1200" smtClean="0"/>
-            <a:t>树中查找值</a:t>
-          </a:r>
-          <a:endParaRPr lang="zh-CN" altLang="en-US" sz="1500" kern="1200" dirty="0"/>
-        </a:p>
-      </dsp:txBody>
-      <dsp:txXfrm>
-        <a:off x="671282" y="2005997"/>
-        <a:ext cx="7513705" cy="308489"/>
-      </dsp:txXfrm>
-    </dsp:sp>
-    <dsp:sp modelId="{540779D7-B59F-4616-B122-0973F8457F4A}">
-      <dsp:nvSpPr>
-        <dsp:cNvPr id="0" name=""/>
-        <dsp:cNvSpPr/>
-      </dsp:nvSpPr>
-      <dsp:spPr>
-        <a:xfrm>
-          <a:off x="478476" y="1967435"/>
-          <a:ext cx="385612" cy="385612"/>
-        </a:xfrm>
-        <a:prstGeom prst="ellipse">
-          <a:avLst/>
-        </a:prstGeom>
-        <a:solidFill>
-          <a:schemeClr val="lt1">
-            <a:hueOff val="0"/>
-            <a:satOff val="0"/>
-            <a:lumOff val="0"/>
-            <a:alphaOff val="0"/>
-          </a:schemeClr>
-        </a:solidFill>
-        <a:ln w="25400" cap="flat" cmpd="sng" algn="ctr">
-          <a:solidFill>
-            <a:schemeClr val="accent1">
-              <a:hueOff val="0"/>
-              <a:satOff val="0"/>
-              <a:lumOff val="0"/>
-              <a:alphaOff val="0"/>
-            </a:schemeClr>
-          </a:solidFill>
-          <a:prstDash val="solid"/>
-        </a:ln>
-        <a:effectLst/>
-      </dsp:spPr>
-      <dsp:style>
-        <a:lnRef idx="2">
-          <a:scrgbClr r="0" g="0" b="0"/>
-        </a:lnRef>
-        <a:fillRef idx="1">
-          <a:scrgbClr r="0" g="0" b="0"/>
-        </a:fillRef>
-        <a:effectRef idx="0">
-          <a:scrgbClr r="0" g="0" b="0"/>
-        </a:effectRef>
-        <a:fontRef idx="minor"/>
-      </dsp:style>
-    </dsp:sp>
-    <dsp:sp modelId="{87A6DBB1-7F2F-4F37-BA63-E3B237ADAD39}">
-      <dsp:nvSpPr>
-        <dsp:cNvPr id="0" name=""/>
-        <dsp:cNvSpPr/>
-      </dsp:nvSpPr>
-      <dsp:spPr>
-        <a:xfrm>
-          <a:off x="518191" y="2468663"/>
-          <a:ext cx="7666796" cy="308489"/>
-        </a:xfrm>
-        <a:prstGeom prst="rect">
-          <a:avLst/>
-        </a:prstGeom>
-        <a:solidFill>
-          <a:schemeClr val="accent1">
-            <a:hueOff val="0"/>
-            <a:satOff val="0"/>
-            <a:lumOff val="0"/>
-            <a:alphaOff val="0"/>
-          </a:schemeClr>
-        </a:solidFill>
-        <a:ln w="25400" cap="flat" cmpd="sng" algn="ctr">
-          <a:solidFill>
-            <a:schemeClr val="lt1">
-              <a:hueOff val="0"/>
-              <a:satOff val="0"/>
-              <a:lumOff val="0"/>
-              <a:alphaOff val="0"/>
-            </a:schemeClr>
-          </a:solidFill>
-          <a:prstDash val="solid"/>
-        </a:ln>
-        <a:effectLst/>
-      </dsp:spPr>
-      <dsp:style>
-        <a:lnRef idx="2">
-          <a:scrgbClr r="0" g="0" b="0"/>
-        </a:lnRef>
-        <a:fillRef idx="1">
-          <a:scrgbClr r="0" g="0" b="0"/>
-        </a:fillRef>
-        <a:effectRef idx="0">
-          <a:scrgbClr r="0" g="0" b="0"/>
-        </a:effectRef>
-        <a:fontRef idx="minor">
-          <a:schemeClr val="lt1"/>
-        </a:fontRef>
-      </dsp:style>
-      <dsp:txBody>
-        <a:bodyPr spcFirstLastPara="0" vert="horz" wrap="square" lIns="244864" tIns="38100" rIns="38100" bIns="38100" numCol="1" spcCol="1270" anchor="ctr" anchorCtr="0">
-          <a:noAutofit/>
-        </a:bodyPr>
-        <a:lstStyle/>
-        <a:p>
-          <a:pPr lvl="0" algn="l" defTabSz="666750">
-            <a:lnSpc>
-              <a:spcPct val="90000"/>
-            </a:lnSpc>
-            <a:spcBef>
-              <a:spcPct val="0"/>
-            </a:spcBef>
-            <a:spcAft>
-              <a:spcPct val="35000"/>
-            </a:spcAft>
-          </a:pPr>
-          <a:r>
-            <a:rPr lang="zh-CN" altLang="en-US" sz="1500" kern="1200" dirty="0" smtClean="0"/>
-            <a:t>插入叶片而不分裂</a:t>
-          </a:r>
-          <a:endParaRPr lang="zh-CN" altLang="en-US" sz="1500" kern="1200" dirty="0"/>
-        </a:p>
-      </dsp:txBody>
-      <dsp:txXfrm>
-        <a:off x="518191" y="2468663"/>
-        <a:ext cx="7666796" cy="308489"/>
-      </dsp:txXfrm>
-    </dsp:sp>
-    <dsp:sp modelId="{137336E2-E04F-4862-8E3B-3408791A7507}">
-      <dsp:nvSpPr>
-        <dsp:cNvPr id="0" name=""/>
-        <dsp:cNvSpPr/>
-      </dsp:nvSpPr>
-      <dsp:spPr>
-        <a:xfrm>
-          <a:off x="325385" y="2430102"/>
-          <a:ext cx="385612" cy="385612"/>
-        </a:xfrm>
-        <a:prstGeom prst="ellipse">
-          <a:avLst/>
-        </a:prstGeom>
-        <a:solidFill>
-          <a:schemeClr val="lt1">
-            <a:hueOff val="0"/>
-            <a:satOff val="0"/>
-            <a:lumOff val="0"/>
-            <a:alphaOff val="0"/>
-          </a:schemeClr>
-        </a:solidFill>
-        <a:ln w="25400" cap="flat" cmpd="sng" algn="ctr">
-          <a:solidFill>
-            <a:schemeClr val="accent1">
-              <a:hueOff val="0"/>
-              <a:satOff val="0"/>
-              <a:lumOff val="0"/>
-              <a:alphaOff val="0"/>
-            </a:schemeClr>
-          </a:solidFill>
-          <a:prstDash val="solid"/>
-        </a:ln>
-        <a:effectLst/>
-      </dsp:spPr>
-      <dsp:style>
-        <a:lnRef idx="2">
-          <a:scrgbClr r="0" g="0" b="0"/>
-        </a:lnRef>
-        <a:fillRef idx="1">
-          <a:scrgbClr r="0" g="0" b="0"/>
-        </a:fillRef>
-        <a:effectRef idx="0">
-          <a:scrgbClr r="0" g="0" b="0"/>
-        </a:effectRef>
-        <a:fontRef idx="minor"/>
-      </dsp:style>
-    </dsp:sp>
-    <dsp:sp modelId="{E3126A55-55B1-45F7-9454-C01AC4B9FABA}">
-      <dsp:nvSpPr>
-        <dsp:cNvPr id="0" name=""/>
-        <dsp:cNvSpPr/>
-      </dsp:nvSpPr>
-      <dsp:spPr>
-        <a:xfrm>
-          <a:off x="238826" y="2931669"/>
-          <a:ext cx="7946161" cy="308489"/>
-        </a:xfrm>
-        <a:prstGeom prst="rect">
-          <a:avLst/>
-        </a:prstGeom>
-        <a:solidFill>
-          <a:schemeClr val="accent1">
-            <a:hueOff val="0"/>
-            <a:satOff val="0"/>
-            <a:lumOff val="0"/>
-            <a:alphaOff val="0"/>
-          </a:schemeClr>
-        </a:solidFill>
-        <a:ln w="25400" cap="flat" cmpd="sng" algn="ctr">
-          <a:solidFill>
-            <a:schemeClr val="lt1">
-              <a:hueOff val="0"/>
-              <a:satOff val="0"/>
-              <a:lumOff val="0"/>
-              <a:alphaOff val="0"/>
-            </a:schemeClr>
-          </a:solidFill>
-          <a:prstDash val="solid"/>
-        </a:ln>
-        <a:effectLst/>
-      </dsp:spPr>
-      <dsp:style>
-        <a:lnRef idx="2">
-          <a:scrgbClr r="0" g="0" b="0"/>
-        </a:lnRef>
-        <a:fillRef idx="1">
-          <a:scrgbClr r="0" g="0" b="0"/>
-        </a:fillRef>
-        <a:effectRef idx="0">
-          <a:scrgbClr r="0" g="0" b="0"/>
-        </a:effectRef>
-        <a:fontRef idx="minor">
-          <a:schemeClr val="lt1"/>
-        </a:fontRef>
-      </dsp:style>
-      <dsp:txBody>
-        <a:bodyPr spcFirstLastPara="0" vert="horz" wrap="square" lIns="244864" tIns="38100" rIns="38100" bIns="38100" numCol="1" spcCol="1270" anchor="ctr" anchorCtr="0">
-          <a:noAutofit/>
-        </a:bodyPr>
-        <a:lstStyle/>
-        <a:p>
-          <a:pPr lvl="0" algn="l" defTabSz="666750">
-            <a:lnSpc>
-              <a:spcPct val="90000"/>
-            </a:lnSpc>
-            <a:spcBef>
-              <a:spcPct val="0"/>
-            </a:spcBef>
-            <a:spcAft>
-              <a:spcPct val="35000"/>
-            </a:spcAft>
-          </a:pPr>
-          <a:r>
-            <a:rPr lang="zh-CN" altLang="en-US" sz="1500" kern="1200" dirty="0" smtClean="0"/>
-            <a:t>拆分插入</a:t>
-          </a:r>
-          <a:endParaRPr lang="zh-CN" altLang="en-US" sz="1500" kern="1200" dirty="0"/>
-        </a:p>
-      </dsp:txBody>
-      <dsp:txXfrm>
-        <a:off x="238826" y="2931669"/>
-        <a:ext cx="7946161" cy="308489"/>
-      </dsp:txXfrm>
-    </dsp:sp>
-    <dsp:sp modelId="{F8FDE523-79FC-4DEE-BF60-A096D2C1322C}">
-      <dsp:nvSpPr>
-        <dsp:cNvPr id="0" name=""/>
-        <dsp:cNvSpPr/>
-      </dsp:nvSpPr>
-      <dsp:spPr>
-        <a:xfrm>
-          <a:off x="46020" y="2893108"/>
-          <a:ext cx="385612" cy="385612"/>
-        </a:xfrm>
-        <a:prstGeom prst="ellipse">
-          <a:avLst/>
-        </a:prstGeom>
-        <a:solidFill>
-          <a:schemeClr val="lt1">
-            <a:hueOff val="0"/>
-            <a:satOff val="0"/>
-            <a:lumOff val="0"/>
-            <a:alphaOff val="0"/>
-          </a:schemeClr>
-        </a:solidFill>
-        <a:ln w="25400" cap="flat" cmpd="sng" algn="ctr">
-          <a:solidFill>
-            <a:schemeClr val="accent1">
-              <a:hueOff val="0"/>
-              <a:satOff val="0"/>
-              <a:lumOff val="0"/>
-              <a:alphaOff val="0"/>
-            </a:schemeClr>
-          </a:solidFill>
-          <a:prstDash val="solid"/>
-        </a:ln>
-        <a:effectLst/>
-      </dsp:spPr>
-      <dsp:style>
-        <a:lnRef idx="2">
-          <a:scrgbClr r="0" g="0" b="0"/>
-        </a:lnRef>
-        <a:fillRef idx="1">
-          <a:scrgbClr r="0" g="0" b="0"/>
-        </a:fillRef>
-        <a:effectRef idx="0">
-          <a:scrgbClr r="0" g="0" b="0"/>
-        </a:effectRef>
-        <a:fontRef idx="minor"/>
-      </dsp:style>
-    </dsp:sp>
   </dsp:spTree>
 </dsp:drawing>
 </file>
@@ -3711,837 +2778,6 @@
       <dsp:cNvGrpSpPr/>
     </dsp:nvGrpSpPr>
     <dsp:grpSpPr/>
-    <dsp:sp modelId="{BC3B5760-325A-4D45-B657-3ED295B6F817}">
-      <dsp:nvSpPr>
-        <dsp:cNvPr id="0" name=""/>
-        <dsp:cNvSpPr/>
-      </dsp:nvSpPr>
-      <dsp:spPr>
-        <a:xfrm>
-          <a:off x="0" y="1316295"/>
-          <a:ext cx="1028699" cy="761880"/>
-        </a:xfrm>
-        <a:prstGeom prst="roundRect">
-          <a:avLst>
-            <a:gd name="adj" fmla="val 10000"/>
-          </a:avLst>
-        </a:prstGeom>
-        <a:solidFill>
-          <a:schemeClr val="accent1">
-            <a:hueOff val="0"/>
-            <a:satOff val="0"/>
-            <a:lumOff val="0"/>
-            <a:alphaOff val="0"/>
-          </a:schemeClr>
-        </a:solidFill>
-        <a:ln w="25400" cap="flat" cmpd="sng" algn="ctr">
-          <a:solidFill>
-            <a:schemeClr val="lt1">
-              <a:hueOff val="0"/>
-              <a:satOff val="0"/>
-              <a:lumOff val="0"/>
-              <a:alphaOff val="0"/>
-            </a:schemeClr>
-          </a:solidFill>
-          <a:prstDash val="solid"/>
-        </a:ln>
-        <a:effectLst/>
-      </dsp:spPr>
-      <dsp:style>
-        <a:lnRef idx="2">
-          <a:scrgbClr r="0" g="0" b="0"/>
-        </a:lnRef>
-        <a:fillRef idx="1">
-          <a:scrgbClr r="0" g="0" b="0"/>
-        </a:fillRef>
-        <a:effectRef idx="0">
-          <a:scrgbClr r="0" g="0" b="0"/>
-        </a:effectRef>
-        <a:fontRef idx="minor">
-          <a:schemeClr val="lt1"/>
-        </a:fontRef>
-      </dsp:style>
-      <dsp:txBody>
-        <a:bodyPr spcFirstLastPara="0" vert="horz" wrap="square" lIns="68580" tIns="68580" rIns="68580" bIns="68580" numCol="1" spcCol="1270" anchor="ctr" anchorCtr="0">
-          <a:noAutofit/>
-        </a:bodyPr>
-        <a:lstStyle/>
-        <a:p>
-          <a:pPr lvl="0" algn="ctr" defTabSz="800100">
-            <a:lnSpc>
-              <a:spcPct val="90000"/>
-            </a:lnSpc>
-            <a:spcBef>
-              <a:spcPct val="0"/>
-            </a:spcBef>
-            <a:spcAft>
-              <a:spcPct val="35000"/>
-            </a:spcAft>
-          </a:pPr>
-          <a:r>
-            <a:rPr lang="en-US" altLang="zh-CN" sz="1800" kern="1200" dirty="0" smtClean="0"/>
-            <a:t>SQL</a:t>
-          </a:r>
-          <a:r>
-            <a:rPr lang="zh-CN" altLang="en-US" sz="1800" kern="1200" dirty="0" smtClean="0"/>
-            <a:t>语句</a:t>
-          </a:r>
-          <a:endParaRPr lang="zh-CN" altLang="en-US" sz="1800" kern="1200" dirty="0"/>
-        </a:p>
-      </dsp:txBody>
-      <dsp:txXfrm>
-        <a:off x="22315" y="1338610"/>
-        <a:ext cx="984069" cy="717250"/>
-      </dsp:txXfrm>
-    </dsp:sp>
-    <dsp:sp modelId="{5A1B9605-375D-4B2F-9483-37E7927C43EE}">
-      <dsp:nvSpPr>
-        <dsp:cNvPr id="0" name=""/>
-        <dsp:cNvSpPr/>
-      </dsp:nvSpPr>
-      <dsp:spPr>
-        <a:xfrm>
-          <a:off x="1131570" y="1569677"/>
-          <a:ext cx="218084" cy="255117"/>
-        </a:xfrm>
-        <a:prstGeom prst="rightArrow">
-          <a:avLst>
-            <a:gd name="adj1" fmla="val 60000"/>
-            <a:gd name="adj2" fmla="val 50000"/>
-          </a:avLst>
-        </a:prstGeom>
-        <a:solidFill>
-          <a:schemeClr val="accent1">
-            <a:tint val="60000"/>
-            <a:hueOff val="0"/>
-            <a:satOff val="0"/>
-            <a:lumOff val="0"/>
-            <a:alphaOff val="0"/>
-          </a:schemeClr>
-        </a:solidFill>
-        <a:ln>
-          <a:noFill/>
-        </a:ln>
-        <a:effectLst/>
-      </dsp:spPr>
-      <dsp:style>
-        <a:lnRef idx="0">
-          <a:scrgbClr r="0" g="0" b="0"/>
-        </a:lnRef>
-        <a:fillRef idx="1">
-          <a:scrgbClr r="0" g="0" b="0"/>
-        </a:fillRef>
-        <a:effectRef idx="0">
-          <a:scrgbClr r="0" g="0" b="0"/>
-        </a:effectRef>
-        <a:fontRef idx="minor">
-          <a:schemeClr val="lt1"/>
-        </a:fontRef>
-      </dsp:style>
-      <dsp:txBody>
-        <a:bodyPr spcFirstLastPara="0" vert="horz" wrap="square" lIns="0" tIns="0" rIns="0" bIns="0" numCol="1" spcCol="1270" anchor="ctr" anchorCtr="0">
-          <a:noAutofit/>
-        </a:bodyPr>
-        <a:lstStyle/>
-        <a:p>
-          <a:pPr lvl="0" algn="ctr" defTabSz="400050">
-            <a:lnSpc>
-              <a:spcPct val="90000"/>
-            </a:lnSpc>
-            <a:spcBef>
-              <a:spcPct val="0"/>
-            </a:spcBef>
-            <a:spcAft>
-              <a:spcPct val="35000"/>
-            </a:spcAft>
-          </a:pPr>
-          <a:endParaRPr lang="zh-CN" altLang="en-US" sz="900" kern="1200"/>
-        </a:p>
-      </dsp:txBody>
-      <dsp:txXfrm>
-        <a:off x="1131570" y="1620700"/>
-        <a:ext cx="152659" cy="153071"/>
-      </dsp:txXfrm>
-    </dsp:sp>
-    <dsp:sp modelId="{BDFC269D-521E-4413-BD46-EAD3B4D7B773}">
-      <dsp:nvSpPr>
-        <dsp:cNvPr id="0" name=""/>
-        <dsp:cNvSpPr/>
-      </dsp:nvSpPr>
-      <dsp:spPr>
-        <a:xfrm>
-          <a:off x="1440180" y="1316295"/>
-          <a:ext cx="1028699" cy="761880"/>
-        </a:xfrm>
-        <a:prstGeom prst="roundRect">
-          <a:avLst>
-            <a:gd name="adj" fmla="val 10000"/>
-          </a:avLst>
-        </a:prstGeom>
-        <a:solidFill>
-          <a:schemeClr val="accent1">
-            <a:hueOff val="0"/>
-            <a:satOff val="0"/>
-            <a:lumOff val="0"/>
-            <a:alphaOff val="0"/>
-          </a:schemeClr>
-        </a:solidFill>
-        <a:ln w="25400" cap="flat" cmpd="sng" algn="ctr">
-          <a:solidFill>
-            <a:schemeClr val="lt1">
-              <a:hueOff val="0"/>
-              <a:satOff val="0"/>
-              <a:lumOff val="0"/>
-              <a:alphaOff val="0"/>
-            </a:schemeClr>
-          </a:solidFill>
-          <a:prstDash val="solid"/>
-        </a:ln>
-        <a:effectLst/>
-      </dsp:spPr>
-      <dsp:style>
-        <a:lnRef idx="2">
-          <a:scrgbClr r="0" g="0" b="0"/>
-        </a:lnRef>
-        <a:fillRef idx="1">
-          <a:scrgbClr r="0" g="0" b="0"/>
-        </a:fillRef>
-        <a:effectRef idx="0">
-          <a:scrgbClr r="0" g="0" b="0"/>
-        </a:effectRef>
-        <a:fontRef idx="minor">
-          <a:schemeClr val="lt1"/>
-        </a:fontRef>
-      </dsp:style>
-      <dsp:txBody>
-        <a:bodyPr spcFirstLastPara="0" vert="horz" wrap="square" lIns="68580" tIns="68580" rIns="68580" bIns="68580" numCol="1" spcCol="1270" anchor="ctr" anchorCtr="0">
-          <a:noAutofit/>
-        </a:bodyPr>
-        <a:lstStyle/>
-        <a:p>
-          <a:pPr lvl="0" algn="ctr" defTabSz="800100">
-            <a:lnSpc>
-              <a:spcPct val="90000"/>
-            </a:lnSpc>
-            <a:spcBef>
-              <a:spcPct val="0"/>
-            </a:spcBef>
-            <a:spcAft>
-              <a:spcPct val="35000"/>
-            </a:spcAft>
-          </a:pPr>
-          <a:r>
-            <a:rPr lang="zh-CN" altLang="en-US" sz="1800" kern="1200" dirty="0" smtClean="0"/>
-            <a:t>词法分析器</a:t>
-          </a:r>
-          <a:endParaRPr lang="zh-CN" altLang="en-US" sz="1800" kern="1200" dirty="0"/>
-        </a:p>
-      </dsp:txBody>
-      <dsp:txXfrm>
-        <a:off x="1462495" y="1338610"/>
-        <a:ext cx="984069" cy="717250"/>
-      </dsp:txXfrm>
-    </dsp:sp>
-    <dsp:sp modelId="{096A2A21-7163-495C-B4F8-150798552B1B}">
-      <dsp:nvSpPr>
-        <dsp:cNvPr id="0" name=""/>
-        <dsp:cNvSpPr/>
-      </dsp:nvSpPr>
-      <dsp:spPr>
-        <a:xfrm>
-          <a:off x="2571750" y="1569677"/>
-          <a:ext cx="218084" cy="255117"/>
-        </a:xfrm>
-        <a:prstGeom prst="rightArrow">
-          <a:avLst>
-            <a:gd name="adj1" fmla="val 60000"/>
-            <a:gd name="adj2" fmla="val 50000"/>
-          </a:avLst>
-        </a:prstGeom>
-        <a:solidFill>
-          <a:schemeClr val="accent1">
-            <a:tint val="60000"/>
-            <a:hueOff val="0"/>
-            <a:satOff val="0"/>
-            <a:lumOff val="0"/>
-            <a:alphaOff val="0"/>
-          </a:schemeClr>
-        </a:solidFill>
-        <a:ln>
-          <a:noFill/>
-        </a:ln>
-        <a:effectLst/>
-      </dsp:spPr>
-      <dsp:style>
-        <a:lnRef idx="0">
-          <a:scrgbClr r="0" g="0" b="0"/>
-        </a:lnRef>
-        <a:fillRef idx="1">
-          <a:scrgbClr r="0" g="0" b="0"/>
-        </a:fillRef>
-        <a:effectRef idx="0">
-          <a:scrgbClr r="0" g="0" b="0"/>
-        </a:effectRef>
-        <a:fontRef idx="minor">
-          <a:schemeClr val="lt1"/>
-        </a:fontRef>
-      </dsp:style>
-      <dsp:txBody>
-        <a:bodyPr spcFirstLastPara="0" vert="horz" wrap="square" lIns="0" tIns="0" rIns="0" bIns="0" numCol="1" spcCol="1270" anchor="ctr" anchorCtr="0">
-          <a:noAutofit/>
-        </a:bodyPr>
-        <a:lstStyle/>
-        <a:p>
-          <a:pPr lvl="0" algn="ctr" defTabSz="400050">
-            <a:lnSpc>
-              <a:spcPct val="90000"/>
-            </a:lnSpc>
-            <a:spcBef>
-              <a:spcPct val="0"/>
-            </a:spcBef>
-            <a:spcAft>
-              <a:spcPct val="35000"/>
-            </a:spcAft>
-          </a:pPr>
-          <a:endParaRPr lang="zh-CN" altLang="en-US" sz="900" kern="1200"/>
-        </a:p>
-      </dsp:txBody>
-      <dsp:txXfrm>
-        <a:off x="2571750" y="1620700"/>
-        <a:ext cx="152659" cy="153071"/>
-      </dsp:txXfrm>
-    </dsp:sp>
-    <dsp:sp modelId="{0BE45B5F-ED6A-4AFB-9049-4A2FB51C185A}">
-      <dsp:nvSpPr>
-        <dsp:cNvPr id="0" name=""/>
-        <dsp:cNvSpPr/>
-      </dsp:nvSpPr>
-      <dsp:spPr>
-        <a:xfrm>
-          <a:off x="2880360" y="1316295"/>
-          <a:ext cx="1028699" cy="761880"/>
-        </a:xfrm>
-        <a:prstGeom prst="roundRect">
-          <a:avLst>
-            <a:gd name="adj" fmla="val 10000"/>
-          </a:avLst>
-        </a:prstGeom>
-        <a:solidFill>
-          <a:schemeClr val="accent1">
-            <a:hueOff val="0"/>
-            <a:satOff val="0"/>
-            <a:lumOff val="0"/>
-            <a:alphaOff val="0"/>
-          </a:schemeClr>
-        </a:solidFill>
-        <a:ln w="25400" cap="flat" cmpd="sng" algn="ctr">
-          <a:solidFill>
-            <a:schemeClr val="lt1">
-              <a:hueOff val="0"/>
-              <a:satOff val="0"/>
-              <a:lumOff val="0"/>
-              <a:alphaOff val="0"/>
-            </a:schemeClr>
-          </a:solidFill>
-          <a:prstDash val="solid"/>
-        </a:ln>
-        <a:effectLst/>
-      </dsp:spPr>
-      <dsp:style>
-        <a:lnRef idx="2">
-          <a:scrgbClr r="0" g="0" b="0"/>
-        </a:lnRef>
-        <a:fillRef idx="1">
-          <a:scrgbClr r="0" g="0" b="0"/>
-        </a:fillRef>
-        <a:effectRef idx="0">
-          <a:scrgbClr r="0" g="0" b="0"/>
-        </a:effectRef>
-        <a:fontRef idx="minor">
-          <a:schemeClr val="lt1"/>
-        </a:fontRef>
-      </dsp:style>
-      <dsp:txBody>
-        <a:bodyPr spcFirstLastPara="0" vert="horz" wrap="square" lIns="68580" tIns="68580" rIns="68580" bIns="68580" numCol="1" spcCol="1270" anchor="ctr" anchorCtr="0">
-          <a:noAutofit/>
-        </a:bodyPr>
-        <a:lstStyle/>
-        <a:p>
-          <a:pPr lvl="0" algn="ctr" defTabSz="800100">
-            <a:lnSpc>
-              <a:spcPct val="90000"/>
-            </a:lnSpc>
-            <a:spcBef>
-              <a:spcPct val="0"/>
-            </a:spcBef>
-            <a:spcAft>
-              <a:spcPct val="35000"/>
-            </a:spcAft>
-          </a:pPr>
-          <a:r>
-            <a:rPr lang="zh-CN" altLang="en-US" sz="1800" kern="1200" dirty="0" smtClean="0"/>
-            <a:t>语法分析器</a:t>
-          </a:r>
-          <a:endParaRPr lang="zh-CN" altLang="en-US" sz="1800" kern="1200" dirty="0"/>
-        </a:p>
-      </dsp:txBody>
-      <dsp:txXfrm>
-        <a:off x="2902675" y="1338610"/>
-        <a:ext cx="984069" cy="717250"/>
-      </dsp:txXfrm>
-    </dsp:sp>
-    <dsp:sp modelId="{0D3DDBB0-C0F1-4B24-8CBE-847BBE036B69}">
-      <dsp:nvSpPr>
-        <dsp:cNvPr id="0" name=""/>
-        <dsp:cNvSpPr/>
-      </dsp:nvSpPr>
-      <dsp:spPr>
-        <a:xfrm>
-          <a:off x="4011930" y="1569677"/>
-          <a:ext cx="218084" cy="255117"/>
-        </a:xfrm>
-        <a:prstGeom prst="rightArrow">
-          <a:avLst>
-            <a:gd name="adj1" fmla="val 60000"/>
-            <a:gd name="adj2" fmla="val 50000"/>
-          </a:avLst>
-        </a:prstGeom>
-        <a:solidFill>
-          <a:schemeClr val="accent1">
-            <a:tint val="60000"/>
-            <a:hueOff val="0"/>
-            <a:satOff val="0"/>
-            <a:lumOff val="0"/>
-            <a:alphaOff val="0"/>
-          </a:schemeClr>
-        </a:solidFill>
-        <a:ln>
-          <a:noFill/>
-        </a:ln>
-        <a:effectLst/>
-      </dsp:spPr>
-      <dsp:style>
-        <a:lnRef idx="0">
-          <a:scrgbClr r="0" g="0" b="0"/>
-        </a:lnRef>
-        <a:fillRef idx="1">
-          <a:scrgbClr r="0" g="0" b="0"/>
-        </a:fillRef>
-        <a:effectRef idx="0">
-          <a:scrgbClr r="0" g="0" b="0"/>
-        </a:effectRef>
-        <a:fontRef idx="minor">
-          <a:schemeClr val="lt1"/>
-        </a:fontRef>
-      </dsp:style>
-      <dsp:txBody>
-        <a:bodyPr spcFirstLastPara="0" vert="horz" wrap="square" lIns="0" tIns="0" rIns="0" bIns="0" numCol="1" spcCol="1270" anchor="ctr" anchorCtr="0">
-          <a:noAutofit/>
-        </a:bodyPr>
-        <a:lstStyle/>
-        <a:p>
-          <a:pPr lvl="0" algn="ctr" defTabSz="400050">
-            <a:lnSpc>
-              <a:spcPct val="90000"/>
-            </a:lnSpc>
-            <a:spcBef>
-              <a:spcPct val="0"/>
-            </a:spcBef>
-            <a:spcAft>
-              <a:spcPct val="35000"/>
-            </a:spcAft>
-          </a:pPr>
-          <a:endParaRPr lang="zh-CN" altLang="en-US" sz="900" kern="1200"/>
-        </a:p>
-      </dsp:txBody>
-      <dsp:txXfrm>
-        <a:off x="4011930" y="1620700"/>
-        <a:ext cx="152659" cy="153071"/>
-      </dsp:txXfrm>
-    </dsp:sp>
-    <dsp:sp modelId="{6DB5CDA1-3C52-4FE7-8448-320AB0C25C0B}">
-      <dsp:nvSpPr>
-        <dsp:cNvPr id="0" name=""/>
-        <dsp:cNvSpPr/>
-      </dsp:nvSpPr>
-      <dsp:spPr>
-        <a:xfrm>
-          <a:off x="4320540" y="1316295"/>
-          <a:ext cx="1028699" cy="761880"/>
-        </a:xfrm>
-        <a:prstGeom prst="roundRect">
-          <a:avLst>
-            <a:gd name="adj" fmla="val 10000"/>
-          </a:avLst>
-        </a:prstGeom>
-        <a:solidFill>
-          <a:schemeClr val="accent1">
-            <a:hueOff val="0"/>
-            <a:satOff val="0"/>
-            <a:lumOff val="0"/>
-            <a:alphaOff val="0"/>
-          </a:schemeClr>
-        </a:solidFill>
-        <a:ln w="25400" cap="flat" cmpd="sng" algn="ctr">
-          <a:solidFill>
-            <a:schemeClr val="lt1">
-              <a:hueOff val="0"/>
-              <a:satOff val="0"/>
-              <a:lumOff val="0"/>
-              <a:alphaOff val="0"/>
-            </a:schemeClr>
-          </a:solidFill>
-          <a:prstDash val="solid"/>
-        </a:ln>
-        <a:effectLst/>
-      </dsp:spPr>
-      <dsp:style>
-        <a:lnRef idx="2">
-          <a:scrgbClr r="0" g="0" b="0"/>
-        </a:lnRef>
-        <a:fillRef idx="1">
-          <a:scrgbClr r="0" g="0" b="0"/>
-        </a:fillRef>
-        <a:effectRef idx="0">
-          <a:scrgbClr r="0" g="0" b="0"/>
-        </a:effectRef>
-        <a:fontRef idx="minor">
-          <a:schemeClr val="lt1"/>
-        </a:fontRef>
-      </dsp:style>
-      <dsp:txBody>
-        <a:bodyPr spcFirstLastPara="0" vert="horz" wrap="square" lIns="68580" tIns="68580" rIns="68580" bIns="68580" numCol="1" spcCol="1270" anchor="ctr" anchorCtr="0">
-          <a:noAutofit/>
-        </a:bodyPr>
-        <a:lstStyle/>
-        <a:p>
-          <a:pPr lvl="0" algn="ctr" defTabSz="800100">
-            <a:lnSpc>
-              <a:spcPct val="90000"/>
-            </a:lnSpc>
-            <a:spcBef>
-              <a:spcPct val="0"/>
-            </a:spcBef>
-            <a:spcAft>
-              <a:spcPct val="35000"/>
-            </a:spcAft>
-          </a:pPr>
-          <a:r>
-            <a:rPr lang="en-US" altLang="zh-CN" sz="1800" kern="1200" dirty="0" smtClean="0"/>
-            <a:t>SRA</a:t>
-          </a:r>
-          <a:r>
-            <a:rPr lang="zh-CN" altLang="en-US" sz="1800" kern="1200" smtClean="0"/>
-            <a:t>优化模块</a:t>
-          </a:r>
-          <a:endParaRPr lang="zh-CN" altLang="en-US" sz="1800" kern="1200" dirty="0"/>
-        </a:p>
-      </dsp:txBody>
-      <dsp:txXfrm>
-        <a:off x="4342855" y="1338610"/>
-        <a:ext cx="984069" cy="717250"/>
-      </dsp:txXfrm>
-    </dsp:sp>
-    <dsp:sp modelId="{C14B7A9F-C742-4C4C-99F3-0E5A31460411}">
-      <dsp:nvSpPr>
-        <dsp:cNvPr id="0" name=""/>
-        <dsp:cNvSpPr/>
-      </dsp:nvSpPr>
-      <dsp:spPr>
-        <a:xfrm>
-          <a:off x="5452110" y="1569677"/>
-          <a:ext cx="218084" cy="255117"/>
-        </a:xfrm>
-        <a:prstGeom prst="rightArrow">
-          <a:avLst>
-            <a:gd name="adj1" fmla="val 60000"/>
-            <a:gd name="adj2" fmla="val 50000"/>
-          </a:avLst>
-        </a:prstGeom>
-        <a:solidFill>
-          <a:schemeClr val="accent1">
-            <a:tint val="60000"/>
-            <a:hueOff val="0"/>
-            <a:satOff val="0"/>
-            <a:lumOff val="0"/>
-            <a:alphaOff val="0"/>
-          </a:schemeClr>
-        </a:solidFill>
-        <a:ln>
-          <a:noFill/>
-        </a:ln>
-        <a:effectLst/>
-      </dsp:spPr>
-      <dsp:style>
-        <a:lnRef idx="0">
-          <a:scrgbClr r="0" g="0" b="0"/>
-        </a:lnRef>
-        <a:fillRef idx="1">
-          <a:scrgbClr r="0" g="0" b="0"/>
-        </a:fillRef>
-        <a:effectRef idx="0">
-          <a:scrgbClr r="0" g="0" b="0"/>
-        </a:effectRef>
-        <a:fontRef idx="minor">
-          <a:schemeClr val="lt1"/>
-        </a:fontRef>
-      </dsp:style>
-      <dsp:txBody>
-        <a:bodyPr spcFirstLastPara="0" vert="horz" wrap="square" lIns="0" tIns="0" rIns="0" bIns="0" numCol="1" spcCol="1270" anchor="ctr" anchorCtr="0">
-          <a:noAutofit/>
-        </a:bodyPr>
-        <a:lstStyle/>
-        <a:p>
-          <a:pPr lvl="0" algn="ctr" defTabSz="400050">
-            <a:lnSpc>
-              <a:spcPct val="90000"/>
-            </a:lnSpc>
-            <a:spcBef>
-              <a:spcPct val="0"/>
-            </a:spcBef>
-            <a:spcAft>
-              <a:spcPct val="35000"/>
-            </a:spcAft>
-          </a:pPr>
-          <a:endParaRPr lang="zh-CN" altLang="en-US" sz="900" kern="1200"/>
-        </a:p>
-      </dsp:txBody>
-      <dsp:txXfrm>
-        <a:off x="5452110" y="1620700"/>
-        <a:ext cx="152659" cy="153071"/>
-      </dsp:txXfrm>
-    </dsp:sp>
-    <dsp:sp modelId="{025A48D6-151D-47CD-962A-57E6342390A6}">
-      <dsp:nvSpPr>
-        <dsp:cNvPr id="0" name=""/>
-        <dsp:cNvSpPr/>
-      </dsp:nvSpPr>
-      <dsp:spPr>
-        <a:xfrm>
-          <a:off x="5760719" y="1316295"/>
-          <a:ext cx="1028699" cy="761880"/>
-        </a:xfrm>
-        <a:prstGeom prst="roundRect">
-          <a:avLst>
-            <a:gd name="adj" fmla="val 10000"/>
-          </a:avLst>
-        </a:prstGeom>
-        <a:solidFill>
-          <a:schemeClr val="accent1">
-            <a:hueOff val="0"/>
-            <a:satOff val="0"/>
-            <a:lumOff val="0"/>
-            <a:alphaOff val="0"/>
-          </a:schemeClr>
-        </a:solidFill>
-        <a:ln w="25400" cap="flat" cmpd="sng" algn="ctr">
-          <a:solidFill>
-            <a:schemeClr val="lt1">
-              <a:hueOff val="0"/>
-              <a:satOff val="0"/>
-              <a:lumOff val="0"/>
-              <a:alphaOff val="0"/>
-            </a:schemeClr>
-          </a:solidFill>
-          <a:prstDash val="solid"/>
-        </a:ln>
-        <a:effectLst/>
-      </dsp:spPr>
-      <dsp:style>
-        <a:lnRef idx="2">
-          <a:scrgbClr r="0" g="0" b="0"/>
-        </a:lnRef>
-        <a:fillRef idx="1">
-          <a:scrgbClr r="0" g="0" b="0"/>
-        </a:fillRef>
-        <a:effectRef idx="0">
-          <a:scrgbClr r="0" g="0" b="0"/>
-        </a:effectRef>
-        <a:fontRef idx="minor">
-          <a:schemeClr val="lt1"/>
-        </a:fontRef>
-      </dsp:style>
-      <dsp:txBody>
-        <a:bodyPr spcFirstLastPara="0" vert="horz" wrap="square" lIns="68580" tIns="68580" rIns="68580" bIns="68580" numCol="1" spcCol="1270" anchor="ctr" anchorCtr="0">
-          <a:noAutofit/>
-        </a:bodyPr>
-        <a:lstStyle/>
-        <a:p>
-          <a:pPr lvl="0" algn="ctr" defTabSz="800100">
-            <a:lnSpc>
-              <a:spcPct val="90000"/>
-            </a:lnSpc>
-            <a:spcBef>
-              <a:spcPct val="0"/>
-            </a:spcBef>
-            <a:spcAft>
-              <a:spcPct val="35000"/>
-            </a:spcAft>
-          </a:pPr>
-          <a:r>
-            <a:rPr lang="zh-CN" altLang="en-US" sz="1800" kern="1200" dirty="0" smtClean="0"/>
-            <a:t>代码生成模块</a:t>
-          </a:r>
-          <a:endParaRPr lang="zh-CN" altLang="en-US" sz="1800" kern="1200" dirty="0"/>
-        </a:p>
-      </dsp:txBody>
-      <dsp:txXfrm>
-        <a:off x="5783034" y="1338610"/>
-        <a:ext cx="984069" cy="717250"/>
-      </dsp:txXfrm>
-    </dsp:sp>
-    <dsp:sp modelId="{51F0882F-7278-4299-A453-8DE61F557F98}">
-      <dsp:nvSpPr>
-        <dsp:cNvPr id="0" name=""/>
-        <dsp:cNvSpPr/>
-      </dsp:nvSpPr>
-      <dsp:spPr>
-        <a:xfrm>
-          <a:off x="6892289" y="1569677"/>
-          <a:ext cx="218084" cy="255117"/>
-        </a:xfrm>
-        <a:prstGeom prst="rightArrow">
-          <a:avLst>
-            <a:gd name="adj1" fmla="val 60000"/>
-            <a:gd name="adj2" fmla="val 50000"/>
-          </a:avLst>
-        </a:prstGeom>
-        <a:solidFill>
-          <a:schemeClr val="accent1">
-            <a:tint val="60000"/>
-            <a:hueOff val="0"/>
-            <a:satOff val="0"/>
-            <a:lumOff val="0"/>
-            <a:alphaOff val="0"/>
-          </a:schemeClr>
-        </a:solidFill>
-        <a:ln>
-          <a:noFill/>
-        </a:ln>
-        <a:effectLst/>
-      </dsp:spPr>
-      <dsp:style>
-        <a:lnRef idx="0">
-          <a:scrgbClr r="0" g="0" b="0"/>
-        </a:lnRef>
-        <a:fillRef idx="1">
-          <a:scrgbClr r="0" g="0" b="0"/>
-        </a:fillRef>
-        <a:effectRef idx="0">
-          <a:scrgbClr r="0" g="0" b="0"/>
-        </a:effectRef>
-        <a:fontRef idx="minor">
-          <a:schemeClr val="lt1"/>
-        </a:fontRef>
-      </dsp:style>
-      <dsp:txBody>
-        <a:bodyPr spcFirstLastPara="0" vert="horz" wrap="square" lIns="0" tIns="0" rIns="0" bIns="0" numCol="1" spcCol="1270" anchor="ctr" anchorCtr="0">
-          <a:noAutofit/>
-        </a:bodyPr>
-        <a:lstStyle/>
-        <a:p>
-          <a:pPr lvl="0" algn="ctr" defTabSz="400050">
-            <a:lnSpc>
-              <a:spcPct val="90000"/>
-            </a:lnSpc>
-            <a:spcBef>
-              <a:spcPct val="0"/>
-            </a:spcBef>
-            <a:spcAft>
-              <a:spcPct val="35000"/>
-            </a:spcAft>
-          </a:pPr>
-          <a:endParaRPr lang="zh-CN" altLang="en-US" sz="900" kern="1200"/>
-        </a:p>
-      </dsp:txBody>
-      <dsp:txXfrm>
-        <a:off x="6892289" y="1620700"/>
-        <a:ext cx="152659" cy="153071"/>
-      </dsp:txXfrm>
-    </dsp:sp>
-    <dsp:sp modelId="{FAEA4D50-176C-4890-84F4-F7D73424B694}">
-      <dsp:nvSpPr>
-        <dsp:cNvPr id="0" name=""/>
-        <dsp:cNvSpPr/>
-      </dsp:nvSpPr>
-      <dsp:spPr>
-        <a:xfrm>
-          <a:off x="7200899" y="1316295"/>
-          <a:ext cx="1028699" cy="761880"/>
-        </a:xfrm>
-        <a:prstGeom prst="roundRect">
-          <a:avLst>
-            <a:gd name="adj" fmla="val 10000"/>
-          </a:avLst>
-        </a:prstGeom>
-        <a:solidFill>
-          <a:schemeClr val="accent1">
-            <a:hueOff val="0"/>
-            <a:satOff val="0"/>
-            <a:lumOff val="0"/>
-            <a:alphaOff val="0"/>
-          </a:schemeClr>
-        </a:solidFill>
-        <a:ln w="25400" cap="flat" cmpd="sng" algn="ctr">
-          <a:solidFill>
-            <a:schemeClr val="lt1">
-              <a:hueOff val="0"/>
-              <a:satOff val="0"/>
-              <a:lumOff val="0"/>
-              <a:alphaOff val="0"/>
-            </a:schemeClr>
-          </a:solidFill>
-          <a:prstDash val="solid"/>
-        </a:ln>
-        <a:effectLst/>
-      </dsp:spPr>
-      <dsp:style>
-        <a:lnRef idx="2">
-          <a:scrgbClr r="0" g="0" b="0"/>
-        </a:lnRef>
-        <a:fillRef idx="1">
-          <a:scrgbClr r="0" g="0" b="0"/>
-        </a:fillRef>
-        <a:effectRef idx="0">
-          <a:scrgbClr r="0" g="0" b="0"/>
-        </a:effectRef>
-        <a:fontRef idx="minor">
-          <a:schemeClr val="lt1"/>
-        </a:fontRef>
-      </dsp:style>
-      <dsp:txBody>
-        <a:bodyPr spcFirstLastPara="0" vert="horz" wrap="square" lIns="68580" tIns="68580" rIns="68580" bIns="68580" numCol="1" spcCol="1270" anchor="ctr" anchorCtr="0">
-          <a:noAutofit/>
-        </a:bodyPr>
-        <a:lstStyle/>
-        <a:p>
-          <a:pPr lvl="0" algn="ctr" defTabSz="800100">
-            <a:lnSpc>
-              <a:spcPct val="90000"/>
-            </a:lnSpc>
-            <a:spcBef>
-              <a:spcPct val="0"/>
-            </a:spcBef>
-            <a:spcAft>
-              <a:spcPct val="35000"/>
-            </a:spcAft>
-          </a:pPr>
-          <a:r>
-            <a:rPr lang="en-US" altLang="zh-CN" sz="1800" kern="1200" dirty="0" smtClean="0"/>
-            <a:t>DBM </a:t>
-          </a:r>
-          <a:r>
-            <a:rPr lang="zh-CN" altLang="en-US" sz="1800" kern="1200" dirty="0" smtClean="0"/>
-            <a:t>指令</a:t>
-          </a:r>
-          <a:endParaRPr lang="zh-CN" altLang="en-US" sz="1800" kern="1200" dirty="0"/>
-        </a:p>
-      </dsp:txBody>
-      <dsp:txXfrm>
-        <a:off x="7223214" y="1338610"/>
-        <a:ext cx="984069" cy="717250"/>
-      </dsp:txXfrm>
-    </dsp:sp>
   </dsp:spTree>
 </dsp:drawing>
 </file>
@@ -8120,7 +6356,7 @@
           <a:p>
             <a:fld id="{5FA5418C-E54D-4CA0-B373-025237B3B52E}" type="datetimeFigureOut">
               <a:rPr lang="zh-CN" altLang="en-US" smtClean="0"/>
-              <a:t>2020-01-09</a:t>
+              <a:t>2020/1/9</a:t>
             </a:fld>
             <a:endParaRPr lang="zh-CN" altLang="en-US"/>
           </a:p>
@@ -8465,6 +6701,11 @@
         </p:txBody>
       </p:sp>
     </p:spTree>
+    <p:extLst>
+      <p:ext uri="{BB962C8B-B14F-4D97-AF65-F5344CB8AC3E}">
+        <p14:creationId xmlns:p14="http://schemas.microsoft.com/office/powerpoint/2010/main" val="2256849020"/>
+      </p:ext>
+    </p:extLst>
   </p:cSld>
   <p:clrMapOvr>
     <a:masterClrMapping/>
@@ -8664,7 +6905,7 @@
           <a:p>
             <a:fld id="{530820CF-B880-4189-942D-D702A7CBA730}" type="datetimeFigureOut">
               <a:rPr lang="zh-CN" altLang="en-US" smtClean="0"/>
-              <a:t>2020-01-09</a:t>
+              <a:t>2020/1/9</a:t>
             </a:fld>
             <a:endParaRPr lang="zh-CN" altLang="en-US"/>
           </a:p>
@@ -8829,7 +7070,7 @@
           <a:p>
             <a:fld id="{530820CF-B880-4189-942D-D702A7CBA730}" type="datetimeFigureOut">
               <a:rPr lang="zh-CN" altLang="en-US" smtClean="0"/>
-              <a:t>2020-01-09</a:t>
+              <a:t>2020/1/9</a:t>
             </a:fld>
             <a:endParaRPr lang="zh-CN" altLang="en-US"/>
           </a:p>
@@ -9004,7 +7245,7 @@
           <a:p>
             <a:fld id="{530820CF-B880-4189-942D-D702A7CBA730}" type="datetimeFigureOut">
               <a:rPr lang="zh-CN" altLang="en-US" smtClean="0"/>
-              <a:t>2020-01-09</a:t>
+              <a:t>2020/1/9</a:t>
             </a:fld>
             <a:endParaRPr lang="zh-CN" altLang="en-US"/>
           </a:p>
@@ -9060,7 +7301,297 @@
 </p:sldLayout>
 </file>
 
-<file path=ppt/slideLayouts/slideLayout2.xml><?xml version="1.0" encoding="utf-8"?>
+<file path=ppt/slideLayouts/slideLayout12.xml><?xml version="1.0" encoding="utf-8"?>
+<p:sldLayout xmlns:a="http://schemas.openxmlformats.org/drawingml/2006/main" xmlns:r="http://schemas.openxmlformats.org/officeDocument/2006/relationships" xmlns:p="http://schemas.openxmlformats.org/presentationml/2006/main" type="title" preserve="1">
+  <p:cSld name="标题幻灯片">
+    <p:spTree>
+      <p:nvGrpSpPr>
+        <p:cNvPr id="1" name=""/>
+        <p:cNvGrpSpPr/>
+        <p:nvPr/>
+      </p:nvGrpSpPr>
+      <p:grpSpPr>
+        <a:xfrm>
+          <a:off x="0" y="0"/>
+          <a:ext cx="0" cy="0"/>
+          <a:chOff x="0" y="0"/>
+          <a:chExt cx="0" cy="0"/>
+        </a:xfrm>
+      </p:grpSpPr>
+      <p:sp>
+        <p:nvSpPr>
+          <p:cNvPr id="2" name="Title 1"/>
+          <p:cNvSpPr>
+            <a:spLocks noGrp="1"/>
+          </p:cNvSpPr>
+          <p:nvPr>
+            <p:ph type="ctrTitle"/>
+          </p:nvPr>
+        </p:nvSpPr>
+        <p:spPr>
+          <a:xfrm>
+            <a:off x="685800" y="457201"/>
+            <a:ext cx="7772400" cy="3200400"/>
+          </a:xfrm>
+        </p:spPr>
+        <p:txBody>
+          <a:bodyPr anchor="b">
+            <a:noAutofit/>
+          </a:bodyPr>
+          <a:lstStyle>
+            <a:lvl1pPr>
+              <a:lnSpc>
+                <a:spcPct val="100000"/>
+              </a:lnSpc>
+              <a:defRPr sz="8000"/>
+            </a:lvl1pPr>
+          </a:lstStyle>
+          <a:p>
+            <a:r>
+              <a:rPr lang="zh-CN" altLang="en-US" smtClean="0"/>
+              <a:t>单击此处编辑母版标题样式</a:t>
+            </a:r>
+            <a:endParaRPr lang="en-US" dirty="0"/>
+          </a:p>
+        </p:txBody>
+      </p:sp>
+      <p:sp>
+        <p:nvSpPr>
+          <p:cNvPr id="3" name="Subtitle 2"/>
+          <p:cNvSpPr>
+            <a:spLocks noGrp="1"/>
+          </p:cNvSpPr>
+          <p:nvPr>
+            <p:ph type="subTitle" idx="1"/>
+          </p:nvPr>
+        </p:nvSpPr>
+        <p:spPr>
+          <a:xfrm>
+            <a:off x="1371600" y="3714750"/>
+            <a:ext cx="6400800" cy="914400"/>
+          </a:xfrm>
+        </p:spPr>
+        <p:txBody>
+          <a:bodyPr>
+            <a:normAutofit/>
+          </a:bodyPr>
+          <a:lstStyle>
+            <a:lvl1pPr marL="0" indent="0" algn="ctr">
+              <a:buNone/>
+              <a:defRPr sz="2400">
+                <a:solidFill>
+                  <a:schemeClr val="tx1">
+                    <a:tint val="75000"/>
+                  </a:schemeClr>
+                </a:solidFill>
+              </a:defRPr>
+            </a:lvl1pPr>
+            <a:lvl2pPr marL="457200" indent="0" algn="ctr">
+              <a:buNone/>
+              <a:defRPr>
+                <a:solidFill>
+                  <a:schemeClr val="tx1">
+                    <a:tint val="75000"/>
+                  </a:schemeClr>
+                </a:solidFill>
+              </a:defRPr>
+            </a:lvl2pPr>
+            <a:lvl3pPr marL="914400" indent="0" algn="ctr">
+              <a:buNone/>
+              <a:defRPr>
+                <a:solidFill>
+                  <a:schemeClr val="tx1">
+                    <a:tint val="75000"/>
+                  </a:schemeClr>
+                </a:solidFill>
+              </a:defRPr>
+            </a:lvl3pPr>
+            <a:lvl4pPr marL="1371600" indent="0" algn="ctr">
+              <a:buNone/>
+              <a:defRPr>
+                <a:solidFill>
+                  <a:schemeClr val="tx1">
+                    <a:tint val="75000"/>
+                  </a:schemeClr>
+                </a:solidFill>
+              </a:defRPr>
+            </a:lvl4pPr>
+            <a:lvl5pPr marL="1828800" indent="0" algn="ctr">
+              <a:buNone/>
+              <a:defRPr>
+                <a:solidFill>
+                  <a:schemeClr val="tx1">
+                    <a:tint val="75000"/>
+                  </a:schemeClr>
+                </a:solidFill>
+              </a:defRPr>
+            </a:lvl5pPr>
+            <a:lvl6pPr marL="2286000" indent="0" algn="ctr">
+              <a:buNone/>
+              <a:defRPr>
+                <a:solidFill>
+                  <a:schemeClr val="tx1">
+                    <a:tint val="75000"/>
+                  </a:schemeClr>
+                </a:solidFill>
+              </a:defRPr>
+            </a:lvl6pPr>
+            <a:lvl7pPr marL="2743200" indent="0" algn="ctr">
+              <a:buNone/>
+              <a:defRPr>
+                <a:solidFill>
+                  <a:schemeClr val="tx1">
+                    <a:tint val="75000"/>
+                  </a:schemeClr>
+                </a:solidFill>
+              </a:defRPr>
+            </a:lvl7pPr>
+            <a:lvl8pPr marL="3200400" indent="0" algn="ctr">
+              <a:buNone/>
+              <a:defRPr>
+                <a:solidFill>
+                  <a:schemeClr val="tx1">
+                    <a:tint val="75000"/>
+                  </a:schemeClr>
+                </a:solidFill>
+              </a:defRPr>
+            </a:lvl8pPr>
+            <a:lvl9pPr marL="3657600" indent="0" algn="ctr">
+              <a:buNone/>
+              <a:defRPr>
+                <a:solidFill>
+                  <a:schemeClr val="tx1">
+                    <a:tint val="75000"/>
+                  </a:schemeClr>
+                </a:solidFill>
+              </a:defRPr>
+            </a:lvl9pPr>
+          </a:lstStyle>
+          <a:p>
+            <a:r>
+              <a:rPr lang="zh-CN" altLang="en-US" smtClean="0"/>
+              <a:t>单击此处编辑母版副标题样式</a:t>
+            </a:r>
+            <a:endParaRPr lang="en-US" dirty="0"/>
+          </a:p>
+        </p:txBody>
+      </p:sp>
+      <p:sp>
+        <p:nvSpPr>
+          <p:cNvPr id="7" name="Date Placeholder 6"/>
+          <p:cNvSpPr>
+            <a:spLocks noGrp="1"/>
+          </p:cNvSpPr>
+          <p:nvPr>
+            <p:ph type="dt" sz="half" idx="10"/>
+          </p:nvPr>
+        </p:nvSpPr>
+        <p:spPr/>
+        <p:txBody>
+          <a:bodyPr/>
+          <a:lstStyle/>
+          <a:p>
+            <a:fld id="{530820CF-B880-4189-942D-D702A7CBA730}" type="datetimeFigureOut">
+              <a:rPr lang="zh-CN" altLang="en-US" smtClean="0">
+                <a:solidFill>
+                  <a:prstClr val="white">
+                    <a:lumMod val="65000"/>
+                    <a:lumOff val="35000"/>
+                  </a:prstClr>
+                </a:solidFill>
+              </a:rPr>
+              <a:pPr/>
+              <a:t>2020/1/9</a:t>
+            </a:fld>
+            <a:endParaRPr lang="zh-CN" altLang="en-US">
+              <a:solidFill>
+                <a:prstClr val="white">
+                  <a:lumMod val="65000"/>
+                  <a:lumOff val="35000"/>
+                </a:prstClr>
+              </a:solidFill>
+            </a:endParaRPr>
+          </a:p>
+        </p:txBody>
+      </p:sp>
+      <p:sp>
+        <p:nvSpPr>
+          <p:cNvPr id="8" name="Slide Number Placeholder 7"/>
+          <p:cNvSpPr>
+            <a:spLocks noGrp="1"/>
+          </p:cNvSpPr>
+          <p:nvPr>
+            <p:ph type="sldNum" sz="quarter" idx="11"/>
+          </p:nvPr>
+        </p:nvSpPr>
+        <p:spPr/>
+        <p:txBody>
+          <a:bodyPr/>
+          <a:lstStyle/>
+          <a:p>
+            <a:fld id="{0C913308-F349-4B6D-A68A-DD1791B4A57B}" type="slidenum">
+              <a:rPr lang="zh-CN" altLang="en-US" smtClean="0">
+                <a:solidFill>
+                  <a:prstClr val="white">
+                    <a:lumMod val="65000"/>
+                    <a:lumOff val="35000"/>
+                  </a:prstClr>
+                </a:solidFill>
+              </a:rPr>
+              <a:pPr/>
+              <a:t>‹#›</a:t>
+            </a:fld>
+            <a:endParaRPr lang="zh-CN" altLang="en-US">
+              <a:solidFill>
+                <a:prstClr val="white">
+                  <a:lumMod val="65000"/>
+                  <a:lumOff val="35000"/>
+                </a:prstClr>
+              </a:solidFill>
+            </a:endParaRPr>
+          </a:p>
+        </p:txBody>
+      </p:sp>
+      <p:sp>
+        <p:nvSpPr>
+          <p:cNvPr id="9" name="Footer Placeholder 8"/>
+          <p:cNvSpPr>
+            <a:spLocks noGrp="1"/>
+          </p:cNvSpPr>
+          <p:nvPr>
+            <p:ph type="ftr" sz="quarter" idx="12"/>
+          </p:nvPr>
+        </p:nvSpPr>
+        <p:spPr/>
+        <p:txBody>
+          <a:bodyPr/>
+          <a:lstStyle/>
+          <a:p>
+            <a:endParaRPr lang="zh-CN" altLang="en-US">
+              <a:solidFill>
+                <a:prstClr val="white">
+                  <a:lumMod val="65000"/>
+                  <a:lumOff val="35000"/>
+                </a:prstClr>
+              </a:solidFill>
+            </a:endParaRPr>
+          </a:p>
+        </p:txBody>
+      </p:sp>
+    </p:spTree>
+    <p:extLst>
+      <p:ext uri="{BB962C8B-B14F-4D97-AF65-F5344CB8AC3E}">
+        <p14:creationId xmlns:p14="http://schemas.microsoft.com/office/powerpoint/2010/main" val="2278089897"/>
+      </p:ext>
+    </p:extLst>
+  </p:cSld>
+  <p:clrMapOvr>
+    <a:masterClrMapping/>
+  </p:clrMapOvr>
+</p:sldLayout>
+</file>
+
+<file path=ppt/slideLayouts/slideLayout13.xml><?xml version="1.0" encoding="utf-8"?>
 <p:sldLayout xmlns:a="http://schemas.openxmlformats.org/drawingml/2006/main" xmlns:r="http://schemas.openxmlformats.org/officeDocument/2006/relationships" xmlns:p="http://schemas.openxmlformats.org/presentationml/2006/main" type="obj" preserve="1">
   <p:cSld name="标题和内容">
     <p:spTree>
@@ -9127,7 +7658,7 @@
               <a:defRPr/>
             </a:lvl8pPr>
             <a:lvl9pPr>
-              <a:buFont typeface="Arial" panose="020B0604020202020204" pitchFamily="34" charset="0"/>
+              <a:buFont typeface="Arial" pitchFamily="34" charset="0"/>
               <a:buChar char="•"/>
               <a:defRPr/>
             </a:lvl9pPr>
@@ -9186,10 +7717,25 @@
           <a:lstStyle/>
           <a:p>
             <a:fld id="{530820CF-B880-4189-942D-D702A7CBA730}" type="datetimeFigureOut">
-              <a:rPr lang="zh-CN" altLang="en-US" smtClean="0"/>
-              <a:t>2020-01-09</a:t>
+              <a:rPr lang="zh-CN" altLang="en-US" smtClean="0">
+                <a:solidFill>
+                  <a:prstClr val="white">
+                    <a:lumMod val="65000"/>
+                    <a:lumOff val="35000"/>
+                  </a:prstClr>
+                </a:solidFill>
+              </a:rPr>
+              <a:pPr/>
+              <a:t>2020/1/9</a:t>
             </a:fld>
-            <a:endParaRPr lang="zh-CN" altLang="en-US"/>
+            <a:endParaRPr lang="zh-CN" altLang="en-US">
+              <a:solidFill>
+                <a:prstClr val="white">
+                  <a:lumMod val="65000"/>
+                  <a:lumOff val="35000"/>
+                </a:prstClr>
+              </a:solidFill>
+            </a:endParaRPr>
           </a:p>
         </p:txBody>
       </p:sp>
@@ -9208,7 +7754,14 @@
           <a:bodyPr/>
           <a:lstStyle/>
           <a:p>
-            <a:endParaRPr lang="zh-CN" altLang="en-US"/>
+            <a:endParaRPr lang="zh-CN" altLang="en-US">
+              <a:solidFill>
+                <a:prstClr val="white">
+                  <a:lumMod val="65000"/>
+                  <a:lumOff val="35000"/>
+                </a:prstClr>
+              </a:solidFill>
+            </a:endParaRPr>
           </a:p>
         </p:txBody>
       </p:sp>
@@ -9228,14 +7781,34 @@
           <a:lstStyle/>
           <a:p>
             <a:fld id="{0C913308-F349-4B6D-A68A-DD1791B4A57B}" type="slidenum">
-              <a:rPr lang="zh-CN" altLang="en-US" smtClean="0"/>
+              <a:rPr lang="zh-CN" altLang="en-US" smtClean="0">
+                <a:solidFill>
+                  <a:prstClr val="white">
+                    <a:lumMod val="65000"/>
+                    <a:lumOff val="35000"/>
+                  </a:prstClr>
+                </a:solidFill>
+              </a:rPr>
+              <a:pPr/>
               <a:t>‹#›</a:t>
             </a:fld>
-            <a:endParaRPr lang="zh-CN" altLang="en-US"/>
+            <a:endParaRPr lang="zh-CN" altLang="en-US">
+              <a:solidFill>
+                <a:prstClr val="white">
+                  <a:lumMod val="65000"/>
+                  <a:lumOff val="35000"/>
+                </a:prstClr>
+              </a:solidFill>
+            </a:endParaRPr>
           </a:p>
         </p:txBody>
       </p:sp>
     </p:spTree>
+    <p:extLst>
+      <p:ext uri="{BB962C8B-B14F-4D97-AF65-F5344CB8AC3E}">
+        <p14:creationId xmlns:p14="http://schemas.microsoft.com/office/powerpoint/2010/main" val="1596465845"/>
+      </p:ext>
+    </p:extLst>
   </p:cSld>
   <p:clrMapOvr>
     <a:masterClrMapping/>
@@ -9243,7 +7816,7 @@
 </p:sldLayout>
 </file>
 
-<file path=ppt/slideLayouts/slideLayout3.xml><?xml version="1.0" encoding="utf-8"?>
+<file path=ppt/slideLayouts/slideLayout14.xml><?xml version="1.0" encoding="utf-8"?>
 <p:sldLayout xmlns:a="http://schemas.openxmlformats.org/drawingml/2006/main" xmlns:r="http://schemas.openxmlformats.org/officeDocument/2006/relationships" xmlns:p="http://schemas.openxmlformats.org/presentationml/2006/main" type="secHead" preserve="1">
   <p:cSld name="节标题">
     <p:spTree>
@@ -9448,10 +8021,25 @@
           <a:lstStyle/>
           <a:p>
             <a:fld id="{530820CF-B880-4189-942D-D702A7CBA730}" type="datetimeFigureOut">
-              <a:rPr lang="zh-CN" altLang="en-US" smtClean="0"/>
-              <a:t>2020-01-09</a:t>
+              <a:rPr lang="zh-CN" altLang="en-US" smtClean="0">
+                <a:solidFill>
+                  <a:prstClr val="white">
+                    <a:lumMod val="65000"/>
+                    <a:lumOff val="35000"/>
+                  </a:prstClr>
+                </a:solidFill>
+              </a:rPr>
+              <a:pPr/>
+              <a:t>2020/1/9</a:t>
             </a:fld>
-            <a:endParaRPr lang="zh-CN" altLang="en-US"/>
+            <a:endParaRPr lang="zh-CN" altLang="en-US">
+              <a:solidFill>
+                <a:prstClr val="white">
+                  <a:lumMod val="65000"/>
+                  <a:lumOff val="35000"/>
+                </a:prstClr>
+              </a:solidFill>
+            </a:endParaRPr>
           </a:p>
         </p:txBody>
       </p:sp>
@@ -9470,7 +8058,14 @@
           <a:bodyPr/>
           <a:lstStyle/>
           <a:p>
-            <a:endParaRPr lang="zh-CN" altLang="en-US"/>
+            <a:endParaRPr lang="zh-CN" altLang="en-US">
+              <a:solidFill>
+                <a:prstClr val="white">
+                  <a:lumMod val="65000"/>
+                  <a:lumOff val="35000"/>
+                </a:prstClr>
+              </a:solidFill>
+            </a:endParaRPr>
           </a:p>
         </p:txBody>
       </p:sp>
@@ -9490,10 +8085,25 @@
           <a:lstStyle/>
           <a:p>
             <a:fld id="{0C913308-F349-4B6D-A68A-DD1791B4A57B}" type="slidenum">
-              <a:rPr lang="zh-CN" altLang="en-US" smtClean="0"/>
+              <a:rPr lang="zh-CN" altLang="en-US" smtClean="0">
+                <a:solidFill>
+                  <a:prstClr val="white">
+                    <a:lumMod val="65000"/>
+                    <a:lumOff val="35000"/>
+                  </a:prstClr>
+                </a:solidFill>
+              </a:rPr>
+              <a:pPr/>
               <a:t>‹#›</a:t>
             </a:fld>
-            <a:endParaRPr lang="zh-CN" altLang="en-US"/>
+            <a:endParaRPr lang="zh-CN" altLang="en-US">
+              <a:solidFill>
+                <a:prstClr val="white">
+                  <a:lumMod val="65000"/>
+                  <a:lumOff val="35000"/>
+                </a:prstClr>
+              </a:solidFill>
+            </a:endParaRPr>
           </a:p>
         </p:txBody>
       </p:sp>
@@ -9543,7 +8153,11 @@
           <a:lstStyle/>
           <a:p>
             <a:pPr algn="ctr"/>
-            <a:endParaRPr lang="en-US" dirty="0"/>
+            <a:endParaRPr lang="en-US" dirty="0">
+              <a:solidFill>
+                <a:prstClr val="white"/>
+              </a:solidFill>
+            </a:endParaRPr>
           </a:p>
         </p:txBody>
       </p:sp>
@@ -9593,7 +8207,11 @@
           <a:lstStyle/>
           <a:p>
             <a:pPr algn="ctr"/>
-            <a:endParaRPr lang="en-US" dirty="0"/>
+            <a:endParaRPr lang="en-US" dirty="0">
+              <a:solidFill>
+                <a:prstClr val="white"/>
+              </a:solidFill>
+            </a:endParaRPr>
           </a:p>
         </p:txBody>
       </p:sp>
@@ -9643,11 +8261,20 @@
           <a:lstStyle/>
           <a:p>
             <a:pPr algn="ctr"/>
-            <a:endParaRPr lang="en-US" dirty="0"/>
+            <a:endParaRPr lang="en-US" dirty="0">
+              <a:solidFill>
+                <a:prstClr val="white"/>
+              </a:solidFill>
+            </a:endParaRPr>
           </a:p>
         </p:txBody>
       </p:sp>
     </p:spTree>
+    <p:extLst>
+      <p:ext uri="{BB962C8B-B14F-4D97-AF65-F5344CB8AC3E}">
+        <p14:creationId xmlns:p14="http://schemas.microsoft.com/office/powerpoint/2010/main" val="1755486403"/>
+      </p:ext>
+    </p:extLst>
   </p:cSld>
   <p:clrMapOvr>
     <a:masterClrMapping/>
@@ -9655,7 +8282,7 @@
 </p:sldLayout>
 </file>
 
-<file path=ppt/slideLayouts/slideLayout4.xml><?xml version="1.0" encoding="utf-8"?>
+<file path=ppt/slideLayouts/slideLayout15.xml><?xml version="1.0" encoding="utf-8"?>
 <p:sldLayout xmlns:a="http://schemas.openxmlformats.org/drawingml/2006/main" xmlns:r="http://schemas.openxmlformats.org/officeDocument/2006/relationships" xmlns:p="http://schemas.openxmlformats.org/presentationml/2006/main" type="twoObj" preserve="1">
   <p:cSld name="两栏内容">
     <p:spTree>
@@ -9796,10 +8423,25 @@
           <a:lstStyle/>
           <a:p>
             <a:fld id="{530820CF-B880-4189-942D-D702A7CBA730}" type="datetimeFigureOut">
-              <a:rPr lang="zh-CN" altLang="en-US" smtClean="0"/>
-              <a:t>2020-01-09</a:t>
+              <a:rPr lang="zh-CN" altLang="en-US" smtClean="0">
+                <a:solidFill>
+                  <a:prstClr val="white">
+                    <a:lumMod val="65000"/>
+                    <a:lumOff val="35000"/>
+                  </a:prstClr>
+                </a:solidFill>
+              </a:rPr>
+              <a:pPr/>
+              <a:t>2020/1/9</a:t>
             </a:fld>
-            <a:endParaRPr lang="zh-CN" altLang="en-US"/>
+            <a:endParaRPr lang="zh-CN" altLang="en-US">
+              <a:solidFill>
+                <a:prstClr val="white">
+                  <a:lumMod val="65000"/>
+                  <a:lumOff val="35000"/>
+                </a:prstClr>
+              </a:solidFill>
+            </a:endParaRPr>
           </a:p>
         </p:txBody>
       </p:sp>
@@ -9818,7 +8460,14 @@
           <a:bodyPr/>
           <a:lstStyle/>
           <a:p>
-            <a:endParaRPr lang="zh-CN" altLang="en-US"/>
+            <a:endParaRPr lang="zh-CN" altLang="en-US">
+              <a:solidFill>
+                <a:prstClr val="white">
+                  <a:lumMod val="65000"/>
+                  <a:lumOff val="35000"/>
+                </a:prstClr>
+              </a:solidFill>
+            </a:endParaRPr>
           </a:p>
         </p:txBody>
       </p:sp>
@@ -9838,10 +8487,25 @@
           <a:lstStyle/>
           <a:p>
             <a:fld id="{0C913308-F349-4B6D-A68A-DD1791B4A57B}" type="slidenum">
-              <a:rPr lang="zh-CN" altLang="en-US" smtClean="0"/>
+              <a:rPr lang="zh-CN" altLang="en-US" smtClean="0">
+                <a:solidFill>
+                  <a:prstClr val="white">
+                    <a:lumMod val="65000"/>
+                    <a:lumOff val="35000"/>
+                  </a:prstClr>
+                </a:solidFill>
+              </a:rPr>
+              <a:pPr/>
               <a:t>‹#›</a:t>
             </a:fld>
-            <a:endParaRPr lang="zh-CN" altLang="en-US"/>
+            <a:endParaRPr lang="zh-CN" altLang="en-US">
+              <a:solidFill>
+                <a:prstClr val="white">
+                  <a:lumMod val="65000"/>
+                  <a:lumOff val="35000"/>
+                </a:prstClr>
+              </a:solidFill>
+            </a:endParaRPr>
           </a:p>
         </p:txBody>
       </p:sp>
@@ -9903,6 +8567,11 @@
         </p:txBody>
       </p:sp>
     </p:spTree>
+    <p:extLst>
+      <p:ext uri="{BB962C8B-B14F-4D97-AF65-F5344CB8AC3E}">
+        <p14:creationId xmlns:p14="http://schemas.microsoft.com/office/powerpoint/2010/main" val="2146926933"/>
+      </p:ext>
+    </p:extLst>
   </p:cSld>
   <p:clrMapOvr>
     <a:masterClrMapping/>
@@ -9910,7 +8579,7 @@
 </p:sldLayout>
 </file>
 
-<file path=ppt/slideLayouts/slideLayout5.xml><?xml version="1.0" encoding="utf-8"?>
+<file path=ppt/slideLayouts/slideLayout16.xml><?xml version="1.0" encoding="utf-8"?>
 <p:sldLayout xmlns:a="http://schemas.openxmlformats.org/drawingml/2006/main" xmlns:r="http://schemas.openxmlformats.org/officeDocument/2006/relationships" xmlns:p="http://schemas.openxmlformats.org/presentationml/2006/main" type="twoTxTwoObj" preserve="1">
   <p:cSld name="比较">
     <p:spTree>
@@ -10104,10 +8773,25 @@
           <a:lstStyle/>
           <a:p>
             <a:fld id="{530820CF-B880-4189-942D-D702A7CBA730}" type="datetimeFigureOut">
-              <a:rPr lang="zh-CN" altLang="en-US" smtClean="0"/>
-              <a:t>2020-01-09</a:t>
+              <a:rPr lang="zh-CN" altLang="en-US" smtClean="0">
+                <a:solidFill>
+                  <a:prstClr val="white">
+                    <a:lumMod val="65000"/>
+                    <a:lumOff val="35000"/>
+                  </a:prstClr>
+                </a:solidFill>
+              </a:rPr>
+              <a:pPr/>
+              <a:t>2020/1/9</a:t>
             </a:fld>
-            <a:endParaRPr lang="zh-CN" altLang="en-US"/>
+            <a:endParaRPr lang="zh-CN" altLang="en-US">
+              <a:solidFill>
+                <a:prstClr val="white">
+                  <a:lumMod val="65000"/>
+                  <a:lumOff val="35000"/>
+                </a:prstClr>
+              </a:solidFill>
+            </a:endParaRPr>
           </a:p>
         </p:txBody>
       </p:sp>
@@ -10126,7 +8810,14 @@
           <a:bodyPr/>
           <a:lstStyle/>
           <a:p>
-            <a:endParaRPr lang="zh-CN" altLang="en-US"/>
+            <a:endParaRPr lang="zh-CN" altLang="en-US">
+              <a:solidFill>
+                <a:prstClr val="white">
+                  <a:lumMod val="65000"/>
+                  <a:lumOff val="35000"/>
+                </a:prstClr>
+              </a:solidFill>
+            </a:endParaRPr>
           </a:p>
         </p:txBody>
       </p:sp>
@@ -10146,10 +8837,25 @@
           <a:lstStyle/>
           <a:p>
             <a:fld id="{0C913308-F349-4B6D-A68A-DD1791B4A57B}" type="slidenum">
-              <a:rPr lang="zh-CN" altLang="en-US" smtClean="0"/>
+              <a:rPr lang="zh-CN" altLang="en-US" smtClean="0">
+                <a:solidFill>
+                  <a:prstClr val="white">
+                    <a:lumMod val="65000"/>
+                    <a:lumOff val="35000"/>
+                  </a:prstClr>
+                </a:solidFill>
+              </a:rPr>
+              <a:pPr/>
               <a:t>‹#›</a:t>
             </a:fld>
-            <a:endParaRPr lang="zh-CN" altLang="en-US"/>
+            <a:endParaRPr lang="zh-CN" altLang="en-US">
+              <a:solidFill>
+                <a:prstClr val="white">
+                  <a:lumMod val="65000"/>
+                  <a:lumOff val="35000"/>
+                </a:prstClr>
+              </a:solidFill>
+            </a:endParaRPr>
           </a:p>
         </p:txBody>
       </p:sp>
@@ -10268,6 +8974,11 @@
         </p:txBody>
       </p:sp>
     </p:spTree>
+    <p:extLst>
+      <p:ext uri="{BB962C8B-B14F-4D97-AF65-F5344CB8AC3E}">
+        <p14:creationId xmlns:p14="http://schemas.microsoft.com/office/powerpoint/2010/main" val="3420329447"/>
+      </p:ext>
+    </p:extLst>
   </p:cSld>
   <p:clrMapOvr>
     <a:masterClrMapping/>
@@ -10275,7 +8986,7 @@
 </p:sldLayout>
 </file>
 
-<file path=ppt/slideLayouts/slideLayout6.xml><?xml version="1.0" encoding="utf-8"?>
+<file path=ppt/slideLayouts/slideLayout17.xml><?xml version="1.0" encoding="utf-8"?>
 <p:sldLayout xmlns:a="http://schemas.openxmlformats.org/drawingml/2006/main" xmlns:r="http://schemas.openxmlformats.org/officeDocument/2006/relationships" xmlns:p="http://schemas.openxmlformats.org/presentationml/2006/main" type="titleOnly" preserve="1">
   <p:cSld name="仅标题">
     <p:spTree>
@@ -10331,10 +9042,25 @@
           <a:lstStyle/>
           <a:p>
             <a:fld id="{530820CF-B880-4189-942D-D702A7CBA730}" type="datetimeFigureOut">
-              <a:rPr lang="zh-CN" altLang="en-US" smtClean="0"/>
-              <a:t>2020-01-09</a:t>
+              <a:rPr lang="zh-CN" altLang="en-US" smtClean="0">
+                <a:solidFill>
+                  <a:prstClr val="white">
+                    <a:lumMod val="65000"/>
+                    <a:lumOff val="35000"/>
+                  </a:prstClr>
+                </a:solidFill>
+              </a:rPr>
+              <a:pPr/>
+              <a:t>2020/1/9</a:t>
             </a:fld>
-            <a:endParaRPr lang="zh-CN" altLang="en-US"/>
+            <a:endParaRPr lang="zh-CN" altLang="en-US">
+              <a:solidFill>
+                <a:prstClr val="white">
+                  <a:lumMod val="65000"/>
+                  <a:lumOff val="35000"/>
+                </a:prstClr>
+              </a:solidFill>
+            </a:endParaRPr>
           </a:p>
         </p:txBody>
       </p:sp>
@@ -10353,7 +9079,14 @@
           <a:bodyPr/>
           <a:lstStyle/>
           <a:p>
-            <a:endParaRPr lang="zh-CN" altLang="en-US"/>
+            <a:endParaRPr lang="zh-CN" altLang="en-US">
+              <a:solidFill>
+                <a:prstClr val="white">
+                  <a:lumMod val="65000"/>
+                  <a:lumOff val="35000"/>
+                </a:prstClr>
+              </a:solidFill>
+            </a:endParaRPr>
           </a:p>
         </p:txBody>
       </p:sp>
@@ -10373,14 +9106,34 @@
           <a:lstStyle/>
           <a:p>
             <a:fld id="{0C913308-F349-4B6D-A68A-DD1791B4A57B}" type="slidenum">
-              <a:rPr lang="zh-CN" altLang="en-US" smtClean="0"/>
+              <a:rPr lang="zh-CN" altLang="en-US" smtClean="0">
+                <a:solidFill>
+                  <a:prstClr val="white">
+                    <a:lumMod val="65000"/>
+                    <a:lumOff val="35000"/>
+                  </a:prstClr>
+                </a:solidFill>
+              </a:rPr>
+              <a:pPr/>
               <a:t>‹#›</a:t>
             </a:fld>
-            <a:endParaRPr lang="zh-CN" altLang="en-US"/>
+            <a:endParaRPr lang="zh-CN" altLang="en-US">
+              <a:solidFill>
+                <a:prstClr val="white">
+                  <a:lumMod val="65000"/>
+                  <a:lumOff val="35000"/>
+                </a:prstClr>
+              </a:solidFill>
+            </a:endParaRPr>
           </a:p>
         </p:txBody>
       </p:sp>
     </p:spTree>
+    <p:extLst>
+      <p:ext uri="{BB962C8B-B14F-4D97-AF65-F5344CB8AC3E}">
+        <p14:creationId xmlns:p14="http://schemas.microsoft.com/office/powerpoint/2010/main" val="4265719564"/>
+      </p:ext>
+    </p:extLst>
   </p:cSld>
   <p:clrMapOvr>
     <a:masterClrMapping/>
@@ -10388,7 +9141,7 @@
 </p:sldLayout>
 </file>
 
-<file path=ppt/slideLayouts/slideLayout7.xml><?xml version="1.0" encoding="utf-8"?>
+<file path=ppt/slideLayouts/slideLayout18.xml><?xml version="1.0" encoding="utf-8"?>
 <p:sldLayout xmlns:a="http://schemas.openxmlformats.org/drawingml/2006/main" xmlns:r="http://schemas.openxmlformats.org/officeDocument/2006/relationships" xmlns:p="http://schemas.openxmlformats.org/presentationml/2006/main" type="blank" preserve="1">
   <p:cSld name="空白">
     <p:spTree>
@@ -10421,10 +9174,25 @@
           <a:lstStyle/>
           <a:p>
             <a:fld id="{530820CF-B880-4189-942D-D702A7CBA730}" type="datetimeFigureOut">
-              <a:rPr lang="zh-CN" altLang="en-US" smtClean="0"/>
-              <a:t>2020-01-09</a:t>
+              <a:rPr lang="zh-CN" altLang="en-US" smtClean="0">
+                <a:solidFill>
+                  <a:prstClr val="white">
+                    <a:lumMod val="65000"/>
+                    <a:lumOff val="35000"/>
+                  </a:prstClr>
+                </a:solidFill>
+              </a:rPr>
+              <a:pPr/>
+              <a:t>2020/1/9</a:t>
             </a:fld>
-            <a:endParaRPr lang="zh-CN" altLang="en-US"/>
+            <a:endParaRPr lang="zh-CN" altLang="en-US">
+              <a:solidFill>
+                <a:prstClr val="white">
+                  <a:lumMod val="65000"/>
+                  <a:lumOff val="35000"/>
+                </a:prstClr>
+              </a:solidFill>
+            </a:endParaRPr>
           </a:p>
         </p:txBody>
       </p:sp>
@@ -10443,7 +9211,14 @@
           <a:bodyPr/>
           <a:lstStyle/>
           <a:p>
-            <a:endParaRPr lang="zh-CN" altLang="en-US"/>
+            <a:endParaRPr lang="zh-CN" altLang="en-US">
+              <a:solidFill>
+                <a:prstClr val="white">
+                  <a:lumMod val="65000"/>
+                  <a:lumOff val="35000"/>
+                </a:prstClr>
+              </a:solidFill>
+            </a:endParaRPr>
           </a:p>
         </p:txBody>
       </p:sp>
@@ -10463,14 +9238,34 @@
           <a:lstStyle/>
           <a:p>
             <a:fld id="{0C913308-F349-4B6D-A68A-DD1791B4A57B}" type="slidenum">
-              <a:rPr lang="zh-CN" altLang="en-US" smtClean="0"/>
+              <a:rPr lang="zh-CN" altLang="en-US" smtClean="0">
+                <a:solidFill>
+                  <a:prstClr val="white">
+                    <a:lumMod val="65000"/>
+                    <a:lumOff val="35000"/>
+                  </a:prstClr>
+                </a:solidFill>
+              </a:rPr>
+              <a:pPr/>
               <a:t>‹#›</a:t>
             </a:fld>
-            <a:endParaRPr lang="zh-CN" altLang="en-US"/>
+            <a:endParaRPr lang="zh-CN" altLang="en-US">
+              <a:solidFill>
+                <a:prstClr val="white">
+                  <a:lumMod val="65000"/>
+                  <a:lumOff val="35000"/>
+                </a:prstClr>
+              </a:solidFill>
+            </a:endParaRPr>
           </a:p>
         </p:txBody>
       </p:sp>
     </p:spTree>
+    <p:extLst>
+      <p:ext uri="{BB962C8B-B14F-4D97-AF65-F5344CB8AC3E}">
+        <p14:creationId xmlns:p14="http://schemas.microsoft.com/office/powerpoint/2010/main" val="1783446628"/>
+      </p:ext>
+    </p:extLst>
   </p:cSld>
   <p:clrMapOvr>
     <a:masterClrMapping/>
@@ -10478,7 +9273,7 @@
 </p:sldLayout>
 </file>
 
-<file path=ppt/slideLayouts/slideLayout8.xml><?xml version="1.0" encoding="utf-8"?>
+<file path=ppt/slideLayouts/slideLayout19.xml><?xml version="1.0" encoding="utf-8"?>
 <p:sldLayout xmlns:a="http://schemas.openxmlformats.org/drawingml/2006/main" xmlns:r="http://schemas.openxmlformats.org/officeDocument/2006/relationships" xmlns:p="http://schemas.openxmlformats.org/presentationml/2006/main" type="objTx" preserve="1">
   <p:cSld name="内容与标题">
     <p:spTree>
@@ -10709,10 +9504,25 @@
           <a:lstStyle/>
           <a:p>
             <a:fld id="{530820CF-B880-4189-942D-D702A7CBA730}" type="datetimeFigureOut">
-              <a:rPr lang="zh-CN" altLang="en-US" smtClean="0"/>
-              <a:t>2020-01-09</a:t>
+              <a:rPr lang="zh-CN" altLang="en-US" smtClean="0">
+                <a:solidFill>
+                  <a:prstClr val="white">
+                    <a:lumMod val="65000"/>
+                    <a:lumOff val="35000"/>
+                  </a:prstClr>
+                </a:solidFill>
+              </a:rPr>
+              <a:pPr/>
+              <a:t>2020/1/9</a:t>
             </a:fld>
-            <a:endParaRPr lang="zh-CN" altLang="en-US"/>
+            <a:endParaRPr lang="zh-CN" altLang="en-US">
+              <a:solidFill>
+                <a:prstClr val="white">
+                  <a:lumMod val="65000"/>
+                  <a:lumOff val="35000"/>
+                </a:prstClr>
+              </a:solidFill>
+            </a:endParaRPr>
           </a:p>
         </p:txBody>
       </p:sp>
@@ -10731,13 +9541,223 @@
           <a:bodyPr/>
           <a:lstStyle/>
           <a:p>
+            <a:endParaRPr lang="zh-CN" altLang="en-US">
+              <a:solidFill>
+                <a:prstClr val="white">
+                  <a:lumMod val="65000"/>
+                  <a:lumOff val="35000"/>
+                </a:prstClr>
+              </a:solidFill>
+            </a:endParaRPr>
+          </a:p>
+        </p:txBody>
+      </p:sp>
+      <p:sp>
+        <p:nvSpPr>
+          <p:cNvPr id="7" name="Slide Number Placeholder 6"/>
+          <p:cNvSpPr>
+            <a:spLocks noGrp="1"/>
+          </p:cNvSpPr>
+          <p:nvPr>
+            <p:ph type="sldNum" sz="quarter" idx="12"/>
+          </p:nvPr>
+        </p:nvSpPr>
+        <p:spPr/>
+        <p:txBody>
+          <a:bodyPr/>
+          <a:lstStyle/>
+          <a:p>
+            <a:fld id="{0C913308-F349-4B6D-A68A-DD1791B4A57B}" type="slidenum">
+              <a:rPr lang="zh-CN" altLang="en-US" smtClean="0">
+                <a:solidFill>
+                  <a:prstClr val="white">
+                    <a:lumMod val="65000"/>
+                    <a:lumOff val="35000"/>
+                  </a:prstClr>
+                </a:solidFill>
+              </a:rPr>
+              <a:pPr/>
+              <a:t>‹#›</a:t>
+            </a:fld>
+            <a:endParaRPr lang="zh-CN" altLang="en-US">
+              <a:solidFill>
+                <a:prstClr val="white">
+                  <a:lumMod val="65000"/>
+                  <a:lumOff val="35000"/>
+                </a:prstClr>
+              </a:solidFill>
+            </a:endParaRPr>
+          </a:p>
+        </p:txBody>
+      </p:sp>
+    </p:spTree>
+    <p:extLst>
+      <p:ext uri="{BB962C8B-B14F-4D97-AF65-F5344CB8AC3E}">
+        <p14:creationId xmlns:p14="http://schemas.microsoft.com/office/powerpoint/2010/main" val="2517757085"/>
+      </p:ext>
+    </p:extLst>
+  </p:cSld>
+  <p:clrMapOvr>
+    <a:masterClrMapping/>
+  </p:clrMapOvr>
+</p:sldLayout>
+</file>
+
+<file path=ppt/slideLayouts/slideLayout2.xml><?xml version="1.0" encoding="utf-8"?>
+<p:sldLayout xmlns:a="http://schemas.openxmlformats.org/drawingml/2006/main" xmlns:r="http://schemas.openxmlformats.org/officeDocument/2006/relationships" xmlns:p="http://schemas.openxmlformats.org/presentationml/2006/main" type="obj" preserve="1">
+  <p:cSld name="标题和内容">
+    <p:spTree>
+      <p:nvGrpSpPr>
+        <p:cNvPr id="1" name=""/>
+        <p:cNvGrpSpPr/>
+        <p:nvPr/>
+      </p:nvGrpSpPr>
+      <p:grpSpPr>
+        <a:xfrm>
+          <a:off x="0" y="0"/>
+          <a:ext cx="0" cy="0"/>
+          <a:chOff x="0" y="0"/>
+          <a:chExt cx="0" cy="0"/>
+        </a:xfrm>
+      </p:grpSpPr>
+      <p:sp>
+        <p:nvSpPr>
+          <p:cNvPr id="2" name="Title 1"/>
+          <p:cNvSpPr>
+            <a:spLocks noGrp="1"/>
+          </p:cNvSpPr>
+          <p:nvPr>
+            <p:ph type="title"/>
+          </p:nvPr>
+        </p:nvSpPr>
+        <p:spPr/>
+        <p:txBody>
+          <a:bodyPr/>
+          <a:lstStyle/>
+          <a:p>
+            <a:r>
+              <a:rPr lang="zh-CN" altLang="en-US" smtClean="0"/>
+              <a:t>单击此处编辑母版标题样式</a:t>
+            </a:r>
+            <a:endParaRPr lang="en-US" dirty="0"/>
+          </a:p>
+        </p:txBody>
+      </p:sp>
+      <p:sp>
+        <p:nvSpPr>
+          <p:cNvPr id="3" name="Content Placeholder 2"/>
+          <p:cNvSpPr>
+            <a:spLocks noGrp="1"/>
+          </p:cNvSpPr>
+          <p:nvPr>
+            <p:ph idx="1"/>
+          </p:nvPr>
+        </p:nvSpPr>
+        <p:spPr/>
+        <p:txBody>
+          <a:bodyPr/>
+          <a:lstStyle>
+            <a:lvl5pPr>
+              <a:defRPr/>
+            </a:lvl5pPr>
+            <a:lvl6pPr>
+              <a:defRPr/>
+            </a:lvl6pPr>
+            <a:lvl7pPr>
+              <a:defRPr/>
+            </a:lvl7pPr>
+            <a:lvl8pPr>
+              <a:defRPr/>
+            </a:lvl8pPr>
+            <a:lvl9pPr>
+              <a:buFont typeface="Arial" panose="020B0604020202020204" pitchFamily="34" charset="0"/>
+              <a:buChar char="•"/>
+              <a:defRPr/>
+            </a:lvl9pPr>
+          </a:lstStyle>
+          <a:p>
+            <a:pPr lvl="0"/>
+            <a:r>
+              <a:rPr lang="zh-CN" altLang="en-US" smtClean="0"/>
+              <a:t>单击此处编辑母版文本样式</a:t>
+            </a:r>
+          </a:p>
+          <a:p>
+            <a:pPr lvl="1"/>
+            <a:r>
+              <a:rPr lang="zh-CN" altLang="en-US" smtClean="0"/>
+              <a:t>第二级</a:t>
+            </a:r>
+          </a:p>
+          <a:p>
+            <a:pPr lvl="2"/>
+            <a:r>
+              <a:rPr lang="zh-CN" altLang="en-US" smtClean="0"/>
+              <a:t>第三级</a:t>
+            </a:r>
+          </a:p>
+          <a:p>
+            <a:pPr lvl="3"/>
+            <a:r>
+              <a:rPr lang="zh-CN" altLang="en-US" smtClean="0"/>
+              <a:t>第四级</a:t>
+            </a:r>
+          </a:p>
+          <a:p>
+            <a:pPr lvl="4"/>
+            <a:r>
+              <a:rPr lang="zh-CN" altLang="en-US" smtClean="0"/>
+              <a:t>第五级</a:t>
+            </a:r>
+            <a:endParaRPr lang="en-US" dirty="0" smtClean="0"/>
+          </a:p>
+        </p:txBody>
+      </p:sp>
+      <p:sp>
+        <p:nvSpPr>
+          <p:cNvPr id="4" name="Date Placeholder 3"/>
+          <p:cNvSpPr>
+            <a:spLocks noGrp="1"/>
+          </p:cNvSpPr>
+          <p:nvPr>
+            <p:ph type="dt" sz="half" idx="10"/>
+          </p:nvPr>
+        </p:nvSpPr>
+        <p:spPr/>
+        <p:txBody>
+          <a:bodyPr/>
+          <a:lstStyle/>
+          <a:p>
+            <a:fld id="{530820CF-B880-4189-942D-D702A7CBA730}" type="datetimeFigureOut">
+              <a:rPr lang="zh-CN" altLang="en-US" smtClean="0"/>
+              <a:t>2020/1/9</a:t>
+            </a:fld>
             <a:endParaRPr lang="zh-CN" altLang="en-US"/>
           </a:p>
         </p:txBody>
       </p:sp>
       <p:sp>
         <p:nvSpPr>
-          <p:cNvPr id="7" name="Slide Number Placeholder 6"/>
+          <p:cNvPr id="5" name="Footer Placeholder 4"/>
+          <p:cNvSpPr>
+            <a:spLocks noGrp="1"/>
+          </p:cNvSpPr>
+          <p:nvPr>
+            <p:ph type="ftr" sz="quarter" idx="11"/>
+          </p:nvPr>
+        </p:nvSpPr>
+        <p:spPr/>
+        <p:txBody>
+          <a:bodyPr/>
+          <a:lstStyle/>
+          <a:p>
+            <a:endParaRPr lang="zh-CN" altLang="en-US"/>
+          </a:p>
+        </p:txBody>
+      </p:sp>
+      <p:sp>
+        <p:nvSpPr>
+          <p:cNvPr id="6" name="Slide Number Placeholder 5"/>
           <p:cNvSpPr>
             <a:spLocks noGrp="1"/>
           </p:cNvSpPr>
@@ -10766,7 +9786,7 @@
 </p:sldLayout>
 </file>
 
-<file path=ppt/slideLayouts/slideLayout9.xml><?xml version="1.0" encoding="utf-8"?>
+<file path=ppt/slideLayouts/slideLayout20.xml><?xml version="1.0" encoding="utf-8"?>
 <p:sldLayout xmlns:a="http://schemas.openxmlformats.org/drawingml/2006/main" xmlns:r="http://schemas.openxmlformats.org/officeDocument/2006/relationships" xmlns:p="http://schemas.openxmlformats.org/presentationml/2006/main" type="picTx" preserve="1">
   <p:cSld name="图片与标题">
     <p:spTree>
@@ -10978,8 +9998,2266 @@
           <a:lstStyle/>
           <a:p>
             <a:fld id="{530820CF-B880-4189-942D-D702A7CBA730}" type="datetimeFigureOut">
+              <a:rPr lang="zh-CN" altLang="en-US" smtClean="0">
+                <a:solidFill>
+                  <a:prstClr val="white">
+                    <a:lumMod val="65000"/>
+                    <a:lumOff val="35000"/>
+                  </a:prstClr>
+                </a:solidFill>
+              </a:rPr>
+              <a:pPr/>
+              <a:t>2020/1/9</a:t>
+            </a:fld>
+            <a:endParaRPr lang="zh-CN" altLang="en-US">
+              <a:solidFill>
+                <a:prstClr val="white">
+                  <a:lumMod val="65000"/>
+                  <a:lumOff val="35000"/>
+                </a:prstClr>
+              </a:solidFill>
+            </a:endParaRPr>
+          </a:p>
+        </p:txBody>
+      </p:sp>
+      <p:sp>
+        <p:nvSpPr>
+          <p:cNvPr id="6" name="Footer Placeholder 5"/>
+          <p:cNvSpPr>
+            <a:spLocks noGrp="1"/>
+          </p:cNvSpPr>
+          <p:nvPr>
+            <p:ph type="ftr" sz="quarter" idx="11"/>
+          </p:nvPr>
+        </p:nvSpPr>
+        <p:spPr/>
+        <p:txBody>
+          <a:bodyPr/>
+          <a:lstStyle/>
+          <a:p>
+            <a:endParaRPr lang="zh-CN" altLang="en-US">
+              <a:solidFill>
+                <a:prstClr val="white">
+                  <a:lumMod val="65000"/>
+                  <a:lumOff val="35000"/>
+                </a:prstClr>
+              </a:solidFill>
+            </a:endParaRPr>
+          </a:p>
+        </p:txBody>
+      </p:sp>
+      <p:sp>
+        <p:nvSpPr>
+          <p:cNvPr id="7" name="Slide Number Placeholder 6"/>
+          <p:cNvSpPr>
+            <a:spLocks noGrp="1"/>
+          </p:cNvSpPr>
+          <p:nvPr>
+            <p:ph type="sldNum" sz="quarter" idx="12"/>
+          </p:nvPr>
+        </p:nvSpPr>
+        <p:spPr/>
+        <p:txBody>
+          <a:bodyPr/>
+          <a:lstStyle/>
+          <a:p>
+            <a:fld id="{0C913308-F349-4B6D-A68A-DD1791B4A57B}" type="slidenum">
+              <a:rPr lang="zh-CN" altLang="en-US" smtClean="0">
+                <a:solidFill>
+                  <a:prstClr val="white">
+                    <a:lumMod val="65000"/>
+                    <a:lumOff val="35000"/>
+                  </a:prstClr>
+                </a:solidFill>
+              </a:rPr>
+              <a:pPr/>
+              <a:t>‹#›</a:t>
+            </a:fld>
+            <a:endParaRPr lang="zh-CN" altLang="en-US">
+              <a:solidFill>
+                <a:prstClr val="white">
+                  <a:lumMod val="65000"/>
+                  <a:lumOff val="35000"/>
+                </a:prstClr>
+              </a:solidFill>
+            </a:endParaRPr>
+          </a:p>
+        </p:txBody>
+      </p:sp>
+    </p:spTree>
+    <p:extLst>
+      <p:ext uri="{BB962C8B-B14F-4D97-AF65-F5344CB8AC3E}">
+        <p14:creationId xmlns:p14="http://schemas.microsoft.com/office/powerpoint/2010/main" val="3127838358"/>
+      </p:ext>
+    </p:extLst>
+  </p:cSld>
+  <p:clrMapOvr>
+    <a:masterClrMapping/>
+  </p:clrMapOvr>
+</p:sldLayout>
+</file>
+
+<file path=ppt/slideLayouts/slideLayout21.xml><?xml version="1.0" encoding="utf-8"?>
+<p:sldLayout xmlns:a="http://schemas.openxmlformats.org/drawingml/2006/main" xmlns:r="http://schemas.openxmlformats.org/officeDocument/2006/relationships" xmlns:p="http://schemas.openxmlformats.org/presentationml/2006/main" type="vertTx" preserve="1">
+  <p:cSld name="标题和竖排文字">
+    <p:spTree>
+      <p:nvGrpSpPr>
+        <p:cNvPr id="1" name=""/>
+        <p:cNvGrpSpPr/>
+        <p:nvPr/>
+      </p:nvGrpSpPr>
+      <p:grpSpPr>
+        <a:xfrm>
+          <a:off x="0" y="0"/>
+          <a:ext cx="0" cy="0"/>
+          <a:chOff x="0" y="0"/>
+          <a:chExt cx="0" cy="0"/>
+        </a:xfrm>
+      </p:grpSpPr>
+      <p:sp>
+        <p:nvSpPr>
+          <p:cNvPr id="2" name="Title 1"/>
+          <p:cNvSpPr>
+            <a:spLocks noGrp="1"/>
+          </p:cNvSpPr>
+          <p:nvPr>
+            <p:ph type="title"/>
+          </p:nvPr>
+        </p:nvSpPr>
+        <p:spPr/>
+        <p:txBody>
+          <a:bodyPr/>
+          <a:lstStyle/>
+          <a:p>
+            <a:r>
               <a:rPr lang="zh-CN" altLang="en-US" smtClean="0"/>
-              <a:t>2020-01-09</a:t>
+              <a:t>单击此处编辑母版标题样式</a:t>
+            </a:r>
+            <a:endParaRPr lang="en-US" dirty="0"/>
+          </a:p>
+        </p:txBody>
+      </p:sp>
+      <p:sp>
+        <p:nvSpPr>
+          <p:cNvPr id="3" name="Vertical Text Placeholder 2"/>
+          <p:cNvSpPr>
+            <a:spLocks noGrp="1"/>
+          </p:cNvSpPr>
+          <p:nvPr>
+            <p:ph type="body" orient="vert" idx="1"/>
+          </p:nvPr>
+        </p:nvSpPr>
+        <p:spPr/>
+        <p:txBody>
+          <a:bodyPr vert="eaVert"/>
+          <a:lstStyle/>
+          <a:p>
+            <a:pPr lvl="0"/>
+            <a:r>
+              <a:rPr lang="zh-CN" altLang="en-US" smtClean="0"/>
+              <a:t>单击此处编辑母版文本样式</a:t>
+            </a:r>
+          </a:p>
+          <a:p>
+            <a:pPr lvl="1"/>
+            <a:r>
+              <a:rPr lang="zh-CN" altLang="en-US" smtClean="0"/>
+              <a:t>第二级</a:t>
+            </a:r>
+          </a:p>
+          <a:p>
+            <a:pPr lvl="2"/>
+            <a:r>
+              <a:rPr lang="zh-CN" altLang="en-US" smtClean="0"/>
+              <a:t>第三级</a:t>
+            </a:r>
+          </a:p>
+          <a:p>
+            <a:pPr lvl="3"/>
+            <a:r>
+              <a:rPr lang="zh-CN" altLang="en-US" smtClean="0"/>
+              <a:t>第四级</a:t>
+            </a:r>
+          </a:p>
+          <a:p>
+            <a:pPr lvl="4"/>
+            <a:r>
+              <a:rPr lang="zh-CN" altLang="en-US" smtClean="0"/>
+              <a:t>第五级</a:t>
+            </a:r>
+            <a:endParaRPr lang="en-US"/>
+          </a:p>
+        </p:txBody>
+      </p:sp>
+      <p:sp>
+        <p:nvSpPr>
+          <p:cNvPr id="4" name="Date Placeholder 3"/>
+          <p:cNvSpPr>
+            <a:spLocks noGrp="1"/>
+          </p:cNvSpPr>
+          <p:nvPr>
+            <p:ph type="dt" sz="half" idx="10"/>
+          </p:nvPr>
+        </p:nvSpPr>
+        <p:spPr/>
+        <p:txBody>
+          <a:bodyPr/>
+          <a:lstStyle/>
+          <a:p>
+            <a:fld id="{530820CF-B880-4189-942D-D702A7CBA730}" type="datetimeFigureOut">
+              <a:rPr lang="zh-CN" altLang="en-US" smtClean="0">
+                <a:solidFill>
+                  <a:prstClr val="white">
+                    <a:lumMod val="65000"/>
+                    <a:lumOff val="35000"/>
+                  </a:prstClr>
+                </a:solidFill>
+              </a:rPr>
+              <a:pPr/>
+              <a:t>2020/1/9</a:t>
+            </a:fld>
+            <a:endParaRPr lang="zh-CN" altLang="en-US">
+              <a:solidFill>
+                <a:prstClr val="white">
+                  <a:lumMod val="65000"/>
+                  <a:lumOff val="35000"/>
+                </a:prstClr>
+              </a:solidFill>
+            </a:endParaRPr>
+          </a:p>
+        </p:txBody>
+      </p:sp>
+      <p:sp>
+        <p:nvSpPr>
+          <p:cNvPr id="5" name="Footer Placeholder 4"/>
+          <p:cNvSpPr>
+            <a:spLocks noGrp="1"/>
+          </p:cNvSpPr>
+          <p:nvPr>
+            <p:ph type="ftr" sz="quarter" idx="11"/>
+          </p:nvPr>
+        </p:nvSpPr>
+        <p:spPr/>
+        <p:txBody>
+          <a:bodyPr/>
+          <a:lstStyle/>
+          <a:p>
+            <a:endParaRPr lang="zh-CN" altLang="en-US">
+              <a:solidFill>
+                <a:prstClr val="white">
+                  <a:lumMod val="65000"/>
+                  <a:lumOff val="35000"/>
+                </a:prstClr>
+              </a:solidFill>
+            </a:endParaRPr>
+          </a:p>
+        </p:txBody>
+      </p:sp>
+      <p:sp>
+        <p:nvSpPr>
+          <p:cNvPr id="6" name="Slide Number Placeholder 5"/>
+          <p:cNvSpPr>
+            <a:spLocks noGrp="1"/>
+          </p:cNvSpPr>
+          <p:nvPr>
+            <p:ph type="sldNum" sz="quarter" idx="12"/>
+          </p:nvPr>
+        </p:nvSpPr>
+        <p:spPr/>
+        <p:txBody>
+          <a:bodyPr/>
+          <a:lstStyle/>
+          <a:p>
+            <a:fld id="{0C913308-F349-4B6D-A68A-DD1791B4A57B}" type="slidenum">
+              <a:rPr lang="zh-CN" altLang="en-US" smtClean="0">
+                <a:solidFill>
+                  <a:prstClr val="white">
+                    <a:lumMod val="65000"/>
+                    <a:lumOff val="35000"/>
+                  </a:prstClr>
+                </a:solidFill>
+              </a:rPr>
+              <a:pPr/>
+              <a:t>‹#›</a:t>
+            </a:fld>
+            <a:endParaRPr lang="zh-CN" altLang="en-US">
+              <a:solidFill>
+                <a:prstClr val="white">
+                  <a:lumMod val="65000"/>
+                  <a:lumOff val="35000"/>
+                </a:prstClr>
+              </a:solidFill>
+            </a:endParaRPr>
+          </a:p>
+        </p:txBody>
+      </p:sp>
+    </p:spTree>
+    <p:extLst>
+      <p:ext uri="{BB962C8B-B14F-4D97-AF65-F5344CB8AC3E}">
+        <p14:creationId xmlns:p14="http://schemas.microsoft.com/office/powerpoint/2010/main" val="1268200353"/>
+      </p:ext>
+    </p:extLst>
+  </p:cSld>
+  <p:clrMapOvr>
+    <a:masterClrMapping/>
+  </p:clrMapOvr>
+</p:sldLayout>
+</file>
+
+<file path=ppt/slideLayouts/slideLayout22.xml><?xml version="1.0" encoding="utf-8"?>
+<p:sldLayout xmlns:a="http://schemas.openxmlformats.org/drawingml/2006/main" xmlns:r="http://schemas.openxmlformats.org/officeDocument/2006/relationships" xmlns:p="http://schemas.openxmlformats.org/presentationml/2006/main" type="vertTitleAndTx" preserve="1">
+  <p:cSld name="垂直排列标题与文本">
+    <p:spTree>
+      <p:nvGrpSpPr>
+        <p:cNvPr id="1" name=""/>
+        <p:cNvGrpSpPr/>
+        <p:nvPr/>
+      </p:nvGrpSpPr>
+      <p:grpSpPr>
+        <a:xfrm>
+          <a:off x="0" y="0"/>
+          <a:ext cx="0" cy="0"/>
+          <a:chOff x="0" y="0"/>
+          <a:chExt cx="0" cy="0"/>
+        </a:xfrm>
+      </p:grpSpPr>
+      <p:sp>
+        <p:nvSpPr>
+          <p:cNvPr id="2" name="Vertical Title 1"/>
+          <p:cNvSpPr>
+            <a:spLocks noGrp="1"/>
+          </p:cNvSpPr>
+          <p:nvPr>
+            <p:ph type="title" orient="vert"/>
+          </p:nvPr>
+        </p:nvSpPr>
+        <p:spPr>
+          <a:xfrm>
+            <a:off x="6629400" y="205979"/>
+            <a:ext cx="2057400" cy="4388644"/>
+          </a:xfrm>
+        </p:spPr>
+        <p:txBody>
+          <a:bodyPr vert="eaVert"/>
+          <a:lstStyle/>
+          <a:p>
+            <a:r>
+              <a:rPr lang="zh-CN" altLang="en-US" smtClean="0"/>
+              <a:t>单击此处编辑母版标题样式</a:t>
+            </a:r>
+            <a:endParaRPr lang="en-US" dirty="0"/>
+          </a:p>
+        </p:txBody>
+      </p:sp>
+      <p:sp>
+        <p:nvSpPr>
+          <p:cNvPr id="3" name="Vertical Text Placeholder 2"/>
+          <p:cNvSpPr>
+            <a:spLocks noGrp="1"/>
+          </p:cNvSpPr>
+          <p:nvPr>
+            <p:ph type="body" orient="vert" idx="1"/>
+          </p:nvPr>
+        </p:nvSpPr>
+        <p:spPr>
+          <a:xfrm>
+            <a:off x="457200" y="205979"/>
+            <a:ext cx="6019800" cy="4388644"/>
+          </a:xfrm>
+        </p:spPr>
+        <p:txBody>
+          <a:bodyPr vert="eaVert"/>
+          <a:lstStyle/>
+          <a:p>
+            <a:pPr lvl="0"/>
+            <a:r>
+              <a:rPr lang="zh-CN" altLang="en-US" smtClean="0"/>
+              <a:t>单击此处编辑母版文本样式</a:t>
+            </a:r>
+          </a:p>
+          <a:p>
+            <a:pPr lvl="1"/>
+            <a:r>
+              <a:rPr lang="zh-CN" altLang="en-US" smtClean="0"/>
+              <a:t>第二级</a:t>
+            </a:r>
+          </a:p>
+          <a:p>
+            <a:pPr lvl="2"/>
+            <a:r>
+              <a:rPr lang="zh-CN" altLang="en-US" smtClean="0"/>
+              <a:t>第三级</a:t>
+            </a:r>
+          </a:p>
+          <a:p>
+            <a:pPr lvl="3"/>
+            <a:r>
+              <a:rPr lang="zh-CN" altLang="en-US" smtClean="0"/>
+              <a:t>第四级</a:t>
+            </a:r>
+          </a:p>
+          <a:p>
+            <a:pPr lvl="4"/>
+            <a:r>
+              <a:rPr lang="zh-CN" altLang="en-US" smtClean="0"/>
+              <a:t>第五级</a:t>
+            </a:r>
+            <a:endParaRPr lang="en-US"/>
+          </a:p>
+        </p:txBody>
+      </p:sp>
+      <p:sp>
+        <p:nvSpPr>
+          <p:cNvPr id="4" name="Date Placeholder 3"/>
+          <p:cNvSpPr>
+            <a:spLocks noGrp="1"/>
+          </p:cNvSpPr>
+          <p:nvPr>
+            <p:ph type="dt" sz="half" idx="10"/>
+          </p:nvPr>
+        </p:nvSpPr>
+        <p:spPr/>
+        <p:txBody>
+          <a:bodyPr/>
+          <a:lstStyle/>
+          <a:p>
+            <a:fld id="{530820CF-B880-4189-942D-D702A7CBA730}" type="datetimeFigureOut">
+              <a:rPr lang="zh-CN" altLang="en-US" smtClean="0">
+                <a:solidFill>
+                  <a:prstClr val="white">
+                    <a:lumMod val="65000"/>
+                    <a:lumOff val="35000"/>
+                  </a:prstClr>
+                </a:solidFill>
+              </a:rPr>
+              <a:pPr/>
+              <a:t>2020/1/9</a:t>
+            </a:fld>
+            <a:endParaRPr lang="zh-CN" altLang="en-US">
+              <a:solidFill>
+                <a:prstClr val="white">
+                  <a:lumMod val="65000"/>
+                  <a:lumOff val="35000"/>
+                </a:prstClr>
+              </a:solidFill>
+            </a:endParaRPr>
+          </a:p>
+        </p:txBody>
+      </p:sp>
+      <p:sp>
+        <p:nvSpPr>
+          <p:cNvPr id="5" name="Footer Placeholder 4"/>
+          <p:cNvSpPr>
+            <a:spLocks noGrp="1"/>
+          </p:cNvSpPr>
+          <p:nvPr>
+            <p:ph type="ftr" sz="quarter" idx="11"/>
+          </p:nvPr>
+        </p:nvSpPr>
+        <p:spPr/>
+        <p:txBody>
+          <a:bodyPr/>
+          <a:lstStyle/>
+          <a:p>
+            <a:endParaRPr lang="zh-CN" altLang="en-US">
+              <a:solidFill>
+                <a:prstClr val="white">
+                  <a:lumMod val="65000"/>
+                  <a:lumOff val="35000"/>
+                </a:prstClr>
+              </a:solidFill>
+            </a:endParaRPr>
+          </a:p>
+        </p:txBody>
+      </p:sp>
+      <p:sp>
+        <p:nvSpPr>
+          <p:cNvPr id="6" name="Slide Number Placeholder 5"/>
+          <p:cNvSpPr>
+            <a:spLocks noGrp="1"/>
+          </p:cNvSpPr>
+          <p:nvPr>
+            <p:ph type="sldNum" sz="quarter" idx="12"/>
+          </p:nvPr>
+        </p:nvSpPr>
+        <p:spPr/>
+        <p:txBody>
+          <a:bodyPr/>
+          <a:lstStyle/>
+          <a:p>
+            <a:fld id="{0C913308-F349-4B6D-A68A-DD1791B4A57B}" type="slidenum">
+              <a:rPr lang="zh-CN" altLang="en-US" smtClean="0">
+                <a:solidFill>
+                  <a:prstClr val="white">
+                    <a:lumMod val="65000"/>
+                    <a:lumOff val="35000"/>
+                  </a:prstClr>
+                </a:solidFill>
+              </a:rPr>
+              <a:pPr/>
+              <a:t>‹#›</a:t>
+            </a:fld>
+            <a:endParaRPr lang="zh-CN" altLang="en-US">
+              <a:solidFill>
+                <a:prstClr val="white">
+                  <a:lumMod val="65000"/>
+                  <a:lumOff val="35000"/>
+                </a:prstClr>
+              </a:solidFill>
+            </a:endParaRPr>
+          </a:p>
+        </p:txBody>
+      </p:sp>
+    </p:spTree>
+    <p:extLst>
+      <p:ext uri="{BB962C8B-B14F-4D97-AF65-F5344CB8AC3E}">
+        <p14:creationId xmlns:p14="http://schemas.microsoft.com/office/powerpoint/2010/main" val="372540806"/>
+      </p:ext>
+    </p:extLst>
+  </p:cSld>
+  <p:clrMapOvr>
+    <a:masterClrMapping/>
+  </p:clrMapOvr>
+</p:sldLayout>
+</file>
+
+<file path=ppt/slideLayouts/slideLayout3.xml><?xml version="1.0" encoding="utf-8"?>
+<p:sldLayout xmlns:a="http://schemas.openxmlformats.org/drawingml/2006/main" xmlns:r="http://schemas.openxmlformats.org/officeDocument/2006/relationships" xmlns:p="http://schemas.openxmlformats.org/presentationml/2006/main" type="secHead" preserve="1">
+  <p:cSld name="节标题">
+    <p:spTree>
+      <p:nvGrpSpPr>
+        <p:cNvPr id="1" name=""/>
+        <p:cNvGrpSpPr/>
+        <p:nvPr/>
+      </p:nvGrpSpPr>
+      <p:grpSpPr>
+        <a:xfrm>
+          <a:off x="0" y="0"/>
+          <a:ext cx="0" cy="0"/>
+          <a:chOff x="0" y="0"/>
+          <a:chExt cx="0" cy="0"/>
+        </a:xfrm>
+      </p:grpSpPr>
+      <p:sp>
+        <p:nvSpPr>
+          <p:cNvPr id="2" name="Title 1"/>
+          <p:cNvSpPr>
+            <a:spLocks noGrp="1"/>
+          </p:cNvSpPr>
+          <p:nvPr>
+            <p:ph type="title"/>
+          </p:nvPr>
+        </p:nvSpPr>
+        <p:spPr>
+          <a:xfrm>
+            <a:off x="722313" y="1028701"/>
+            <a:ext cx="7772400" cy="1878806"/>
+          </a:xfrm>
+        </p:spPr>
+        <p:txBody>
+          <a:bodyPr anchor="b"/>
+          <a:lstStyle>
+            <a:lvl1pPr algn="ctr" defTabSz="914400" rtl="0" eaLnBrk="1" latinLnBrk="0" hangingPunct="1">
+              <a:lnSpc>
+                <a:spcPct val="100000"/>
+              </a:lnSpc>
+              <a:spcBef>
+                <a:spcPct val="0"/>
+              </a:spcBef>
+              <a:buNone/>
+              <a:defRPr lang="en-US" sz="4800" kern="1200" dirty="0" smtClean="0">
+                <a:solidFill>
+                  <a:schemeClr val="tx2"/>
+                </a:solidFill>
+                <a:effectLst>
+                  <a:outerShdw blurRad="63500" dist="38100" dir="5400000" algn="t" rotWithShape="0">
+                    <a:prstClr val="black">
+                      <a:alpha val="25000"/>
+                    </a:prstClr>
+                  </a:outerShdw>
+                </a:effectLst>
+                <a:latin typeface="+mn-lt"/>
+                <a:ea typeface="+mj-ea"/>
+                <a:cs typeface="+mj-cs"/>
+              </a:defRPr>
+            </a:lvl1pPr>
+          </a:lstStyle>
+          <a:p>
+            <a:r>
+              <a:rPr lang="zh-CN" altLang="en-US" smtClean="0"/>
+              <a:t>单击此处编辑母版标题样式</a:t>
+            </a:r>
+            <a:endParaRPr lang="en-US" dirty="0"/>
+          </a:p>
+        </p:txBody>
+      </p:sp>
+      <p:sp>
+        <p:nvSpPr>
+          <p:cNvPr id="3" name="Text Placeholder 2"/>
+          <p:cNvSpPr>
+            <a:spLocks noGrp="1"/>
+          </p:cNvSpPr>
+          <p:nvPr>
+            <p:ph type="body" idx="1"/>
+          </p:nvPr>
+        </p:nvSpPr>
+        <p:spPr>
+          <a:xfrm>
+            <a:off x="722313" y="3051573"/>
+            <a:ext cx="7772400" cy="848915"/>
+          </a:xfrm>
+        </p:spPr>
+        <p:txBody>
+          <a:bodyPr anchor="t"/>
+          <a:lstStyle>
+            <a:lvl1pPr marL="0" indent="0" algn="ctr">
+              <a:buNone/>
+              <a:defRPr sz="2000">
+                <a:solidFill>
+                  <a:schemeClr val="tx1">
+                    <a:tint val="75000"/>
+                  </a:schemeClr>
+                </a:solidFill>
+              </a:defRPr>
+            </a:lvl1pPr>
+            <a:lvl2pPr marL="457200" indent="0">
+              <a:buNone/>
+              <a:defRPr sz="1800">
+                <a:solidFill>
+                  <a:schemeClr val="tx1">
+                    <a:tint val="75000"/>
+                  </a:schemeClr>
+                </a:solidFill>
+              </a:defRPr>
+            </a:lvl2pPr>
+            <a:lvl3pPr marL="914400" indent="0">
+              <a:buNone/>
+              <a:defRPr sz="1600">
+                <a:solidFill>
+                  <a:schemeClr val="tx1">
+                    <a:tint val="75000"/>
+                  </a:schemeClr>
+                </a:solidFill>
+              </a:defRPr>
+            </a:lvl3pPr>
+            <a:lvl4pPr marL="1371600" indent="0">
+              <a:buNone/>
+              <a:defRPr sz="1400">
+                <a:solidFill>
+                  <a:schemeClr val="tx1">
+                    <a:tint val="75000"/>
+                  </a:schemeClr>
+                </a:solidFill>
+              </a:defRPr>
+            </a:lvl4pPr>
+            <a:lvl5pPr marL="1828800" indent="0">
+              <a:buNone/>
+              <a:defRPr sz="1400">
+                <a:solidFill>
+                  <a:schemeClr val="tx1">
+                    <a:tint val="75000"/>
+                  </a:schemeClr>
+                </a:solidFill>
+              </a:defRPr>
+            </a:lvl5pPr>
+            <a:lvl6pPr marL="2286000" indent="0">
+              <a:buNone/>
+              <a:defRPr sz="1400">
+                <a:solidFill>
+                  <a:schemeClr val="tx1">
+                    <a:tint val="75000"/>
+                  </a:schemeClr>
+                </a:solidFill>
+              </a:defRPr>
+            </a:lvl6pPr>
+            <a:lvl7pPr marL="2743200" indent="0">
+              <a:buNone/>
+              <a:defRPr sz="1400">
+                <a:solidFill>
+                  <a:schemeClr val="tx1">
+                    <a:tint val="75000"/>
+                  </a:schemeClr>
+                </a:solidFill>
+              </a:defRPr>
+            </a:lvl7pPr>
+            <a:lvl8pPr marL="3200400" indent="0">
+              <a:buNone/>
+              <a:defRPr sz="1400">
+                <a:solidFill>
+                  <a:schemeClr val="tx1">
+                    <a:tint val="75000"/>
+                  </a:schemeClr>
+                </a:solidFill>
+              </a:defRPr>
+            </a:lvl8pPr>
+            <a:lvl9pPr marL="3657600" indent="0">
+              <a:buNone/>
+              <a:defRPr sz="1400">
+                <a:solidFill>
+                  <a:schemeClr val="tx1">
+                    <a:tint val="75000"/>
+                  </a:schemeClr>
+                </a:solidFill>
+              </a:defRPr>
+            </a:lvl9pPr>
+          </a:lstStyle>
+          <a:p>
+            <a:pPr lvl="0"/>
+            <a:r>
+              <a:rPr lang="zh-CN" altLang="en-US" smtClean="0"/>
+              <a:t>单击此处编辑母版文本样式</a:t>
+            </a:r>
+          </a:p>
+        </p:txBody>
+      </p:sp>
+      <p:sp>
+        <p:nvSpPr>
+          <p:cNvPr id="4" name="Date Placeholder 3"/>
+          <p:cNvSpPr>
+            <a:spLocks noGrp="1"/>
+          </p:cNvSpPr>
+          <p:nvPr>
+            <p:ph type="dt" sz="half" idx="10"/>
+          </p:nvPr>
+        </p:nvSpPr>
+        <p:spPr/>
+        <p:txBody>
+          <a:bodyPr/>
+          <a:lstStyle/>
+          <a:p>
+            <a:fld id="{530820CF-B880-4189-942D-D702A7CBA730}" type="datetimeFigureOut">
+              <a:rPr lang="zh-CN" altLang="en-US" smtClean="0"/>
+              <a:t>2020/1/9</a:t>
+            </a:fld>
+            <a:endParaRPr lang="zh-CN" altLang="en-US"/>
+          </a:p>
+        </p:txBody>
+      </p:sp>
+      <p:sp>
+        <p:nvSpPr>
+          <p:cNvPr id="5" name="Footer Placeholder 4"/>
+          <p:cNvSpPr>
+            <a:spLocks noGrp="1"/>
+          </p:cNvSpPr>
+          <p:nvPr>
+            <p:ph type="ftr" sz="quarter" idx="11"/>
+          </p:nvPr>
+        </p:nvSpPr>
+        <p:spPr/>
+        <p:txBody>
+          <a:bodyPr/>
+          <a:lstStyle/>
+          <a:p>
+            <a:endParaRPr lang="zh-CN" altLang="en-US"/>
+          </a:p>
+        </p:txBody>
+      </p:sp>
+      <p:sp>
+        <p:nvSpPr>
+          <p:cNvPr id="6" name="Slide Number Placeholder 5"/>
+          <p:cNvSpPr>
+            <a:spLocks noGrp="1"/>
+          </p:cNvSpPr>
+          <p:nvPr>
+            <p:ph type="sldNum" sz="quarter" idx="12"/>
+          </p:nvPr>
+        </p:nvSpPr>
+        <p:spPr/>
+        <p:txBody>
+          <a:bodyPr/>
+          <a:lstStyle/>
+          <a:p>
+            <a:fld id="{0C913308-F349-4B6D-A68A-DD1791B4A57B}" type="slidenum">
+              <a:rPr lang="zh-CN" altLang="en-US" smtClean="0"/>
+              <a:t>‹#›</a:t>
+            </a:fld>
+            <a:endParaRPr lang="zh-CN" altLang="en-US"/>
+          </a:p>
+        </p:txBody>
+      </p:sp>
+      <p:sp>
+        <p:nvSpPr>
+          <p:cNvPr id="7" name="Oval 6"/>
+          <p:cNvSpPr/>
+          <p:nvPr/>
+        </p:nvSpPr>
+        <p:spPr>
+          <a:xfrm>
+            <a:off x="4495800" y="2943225"/>
+            <a:ext cx="84772" cy="63579"/>
+          </a:xfrm>
+          <a:prstGeom prst="ellipse">
+            <a:avLst/>
+          </a:prstGeom>
+          <a:solidFill>
+            <a:schemeClr val="tx1">
+              <a:lumMod val="50000"/>
+              <a:lumOff val="50000"/>
+            </a:schemeClr>
+          </a:solidFill>
+          <a:ln w="12700">
+            <a:noFill/>
+          </a:ln>
+          <a:effectLst/>
+        </p:spPr>
+        <p:style>
+          <a:lnRef idx="2">
+            <a:schemeClr val="accent1">
+              <a:shade val="50000"/>
+            </a:schemeClr>
+          </a:lnRef>
+          <a:fillRef idx="1">
+            <a:schemeClr val="accent1"/>
+          </a:fillRef>
+          <a:effectRef idx="0">
+            <a:schemeClr val="accent1"/>
+          </a:effectRef>
+          <a:fontRef idx="minor">
+            <a:schemeClr val="lt1"/>
+          </a:fontRef>
+        </p:style>
+        <p:txBody>
+          <a:bodyPr rtlCol="0" anchor="ctr"/>
+          <a:lstStyle/>
+          <a:p>
+            <a:pPr algn="ctr"/>
+            <a:endParaRPr lang="en-US" dirty="0"/>
+          </a:p>
+        </p:txBody>
+      </p:sp>
+      <p:sp>
+        <p:nvSpPr>
+          <p:cNvPr id="8" name="Oval 7"/>
+          <p:cNvSpPr/>
+          <p:nvPr/>
+        </p:nvSpPr>
+        <p:spPr>
+          <a:xfrm>
+            <a:off x="4695825" y="2943225"/>
+            <a:ext cx="84772" cy="63579"/>
+          </a:xfrm>
+          <a:prstGeom prst="ellipse">
+            <a:avLst/>
+          </a:prstGeom>
+          <a:solidFill>
+            <a:schemeClr val="tx1">
+              <a:lumMod val="50000"/>
+              <a:lumOff val="50000"/>
+            </a:schemeClr>
+          </a:solidFill>
+          <a:ln w="12700">
+            <a:noFill/>
+          </a:ln>
+          <a:effectLst/>
+        </p:spPr>
+        <p:style>
+          <a:lnRef idx="2">
+            <a:schemeClr val="accent1">
+              <a:shade val="50000"/>
+            </a:schemeClr>
+          </a:lnRef>
+          <a:fillRef idx="1">
+            <a:schemeClr val="accent1"/>
+          </a:fillRef>
+          <a:effectRef idx="0">
+            <a:schemeClr val="accent1"/>
+          </a:effectRef>
+          <a:fontRef idx="minor">
+            <a:schemeClr val="lt1"/>
+          </a:fontRef>
+        </p:style>
+        <p:txBody>
+          <a:bodyPr rtlCol="0" anchor="ctr"/>
+          <a:lstStyle/>
+          <a:p>
+            <a:pPr algn="ctr"/>
+            <a:endParaRPr lang="en-US" dirty="0"/>
+          </a:p>
+        </p:txBody>
+      </p:sp>
+      <p:sp>
+        <p:nvSpPr>
+          <p:cNvPr id="9" name="Oval 8"/>
+          <p:cNvSpPr/>
+          <p:nvPr/>
+        </p:nvSpPr>
+        <p:spPr>
+          <a:xfrm>
+            <a:off x="4296728" y="2943225"/>
+            <a:ext cx="84772" cy="63579"/>
+          </a:xfrm>
+          <a:prstGeom prst="ellipse">
+            <a:avLst/>
+          </a:prstGeom>
+          <a:solidFill>
+            <a:schemeClr val="tx1">
+              <a:lumMod val="50000"/>
+              <a:lumOff val="50000"/>
+            </a:schemeClr>
+          </a:solidFill>
+          <a:ln w="12700">
+            <a:noFill/>
+          </a:ln>
+          <a:effectLst/>
+        </p:spPr>
+        <p:style>
+          <a:lnRef idx="2">
+            <a:schemeClr val="accent1">
+              <a:shade val="50000"/>
+            </a:schemeClr>
+          </a:lnRef>
+          <a:fillRef idx="1">
+            <a:schemeClr val="accent1"/>
+          </a:fillRef>
+          <a:effectRef idx="0">
+            <a:schemeClr val="accent1"/>
+          </a:effectRef>
+          <a:fontRef idx="minor">
+            <a:schemeClr val="lt1"/>
+          </a:fontRef>
+        </p:style>
+        <p:txBody>
+          <a:bodyPr rtlCol="0" anchor="ctr"/>
+          <a:lstStyle/>
+          <a:p>
+            <a:pPr algn="ctr"/>
+            <a:endParaRPr lang="en-US" dirty="0"/>
+          </a:p>
+        </p:txBody>
+      </p:sp>
+    </p:spTree>
+  </p:cSld>
+  <p:clrMapOvr>
+    <a:masterClrMapping/>
+  </p:clrMapOvr>
+</p:sldLayout>
+</file>
+
+<file path=ppt/slideLayouts/slideLayout4.xml><?xml version="1.0" encoding="utf-8"?>
+<p:sldLayout xmlns:a="http://schemas.openxmlformats.org/drawingml/2006/main" xmlns:r="http://schemas.openxmlformats.org/officeDocument/2006/relationships" xmlns:p="http://schemas.openxmlformats.org/presentationml/2006/main" type="twoObj" preserve="1">
+  <p:cSld name="两栏内容">
+    <p:spTree>
+      <p:nvGrpSpPr>
+        <p:cNvPr id="1" name=""/>
+        <p:cNvGrpSpPr/>
+        <p:nvPr/>
+      </p:nvGrpSpPr>
+      <p:grpSpPr>
+        <a:xfrm>
+          <a:off x="0" y="0"/>
+          <a:ext cx="0" cy="0"/>
+          <a:chOff x="0" y="0"/>
+          <a:chExt cx="0" cy="0"/>
+        </a:xfrm>
+      </p:grpSpPr>
+      <p:sp>
+        <p:nvSpPr>
+          <p:cNvPr id="2" name="Title 1"/>
+          <p:cNvSpPr>
+            <a:spLocks noGrp="1"/>
+          </p:cNvSpPr>
+          <p:nvPr>
+            <p:ph type="title"/>
+          </p:nvPr>
+        </p:nvSpPr>
+        <p:spPr/>
+        <p:txBody>
+          <a:bodyPr/>
+          <a:lstStyle/>
+          <a:p>
+            <a:r>
+              <a:rPr lang="zh-CN" altLang="en-US" smtClean="0"/>
+              <a:t>单击此处编辑母版标题样式</a:t>
+            </a:r>
+            <a:endParaRPr lang="en-US"/>
+          </a:p>
+        </p:txBody>
+      </p:sp>
+      <p:sp>
+        <p:nvSpPr>
+          <p:cNvPr id="4" name="Content Placeholder 3"/>
+          <p:cNvSpPr>
+            <a:spLocks noGrp="1"/>
+          </p:cNvSpPr>
+          <p:nvPr>
+            <p:ph sz="half" idx="2"/>
+          </p:nvPr>
+        </p:nvSpPr>
+        <p:spPr>
+          <a:xfrm>
+            <a:off x="4648200" y="1200151"/>
+            <a:ext cx="4038600" cy="3394472"/>
+          </a:xfrm>
+        </p:spPr>
+        <p:txBody>
+          <a:bodyPr/>
+          <a:lstStyle>
+            <a:lvl1pPr>
+              <a:defRPr sz="2400"/>
+            </a:lvl1pPr>
+            <a:lvl2pPr>
+              <a:defRPr sz="1600"/>
+            </a:lvl2pPr>
+            <a:lvl3pPr>
+              <a:defRPr sz="1600"/>
+            </a:lvl3pPr>
+            <a:lvl4pPr>
+              <a:defRPr sz="1600"/>
+            </a:lvl4pPr>
+            <a:lvl5pPr>
+              <a:defRPr sz="1600"/>
+            </a:lvl5pPr>
+            <a:lvl6pPr>
+              <a:defRPr sz="1600"/>
+            </a:lvl6pPr>
+            <a:lvl7pPr>
+              <a:defRPr sz="1600"/>
+            </a:lvl7pPr>
+            <a:lvl8pPr>
+              <a:defRPr sz="1600"/>
+            </a:lvl8pPr>
+            <a:lvl9pPr>
+              <a:defRPr sz="1600"/>
+            </a:lvl9pPr>
+          </a:lstStyle>
+          <a:p>
+            <a:pPr lvl="0"/>
+            <a:r>
+              <a:rPr lang="zh-CN" altLang="en-US" smtClean="0"/>
+              <a:t>单击此处编辑母版文本样式</a:t>
+            </a:r>
+          </a:p>
+          <a:p>
+            <a:pPr lvl="1"/>
+            <a:r>
+              <a:rPr lang="zh-CN" altLang="en-US" smtClean="0"/>
+              <a:t>第二级</a:t>
+            </a:r>
+          </a:p>
+          <a:p>
+            <a:pPr lvl="2"/>
+            <a:r>
+              <a:rPr lang="zh-CN" altLang="en-US" smtClean="0"/>
+              <a:t>第三级</a:t>
+            </a:r>
+          </a:p>
+          <a:p>
+            <a:pPr lvl="3"/>
+            <a:r>
+              <a:rPr lang="zh-CN" altLang="en-US" smtClean="0"/>
+              <a:t>第四级</a:t>
+            </a:r>
+          </a:p>
+          <a:p>
+            <a:pPr lvl="4"/>
+            <a:r>
+              <a:rPr lang="zh-CN" altLang="en-US" smtClean="0"/>
+              <a:t>第五级</a:t>
+            </a:r>
+            <a:endParaRPr lang="en-US" dirty="0" smtClean="0"/>
+          </a:p>
+        </p:txBody>
+      </p:sp>
+      <p:sp>
+        <p:nvSpPr>
+          <p:cNvPr id="5" name="Date Placeholder 4"/>
+          <p:cNvSpPr>
+            <a:spLocks noGrp="1"/>
+          </p:cNvSpPr>
+          <p:nvPr>
+            <p:ph type="dt" sz="half" idx="10"/>
+          </p:nvPr>
+        </p:nvSpPr>
+        <p:spPr/>
+        <p:txBody>
+          <a:bodyPr/>
+          <a:lstStyle/>
+          <a:p>
+            <a:fld id="{530820CF-B880-4189-942D-D702A7CBA730}" type="datetimeFigureOut">
+              <a:rPr lang="zh-CN" altLang="en-US" smtClean="0"/>
+              <a:t>2020/1/9</a:t>
+            </a:fld>
+            <a:endParaRPr lang="zh-CN" altLang="en-US"/>
+          </a:p>
+        </p:txBody>
+      </p:sp>
+      <p:sp>
+        <p:nvSpPr>
+          <p:cNvPr id="6" name="Footer Placeholder 5"/>
+          <p:cNvSpPr>
+            <a:spLocks noGrp="1"/>
+          </p:cNvSpPr>
+          <p:nvPr>
+            <p:ph type="ftr" sz="quarter" idx="11"/>
+          </p:nvPr>
+        </p:nvSpPr>
+        <p:spPr/>
+        <p:txBody>
+          <a:bodyPr/>
+          <a:lstStyle/>
+          <a:p>
+            <a:endParaRPr lang="zh-CN" altLang="en-US"/>
+          </a:p>
+        </p:txBody>
+      </p:sp>
+      <p:sp>
+        <p:nvSpPr>
+          <p:cNvPr id="7" name="Slide Number Placeholder 6"/>
+          <p:cNvSpPr>
+            <a:spLocks noGrp="1"/>
+          </p:cNvSpPr>
+          <p:nvPr>
+            <p:ph type="sldNum" sz="quarter" idx="12"/>
+          </p:nvPr>
+        </p:nvSpPr>
+        <p:spPr/>
+        <p:txBody>
+          <a:bodyPr/>
+          <a:lstStyle/>
+          <a:p>
+            <a:fld id="{0C913308-F349-4B6D-A68A-DD1791B4A57B}" type="slidenum">
+              <a:rPr lang="zh-CN" altLang="en-US" smtClean="0"/>
+              <a:t>‹#›</a:t>
+            </a:fld>
+            <a:endParaRPr lang="zh-CN" altLang="en-US"/>
+          </a:p>
+        </p:txBody>
+      </p:sp>
+      <p:sp>
+        <p:nvSpPr>
+          <p:cNvPr id="9" name="Content Placeholder 8"/>
+          <p:cNvSpPr>
+            <a:spLocks noGrp="1"/>
+          </p:cNvSpPr>
+          <p:nvPr>
+            <p:ph sz="quarter" idx="13"/>
+          </p:nvPr>
+        </p:nvSpPr>
+        <p:spPr>
+          <a:xfrm>
+            <a:off x="365760" y="1200150"/>
+            <a:ext cx="4041648" cy="3394710"/>
+          </a:xfrm>
+        </p:spPr>
+        <p:txBody>
+          <a:bodyPr/>
+          <a:lstStyle/>
+          <a:p>
+            <a:pPr lvl="0"/>
+            <a:r>
+              <a:rPr lang="zh-CN" altLang="en-US" smtClean="0"/>
+              <a:t>单击此处编辑母版文本样式</a:t>
+            </a:r>
+          </a:p>
+          <a:p>
+            <a:pPr lvl="1"/>
+            <a:r>
+              <a:rPr lang="zh-CN" altLang="en-US" smtClean="0"/>
+              <a:t>第二级</a:t>
+            </a:r>
+          </a:p>
+          <a:p>
+            <a:pPr lvl="2"/>
+            <a:r>
+              <a:rPr lang="zh-CN" altLang="en-US" smtClean="0"/>
+              <a:t>第三级</a:t>
+            </a:r>
+          </a:p>
+          <a:p>
+            <a:pPr lvl="3"/>
+            <a:r>
+              <a:rPr lang="zh-CN" altLang="en-US" smtClean="0"/>
+              <a:t>第四级</a:t>
+            </a:r>
+          </a:p>
+          <a:p>
+            <a:pPr lvl="4"/>
+            <a:r>
+              <a:rPr lang="zh-CN" altLang="en-US" smtClean="0"/>
+              <a:t>第五级</a:t>
+            </a:r>
+            <a:endParaRPr lang="en-US"/>
+          </a:p>
+        </p:txBody>
+      </p:sp>
+    </p:spTree>
+  </p:cSld>
+  <p:clrMapOvr>
+    <a:masterClrMapping/>
+  </p:clrMapOvr>
+</p:sldLayout>
+</file>
+
+<file path=ppt/slideLayouts/slideLayout5.xml><?xml version="1.0" encoding="utf-8"?>
+<p:sldLayout xmlns:a="http://schemas.openxmlformats.org/drawingml/2006/main" xmlns:r="http://schemas.openxmlformats.org/officeDocument/2006/relationships" xmlns:p="http://schemas.openxmlformats.org/presentationml/2006/main" type="twoTxTwoObj" preserve="1">
+  <p:cSld name="比较">
+    <p:spTree>
+      <p:nvGrpSpPr>
+        <p:cNvPr id="1" name=""/>
+        <p:cNvGrpSpPr/>
+        <p:nvPr/>
+      </p:nvGrpSpPr>
+      <p:grpSpPr>
+        <a:xfrm>
+          <a:off x="0" y="0"/>
+          <a:ext cx="0" cy="0"/>
+          <a:chOff x="0" y="0"/>
+          <a:chExt cx="0" cy="0"/>
+        </a:xfrm>
+      </p:grpSpPr>
+      <p:sp>
+        <p:nvSpPr>
+          <p:cNvPr id="2" name="Title 1"/>
+          <p:cNvSpPr>
+            <a:spLocks noGrp="1"/>
+          </p:cNvSpPr>
+          <p:nvPr>
+            <p:ph type="title"/>
+          </p:nvPr>
+        </p:nvSpPr>
+        <p:spPr/>
+        <p:txBody>
+          <a:bodyPr/>
+          <a:lstStyle>
+            <a:lvl1pPr>
+              <a:defRPr/>
+            </a:lvl1pPr>
+          </a:lstStyle>
+          <a:p>
+            <a:r>
+              <a:rPr lang="zh-CN" altLang="en-US" smtClean="0"/>
+              <a:t>单击此处编辑母版标题样式</a:t>
+            </a:r>
+            <a:endParaRPr lang="en-US"/>
+          </a:p>
+        </p:txBody>
+      </p:sp>
+      <p:sp>
+        <p:nvSpPr>
+          <p:cNvPr id="3" name="Text Placeholder 2"/>
+          <p:cNvSpPr>
+            <a:spLocks noGrp="1"/>
+          </p:cNvSpPr>
+          <p:nvPr>
+            <p:ph type="body" idx="1"/>
+          </p:nvPr>
+        </p:nvSpPr>
+        <p:spPr>
+          <a:xfrm>
+            <a:off x="457200" y="1200150"/>
+            <a:ext cx="4040188" cy="457200"/>
+          </a:xfrm>
+        </p:spPr>
+        <p:txBody>
+          <a:bodyPr anchor="b">
+            <a:noAutofit/>
+          </a:bodyPr>
+          <a:lstStyle>
+            <a:lvl1pPr marL="0" indent="0" algn="ctr">
+              <a:buNone/>
+              <a:defRPr sz="2400" b="0"/>
+            </a:lvl1pPr>
+            <a:lvl2pPr marL="457200" indent="0">
+              <a:buNone/>
+              <a:defRPr sz="2000" b="1"/>
+            </a:lvl2pPr>
+            <a:lvl3pPr marL="914400" indent="0">
+              <a:buNone/>
+              <a:defRPr sz="1800" b="1"/>
+            </a:lvl3pPr>
+            <a:lvl4pPr marL="1371600" indent="0">
+              <a:buNone/>
+              <a:defRPr sz="1600" b="1"/>
+            </a:lvl4pPr>
+            <a:lvl5pPr marL="1828800" indent="0">
+              <a:buNone/>
+              <a:defRPr sz="1600" b="1"/>
+            </a:lvl5pPr>
+            <a:lvl6pPr marL="2286000" indent="0">
+              <a:buNone/>
+              <a:defRPr sz="1600" b="1"/>
+            </a:lvl6pPr>
+            <a:lvl7pPr marL="2743200" indent="0">
+              <a:buNone/>
+              <a:defRPr sz="1600" b="1"/>
+            </a:lvl7pPr>
+            <a:lvl8pPr marL="3200400" indent="0">
+              <a:buNone/>
+              <a:defRPr sz="1600" b="1"/>
+            </a:lvl8pPr>
+            <a:lvl9pPr marL="3657600" indent="0">
+              <a:buNone/>
+              <a:defRPr sz="1600" b="1"/>
+            </a:lvl9pPr>
+          </a:lstStyle>
+          <a:p>
+            <a:pPr lvl="0"/>
+            <a:r>
+              <a:rPr lang="zh-CN" altLang="en-US" smtClean="0"/>
+              <a:t>单击此处编辑母版文本样式</a:t>
+            </a:r>
+          </a:p>
+        </p:txBody>
+      </p:sp>
+      <p:sp>
+        <p:nvSpPr>
+          <p:cNvPr id="5" name="Text Placeholder 4"/>
+          <p:cNvSpPr>
+            <a:spLocks noGrp="1"/>
+          </p:cNvSpPr>
+          <p:nvPr>
+            <p:ph type="body" sz="quarter" idx="3"/>
+          </p:nvPr>
+        </p:nvSpPr>
+        <p:spPr>
+          <a:xfrm>
+            <a:off x="4648201" y="1200150"/>
+            <a:ext cx="4041775" cy="457200"/>
+          </a:xfrm>
+        </p:spPr>
+        <p:txBody>
+          <a:bodyPr anchor="b">
+            <a:noAutofit/>
+          </a:bodyPr>
+          <a:lstStyle>
+            <a:lvl1pPr marL="0" indent="0" algn="ctr">
+              <a:buNone/>
+              <a:defRPr sz="2400" b="0"/>
+            </a:lvl1pPr>
+            <a:lvl2pPr marL="457200" indent="0">
+              <a:buNone/>
+              <a:defRPr sz="2000" b="1"/>
+            </a:lvl2pPr>
+            <a:lvl3pPr marL="914400" indent="0">
+              <a:buNone/>
+              <a:defRPr sz="1800" b="1"/>
+            </a:lvl3pPr>
+            <a:lvl4pPr marL="1371600" indent="0">
+              <a:buNone/>
+              <a:defRPr sz="1600" b="1"/>
+            </a:lvl4pPr>
+            <a:lvl5pPr marL="1828800" indent="0">
+              <a:buNone/>
+              <a:defRPr sz="1600" b="1"/>
+            </a:lvl5pPr>
+            <a:lvl6pPr marL="2286000" indent="0">
+              <a:buNone/>
+              <a:defRPr sz="1600" b="1"/>
+            </a:lvl6pPr>
+            <a:lvl7pPr marL="2743200" indent="0">
+              <a:buNone/>
+              <a:defRPr sz="1600" b="1"/>
+            </a:lvl7pPr>
+            <a:lvl8pPr marL="3200400" indent="0">
+              <a:buNone/>
+              <a:defRPr sz="1600" b="1"/>
+            </a:lvl8pPr>
+            <a:lvl9pPr marL="3657600" indent="0">
+              <a:buNone/>
+              <a:defRPr sz="1600" b="1"/>
+            </a:lvl9pPr>
+          </a:lstStyle>
+          <a:p>
+            <a:pPr lvl="0"/>
+            <a:r>
+              <a:rPr lang="zh-CN" altLang="en-US" smtClean="0"/>
+              <a:t>单击此处编辑母版文本样式</a:t>
+            </a:r>
+          </a:p>
+        </p:txBody>
+      </p:sp>
+      <p:sp>
+        <p:nvSpPr>
+          <p:cNvPr id="7" name="Date Placeholder 6"/>
+          <p:cNvSpPr>
+            <a:spLocks noGrp="1"/>
+          </p:cNvSpPr>
+          <p:nvPr>
+            <p:ph type="dt" sz="half" idx="10"/>
+          </p:nvPr>
+        </p:nvSpPr>
+        <p:spPr/>
+        <p:txBody>
+          <a:bodyPr/>
+          <a:lstStyle/>
+          <a:p>
+            <a:fld id="{530820CF-B880-4189-942D-D702A7CBA730}" type="datetimeFigureOut">
+              <a:rPr lang="zh-CN" altLang="en-US" smtClean="0"/>
+              <a:t>2020/1/9</a:t>
+            </a:fld>
+            <a:endParaRPr lang="zh-CN" altLang="en-US"/>
+          </a:p>
+        </p:txBody>
+      </p:sp>
+      <p:sp>
+        <p:nvSpPr>
+          <p:cNvPr id="8" name="Footer Placeholder 7"/>
+          <p:cNvSpPr>
+            <a:spLocks noGrp="1"/>
+          </p:cNvSpPr>
+          <p:nvPr>
+            <p:ph type="ftr" sz="quarter" idx="11"/>
+          </p:nvPr>
+        </p:nvSpPr>
+        <p:spPr/>
+        <p:txBody>
+          <a:bodyPr/>
+          <a:lstStyle/>
+          <a:p>
+            <a:endParaRPr lang="zh-CN" altLang="en-US"/>
+          </a:p>
+        </p:txBody>
+      </p:sp>
+      <p:sp>
+        <p:nvSpPr>
+          <p:cNvPr id="9" name="Slide Number Placeholder 8"/>
+          <p:cNvSpPr>
+            <a:spLocks noGrp="1"/>
+          </p:cNvSpPr>
+          <p:nvPr>
+            <p:ph type="sldNum" sz="quarter" idx="12"/>
+          </p:nvPr>
+        </p:nvSpPr>
+        <p:spPr/>
+        <p:txBody>
+          <a:bodyPr/>
+          <a:lstStyle/>
+          <a:p>
+            <a:fld id="{0C913308-F349-4B6D-A68A-DD1791B4A57B}" type="slidenum">
+              <a:rPr lang="zh-CN" altLang="en-US" smtClean="0"/>
+              <a:t>‹#›</a:t>
+            </a:fld>
+            <a:endParaRPr lang="zh-CN" altLang="en-US"/>
+          </a:p>
+        </p:txBody>
+      </p:sp>
+      <p:sp>
+        <p:nvSpPr>
+          <p:cNvPr id="11" name="Content Placeholder 10"/>
+          <p:cNvSpPr>
+            <a:spLocks noGrp="1"/>
+          </p:cNvSpPr>
+          <p:nvPr>
+            <p:ph sz="quarter" idx="13"/>
+          </p:nvPr>
+        </p:nvSpPr>
+        <p:spPr>
+          <a:xfrm>
+            <a:off x="457200" y="1659636"/>
+            <a:ext cx="4041648" cy="2935224"/>
+          </a:xfrm>
+        </p:spPr>
+        <p:txBody>
+          <a:bodyPr/>
+          <a:lstStyle/>
+          <a:p>
+            <a:pPr lvl="0"/>
+            <a:r>
+              <a:rPr lang="zh-CN" altLang="en-US" smtClean="0"/>
+              <a:t>单击此处编辑母版文本样式</a:t>
+            </a:r>
+          </a:p>
+          <a:p>
+            <a:pPr lvl="1"/>
+            <a:r>
+              <a:rPr lang="zh-CN" altLang="en-US" smtClean="0"/>
+              <a:t>第二级</a:t>
+            </a:r>
+          </a:p>
+          <a:p>
+            <a:pPr lvl="2"/>
+            <a:r>
+              <a:rPr lang="zh-CN" altLang="en-US" smtClean="0"/>
+              <a:t>第三级</a:t>
+            </a:r>
+          </a:p>
+          <a:p>
+            <a:pPr lvl="3"/>
+            <a:r>
+              <a:rPr lang="zh-CN" altLang="en-US" smtClean="0"/>
+              <a:t>第四级</a:t>
+            </a:r>
+          </a:p>
+          <a:p>
+            <a:pPr lvl="4"/>
+            <a:r>
+              <a:rPr lang="zh-CN" altLang="en-US" smtClean="0"/>
+              <a:t>第五级</a:t>
+            </a:r>
+            <a:endParaRPr lang="en-US" dirty="0"/>
+          </a:p>
+        </p:txBody>
+      </p:sp>
+      <p:sp>
+        <p:nvSpPr>
+          <p:cNvPr id="13" name="Content Placeholder 12"/>
+          <p:cNvSpPr>
+            <a:spLocks noGrp="1"/>
+          </p:cNvSpPr>
+          <p:nvPr>
+            <p:ph sz="quarter" idx="14"/>
+          </p:nvPr>
+        </p:nvSpPr>
+        <p:spPr>
+          <a:xfrm>
+            <a:off x="4672584" y="1659637"/>
+            <a:ext cx="4041648" cy="2934890"/>
+          </a:xfrm>
+        </p:spPr>
+        <p:txBody>
+          <a:bodyPr/>
+          <a:lstStyle/>
+          <a:p>
+            <a:pPr lvl="0"/>
+            <a:r>
+              <a:rPr lang="zh-CN" altLang="en-US" smtClean="0"/>
+              <a:t>单击此处编辑母版文本样式</a:t>
+            </a:r>
+          </a:p>
+          <a:p>
+            <a:pPr lvl="1"/>
+            <a:r>
+              <a:rPr lang="zh-CN" altLang="en-US" smtClean="0"/>
+              <a:t>第二级</a:t>
+            </a:r>
+          </a:p>
+          <a:p>
+            <a:pPr lvl="2"/>
+            <a:r>
+              <a:rPr lang="zh-CN" altLang="en-US" smtClean="0"/>
+              <a:t>第三级</a:t>
+            </a:r>
+          </a:p>
+          <a:p>
+            <a:pPr lvl="3"/>
+            <a:r>
+              <a:rPr lang="zh-CN" altLang="en-US" smtClean="0"/>
+              <a:t>第四级</a:t>
+            </a:r>
+          </a:p>
+          <a:p>
+            <a:pPr lvl="4"/>
+            <a:r>
+              <a:rPr lang="zh-CN" altLang="en-US" smtClean="0"/>
+              <a:t>第五级</a:t>
+            </a:r>
+            <a:endParaRPr lang="en-US" dirty="0"/>
+          </a:p>
+        </p:txBody>
+      </p:sp>
+    </p:spTree>
+  </p:cSld>
+  <p:clrMapOvr>
+    <a:masterClrMapping/>
+  </p:clrMapOvr>
+</p:sldLayout>
+</file>
+
+<file path=ppt/slideLayouts/slideLayout6.xml><?xml version="1.0" encoding="utf-8"?>
+<p:sldLayout xmlns:a="http://schemas.openxmlformats.org/drawingml/2006/main" xmlns:r="http://schemas.openxmlformats.org/officeDocument/2006/relationships" xmlns:p="http://schemas.openxmlformats.org/presentationml/2006/main" type="titleOnly" preserve="1">
+  <p:cSld name="仅标题">
+    <p:spTree>
+      <p:nvGrpSpPr>
+        <p:cNvPr id="1" name=""/>
+        <p:cNvGrpSpPr/>
+        <p:nvPr/>
+      </p:nvGrpSpPr>
+      <p:grpSpPr>
+        <a:xfrm>
+          <a:off x="0" y="0"/>
+          <a:ext cx="0" cy="0"/>
+          <a:chOff x="0" y="0"/>
+          <a:chExt cx="0" cy="0"/>
+        </a:xfrm>
+      </p:grpSpPr>
+      <p:sp>
+        <p:nvSpPr>
+          <p:cNvPr id="2" name="Title 1"/>
+          <p:cNvSpPr>
+            <a:spLocks noGrp="1"/>
+          </p:cNvSpPr>
+          <p:nvPr>
+            <p:ph type="title"/>
+          </p:nvPr>
+        </p:nvSpPr>
+        <p:spPr/>
+        <p:txBody>
+          <a:bodyPr/>
+          <a:lstStyle/>
+          <a:p>
+            <a:r>
+              <a:rPr lang="zh-CN" altLang="en-US" smtClean="0"/>
+              <a:t>单击此处编辑母版标题样式</a:t>
+            </a:r>
+            <a:endParaRPr lang="en-US" dirty="0"/>
+          </a:p>
+        </p:txBody>
+      </p:sp>
+      <p:sp>
+        <p:nvSpPr>
+          <p:cNvPr id="3" name="Date Placeholder 2"/>
+          <p:cNvSpPr>
+            <a:spLocks noGrp="1"/>
+          </p:cNvSpPr>
+          <p:nvPr>
+            <p:ph type="dt" sz="half" idx="10"/>
+          </p:nvPr>
+        </p:nvSpPr>
+        <p:spPr/>
+        <p:txBody>
+          <a:bodyPr/>
+          <a:lstStyle/>
+          <a:p>
+            <a:fld id="{530820CF-B880-4189-942D-D702A7CBA730}" type="datetimeFigureOut">
+              <a:rPr lang="zh-CN" altLang="en-US" smtClean="0"/>
+              <a:t>2020/1/9</a:t>
+            </a:fld>
+            <a:endParaRPr lang="zh-CN" altLang="en-US"/>
+          </a:p>
+        </p:txBody>
+      </p:sp>
+      <p:sp>
+        <p:nvSpPr>
+          <p:cNvPr id="4" name="Footer Placeholder 3"/>
+          <p:cNvSpPr>
+            <a:spLocks noGrp="1"/>
+          </p:cNvSpPr>
+          <p:nvPr>
+            <p:ph type="ftr" sz="quarter" idx="11"/>
+          </p:nvPr>
+        </p:nvSpPr>
+        <p:spPr/>
+        <p:txBody>
+          <a:bodyPr/>
+          <a:lstStyle/>
+          <a:p>
+            <a:endParaRPr lang="zh-CN" altLang="en-US"/>
+          </a:p>
+        </p:txBody>
+      </p:sp>
+      <p:sp>
+        <p:nvSpPr>
+          <p:cNvPr id="5" name="Slide Number Placeholder 4"/>
+          <p:cNvSpPr>
+            <a:spLocks noGrp="1"/>
+          </p:cNvSpPr>
+          <p:nvPr>
+            <p:ph type="sldNum" sz="quarter" idx="12"/>
+          </p:nvPr>
+        </p:nvSpPr>
+        <p:spPr/>
+        <p:txBody>
+          <a:bodyPr/>
+          <a:lstStyle/>
+          <a:p>
+            <a:fld id="{0C913308-F349-4B6D-A68A-DD1791B4A57B}" type="slidenum">
+              <a:rPr lang="zh-CN" altLang="en-US" smtClean="0"/>
+              <a:t>‹#›</a:t>
+            </a:fld>
+            <a:endParaRPr lang="zh-CN" altLang="en-US"/>
+          </a:p>
+        </p:txBody>
+      </p:sp>
+    </p:spTree>
+  </p:cSld>
+  <p:clrMapOvr>
+    <a:masterClrMapping/>
+  </p:clrMapOvr>
+</p:sldLayout>
+</file>
+
+<file path=ppt/slideLayouts/slideLayout7.xml><?xml version="1.0" encoding="utf-8"?>
+<p:sldLayout xmlns:a="http://schemas.openxmlformats.org/drawingml/2006/main" xmlns:r="http://schemas.openxmlformats.org/officeDocument/2006/relationships" xmlns:p="http://schemas.openxmlformats.org/presentationml/2006/main" type="blank" preserve="1">
+  <p:cSld name="空白">
+    <p:spTree>
+      <p:nvGrpSpPr>
+        <p:cNvPr id="1" name=""/>
+        <p:cNvGrpSpPr/>
+        <p:nvPr/>
+      </p:nvGrpSpPr>
+      <p:grpSpPr>
+        <a:xfrm>
+          <a:off x="0" y="0"/>
+          <a:ext cx="0" cy="0"/>
+          <a:chOff x="0" y="0"/>
+          <a:chExt cx="0" cy="0"/>
+        </a:xfrm>
+      </p:grpSpPr>
+      <p:sp>
+        <p:nvSpPr>
+          <p:cNvPr id="2" name="Date Placeholder 1"/>
+          <p:cNvSpPr>
+            <a:spLocks noGrp="1"/>
+          </p:cNvSpPr>
+          <p:nvPr>
+            <p:ph type="dt" sz="half" idx="10"/>
+          </p:nvPr>
+        </p:nvSpPr>
+        <p:spPr/>
+        <p:txBody>
+          <a:bodyPr/>
+          <a:lstStyle/>
+          <a:p>
+            <a:fld id="{530820CF-B880-4189-942D-D702A7CBA730}" type="datetimeFigureOut">
+              <a:rPr lang="zh-CN" altLang="en-US" smtClean="0"/>
+              <a:t>2020/1/9</a:t>
+            </a:fld>
+            <a:endParaRPr lang="zh-CN" altLang="en-US"/>
+          </a:p>
+        </p:txBody>
+      </p:sp>
+      <p:sp>
+        <p:nvSpPr>
+          <p:cNvPr id="3" name="Footer Placeholder 2"/>
+          <p:cNvSpPr>
+            <a:spLocks noGrp="1"/>
+          </p:cNvSpPr>
+          <p:nvPr>
+            <p:ph type="ftr" sz="quarter" idx="11"/>
+          </p:nvPr>
+        </p:nvSpPr>
+        <p:spPr/>
+        <p:txBody>
+          <a:bodyPr/>
+          <a:lstStyle/>
+          <a:p>
+            <a:endParaRPr lang="zh-CN" altLang="en-US"/>
+          </a:p>
+        </p:txBody>
+      </p:sp>
+      <p:sp>
+        <p:nvSpPr>
+          <p:cNvPr id="4" name="Slide Number Placeholder 3"/>
+          <p:cNvSpPr>
+            <a:spLocks noGrp="1"/>
+          </p:cNvSpPr>
+          <p:nvPr>
+            <p:ph type="sldNum" sz="quarter" idx="12"/>
+          </p:nvPr>
+        </p:nvSpPr>
+        <p:spPr/>
+        <p:txBody>
+          <a:bodyPr/>
+          <a:lstStyle/>
+          <a:p>
+            <a:fld id="{0C913308-F349-4B6D-A68A-DD1791B4A57B}" type="slidenum">
+              <a:rPr lang="zh-CN" altLang="en-US" smtClean="0"/>
+              <a:t>‹#›</a:t>
+            </a:fld>
+            <a:endParaRPr lang="zh-CN" altLang="en-US"/>
+          </a:p>
+        </p:txBody>
+      </p:sp>
+    </p:spTree>
+  </p:cSld>
+  <p:clrMapOvr>
+    <a:masterClrMapping/>
+  </p:clrMapOvr>
+</p:sldLayout>
+</file>
+
+<file path=ppt/slideLayouts/slideLayout8.xml><?xml version="1.0" encoding="utf-8"?>
+<p:sldLayout xmlns:a="http://schemas.openxmlformats.org/drawingml/2006/main" xmlns:r="http://schemas.openxmlformats.org/officeDocument/2006/relationships" xmlns:p="http://schemas.openxmlformats.org/presentationml/2006/main" type="objTx" preserve="1">
+  <p:cSld name="内容与标题">
+    <p:spTree>
+      <p:nvGrpSpPr>
+        <p:cNvPr id="1" name=""/>
+        <p:cNvGrpSpPr/>
+        <p:nvPr/>
+      </p:nvGrpSpPr>
+      <p:grpSpPr>
+        <a:xfrm>
+          <a:off x="0" y="0"/>
+          <a:ext cx="0" cy="0"/>
+          <a:chOff x="0" y="0"/>
+          <a:chExt cx="0" cy="0"/>
+        </a:xfrm>
+      </p:grpSpPr>
+      <p:sp>
+        <p:nvSpPr>
+          <p:cNvPr id="2" name="Title 1"/>
+          <p:cNvSpPr>
+            <a:spLocks noGrp="1"/>
+          </p:cNvSpPr>
+          <p:nvPr>
+            <p:ph type="title"/>
+          </p:nvPr>
+        </p:nvSpPr>
+        <p:spPr>
+          <a:xfrm>
+            <a:off x="5907088" y="200025"/>
+            <a:ext cx="3008313" cy="1571625"/>
+          </a:xfrm>
+        </p:spPr>
+        <p:txBody>
+          <a:bodyPr anchor="b"/>
+          <a:lstStyle>
+            <a:lvl1pPr algn="ctr">
+              <a:lnSpc>
+                <a:spcPct val="100000"/>
+              </a:lnSpc>
+              <a:defRPr sz="2800" b="0">
+                <a:effectLst>
+                  <a:outerShdw blurRad="50800" dist="25400" dir="5400000" algn="t" rotWithShape="0">
+                    <a:prstClr val="black">
+                      <a:alpha val="25000"/>
+                    </a:prstClr>
+                  </a:outerShdw>
+                </a:effectLst>
+              </a:defRPr>
+            </a:lvl1pPr>
+          </a:lstStyle>
+          <a:p>
+            <a:r>
+              <a:rPr lang="zh-CN" altLang="en-US" smtClean="0"/>
+              <a:t>单击此处编辑母版标题样式</a:t>
+            </a:r>
+            <a:endParaRPr lang="en-US" dirty="0"/>
+          </a:p>
+        </p:txBody>
+      </p:sp>
+      <p:sp>
+        <p:nvSpPr>
+          <p:cNvPr id="3" name="Content Placeholder 2"/>
+          <p:cNvSpPr>
+            <a:spLocks noGrp="1"/>
+          </p:cNvSpPr>
+          <p:nvPr>
+            <p:ph idx="1"/>
+          </p:nvPr>
+        </p:nvSpPr>
+        <p:spPr>
+          <a:xfrm>
+            <a:off x="719138" y="204788"/>
+            <a:ext cx="4995863" cy="4389835"/>
+          </a:xfrm>
+        </p:spPr>
+        <p:txBody>
+          <a:bodyPr/>
+          <a:lstStyle>
+            <a:lvl1pPr>
+              <a:defRPr sz="3200"/>
+            </a:lvl1pPr>
+            <a:lvl2pPr>
+              <a:defRPr sz="2800"/>
+            </a:lvl2pPr>
+            <a:lvl3pPr>
+              <a:defRPr sz="2400"/>
+            </a:lvl3pPr>
+            <a:lvl4pPr>
+              <a:defRPr sz="2000"/>
+            </a:lvl4pPr>
+            <a:lvl5pPr>
+              <a:defRPr sz="2000"/>
+            </a:lvl5pPr>
+            <a:lvl6pPr>
+              <a:defRPr sz="2000"/>
+            </a:lvl6pPr>
+            <a:lvl7pPr>
+              <a:defRPr sz="2000"/>
+            </a:lvl7pPr>
+            <a:lvl8pPr>
+              <a:defRPr sz="2000"/>
+            </a:lvl8pPr>
+            <a:lvl9pPr>
+              <a:defRPr sz="2000"/>
+            </a:lvl9pPr>
+          </a:lstStyle>
+          <a:p>
+            <a:pPr lvl="0"/>
+            <a:r>
+              <a:rPr lang="zh-CN" altLang="en-US" smtClean="0"/>
+              <a:t>单击此处编辑母版文本样式</a:t>
+            </a:r>
+          </a:p>
+          <a:p>
+            <a:pPr lvl="1"/>
+            <a:r>
+              <a:rPr lang="zh-CN" altLang="en-US" smtClean="0"/>
+              <a:t>第二级</a:t>
+            </a:r>
+          </a:p>
+          <a:p>
+            <a:pPr lvl="2"/>
+            <a:r>
+              <a:rPr lang="zh-CN" altLang="en-US" smtClean="0"/>
+              <a:t>第三级</a:t>
+            </a:r>
+          </a:p>
+          <a:p>
+            <a:pPr lvl="3"/>
+            <a:r>
+              <a:rPr lang="zh-CN" altLang="en-US" smtClean="0"/>
+              <a:t>第四级</a:t>
+            </a:r>
+          </a:p>
+          <a:p>
+            <a:pPr lvl="4"/>
+            <a:r>
+              <a:rPr lang="zh-CN" altLang="en-US" smtClean="0"/>
+              <a:t>第五级</a:t>
+            </a:r>
+            <a:endParaRPr lang="en-US" dirty="0"/>
+          </a:p>
+        </p:txBody>
+      </p:sp>
+      <p:sp>
+        <p:nvSpPr>
+          <p:cNvPr id="4" name="Text Placeholder 3"/>
+          <p:cNvSpPr>
+            <a:spLocks noGrp="1"/>
+          </p:cNvSpPr>
+          <p:nvPr>
+            <p:ph type="body" sz="half" idx="2"/>
+          </p:nvPr>
+        </p:nvSpPr>
+        <p:spPr>
+          <a:xfrm>
+            <a:off x="5907088" y="1828801"/>
+            <a:ext cx="3008313" cy="2765822"/>
+          </a:xfrm>
+        </p:spPr>
+        <p:txBody>
+          <a:bodyPr>
+            <a:normAutofit/>
+          </a:bodyPr>
+          <a:lstStyle>
+            <a:lvl1pPr marL="0" indent="0" algn="ctr">
+              <a:lnSpc>
+                <a:spcPct val="125000"/>
+              </a:lnSpc>
+              <a:buNone/>
+              <a:defRPr sz="1600"/>
+            </a:lvl1pPr>
+            <a:lvl2pPr marL="457200" indent="0">
+              <a:buNone/>
+              <a:defRPr sz="1200"/>
+            </a:lvl2pPr>
+            <a:lvl3pPr marL="914400" indent="0">
+              <a:buNone/>
+              <a:defRPr sz="1000"/>
+            </a:lvl3pPr>
+            <a:lvl4pPr marL="1371600" indent="0">
+              <a:buNone/>
+              <a:defRPr sz="900"/>
+            </a:lvl4pPr>
+            <a:lvl5pPr marL="1828800" indent="0">
+              <a:buNone/>
+              <a:defRPr sz="900"/>
+            </a:lvl5pPr>
+            <a:lvl6pPr marL="2286000" indent="0">
+              <a:buNone/>
+              <a:defRPr sz="900"/>
+            </a:lvl6pPr>
+            <a:lvl7pPr marL="2743200" indent="0">
+              <a:buNone/>
+              <a:defRPr sz="900"/>
+            </a:lvl7pPr>
+            <a:lvl8pPr marL="3200400" indent="0">
+              <a:buNone/>
+              <a:defRPr sz="900"/>
+            </a:lvl8pPr>
+            <a:lvl9pPr marL="3657600" indent="0">
+              <a:buNone/>
+              <a:defRPr sz="900"/>
+            </a:lvl9pPr>
+          </a:lstStyle>
+          <a:p>
+            <a:pPr lvl="0"/>
+            <a:r>
+              <a:rPr lang="zh-CN" altLang="en-US" smtClean="0"/>
+              <a:t>单击此处编辑母版文本样式</a:t>
+            </a:r>
+          </a:p>
+        </p:txBody>
+      </p:sp>
+      <p:sp>
+        <p:nvSpPr>
+          <p:cNvPr id="5" name="Date Placeholder 4"/>
+          <p:cNvSpPr>
+            <a:spLocks noGrp="1"/>
+          </p:cNvSpPr>
+          <p:nvPr>
+            <p:ph type="dt" sz="half" idx="10"/>
+          </p:nvPr>
+        </p:nvSpPr>
+        <p:spPr/>
+        <p:txBody>
+          <a:bodyPr/>
+          <a:lstStyle/>
+          <a:p>
+            <a:fld id="{530820CF-B880-4189-942D-D702A7CBA730}" type="datetimeFigureOut">
+              <a:rPr lang="zh-CN" altLang="en-US" smtClean="0"/>
+              <a:t>2020/1/9</a:t>
+            </a:fld>
+            <a:endParaRPr lang="zh-CN" altLang="en-US"/>
+          </a:p>
+        </p:txBody>
+      </p:sp>
+      <p:sp>
+        <p:nvSpPr>
+          <p:cNvPr id="6" name="Footer Placeholder 5"/>
+          <p:cNvSpPr>
+            <a:spLocks noGrp="1"/>
+          </p:cNvSpPr>
+          <p:nvPr>
+            <p:ph type="ftr" sz="quarter" idx="11"/>
+          </p:nvPr>
+        </p:nvSpPr>
+        <p:spPr/>
+        <p:txBody>
+          <a:bodyPr/>
+          <a:lstStyle/>
+          <a:p>
+            <a:endParaRPr lang="zh-CN" altLang="en-US"/>
+          </a:p>
+        </p:txBody>
+      </p:sp>
+      <p:sp>
+        <p:nvSpPr>
+          <p:cNvPr id="7" name="Slide Number Placeholder 6"/>
+          <p:cNvSpPr>
+            <a:spLocks noGrp="1"/>
+          </p:cNvSpPr>
+          <p:nvPr>
+            <p:ph type="sldNum" sz="quarter" idx="12"/>
+          </p:nvPr>
+        </p:nvSpPr>
+        <p:spPr/>
+        <p:txBody>
+          <a:bodyPr/>
+          <a:lstStyle/>
+          <a:p>
+            <a:fld id="{0C913308-F349-4B6D-A68A-DD1791B4A57B}" type="slidenum">
+              <a:rPr lang="zh-CN" altLang="en-US" smtClean="0"/>
+              <a:t>‹#›</a:t>
+            </a:fld>
+            <a:endParaRPr lang="zh-CN" altLang="en-US"/>
+          </a:p>
+        </p:txBody>
+      </p:sp>
+    </p:spTree>
+  </p:cSld>
+  <p:clrMapOvr>
+    <a:masterClrMapping/>
+  </p:clrMapOvr>
+</p:sldLayout>
+</file>
+
+<file path=ppt/slideLayouts/slideLayout9.xml><?xml version="1.0" encoding="utf-8"?>
+<p:sldLayout xmlns:a="http://schemas.openxmlformats.org/drawingml/2006/main" xmlns:r="http://schemas.openxmlformats.org/officeDocument/2006/relationships" xmlns:p="http://schemas.openxmlformats.org/presentationml/2006/main" type="picTx" preserve="1">
+  <p:cSld name="图片与标题">
+    <p:spTree>
+      <p:nvGrpSpPr>
+        <p:cNvPr id="1" name=""/>
+        <p:cNvGrpSpPr/>
+        <p:nvPr/>
+      </p:nvGrpSpPr>
+      <p:grpSpPr>
+        <a:xfrm>
+          <a:off x="0" y="0"/>
+          <a:ext cx="0" cy="0"/>
+          <a:chOff x="0" y="0"/>
+          <a:chExt cx="0" cy="0"/>
+        </a:xfrm>
+      </p:grpSpPr>
+      <p:sp>
+        <p:nvSpPr>
+          <p:cNvPr id="2" name="Title 1"/>
+          <p:cNvSpPr>
+            <a:spLocks noGrp="1"/>
+          </p:cNvSpPr>
+          <p:nvPr>
+            <p:ph type="title"/>
+          </p:nvPr>
+        </p:nvSpPr>
+        <p:spPr>
+          <a:xfrm>
+            <a:off x="1679576" y="171450"/>
+            <a:ext cx="5711824" cy="671513"/>
+          </a:xfrm>
+        </p:spPr>
+        <p:txBody>
+          <a:bodyPr anchor="b"/>
+          <a:lstStyle>
+            <a:lvl1pPr algn="ctr">
+              <a:lnSpc>
+                <a:spcPct val="100000"/>
+              </a:lnSpc>
+              <a:defRPr sz="2800" b="0"/>
+            </a:lvl1pPr>
+          </a:lstStyle>
+          <a:p>
+            <a:r>
+              <a:rPr lang="zh-CN" altLang="en-US" smtClean="0"/>
+              <a:t>单击此处编辑母版标题样式</a:t>
+            </a:r>
+            <a:endParaRPr lang="en-US" dirty="0"/>
+          </a:p>
+        </p:txBody>
+      </p:sp>
+      <p:sp>
+        <p:nvSpPr>
+          <p:cNvPr id="3" name="Picture Placeholder 2"/>
+          <p:cNvSpPr>
+            <a:spLocks noGrp="1"/>
+          </p:cNvSpPr>
+          <p:nvPr>
+            <p:ph type="pic" idx="1"/>
+          </p:nvPr>
+        </p:nvSpPr>
+        <p:spPr>
+          <a:xfrm>
+            <a:off x="1508126" y="857250"/>
+            <a:ext cx="6054724" cy="3405783"/>
+          </a:xfrm>
+          <a:ln w="76200">
+            <a:solidFill>
+              <a:schemeClr val="bg1"/>
+            </a:solidFill>
+          </a:ln>
+          <a:effectLst>
+            <a:outerShdw blurRad="88900" dist="50800" dir="5400000" algn="ctr" rotWithShape="0">
+              <a:srgbClr val="000000">
+                <a:alpha val="25000"/>
+              </a:srgbClr>
+            </a:outerShdw>
+          </a:effectLst>
+        </p:spPr>
+        <p:txBody>
+          <a:bodyPr anchor="t"/>
+          <a:lstStyle>
+            <a:lvl1pPr marL="0" indent="0" algn="ctr">
+              <a:buNone/>
+              <a:defRPr sz="3200"/>
+            </a:lvl1pPr>
+            <a:lvl2pPr marL="457200" indent="0">
+              <a:buNone/>
+              <a:defRPr sz="2800"/>
+            </a:lvl2pPr>
+            <a:lvl3pPr marL="914400" indent="0">
+              <a:buNone/>
+              <a:defRPr sz="2400"/>
+            </a:lvl3pPr>
+            <a:lvl4pPr marL="1371600" indent="0">
+              <a:buNone/>
+              <a:defRPr sz="2000"/>
+            </a:lvl4pPr>
+            <a:lvl5pPr marL="1828800" indent="0">
+              <a:buNone/>
+              <a:defRPr sz="2000"/>
+            </a:lvl5pPr>
+            <a:lvl6pPr marL="2286000" indent="0">
+              <a:buNone/>
+              <a:defRPr sz="2000"/>
+            </a:lvl6pPr>
+            <a:lvl7pPr marL="2743200" indent="0">
+              <a:buNone/>
+              <a:defRPr sz="2000"/>
+            </a:lvl7pPr>
+            <a:lvl8pPr marL="3200400" indent="0">
+              <a:buNone/>
+              <a:defRPr sz="2000"/>
+            </a:lvl8pPr>
+            <a:lvl9pPr marL="3657600" indent="0">
+              <a:buNone/>
+              <a:defRPr sz="2000"/>
+            </a:lvl9pPr>
+          </a:lstStyle>
+          <a:p>
+            <a:r>
+              <a:rPr lang="zh-CN" altLang="en-US" smtClean="0"/>
+              <a:t>单击图标添加图片</a:t>
+            </a:r>
+            <a:endParaRPr lang="en-US" dirty="0"/>
+          </a:p>
+        </p:txBody>
+      </p:sp>
+      <p:sp>
+        <p:nvSpPr>
+          <p:cNvPr id="4" name="Text Placeholder 3"/>
+          <p:cNvSpPr>
+            <a:spLocks noGrp="1"/>
+          </p:cNvSpPr>
+          <p:nvPr>
+            <p:ph type="body" sz="half" idx="2"/>
+          </p:nvPr>
+        </p:nvSpPr>
+        <p:spPr>
+          <a:xfrm>
+            <a:off x="1679576" y="4357688"/>
+            <a:ext cx="5711824" cy="400050"/>
+          </a:xfrm>
+        </p:spPr>
+        <p:txBody>
+          <a:bodyPr>
+            <a:normAutofit/>
+          </a:bodyPr>
+          <a:lstStyle>
+            <a:lvl1pPr marL="0" indent="0" algn="ctr">
+              <a:buNone/>
+              <a:defRPr sz="1600"/>
+            </a:lvl1pPr>
+            <a:lvl2pPr marL="457200" indent="0">
+              <a:buNone/>
+              <a:defRPr sz="1200"/>
+            </a:lvl2pPr>
+            <a:lvl3pPr marL="914400" indent="0">
+              <a:buNone/>
+              <a:defRPr sz="1000"/>
+            </a:lvl3pPr>
+            <a:lvl4pPr marL="1371600" indent="0">
+              <a:buNone/>
+              <a:defRPr sz="900"/>
+            </a:lvl4pPr>
+            <a:lvl5pPr marL="1828800" indent="0">
+              <a:buNone/>
+              <a:defRPr sz="900"/>
+            </a:lvl5pPr>
+            <a:lvl6pPr marL="2286000" indent="0">
+              <a:buNone/>
+              <a:defRPr sz="900"/>
+            </a:lvl6pPr>
+            <a:lvl7pPr marL="2743200" indent="0">
+              <a:buNone/>
+              <a:defRPr sz="900"/>
+            </a:lvl7pPr>
+            <a:lvl8pPr marL="3200400" indent="0">
+              <a:buNone/>
+              <a:defRPr sz="900"/>
+            </a:lvl8pPr>
+            <a:lvl9pPr marL="3657600" indent="0">
+              <a:buNone/>
+              <a:defRPr sz="900"/>
+            </a:lvl9pPr>
+          </a:lstStyle>
+          <a:p>
+            <a:pPr lvl="0"/>
+            <a:r>
+              <a:rPr lang="zh-CN" altLang="en-US" smtClean="0"/>
+              <a:t>单击此处编辑母版文本样式</a:t>
+            </a:r>
+          </a:p>
+        </p:txBody>
+      </p:sp>
+      <p:sp>
+        <p:nvSpPr>
+          <p:cNvPr id="5" name="Date Placeholder 4"/>
+          <p:cNvSpPr>
+            <a:spLocks noGrp="1"/>
+          </p:cNvSpPr>
+          <p:nvPr>
+            <p:ph type="dt" sz="half" idx="10"/>
+          </p:nvPr>
+        </p:nvSpPr>
+        <p:spPr/>
+        <p:txBody>
+          <a:bodyPr/>
+          <a:lstStyle/>
+          <a:p>
+            <a:fld id="{530820CF-B880-4189-942D-D702A7CBA730}" type="datetimeFigureOut">
+              <a:rPr lang="zh-CN" altLang="en-US" smtClean="0"/>
+              <a:t>2020/1/9</a:t>
             </a:fld>
             <a:endParaRPr lang="zh-CN" altLang="en-US"/>
           </a:p>
@@ -11189,7 +12467,7 @@
           <a:p>
             <a:fld id="{530820CF-B880-4189-942D-D702A7CBA730}" type="datetimeFigureOut">
               <a:rPr lang="zh-CN" altLang="en-US" smtClean="0"/>
-              <a:t>2020-01-09</a:t>
+              <a:t>2020/1/9</a:t>
             </a:fld>
             <a:endParaRPr lang="zh-CN" altLang="en-US"/>
           </a:p>
@@ -11690,6 +12968,704 @@
 </p:sldMaster>
 </file>
 
+<file path=ppt/slideMasters/slideMaster2.xml><?xml version="1.0" encoding="utf-8"?>
+<p:sldMaster xmlns:a="http://schemas.openxmlformats.org/drawingml/2006/main" xmlns:r="http://schemas.openxmlformats.org/officeDocument/2006/relationships" xmlns:p="http://schemas.openxmlformats.org/presentationml/2006/main">
+  <p:cSld>
+    <p:bg>
+      <p:bgRef idx="1003">
+        <a:schemeClr val="bg2"/>
+      </p:bgRef>
+    </p:bg>
+    <p:spTree>
+      <p:nvGrpSpPr>
+        <p:cNvPr id="1" name=""/>
+        <p:cNvGrpSpPr/>
+        <p:nvPr/>
+      </p:nvGrpSpPr>
+      <p:grpSpPr>
+        <a:xfrm>
+          <a:off x="0" y="0"/>
+          <a:ext cx="0" cy="0"/>
+          <a:chOff x="0" y="0"/>
+          <a:chExt cx="0" cy="0"/>
+        </a:xfrm>
+      </p:grpSpPr>
+      <p:sp>
+        <p:nvSpPr>
+          <p:cNvPr id="2" name="Title Placeholder 1"/>
+          <p:cNvSpPr>
+            <a:spLocks noGrp="1"/>
+          </p:cNvSpPr>
+          <p:nvPr>
+            <p:ph type="title"/>
+          </p:nvPr>
+        </p:nvSpPr>
+        <p:spPr>
+          <a:xfrm>
+            <a:off x="457200" y="0"/>
+            <a:ext cx="8229600" cy="1200150"/>
+          </a:xfrm>
+          <a:prstGeom prst="rect">
+            <a:avLst/>
+          </a:prstGeom>
+        </p:spPr>
+        <p:txBody>
+          <a:bodyPr vert="horz" lIns="91440" tIns="45720" rIns="91440" bIns="45720" rtlCol="0" anchor="b">
+            <a:noAutofit/>
+          </a:bodyPr>
+          <a:lstStyle/>
+          <a:p>
+            <a:r>
+              <a:rPr lang="zh-CN" altLang="en-US" smtClean="0"/>
+              <a:t>单击此处编辑母版标题样式</a:t>
+            </a:r>
+            <a:endParaRPr lang="en-US" dirty="0"/>
+          </a:p>
+        </p:txBody>
+      </p:sp>
+      <p:sp>
+        <p:nvSpPr>
+          <p:cNvPr id="3" name="Text Placeholder 2"/>
+          <p:cNvSpPr>
+            <a:spLocks noGrp="1"/>
+          </p:cNvSpPr>
+          <p:nvPr>
+            <p:ph type="body" idx="1"/>
+          </p:nvPr>
+        </p:nvSpPr>
+        <p:spPr>
+          <a:xfrm>
+            <a:off x="457200" y="1200151"/>
+            <a:ext cx="8229600" cy="3394472"/>
+          </a:xfrm>
+          <a:prstGeom prst="rect">
+            <a:avLst/>
+          </a:prstGeom>
+        </p:spPr>
+        <p:txBody>
+          <a:bodyPr vert="horz" lIns="91440" tIns="45720" rIns="91440" bIns="45720" rtlCol="0">
+            <a:normAutofit/>
+          </a:bodyPr>
+          <a:lstStyle/>
+          <a:p>
+            <a:pPr lvl="0"/>
+            <a:r>
+              <a:rPr lang="zh-CN" altLang="en-US" smtClean="0"/>
+              <a:t>单击此处编辑母版文本样式</a:t>
+            </a:r>
+          </a:p>
+          <a:p>
+            <a:pPr lvl="1"/>
+            <a:r>
+              <a:rPr lang="zh-CN" altLang="en-US" smtClean="0"/>
+              <a:t>第二级</a:t>
+            </a:r>
+          </a:p>
+          <a:p>
+            <a:pPr lvl="2"/>
+            <a:r>
+              <a:rPr lang="zh-CN" altLang="en-US" smtClean="0"/>
+              <a:t>第三级</a:t>
+            </a:r>
+          </a:p>
+          <a:p>
+            <a:pPr lvl="3"/>
+            <a:r>
+              <a:rPr lang="zh-CN" altLang="en-US" smtClean="0"/>
+              <a:t>第四级</a:t>
+            </a:r>
+          </a:p>
+          <a:p>
+            <a:pPr lvl="4"/>
+            <a:r>
+              <a:rPr lang="zh-CN" altLang="en-US" smtClean="0"/>
+              <a:t>第五级</a:t>
+            </a:r>
+            <a:endParaRPr lang="en-US" dirty="0" smtClean="0"/>
+          </a:p>
+        </p:txBody>
+      </p:sp>
+      <p:sp>
+        <p:nvSpPr>
+          <p:cNvPr id="4" name="Date Placeholder 3"/>
+          <p:cNvSpPr>
+            <a:spLocks noGrp="1"/>
+          </p:cNvSpPr>
+          <p:nvPr>
+            <p:ph type="dt" sz="half" idx="2"/>
+          </p:nvPr>
+        </p:nvSpPr>
+        <p:spPr>
+          <a:xfrm>
+            <a:off x="6363348" y="4767263"/>
+            <a:ext cx="2085975" cy="273844"/>
+          </a:xfrm>
+          <a:prstGeom prst="rect">
+            <a:avLst/>
+          </a:prstGeom>
+        </p:spPr>
+        <p:txBody>
+          <a:bodyPr vert="horz" lIns="91440" tIns="45720" rIns="45720" bIns="45720" rtlCol="0" anchor="ctr"/>
+          <a:lstStyle>
+            <a:lvl1pPr algn="r">
+              <a:defRPr sz="1200">
+                <a:solidFill>
+                  <a:schemeClr val="tx1">
+                    <a:lumMod val="65000"/>
+                    <a:lumOff val="35000"/>
+                  </a:schemeClr>
+                </a:solidFill>
+                <a:latin typeface="Century Gothic" pitchFamily="34" charset="0"/>
+              </a:defRPr>
+            </a:lvl1pPr>
+          </a:lstStyle>
+          <a:p>
+            <a:fld id="{530820CF-B880-4189-942D-D702A7CBA730}" type="datetimeFigureOut">
+              <a:rPr lang="zh-CN" altLang="en-US" smtClean="0">
+                <a:solidFill>
+                  <a:prstClr val="white">
+                    <a:lumMod val="65000"/>
+                    <a:lumOff val="35000"/>
+                  </a:prstClr>
+                </a:solidFill>
+              </a:rPr>
+              <a:pPr/>
+              <a:t>2020/1/9</a:t>
+            </a:fld>
+            <a:endParaRPr lang="zh-CN" altLang="en-US">
+              <a:solidFill>
+                <a:prstClr val="white">
+                  <a:lumMod val="65000"/>
+                  <a:lumOff val="35000"/>
+                </a:prstClr>
+              </a:solidFill>
+            </a:endParaRPr>
+          </a:p>
+        </p:txBody>
+      </p:sp>
+      <p:sp>
+        <p:nvSpPr>
+          <p:cNvPr id="5" name="Footer Placeholder 4"/>
+          <p:cNvSpPr>
+            <a:spLocks noGrp="1"/>
+          </p:cNvSpPr>
+          <p:nvPr>
+            <p:ph type="ftr" sz="quarter" idx="3"/>
+          </p:nvPr>
+        </p:nvSpPr>
+        <p:spPr>
+          <a:xfrm>
+            <a:off x="659166" y="4767263"/>
+            <a:ext cx="2847975" cy="273844"/>
+          </a:xfrm>
+          <a:prstGeom prst="rect">
+            <a:avLst/>
+          </a:prstGeom>
+        </p:spPr>
+        <p:txBody>
+          <a:bodyPr vert="horz" lIns="45720" tIns="45720" rIns="91440" bIns="45720" rtlCol="0" anchor="ctr"/>
+          <a:lstStyle>
+            <a:lvl1pPr algn="l">
+              <a:defRPr sz="1200">
+                <a:solidFill>
+                  <a:schemeClr val="tx1">
+                    <a:lumMod val="65000"/>
+                    <a:lumOff val="35000"/>
+                  </a:schemeClr>
+                </a:solidFill>
+                <a:latin typeface="Century Gothic" pitchFamily="34" charset="0"/>
+              </a:defRPr>
+            </a:lvl1pPr>
+          </a:lstStyle>
+          <a:p>
+            <a:endParaRPr lang="zh-CN" altLang="en-US">
+              <a:solidFill>
+                <a:prstClr val="white">
+                  <a:lumMod val="65000"/>
+                  <a:lumOff val="35000"/>
+                </a:prstClr>
+              </a:solidFill>
+            </a:endParaRPr>
+          </a:p>
+        </p:txBody>
+      </p:sp>
+      <p:sp>
+        <p:nvSpPr>
+          <p:cNvPr id="6" name="Slide Number Placeholder 5"/>
+          <p:cNvSpPr>
+            <a:spLocks noGrp="1"/>
+          </p:cNvSpPr>
+          <p:nvPr>
+            <p:ph type="sldNum" sz="quarter" idx="4"/>
+          </p:nvPr>
+        </p:nvSpPr>
+        <p:spPr>
+          <a:xfrm>
+            <a:off x="8543279" y="4767263"/>
+            <a:ext cx="561975" cy="273844"/>
+          </a:xfrm>
+          <a:prstGeom prst="rect">
+            <a:avLst/>
+          </a:prstGeom>
+        </p:spPr>
+        <p:txBody>
+          <a:bodyPr vert="horz" lIns="27432" tIns="45720" rIns="45720" bIns="45720" rtlCol="0" anchor="ctr"/>
+          <a:lstStyle>
+            <a:lvl1pPr algn="l">
+              <a:defRPr sz="1200">
+                <a:solidFill>
+                  <a:schemeClr val="tx1">
+                    <a:lumMod val="65000"/>
+                    <a:lumOff val="35000"/>
+                  </a:schemeClr>
+                </a:solidFill>
+                <a:latin typeface="Century Gothic" pitchFamily="34" charset="0"/>
+              </a:defRPr>
+            </a:lvl1pPr>
+          </a:lstStyle>
+          <a:p>
+            <a:fld id="{0C913308-F349-4B6D-A68A-DD1791B4A57B}" type="slidenum">
+              <a:rPr lang="zh-CN" altLang="en-US" smtClean="0">
+                <a:solidFill>
+                  <a:prstClr val="white">
+                    <a:lumMod val="65000"/>
+                    <a:lumOff val="35000"/>
+                  </a:prstClr>
+                </a:solidFill>
+              </a:rPr>
+              <a:pPr/>
+              <a:t>‹#›</a:t>
+            </a:fld>
+            <a:endParaRPr lang="zh-CN" altLang="en-US">
+              <a:solidFill>
+                <a:prstClr val="white">
+                  <a:lumMod val="65000"/>
+                  <a:lumOff val="35000"/>
+                </a:prstClr>
+              </a:solidFill>
+            </a:endParaRPr>
+          </a:p>
+        </p:txBody>
+      </p:sp>
+      <p:sp>
+        <p:nvSpPr>
+          <p:cNvPr id="7" name="Oval 6"/>
+          <p:cNvSpPr/>
+          <p:nvPr/>
+        </p:nvSpPr>
+        <p:spPr>
+          <a:xfrm>
+            <a:off x="8457760" y="4874538"/>
+            <a:ext cx="84772" cy="63579"/>
+          </a:xfrm>
+          <a:prstGeom prst="ellipse">
+            <a:avLst/>
+          </a:prstGeom>
+          <a:solidFill>
+            <a:schemeClr val="tx1">
+              <a:lumMod val="50000"/>
+              <a:lumOff val="50000"/>
+            </a:schemeClr>
+          </a:solidFill>
+          <a:ln w="12700">
+            <a:noFill/>
+          </a:ln>
+          <a:effectLst/>
+        </p:spPr>
+        <p:style>
+          <a:lnRef idx="2">
+            <a:schemeClr val="accent1">
+              <a:shade val="50000"/>
+            </a:schemeClr>
+          </a:lnRef>
+          <a:fillRef idx="1">
+            <a:schemeClr val="accent1"/>
+          </a:fillRef>
+          <a:effectRef idx="0">
+            <a:schemeClr val="accent1"/>
+          </a:effectRef>
+          <a:fontRef idx="minor">
+            <a:schemeClr val="lt1"/>
+          </a:fontRef>
+        </p:style>
+        <p:txBody>
+          <a:bodyPr rtlCol="0" anchor="ctr"/>
+          <a:lstStyle/>
+          <a:p>
+            <a:pPr algn="ctr"/>
+            <a:endParaRPr lang="en-US" dirty="0">
+              <a:solidFill>
+                <a:prstClr val="white"/>
+              </a:solidFill>
+            </a:endParaRPr>
+          </a:p>
+        </p:txBody>
+      </p:sp>
+      <p:sp>
+        <p:nvSpPr>
+          <p:cNvPr id="8" name="Oval 7"/>
+          <p:cNvSpPr/>
+          <p:nvPr/>
+        </p:nvSpPr>
+        <p:spPr>
+          <a:xfrm>
+            <a:off x="569119" y="4874538"/>
+            <a:ext cx="84772" cy="63579"/>
+          </a:xfrm>
+          <a:prstGeom prst="ellipse">
+            <a:avLst/>
+          </a:prstGeom>
+          <a:solidFill>
+            <a:schemeClr val="tx1">
+              <a:lumMod val="50000"/>
+              <a:lumOff val="50000"/>
+            </a:schemeClr>
+          </a:solidFill>
+          <a:ln w="12700">
+            <a:noFill/>
+          </a:ln>
+          <a:effectLst/>
+        </p:spPr>
+        <p:style>
+          <a:lnRef idx="2">
+            <a:schemeClr val="accent1">
+              <a:shade val="50000"/>
+            </a:schemeClr>
+          </a:lnRef>
+          <a:fillRef idx="1">
+            <a:schemeClr val="accent1"/>
+          </a:fillRef>
+          <a:effectRef idx="0">
+            <a:schemeClr val="accent1"/>
+          </a:effectRef>
+          <a:fontRef idx="minor">
+            <a:schemeClr val="lt1"/>
+          </a:fontRef>
+        </p:style>
+        <p:txBody>
+          <a:bodyPr rtlCol="0" anchor="ctr"/>
+          <a:lstStyle/>
+          <a:p>
+            <a:pPr algn="ctr"/>
+            <a:endParaRPr lang="en-US" dirty="0">
+              <a:solidFill>
+                <a:prstClr val="white"/>
+              </a:solidFill>
+            </a:endParaRPr>
+          </a:p>
+        </p:txBody>
+      </p:sp>
+    </p:spTree>
+    <p:extLst>
+      <p:ext uri="{BB962C8B-B14F-4D97-AF65-F5344CB8AC3E}">
+        <p14:creationId xmlns:p14="http://schemas.microsoft.com/office/powerpoint/2010/main" val="1422444064"/>
+      </p:ext>
+    </p:extLst>
+  </p:cSld>
+  <p:clrMap bg1="dk1" tx1="lt1" bg2="dk2" tx2="lt2" accent1="accent1" accent2="accent2" accent3="accent3" accent4="accent4" accent5="accent5" accent6="accent6" hlink="hlink" folHlink="folHlink"/>
+  <p:sldLayoutIdLst>
+    <p:sldLayoutId id="2147483661" r:id="rId1"/>
+    <p:sldLayoutId id="2147483662" r:id="rId2"/>
+    <p:sldLayoutId id="2147483663" r:id="rId3"/>
+    <p:sldLayoutId id="2147483664" r:id="rId4"/>
+    <p:sldLayoutId id="2147483665" r:id="rId5"/>
+    <p:sldLayoutId id="2147483666" r:id="rId6"/>
+    <p:sldLayoutId id="2147483667" r:id="rId7"/>
+    <p:sldLayoutId id="2147483668" r:id="rId8"/>
+    <p:sldLayoutId id="2147483669" r:id="rId9"/>
+    <p:sldLayoutId id="2147483670" r:id="rId10"/>
+    <p:sldLayoutId id="2147483671" r:id="rId11"/>
+  </p:sldLayoutIdLst>
+  <p:txStyles>
+    <p:titleStyle>
+      <a:lvl1pPr algn="ctr" defTabSz="914400" rtl="0" eaLnBrk="1" latinLnBrk="0" hangingPunct="1">
+        <a:lnSpc>
+          <a:spcPts val="5800"/>
+        </a:lnSpc>
+        <a:spcBef>
+          <a:spcPct val="0"/>
+        </a:spcBef>
+        <a:buNone/>
+        <a:defRPr sz="5400" kern="1200">
+          <a:solidFill>
+            <a:schemeClr val="tx2"/>
+          </a:solidFill>
+          <a:effectLst>
+            <a:outerShdw blurRad="63500" dist="38100" dir="5400000" algn="t" rotWithShape="0">
+              <a:prstClr val="black">
+                <a:alpha val="25000"/>
+              </a:prstClr>
+            </a:outerShdw>
+          </a:effectLst>
+          <a:latin typeface="+mn-lt"/>
+          <a:ea typeface="+mj-ea"/>
+          <a:cs typeface="+mj-cs"/>
+        </a:defRPr>
+      </a:lvl1pPr>
+    </p:titleStyle>
+    <p:bodyStyle>
+      <a:lvl1pPr marL="342900" indent="-342900" algn="l" defTabSz="914400" rtl="0" eaLnBrk="1" latinLnBrk="0" hangingPunct="1">
+        <a:spcBef>
+          <a:spcPct val="20000"/>
+        </a:spcBef>
+        <a:buFont typeface="Arial" pitchFamily="34" charset="0"/>
+        <a:buChar char="•"/>
+        <a:defRPr sz="2400" kern="1200">
+          <a:solidFill>
+            <a:schemeClr val="tx1">
+              <a:lumMod val="50000"/>
+              <a:lumOff val="50000"/>
+            </a:schemeClr>
+          </a:solidFill>
+          <a:latin typeface="+mj-lt"/>
+          <a:ea typeface="+mn-ea"/>
+          <a:cs typeface="+mn-cs"/>
+        </a:defRPr>
+      </a:lvl1pPr>
+      <a:lvl2pPr marL="742950" indent="-285750" algn="l" defTabSz="914400" rtl="0" eaLnBrk="1" latinLnBrk="0" hangingPunct="1">
+        <a:spcBef>
+          <a:spcPct val="20000"/>
+        </a:spcBef>
+        <a:buFont typeface="Courier New" pitchFamily="49" charset="0"/>
+        <a:buChar char="o"/>
+        <a:defRPr sz="1600" kern="1200">
+          <a:solidFill>
+            <a:schemeClr val="tx1">
+              <a:lumMod val="50000"/>
+              <a:lumOff val="50000"/>
+            </a:schemeClr>
+          </a:solidFill>
+          <a:latin typeface="+mj-lt"/>
+          <a:ea typeface="+mn-ea"/>
+          <a:cs typeface="+mn-cs"/>
+        </a:defRPr>
+      </a:lvl2pPr>
+      <a:lvl3pPr marL="1143000" indent="-228600" algn="l" defTabSz="914400" rtl="0" eaLnBrk="1" latinLnBrk="0" hangingPunct="1">
+        <a:spcBef>
+          <a:spcPct val="20000"/>
+        </a:spcBef>
+        <a:buFont typeface="Arial" pitchFamily="34" charset="0"/>
+        <a:buChar char="•"/>
+        <a:defRPr sz="1600" kern="1200">
+          <a:solidFill>
+            <a:schemeClr val="tx1">
+              <a:lumMod val="50000"/>
+              <a:lumOff val="50000"/>
+            </a:schemeClr>
+          </a:solidFill>
+          <a:latin typeface="+mj-lt"/>
+          <a:ea typeface="+mn-ea"/>
+          <a:cs typeface="+mn-cs"/>
+        </a:defRPr>
+      </a:lvl3pPr>
+      <a:lvl4pPr marL="1600200" indent="-228600" algn="l" defTabSz="914400" rtl="0" eaLnBrk="1" latinLnBrk="0" hangingPunct="1">
+        <a:spcBef>
+          <a:spcPct val="20000"/>
+        </a:spcBef>
+        <a:buFont typeface="Courier New" pitchFamily="49" charset="0"/>
+        <a:buChar char="o"/>
+        <a:defRPr sz="1600" kern="1200">
+          <a:solidFill>
+            <a:schemeClr val="tx1">
+              <a:lumMod val="50000"/>
+              <a:lumOff val="50000"/>
+            </a:schemeClr>
+          </a:solidFill>
+          <a:latin typeface="+mj-lt"/>
+          <a:ea typeface="+mn-ea"/>
+          <a:cs typeface="+mn-cs"/>
+        </a:defRPr>
+      </a:lvl4pPr>
+      <a:lvl5pPr marL="2057400" indent="-228600" algn="l" defTabSz="914400" rtl="0" eaLnBrk="1" latinLnBrk="0" hangingPunct="1">
+        <a:spcBef>
+          <a:spcPct val="20000"/>
+        </a:spcBef>
+        <a:buFont typeface="Arial" pitchFamily="34" charset="0"/>
+        <a:buChar char="•"/>
+        <a:defRPr sz="1600" kern="1200">
+          <a:solidFill>
+            <a:schemeClr val="tx1">
+              <a:lumMod val="50000"/>
+              <a:lumOff val="50000"/>
+            </a:schemeClr>
+          </a:solidFill>
+          <a:latin typeface="+mj-lt"/>
+          <a:ea typeface="+mn-ea"/>
+          <a:cs typeface="+mn-cs"/>
+        </a:defRPr>
+      </a:lvl5pPr>
+      <a:lvl6pPr marL="2514600" indent="-228600" algn="l" defTabSz="914400" rtl="0" eaLnBrk="1" latinLnBrk="0" hangingPunct="1">
+        <a:spcBef>
+          <a:spcPct val="20000"/>
+        </a:spcBef>
+        <a:buFont typeface="Courier New" pitchFamily="49" charset="0"/>
+        <a:buChar char="o"/>
+        <a:defRPr sz="1600" kern="1200">
+          <a:solidFill>
+            <a:schemeClr val="tx1">
+              <a:lumMod val="50000"/>
+              <a:lumOff val="50000"/>
+            </a:schemeClr>
+          </a:solidFill>
+          <a:latin typeface="+mj-lt"/>
+          <a:ea typeface="+mn-ea"/>
+          <a:cs typeface="+mn-cs"/>
+        </a:defRPr>
+      </a:lvl6pPr>
+      <a:lvl7pPr marL="2971800" indent="-228600" algn="l" defTabSz="914400" rtl="0" eaLnBrk="1" latinLnBrk="0" hangingPunct="1">
+        <a:spcBef>
+          <a:spcPct val="20000"/>
+        </a:spcBef>
+        <a:buFont typeface="Arial" pitchFamily="34" charset="0"/>
+        <a:buChar char="•"/>
+        <a:defRPr sz="1600" kern="1200">
+          <a:solidFill>
+            <a:schemeClr val="tx1">
+              <a:lumMod val="50000"/>
+              <a:lumOff val="50000"/>
+            </a:schemeClr>
+          </a:solidFill>
+          <a:latin typeface="+mj-lt"/>
+          <a:ea typeface="+mn-ea"/>
+          <a:cs typeface="+mn-cs"/>
+        </a:defRPr>
+      </a:lvl7pPr>
+      <a:lvl8pPr marL="3429000" indent="-228600" algn="l" defTabSz="914400" rtl="0" eaLnBrk="1" latinLnBrk="0" hangingPunct="1">
+        <a:spcBef>
+          <a:spcPct val="20000"/>
+        </a:spcBef>
+        <a:buFont typeface="Courier New" pitchFamily="49" charset="0"/>
+        <a:buChar char="o"/>
+        <a:defRPr sz="1600" kern="1200">
+          <a:solidFill>
+            <a:schemeClr val="tx1">
+              <a:lumMod val="50000"/>
+              <a:lumOff val="50000"/>
+            </a:schemeClr>
+          </a:solidFill>
+          <a:latin typeface="+mj-lt"/>
+          <a:ea typeface="+mn-ea"/>
+          <a:cs typeface="+mn-cs"/>
+        </a:defRPr>
+      </a:lvl8pPr>
+      <a:lvl9pPr marL="3886200" indent="-228600" algn="l" defTabSz="914400" rtl="0" eaLnBrk="1" latinLnBrk="0" hangingPunct="1">
+        <a:spcBef>
+          <a:spcPct val="20000"/>
+        </a:spcBef>
+        <a:buFont typeface="Arial" pitchFamily="34" charset="0"/>
+        <a:buChar char="•"/>
+        <a:defRPr sz="1600" kern="1200">
+          <a:solidFill>
+            <a:schemeClr val="tx1">
+              <a:lumMod val="50000"/>
+              <a:lumOff val="50000"/>
+            </a:schemeClr>
+          </a:solidFill>
+          <a:latin typeface="+mj-lt"/>
+          <a:ea typeface="+mn-ea"/>
+          <a:cs typeface="+mn-cs"/>
+        </a:defRPr>
+      </a:lvl9pPr>
+    </p:bodyStyle>
+    <p:otherStyle>
+      <a:defPPr>
+        <a:defRPr lang="en-US"/>
+      </a:defPPr>
+      <a:lvl1pPr marL="0" algn="l" defTabSz="914400" rtl="0" eaLnBrk="1" latinLnBrk="0" hangingPunct="1">
+        <a:defRPr sz="1800" kern="1200">
+          <a:solidFill>
+            <a:schemeClr val="tx1"/>
+          </a:solidFill>
+          <a:latin typeface="+mn-lt"/>
+          <a:ea typeface="+mn-ea"/>
+          <a:cs typeface="+mn-cs"/>
+        </a:defRPr>
+      </a:lvl1pPr>
+      <a:lvl2pPr marL="457200" algn="l" defTabSz="914400" rtl="0" eaLnBrk="1" latinLnBrk="0" hangingPunct="1">
+        <a:defRPr sz="1800" kern="1200">
+          <a:solidFill>
+            <a:schemeClr val="tx1"/>
+          </a:solidFill>
+          <a:latin typeface="+mn-lt"/>
+          <a:ea typeface="+mn-ea"/>
+          <a:cs typeface="+mn-cs"/>
+        </a:defRPr>
+      </a:lvl2pPr>
+      <a:lvl3pPr marL="914400" algn="l" defTabSz="914400" rtl="0" eaLnBrk="1" latinLnBrk="0" hangingPunct="1">
+        <a:defRPr sz="1800" kern="1200">
+          <a:solidFill>
+            <a:schemeClr val="tx1"/>
+          </a:solidFill>
+          <a:latin typeface="+mn-lt"/>
+          <a:ea typeface="+mn-ea"/>
+          <a:cs typeface="+mn-cs"/>
+        </a:defRPr>
+      </a:lvl3pPr>
+      <a:lvl4pPr marL="1371600" algn="l" defTabSz="914400" rtl="0" eaLnBrk="1" latinLnBrk="0" hangingPunct="1">
+        <a:defRPr sz="1800" kern="1200">
+          <a:solidFill>
+            <a:schemeClr val="tx1"/>
+          </a:solidFill>
+          <a:latin typeface="+mn-lt"/>
+          <a:ea typeface="+mn-ea"/>
+          <a:cs typeface="+mn-cs"/>
+        </a:defRPr>
+      </a:lvl4pPr>
+      <a:lvl5pPr marL="1828800" algn="l" defTabSz="914400" rtl="0" eaLnBrk="1" latinLnBrk="0" hangingPunct="1">
+        <a:defRPr sz="1800" kern="1200">
+          <a:solidFill>
+            <a:schemeClr val="tx1"/>
+          </a:solidFill>
+          <a:latin typeface="+mn-lt"/>
+          <a:ea typeface="+mn-ea"/>
+          <a:cs typeface="+mn-cs"/>
+        </a:defRPr>
+      </a:lvl5pPr>
+      <a:lvl6pPr marL="2286000" algn="l" defTabSz="914400" rtl="0" eaLnBrk="1" latinLnBrk="0" hangingPunct="1">
+        <a:defRPr sz="1800" kern="1200">
+          <a:solidFill>
+            <a:schemeClr val="tx1"/>
+          </a:solidFill>
+          <a:latin typeface="+mn-lt"/>
+          <a:ea typeface="+mn-ea"/>
+          <a:cs typeface="+mn-cs"/>
+        </a:defRPr>
+      </a:lvl6pPr>
+      <a:lvl7pPr marL="2743200" algn="l" defTabSz="914400" rtl="0" eaLnBrk="1" latinLnBrk="0" hangingPunct="1">
+        <a:defRPr sz="1800" kern="1200">
+          <a:solidFill>
+            <a:schemeClr val="tx1"/>
+          </a:solidFill>
+          <a:latin typeface="+mn-lt"/>
+          <a:ea typeface="+mn-ea"/>
+          <a:cs typeface="+mn-cs"/>
+        </a:defRPr>
+      </a:lvl7pPr>
+      <a:lvl8pPr marL="3200400" algn="l" defTabSz="914400" rtl="0" eaLnBrk="1" latinLnBrk="0" hangingPunct="1">
+        <a:defRPr sz="1800" kern="1200">
+          <a:solidFill>
+            <a:schemeClr val="tx1"/>
+          </a:solidFill>
+          <a:latin typeface="+mn-lt"/>
+          <a:ea typeface="+mn-ea"/>
+          <a:cs typeface="+mn-cs"/>
+        </a:defRPr>
+      </a:lvl8pPr>
+      <a:lvl9pPr marL="3657600" algn="l" defTabSz="914400" rtl="0" eaLnBrk="1" latinLnBrk="0" hangingPunct="1">
+        <a:defRPr sz="1800" kern="1200">
+          <a:solidFill>
+            <a:schemeClr val="tx1"/>
+          </a:solidFill>
+          <a:latin typeface="+mn-lt"/>
+          <a:ea typeface="+mn-ea"/>
+          <a:cs typeface="+mn-cs"/>
+        </a:defRPr>
+      </a:lvl9pPr>
+    </p:otherStyle>
+  </p:txStyles>
+</p:sldMaster>
+</file>
+
 <file path=ppt/slides/slide1.xml><?xml version="1.0" encoding="utf-8"?>
 <p:sld xmlns:a="http://schemas.openxmlformats.org/drawingml/2006/main" xmlns:r="http://schemas.openxmlformats.org/officeDocument/2006/relationships" xmlns:p="http://schemas.openxmlformats.org/presentationml/2006/main">
   <p:cSld>
@@ -31359,7 +33335,12 @@
             <p:ph type="title"/>
           </p:nvPr>
         </p:nvSpPr>
-        <p:spPr/>
+        <p:spPr>
+          <a:xfrm>
+            <a:off x="251520" y="5275"/>
+            <a:ext cx="8568952" cy="1200150"/>
+          </a:xfrm>
+        </p:spPr>
         <p:txBody>
           <a:bodyPr/>
           <a:lstStyle/>
@@ -31547,7 +33528,7 @@
         <p:spPr>
           <a:xfrm>
             <a:off x="457200" y="0"/>
-            <a:ext cx="8229600" cy="735546"/>
+            <a:ext cx="8229600" cy="1082098"/>
           </a:xfrm>
         </p:spPr>
         <p:txBody>
@@ -32278,6 +34259,494 @@
       </p:par>
     </p:tnLst>
   </p:timing>
+</p:sld>
+</file>
+
+<file path=ppt/slides/slide48.xml><?xml version="1.0" encoding="utf-8"?>
+<p:sld xmlns:a="http://schemas.openxmlformats.org/drawingml/2006/main" xmlns:r="http://schemas.openxmlformats.org/officeDocument/2006/relationships" xmlns:p="http://schemas.openxmlformats.org/presentationml/2006/main">
+  <p:cSld>
+    <p:spTree>
+      <p:nvGrpSpPr>
+        <p:cNvPr id="1" name=""/>
+        <p:cNvGrpSpPr/>
+        <p:nvPr/>
+      </p:nvGrpSpPr>
+      <p:grpSpPr>
+        <a:xfrm>
+          <a:off x="0" y="0"/>
+          <a:ext cx="0" cy="0"/>
+          <a:chOff x="0" y="0"/>
+          <a:chExt cx="0" cy="0"/>
+        </a:xfrm>
+      </p:grpSpPr>
+      <p:sp>
+        <p:nvSpPr>
+          <p:cNvPr id="2" name="标题 1"/>
+          <p:cNvSpPr>
+            <a:spLocks noGrp="1"/>
+          </p:cNvSpPr>
+          <p:nvPr>
+            <p:ph type="ctrTitle"/>
+          </p:nvPr>
+        </p:nvSpPr>
+        <p:spPr/>
+        <p:txBody>
+          <a:bodyPr/>
+          <a:lstStyle/>
+          <a:p>
+            <a:r>
+              <a:rPr lang="en-US" altLang="zh-CN" dirty="0" smtClean="0"/>
+              <a:t>4. </a:t>
+            </a:r>
+            <a:r>
+              <a:rPr lang="zh-CN" altLang="en-US" dirty="0" smtClean="0"/>
+              <a:t>查询优化</a:t>
+            </a:r>
+            <a:endParaRPr lang="zh-CN" altLang="en-US" dirty="0"/>
+          </a:p>
+        </p:txBody>
+      </p:sp>
+      <p:sp>
+        <p:nvSpPr>
+          <p:cNvPr id="3" name="副标题 2"/>
+          <p:cNvSpPr>
+            <a:spLocks noGrp="1"/>
+          </p:cNvSpPr>
+          <p:nvPr>
+            <p:ph type="subTitle" idx="1"/>
+          </p:nvPr>
+        </p:nvSpPr>
+        <p:spPr/>
+        <p:txBody>
+          <a:bodyPr/>
+          <a:lstStyle/>
+          <a:p>
+            <a:r>
+              <a:rPr lang="en-US" altLang="zh-CN" dirty="0" smtClean="0"/>
+              <a:t>Query Optimization</a:t>
+            </a:r>
+            <a:endParaRPr lang="zh-CN" altLang="en-US" dirty="0"/>
+          </a:p>
+        </p:txBody>
+      </p:sp>
+    </p:spTree>
+    <p:extLst>
+      <p:ext uri="{BB962C8B-B14F-4D97-AF65-F5344CB8AC3E}">
+        <p14:creationId xmlns:p14="http://schemas.microsoft.com/office/powerpoint/2010/main" val="473712836"/>
+      </p:ext>
+    </p:extLst>
+  </p:cSld>
+  <p:clrMapOvr>
+    <a:masterClrMapping/>
+  </p:clrMapOvr>
+</p:sld>
+</file>
+
+<file path=ppt/slides/slide49.xml><?xml version="1.0" encoding="utf-8"?>
+<p:sld xmlns:a="http://schemas.openxmlformats.org/drawingml/2006/main" xmlns:r="http://schemas.openxmlformats.org/officeDocument/2006/relationships" xmlns:p="http://schemas.openxmlformats.org/presentationml/2006/main">
+  <p:cSld>
+    <p:spTree>
+      <p:nvGrpSpPr>
+        <p:cNvPr id="1" name=""/>
+        <p:cNvGrpSpPr/>
+        <p:nvPr/>
+      </p:nvGrpSpPr>
+      <p:grpSpPr>
+        <a:xfrm>
+          <a:off x="0" y="0"/>
+          <a:ext cx="0" cy="0"/>
+          <a:chOff x="0" y="0"/>
+          <a:chExt cx="0" cy="0"/>
+        </a:xfrm>
+      </p:grpSpPr>
+      <p:sp>
+        <p:nvSpPr>
+          <p:cNvPr id="2" name="标题 1"/>
+          <p:cNvSpPr>
+            <a:spLocks noGrp="1"/>
+          </p:cNvSpPr>
+          <p:nvPr>
+            <p:ph type="title"/>
+          </p:nvPr>
+        </p:nvSpPr>
+        <p:spPr/>
+        <p:txBody>
+          <a:bodyPr/>
+          <a:lstStyle/>
+          <a:p>
+            <a:r>
+              <a:rPr lang="en-US" altLang="zh-CN" dirty="0" smtClean="0"/>
+              <a:t>4.1 </a:t>
+            </a:r>
+            <a:r>
+              <a:rPr lang="zh-CN" altLang="en-US" dirty="0" smtClean="0"/>
+              <a:t>优化条件</a:t>
+            </a:r>
+            <a:endParaRPr lang="zh-CN" altLang="en-US" dirty="0"/>
+          </a:p>
+        </p:txBody>
+      </p:sp>
+      <p:sp>
+        <p:nvSpPr>
+          <p:cNvPr id="4" name="文本占位符 3"/>
+          <p:cNvSpPr>
+            <a:spLocks noGrp="1"/>
+          </p:cNvSpPr>
+          <p:nvPr>
+            <p:ph type="body" idx="1"/>
+          </p:nvPr>
+        </p:nvSpPr>
+        <p:spPr/>
+        <p:txBody>
+          <a:bodyPr/>
+          <a:lstStyle/>
+          <a:p>
+            <a:r>
+              <a:rPr lang="en-US" altLang="zh-CN" dirty="0" smtClean="0"/>
+              <a:t>SRA </a:t>
+            </a:r>
+            <a:r>
+              <a:rPr lang="zh-CN" altLang="en-US" dirty="0" smtClean="0"/>
+              <a:t>优化前</a:t>
+            </a:r>
+            <a:endParaRPr lang="zh-CN" altLang="en-US" dirty="0"/>
+          </a:p>
+        </p:txBody>
+      </p:sp>
+      <p:sp>
+        <p:nvSpPr>
+          <p:cNvPr id="5" name="文本占位符 4"/>
+          <p:cNvSpPr>
+            <a:spLocks noGrp="1"/>
+          </p:cNvSpPr>
+          <p:nvPr>
+            <p:ph type="body" sz="quarter" idx="3"/>
+          </p:nvPr>
+        </p:nvSpPr>
+        <p:spPr/>
+        <p:txBody>
+          <a:bodyPr/>
+          <a:lstStyle/>
+          <a:p>
+            <a:r>
+              <a:rPr lang="en-US" altLang="zh-CN" dirty="0" smtClean="0"/>
+              <a:t>SRA </a:t>
+            </a:r>
+            <a:r>
+              <a:rPr lang="zh-CN" altLang="en-US" dirty="0" smtClean="0"/>
+              <a:t>优化后</a:t>
+            </a:r>
+            <a:endParaRPr lang="zh-CN" altLang="en-US" dirty="0"/>
+          </a:p>
+        </p:txBody>
+      </p:sp>
+      <p:sp>
+        <p:nvSpPr>
+          <p:cNvPr id="6" name="内容占位符 5"/>
+          <p:cNvSpPr>
+            <a:spLocks noGrp="1"/>
+          </p:cNvSpPr>
+          <p:nvPr>
+            <p:ph sz="quarter" idx="13"/>
+          </p:nvPr>
+        </p:nvSpPr>
+        <p:spPr/>
+        <p:txBody>
+          <a:bodyPr>
+            <a:normAutofit fontScale="92500" lnSpcReduction="20000"/>
+          </a:bodyPr>
+          <a:lstStyle/>
+          <a:p>
+            <a:pPr marL="0" indent="0">
+              <a:buNone/>
+            </a:pPr>
+            <a:r>
+              <a:rPr lang="en-US" altLang="zh-CN" dirty="0"/>
+              <a:t>Project([*], </a:t>
+            </a:r>
+            <a:endParaRPr lang="en-US" altLang="zh-CN" dirty="0" smtClean="0"/>
+          </a:p>
+          <a:p>
+            <a:pPr marL="0" indent="0">
+              <a:buNone/>
+            </a:pPr>
+            <a:r>
+              <a:rPr lang="en-US" altLang="zh-CN" dirty="0"/>
+              <a:t> </a:t>
+            </a:r>
+            <a:r>
+              <a:rPr lang="en-US" altLang="zh-CN" dirty="0" smtClean="0"/>
+              <a:t>   Select(</a:t>
+            </a:r>
+            <a:r>
+              <a:rPr lang="en-US" altLang="zh-CN" dirty="0" err="1" smtClean="0"/>
+              <a:t>t.a</a:t>
+            </a:r>
+            <a:r>
+              <a:rPr lang="en-US" altLang="zh-CN" dirty="0" smtClean="0"/>
+              <a:t> </a:t>
+            </a:r>
+            <a:r>
+              <a:rPr lang="en-US" altLang="zh-CN" dirty="0"/>
+              <a:t>&gt; </a:t>
+            </a:r>
+            <a:r>
+              <a:rPr lang="en-US" altLang="zh-CN" dirty="0" err="1"/>
+              <a:t>int</a:t>
+            </a:r>
+            <a:r>
+              <a:rPr lang="en-US" altLang="zh-CN" dirty="0"/>
+              <a:t> 10, </a:t>
+            </a:r>
+            <a:endParaRPr lang="en-US" altLang="zh-CN" dirty="0" smtClean="0"/>
+          </a:p>
+          <a:p>
+            <a:pPr marL="0" indent="0">
+              <a:buNone/>
+            </a:pPr>
+            <a:r>
+              <a:rPr lang="en-US" altLang="zh-CN" dirty="0"/>
+              <a:t> </a:t>
+            </a:r>
+            <a:r>
+              <a:rPr lang="en-US" altLang="zh-CN" dirty="0" smtClean="0"/>
+              <a:t>       </a:t>
+            </a:r>
+            <a:r>
+              <a:rPr lang="en-US" altLang="zh-CN" dirty="0" err="1" smtClean="0"/>
+              <a:t>NaturalJoin</a:t>
+            </a:r>
+            <a:r>
+              <a:rPr lang="en-US" altLang="zh-CN" dirty="0" smtClean="0"/>
+              <a:t>(</a:t>
+            </a:r>
+          </a:p>
+          <a:p>
+            <a:pPr marL="0" indent="0">
+              <a:buNone/>
+            </a:pPr>
+            <a:r>
+              <a:rPr lang="en-US" altLang="zh-CN" dirty="0"/>
+              <a:t> </a:t>
+            </a:r>
+            <a:r>
+              <a:rPr lang="en-US" altLang="zh-CN" dirty="0" smtClean="0"/>
+              <a:t>           Table(t),</a:t>
+            </a:r>
+          </a:p>
+          <a:p>
+            <a:pPr marL="0" indent="0">
+              <a:buNone/>
+            </a:pPr>
+            <a:r>
+              <a:rPr lang="en-US" altLang="zh-CN" dirty="0"/>
+              <a:t> </a:t>
+            </a:r>
+            <a:r>
+              <a:rPr lang="en-US" altLang="zh-CN" dirty="0" smtClean="0"/>
+              <a:t>           Table(u</a:t>
+            </a:r>
+            <a:r>
+              <a:rPr lang="en-US" altLang="zh-CN" dirty="0"/>
+              <a:t>) </a:t>
+            </a:r>
+            <a:endParaRPr lang="en-US" altLang="zh-CN" dirty="0" smtClean="0"/>
+          </a:p>
+          <a:p>
+            <a:pPr marL="0" indent="0">
+              <a:buNone/>
+            </a:pPr>
+            <a:r>
+              <a:rPr lang="en-US" altLang="zh-CN" dirty="0" smtClean="0"/>
+              <a:t>        ) </a:t>
+            </a:r>
+          </a:p>
+          <a:p>
+            <a:pPr marL="0" indent="0">
+              <a:buNone/>
+            </a:pPr>
+            <a:r>
+              <a:rPr lang="en-US" altLang="zh-CN" dirty="0"/>
+              <a:t> </a:t>
+            </a:r>
+            <a:r>
+              <a:rPr lang="en-US" altLang="zh-CN" dirty="0" smtClean="0"/>
+              <a:t>   )</a:t>
+            </a:r>
+          </a:p>
+          <a:p>
+            <a:pPr marL="0" indent="0">
+              <a:buNone/>
+            </a:pPr>
+            <a:r>
+              <a:rPr lang="en-US" altLang="zh-CN" dirty="0" smtClean="0"/>
+              <a:t>)</a:t>
+            </a:r>
+            <a:endParaRPr lang="zh-CN" altLang="en-US" dirty="0"/>
+          </a:p>
+        </p:txBody>
+      </p:sp>
+      <p:sp>
+        <p:nvSpPr>
+          <p:cNvPr id="7" name="内容占位符 6"/>
+          <p:cNvSpPr>
+            <a:spLocks noGrp="1"/>
+          </p:cNvSpPr>
+          <p:nvPr>
+            <p:ph sz="quarter" idx="14"/>
+          </p:nvPr>
+        </p:nvSpPr>
+        <p:spPr/>
+        <p:txBody>
+          <a:bodyPr>
+            <a:normAutofit fontScale="92500" lnSpcReduction="20000"/>
+          </a:bodyPr>
+          <a:lstStyle/>
+          <a:p>
+            <a:pPr marL="0" indent="0">
+              <a:buNone/>
+            </a:pPr>
+            <a:r>
+              <a:rPr lang="en-US" altLang="zh-CN" dirty="0"/>
+              <a:t>Project</a:t>
+            </a:r>
+            <a:r>
+              <a:rPr lang="en-US" altLang="zh-CN" dirty="0" smtClean="0"/>
+              <a:t>([*],</a:t>
+            </a:r>
+          </a:p>
+          <a:p>
+            <a:pPr marL="0" indent="0">
+              <a:buNone/>
+            </a:pPr>
+            <a:r>
+              <a:rPr lang="en-US" altLang="zh-CN" dirty="0"/>
+              <a:t> </a:t>
+            </a:r>
+            <a:r>
+              <a:rPr lang="en-US" altLang="zh-CN" dirty="0" smtClean="0"/>
+              <a:t>   </a:t>
+            </a:r>
+            <a:r>
+              <a:rPr lang="en-US" altLang="zh-CN" dirty="0" err="1" smtClean="0"/>
+              <a:t>NaturalJoin</a:t>
+            </a:r>
+            <a:r>
+              <a:rPr lang="en-US" altLang="zh-CN" dirty="0" smtClean="0"/>
+              <a:t>(</a:t>
+            </a:r>
+          </a:p>
+          <a:p>
+            <a:pPr marL="0" indent="0">
+              <a:buNone/>
+            </a:pPr>
+            <a:r>
+              <a:rPr lang="en-US" altLang="zh-CN" dirty="0"/>
+              <a:t> </a:t>
+            </a:r>
+            <a:r>
+              <a:rPr lang="en-US" altLang="zh-CN" dirty="0" smtClean="0"/>
+              <a:t>       Select(</a:t>
+            </a:r>
+            <a:r>
+              <a:rPr lang="en-US" altLang="zh-CN" dirty="0" err="1" smtClean="0"/>
+              <a:t>t.a</a:t>
+            </a:r>
+            <a:r>
+              <a:rPr lang="en-US" altLang="zh-CN" dirty="0" smtClean="0"/>
+              <a:t> </a:t>
+            </a:r>
+            <a:r>
+              <a:rPr lang="en-US" altLang="zh-CN" dirty="0"/>
+              <a:t>&gt; </a:t>
+            </a:r>
+            <a:r>
+              <a:rPr lang="en-US" altLang="zh-CN" dirty="0" err="1"/>
+              <a:t>int</a:t>
+            </a:r>
+            <a:r>
+              <a:rPr lang="en-US" altLang="zh-CN" dirty="0"/>
+              <a:t> </a:t>
+            </a:r>
+            <a:r>
+              <a:rPr lang="en-US" altLang="zh-CN" dirty="0" smtClean="0"/>
+              <a:t>10,</a:t>
+            </a:r>
+          </a:p>
+          <a:p>
+            <a:pPr marL="0" indent="0">
+              <a:buNone/>
+            </a:pPr>
+            <a:r>
+              <a:rPr lang="en-US" altLang="zh-CN" dirty="0"/>
+              <a:t> </a:t>
+            </a:r>
+            <a:r>
+              <a:rPr lang="en-US" altLang="zh-CN" dirty="0" smtClean="0"/>
+              <a:t>           Table(t)</a:t>
+            </a:r>
+          </a:p>
+          <a:p>
+            <a:pPr marL="0" indent="0">
+              <a:buNone/>
+            </a:pPr>
+            <a:r>
+              <a:rPr lang="en-US" altLang="zh-CN" dirty="0"/>
+              <a:t> </a:t>
+            </a:r>
+            <a:r>
+              <a:rPr lang="en-US" altLang="zh-CN" dirty="0" smtClean="0"/>
+              <a:t>       ),</a:t>
+            </a:r>
+          </a:p>
+          <a:p>
+            <a:pPr marL="0" indent="0">
+              <a:buNone/>
+            </a:pPr>
+            <a:r>
+              <a:rPr lang="en-US" altLang="zh-CN" dirty="0"/>
+              <a:t> </a:t>
+            </a:r>
+            <a:r>
+              <a:rPr lang="en-US" altLang="zh-CN" dirty="0" smtClean="0"/>
+              <a:t>       Table(u)</a:t>
+            </a:r>
+          </a:p>
+          <a:p>
+            <a:pPr marL="0" indent="0">
+              <a:buNone/>
+            </a:pPr>
+            <a:r>
+              <a:rPr lang="en-US" altLang="zh-CN" dirty="0"/>
+              <a:t> </a:t>
+            </a:r>
+            <a:r>
+              <a:rPr lang="en-US" altLang="zh-CN" dirty="0" smtClean="0"/>
+              <a:t>   )</a:t>
+            </a:r>
+          </a:p>
+          <a:p>
+            <a:pPr marL="0" indent="0">
+              <a:buNone/>
+            </a:pPr>
+            <a:r>
+              <a:rPr lang="en-US" altLang="zh-CN" dirty="0" smtClean="0"/>
+              <a:t>)</a:t>
+            </a:r>
+            <a:endParaRPr lang="zh-CN" altLang="en-US" dirty="0"/>
+          </a:p>
+        </p:txBody>
+      </p:sp>
+    </p:spTree>
+    <p:extLst>
+      <p:ext uri="{BB962C8B-B14F-4D97-AF65-F5344CB8AC3E}">
+        <p14:creationId xmlns:p14="http://schemas.microsoft.com/office/powerpoint/2010/main" val="1740901649"/>
+      </p:ext>
+    </p:extLst>
+  </p:cSld>
+  <p:clrMapOvr>
+    <a:masterClrMapping/>
+  </p:clrMapOvr>
 </p:sld>
 </file>
 
@@ -32428,6 +34897,2512 @@
       </p:par>
     </p:tnLst>
   </p:timing>
+</p:sld>
+</file>
+
+<file path=ppt/slides/slide50.xml><?xml version="1.0" encoding="utf-8"?>
+<p:sld xmlns:a="http://schemas.openxmlformats.org/drawingml/2006/main" xmlns:r="http://schemas.openxmlformats.org/officeDocument/2006/relationships" xmlns:p="http://schemas.openxmlformats.org/presentationml/2006/main">
+  <p:cSld>
+    <p:spTree>
+      <p:nvGrpSpPr>
+        <p:cNvPr id="1" name=""/>
+        <p:cNvGrpSpPr/>
+        <p:nvPr/>
+      </p:nvGrpSpPr>
+      <p:grpSpPr>
+        <a:xfrm>
+          <a:off x="0" y="0"/>
+          <a:ext cx="0" cy="0"/>
+          <a:chOff x="0" y="0"/>
+          <a:chExt cx="0" cy="0"/>
+        </a:xfrm>
+      </p:grpSpPr>
+      <p:sp>
+        <p:nvSpPr>
+          <p:cNvPr id="2" name="标题 1"/>
+          <p:cNvSpPr>
+            <a:spLocks noGrp="1"/>
+          </p:cNvSpPr>
+          <p:nvPr>
+            <p:ph type="title"/>
+          </p:nvPr>
+        </p:nvSpPr>
+        <p:spPr>
+          <a:xfrm>
+            <a:off x="457200" y="0"/>
+            <a:ext cx="8147248" cy="915566"/>
+          </a:xfrm>
+        </p:spPr>
+        <p:txBody>
+          <a:bodyPr/>
+          <a:lstStyle/>
+          <a:p>
+            <a:r>
+              <a:rPr lang="zh-CN" altLang="en-US" sz="4400" dirty="0" smtClean="0"/>
+              <a:t>判断是否可以优化</a:t>
+            </a:r>
+            <a:endParaRPr lang="zh-CN" altLang="en-US" sz="4400" dirty="0"/>
+          </a:p>
+        </p:txBody>
+      </p:sp>
+      <p:sp>
+        <p:nvSpPr>
+          <p:cNvPr id="4" name="流程图: 决策 3"/>
+          <p:cNvSpPr/>
+          <p:nvPr/>
+        </p:nvSpPr>
+        <p:spPr>
+          <a:xfrm>
+            <a:off x="4642397" y="2542051"/>
+            <a:ext cx="3332669" cy="1175319"/>
+          </a:xfrm>
+          <a:prstGeom prst="flowChartDecision">
+            <a:avLst/>
+          </a:prstGeom>
+        </p:spPr>
+        <p:style>
+          <a:lnRef idx="2">
+            <a:schemeClr val="accent1">
+              <a:shade val="50000"/>
+            </a:schemeClr>
+          </a:lnRef>
+          <a:fillRef idx="1">
+            <a:schemeClr val="accent1"/>
+          </a:fillRef>
+          <a:effectRef idx="0">
+            <a:schemeClr val="accent1"/>
+          </a:effectRef>
+          <a:fontRef idx="minor">
+            <a:schemeClr val="lt1"/>
+          </a:fontRef>
+        </p:style>
+        <p:txBody>
+          <a:bodyPr rtlCol="0" anchor="ctr"/>
+          <a:lstStyle/>
+          <a:p>
+            <a:pPr algn="ctr"/>
+            <a:r>
+              <a:rPr lang="en-US" altLang="zh-CN" dirty="0">
+                <a:solidFill>
+                  <a:prstClr val="white"/>
+                </a:solidFill>
+              </a:rPr>
+              <a:t>Select</a:t>
+            </a:r>
+            <a:r>
+              <a:rPr lang="zh-CN" altLang="en-US" dirty="0">
+                <a:solidFill>
+                  <a:prstClr val="white"/>
+                </a:solidFill>
+              </a:rPr>
+              <a:t>中的</a:t>
+            </a:r>
+            <a:r>
+              <a:rPr lang="en-US" altLang="zh-CN" dirty="0">
+                <a:solidFill>
+                  <a:prstClr val="white"/>
+                </a:solidFill>
+              </a:rPr>
+              <a:t>SRA</a:t>
+            </a:r>
+            <a:r>
+              <a:rPr lang="zh-CN" altLang="en-US" dirty="0">
+                <a:solidFill>
+                  <a:prstClr val="white"/>
+                </a:solidFill>
+              </a:rPr>
+              <a:t>类型</a:t>
+            </a:r>
+            <a:r>
+              <a:rPr lang="zh-CN" altLang="zh-CN" dirty="0">
+                <a:solidFill>
+                  <a:prstClr val="white"/>
+                </a:solidFill>
+              </a:rPr>
+              <a:t>是否为自然连接</a:t>
+            </a:r>
+          </a:p>
+        </p:txBody>
+      </p:sp>
+      <p:sp>
+        <p:nvSpPr>
+          <p:cNvPr id="5" name="流程图: 决策 4"/>
+          <p:cNvSpPr/>
+          <p:nvPr/>
+        </p:nvSpPr>
+        <p:spPr>
+          <a:xfrm>
+            <a:off x="1843664" y="1691268"/>
+            <a:ext cx="3107978" cy="1289368"/>
+          </a:xfrm>
+          <a:prstGeom prst="flowChartDecision">
+            <a:avLst/>
+          </a:prstGeom>
+        </p:spPr>
+        <p:style>
+          <a:lnRef idx="2">
+            <a:schemeClr val="accent1">
+              <a:shade val="50000"/>
+            </a:schemeClr>
+          </a:lnRef>
+          <a:fillRef idx="1">
+            <a:schemeClr val="accent1"/>
+          </a:fillRef>
+          <a:effectRef idx="0">
+            <a:schemeClr val="accent1"/>
+          </a:effectRef>
+          <a:fontRef idx="minor">
+            <a:schemeClr val="lt1"/>
+          </a:fontRef>
+        </p:style>
+        <p:txBody>
+          <a:bodyPr rtlCol="0" anchor="ctr"/>
+          <a:lstStyle/>
+          <a:p>
+            <a:pPr algn="ctr"/>
+            <a:r>
+              <a:rPr lang="en-US" altLang="zh-CN" dirty="0" smtClean="0">
+                <a:solidFill>
+                  <a:prstClr val="white"/>
+                </a:solidFill>
+              </a:rPr>
+              <a:t>Project</a:t>
+            </a:r>
+            <a:r>
+              <a:rPr lang="zh-CN" altLang="en-US" dirty="0" smtClean="0">
+                <a:solidFill>
+                  <a:prstClr val="white"/>
+                </a:solidFill>
+              </a:rPr>
+              <a:t>中的</a:t>
+            </a:r>
+            <a:r>
+              <a:rPr lang="en-US" altLang="zh-CN" dirty="0" smtClean="0">
+                <a:solidFill>
+                  <a:prstClr val="white"/>
+                </a:solidFill>
+              </a:rPr>
+              <a:t>SRA</a:t>
+            </a:r>
+            <a:r>
+              <a:rPr lang="zh-CN" altLang="en-US" dirty="0" smtClean="0">
+                <a:solidFill>
+                  <a:prstClr val="white"/>
+                </a:solidFill>
+              </a:rPr>
+              <a:t>类型是否为</a:t>
+            </a:r>
+            <a:r>
+              <a:rPr lang="en-US" altLang="zh-CN" dirty="0" smtClean="0">
+                <a:solidFill>
+                  <a:prstClr val="white"/>
+                </a:solidFill>
+              </a:rPr>
+              <a:t>Select</a:t>
+            </a:r>
+            <a:r>
+              <a:rPr lang="zh-CN" altLang="en-US" dirty="0" smtClean="0">
+                <a:solidFill>
+                  <a:prstClr val="white"/>
+                </a:solidFill>
+              </a:rPr>
+              <a:t>类型</a:t>
+            </a:r>
+            <a:endParaRPr lang="zh-CN" altLang="en-US" dirty="0">
+              <a:solidFill>
+                <a:prstClr val="white"/>
+              </a:solidFill>
+            </a:endParaRPr>
+          </a:p>
+        </p:txBody>
+      </p:sp>
+      <p:sp>
+        <p:nvSpPr>
+          <p:cNvPr id="6" name="流程图: 可选过程 5"/>
+          <p:cNvSpPr/>
+          <p:nvPr/>
+        </p:nvSpPr>
+        <p:spPr>
+          <a:xfrm>
+            <a:off x="906461" y="3356968"/>
+            <a:ext cx="1167765" cy="549910"/>
+          </a:xfrm>
+          <a:prstGeom prst="flowChartAlternateProcess">
+            <a:avLst/>
+          </a:prstGeom>
+        </p:spPr>
+        <p:style>
+          <a:lnRef idx="2">
+            <a:schemeClr val="accent1">
+              <a:shade val="50000"/>
+            </a:schemeClr>
+          </a:lnRef>
+          <a:fillRef idx="1">
+            <a:schemeClr val="accent1"/>
+          </a:fillRef>
+          <a:effectRef idx="0">
+            <a:schemeClr val="accent1"/>
+          </a:effectRef>
+          <a:fontRef idx="minor">
+            <a:schemeClr val="lt1"/>
+          </a:fontRef>
+        </p:style>
+        <p:txBody>
+          <a:bodyPr rtlCol="0" anchor="ctr"/>
+          <a:lstStyle/>
+          <a:p>
+            <a:pPr algn="ctr"/>
+            <a:r>
+              <a:rPr lang="zh-CN" altLang="en-US" dirty="0" smtClean="0">
+                <a:solidFill>
+                  <a:prstClr val="white"/>
+                </a:solidFill>
+              </a:rPr>
+              <a:t>不能优化</a:t>
+            </a:r>
+            <a:endParaRPr lang="zh-CN" altLang="en-US" dirty="0">
+              <a:solidFill>
+                <a:prstClr val="white"/>
+              </a:solidFill>
+            </a:endParaRPr>
+          </a:p>
+        </p:txBody>
+      </p:sp>
+      <p:sp>
+        <p:nvSpPr>
+          <p:cNvPr id="7" name="流程图: 可选过程 6"/>
+          <p:cNvSpPr/>
+          <p:nvPr/>
+        </p:nvSpPr>
+        <p:spPr>
+          <a:xfrm>
+            <a:off x="2923625" y="869355"/>
+            <a:ext cx="948055" cy="575945"/>
+          </a:xfrm>
+          <a:prstGeom prst="flowChartAlternateProcess">
+            <a:avLst/>
+          </a:prstGeom>
+        </p:spPr>
+        <p:style>
+          <a:lnRef idx="2">
+            <a:schemeClr val="accent1">
+              <a:shade val="50000"/>
+            </a:schemeClr>
+          </a:lnRef>
+          <a:fillRef idx="1">
+            <a:schemeClr val="accent1"/>
+          </a:fillRef>
+          <a:effectRef idx="0">
+            <a:schemeClr val="accent1"/>
+          </a:effectRef>
+          <a:fontRef idx="minor">
+            <a:schemeClr val="lt1"/>
+          </a:fontRef>
+        </p:style>
+        <p:txBody>
+          <a:bodyPr rtlCol="0" anchor="ctr"/>
+          <a:lstStyle/>
+          <a:p>
+            <a:pPr algn="ctr"/>
+            <a:r>
+              <a:rPr lang="zh-CN" altLang="en-US" dirty="0">
+                <a:solidFill>
+                  <a:prstClr val="white"/>
+                </a:solidFill>
+              </a:rPr>
+              <a:t>开始</a:t>
+            </a:r>
+          </a:p>
+        </p:txBody>
+      </p:sp>
+      <p:cxnSp>
+        <p:nvCxnSpPr>
+          <p:cNvPr id="12" name="直接箭头连接符 11"/>
+          <p:cNvCxnSpPr>
+            <a:stCxn id="7" idx="2"/>
+            <a:endCxn id="5" idx="0"/>
+          </p:cNvCxnSpPr>
+          <p:nvPr/>
+        </p:nvCxnSpPr>
+        <p:spPr>
+          <a:xfrm>
+            <a:off x="3397653" y="1445300"/>
+            <a:ext cx="0" cy="245968"/>
+          </a:xfrm>
+          <a:prstGeom prst="straightConnector1">
+            <a:avLst/>
+          </a:prstGeom>
+          <a:ln>
+            <a:solidFill>
+              <a:schemeClr val="tx1"/>
+            </a:solidFill>
+            <a:tailEnd type="arrow" w="med" len="med"/>
+          </a:ln>
+        </p:spPr>
+        <p:style>
+          <a:lnRef idx="1">
+            <a:schemeClr val="dk1"/>
+          </a:lnRef>
+          <a:fillRef idx="0">
+            <a:schemeClr val="dk1"/>
+          </a:fillRef>
+          <a:effectRef idx="0">
+            <a:schemeClr val="dk1"/>
+          </a:effectRef>
+          <a:fontRef idx="minor">
+            <a:schemeClr val="tx1"/>
+          </a:fontRef>
+        </p:style>
+      </p:cxnSp>
+      <p:cxnSp>
+        <p:nvCxnSpPr>
+          <p:cNvPr id="13" name="肘形连接符 12"/>
+          <p:cNvCxnSpPr>
+            <a:stCxn id="5" idx="1"/>
+            <a:endCxn id="6" idx="0"/>
+          </p:cNvCxnSpPr>
+          <p:nvPr/>
+        </p:nvCxnSpPr>
+        <p:spPr>
+          <a:xfrm rot="10800000" flipV="1">
+            <a:off x="1490344" y="2335952"/>
+            <a:ext cx="353320" cy="1021016"/>
+          </a:xfrm>
+          <a:prstGeom prst="bentConnector2">
+            <a:avLst/>
+          </a:prstGeom>
+          <a:ln>
+            <a:solidFill>
+              <a:schemeClr val="tx1"/>
+            </a:solidFill>
+            <a:tailEnd type="arrow" w="med" len="med"/>
+          </a:ln>
+        </p:spPr>
+        <p:style>
+          <a:lnRef idx="1">
+            <a:schemeClr val="dk1"/>
+          </a:lnRef>
+          <a:fillRef idx="0">
+            <a:schemeClr val="dk1"/>
+          </a:fillRef>
+          <a:effectRef idx="0">
+            <a:schemeClr val="dk1"/>
+          </a:effectRef>
+          <a:fontRef idx="minor">
+            <a:schemeClr val="tx1"/>
+          </a:fontRef>
+        </p:style>
+      </p:cxnSp>
+      <p:sp>
+        <p:nvSpPr>
+          <p:cNvPr id="14" name="文本框 32"/>
+          <p:cNvSpPr txBox="1"/>
+          <p:nvPr/>
+        </p:nvSpPr>
+        <p:spPr>
+          <a:xfrm>
+            <a:off x="1490344" y="1955009"/>
+            <a:ext cx="429260" cy="368300"/>
+          </a:xfrm>
+          <a:prstGeom prst="rect">
+            <a:avLst/>
+          </a:prstGeom>
+          <a:noFill/>
+        </p:spPr>
+        <p:txBody>
+          <a:bodyPr wrap="square" rtlCol="0">
+            <a:spAutoFit/>
+          </a:bodyPr>
+          <a:lstStyle/>
+          <a:p>
+            <a:r>
+              <a:rPr lang="zh-CN" altLang="en-US" dirty="0">
+                <a:solidFill>
+                  <a:prstClr val="white"/>
+                </a:solidFill>
+              </a:rPr>
+              <a:t>否</a:t>
+            </a:r>
+          </a:p>
+        </p:txBody>
+      </p:sp>
+      <p:sp>
+        <p:nvSpPr>
+          <p:cNvPr id="15" name="文本框 33"/>
+          <p:cNvSpPr txBox="1"/>
+          <p:nvPr/>
+        </p:nvSpPr>
+        <p:spPr>
+          <a:xfrm flipH="1">
+            <a:off x="5145259" y="1976796"/>
+            <a:ext cx="319405" cy="368300"/>
+          </a:xfrm>
+          <a:prstGeom prst="rect">
+            <a:avLst/>
+          </a:prstGeom>
+          <a:noFill/>
+        </p:spPr>
+        <p:txBody>
+          <a:bodyPr wrap="square" rtlCol="0">
+            <a:spAutoFit/>
+          </a:bodyPr>
+          <a:lstStyle/>
+          <a:p>
+            <a:r>
+              <a:rPr lang="zh-CN" altLang="en-US" dirty="0">
+                <a:solidFill>
+                  <a:prstClr val="white"/>
+                </a:solidFill>
+              </a:rPr>
+              <a:t>是</a:t>
+            </a:r>
+          </a:p>
+        </p:txBody>
+      </p:sp>
+      <p:cxnSp>
+        <p:nvCxnSpPr>
+          <p:cNvPr id="16" name="肘形连接符 15"/>
+          <p:cNvCxnSpPr>
+            <a:stCxn id="5" idx="3"/>
+            <a:endCxn id="4" idx="0"/>
+          </p:cNvCxnSpPr>
+          <p:nvPr/>
+        </p:nvCxnSpPr>
+        <p:spPr>
+          <a:xfrm>
+            <a:off x="4951642" y="2335952"/>
+            <a:ext cx="1357090" cy="206099"/>
+          </a:xfrm>
+          <a:prstGeom prst="bentConnector2">
+            <a:avLst/>
+          </a:prstGeom>
+          <a:ln>
+            <a:solidFill>
+              <a:schemeClr val="tx1"/>
+            </a:solidFill>
+            <a:tailEnd type="arrow" w="med" len="med"/>
+          </a:ln>
+        </p:spPr>
+        <p:style>
+          <a:lnRef idx="1">
+            <a:schemeClr val="dk1"/>
+          </a:lnRef>
+          <a:fillRef idx="0">
+            <a:schemeClr val="dk1"/>
+          </a:fillRef>
+          <a:effectRef idx="0">
+            <a:schemeClr val="dk1"/>
+          </a:effectRef>
+          <a:fontRef idx="minor">
+            <a:schemeClr val="tx1"/>
+          </a:fontRef>
+        </p:style>
+      </p:cxnSp>
+      <p:cxnSp>
+        <p:nvCxnSpPr>
+          <p:cNvPr id="17" name="肘形连接符 16"/>
+          <p:cNvCxnSpPr>
+            <a:stCxn id="4" idx="1"/>
+            <a:endCxn id="18" idx="0"/>
+          </p:cNvCxnSpPr>
+          <p:nvPr/>
+        </p:nvCxnSpPr>
+        <p:spPr>
+          <a:xfrm rot="10800000" flipV="1">
+            <a:off x="4287207" y="3129710"/>
+            <a:ext cx="355190" cy="1028471"/>
+          </a:xfrm>
+          <a:prstGeom prst="bentConnector2">
+            <a:avLst/>
+          </a:prstGeom>
+          <a:ln>
+            <a:solidFill>
+              <a:schemeClr val="tx1"/>
+            </a:solidFill>
+            <a:tailEnd type="arrow" w="med" len="med"/>
+          </a:ln>
+        </p:spPr>
+        <p:style>
+          <a:lnRef idx="1">
+            <a:schemeClr val="dk1"/>
+          </a:lnRef>
+          <a:fillRef idx="0">
+            <a:schemeClr val="dk1"/>
+          </a:fillRef>
+          <a:effectRef idx="0">
+            <a:schemeClr val="dk1"/>
+          </a:effectRef>
+          <a:fontRef idx="minor">
+            <a:schemeClr val="tx1"/>
+          </a:fontRef>
+        </p:style>
+      </p:cxnSp>
+      <p:sp>
+        <p:nvSpPr>
+          <p:cNvPr id="18" name="流程图: 可选过程 17"/>
+          <p:cNvSpPr/>
+          <p:nvPr/>
+        </p:nvSpPr>
+        <p:spPr>
+          <a:xfrm>
+            <a:off x="3638872" y="4158182"/>
+            <a:ext cx="1296670" cy="504190"/>
+          </a:xfrm>
+          <a:prstGeom prst="flowChartAlternateProcess">
+            <a:avLst/>
+          </a:prstGeom>
+        </p:spPr>
+        <p:style>
+          <a:lnRef idx="2">
+            <a:schemeClr val="accent1">
+              <a:shade val="50000"/>
+            </a:schemeClr>
+          </a:lnRef>
+          <a:fillRef idx="1">
+            <a:schemeClr val="accent1"/>
+          </a:fillRef>
+          <a:effectRef idx="0">
+            <a:schemeClr val="accent1"/>
+          </a:effectRef>
+          <a:fontRef idx="minor">
+            <a:schemeClr val="lt1"/>
+          </a:fontRef>
+        </p:style>
+        <p:txBody>
+          <a:bodyPr rtlCol="0" anchor="ctr"/>
+          <a:lstStyle/>
+          <a:p>
+            <a:r>
+              <a:rPr lang="zh-CN" altLang="en-US" dirty="0" smtClean="0">
+                <a:solidFill>
+                  <a:prstClr val="white"/>
+                </a:solidFill>
+              </a:rPr>
+              <a:t>可以优化</a:t>
+            </a:r>
+            <a:endParaRPr lang="en-US" altLang="zh-CN" dirty="0">
+              <a:solidFill>
+                <a:prstClr val="white"/>
+              </a:solidFill>
+            </a:endParaRPr>
+          </a:p>
+        </p:txBody>
+      </p:sp>
+      <p:cxnSp>
+        <p:nvCxnSpPr>
+          <p:cNvPr id="20" name="肘形连接符 19"/>
+          <p:cNvCxnSpPr>
+            <a:stCxn id="4" idx="3"/>
+            <a:endCxn id="21" idx="0"/>
+          </p:cNvCxnSpPr>
+          <p:nvPr/>
+        </p:nvCxnSpPr>
+        <p:spPr>
+          <a:xfrm>
+            <a:off x="7975066" y="3129711"/>
+            <a:ext cx="322667" cy="1059743"/>
+          </a:xfrm>
+          <a:prstGeom prst="bentConnector2">
+            <a:avLst/>
+          </a:prstGeom>
+          <a:ln>
+            <a:solidFill>
+              <a:schemeClr val="tx1"/>
+            </a:solidFill>
+            <a:tailEnd type="arrow" w="med" len="med"/>
+          </a:ln>
+        </p:spPr>
+        <p:style>
+          <a:lnRef idx="1">
+            <a:schemeClr val="dk1"/>
+          </a:lnRef>
+          <a:fillRef idx="0">
+            <a:schemeClr val="dk1"/>
+          </a:fillRef>
+          <a:effectRef idx="0">
+            <a:schemeClr val="dk1"/>
+          </a:effectRef>
+          <a:fontRef idx="minor">
+            <a:schemeClr val="tx1"/>
+          </a:fontRef>
+        </p:style>
+      </p:cxnSp>
+      <p:sp>
+        <p:nvSpPr>
+          <p:cNvPr id="21" name="圆角矩形 20"/>
+          <p:cNvSpPr/>
+          <p:nvPr/>
+        </p:nvSpPr>
+        <p:spPr>
+          <a:xfrm>
+            <a:off x="7668345" y="4189454"/>
+            <a:ext cx="1258776" cy="504190"/>
+          </a:xfrm>
+          <a:prstGeom prst="roundRect">
+            <a:avLst/>
+          </a:prstGeom>
+        </p:spPr>
+        <p:style>
+          <a:lnRef idx="2">
+            <a:schemeClr val="accent1">
+              <a:shade val="50000"/>
+            </a:schemeClr>
+          </a:lnRef>
+          <a:fillRef idx="1">
+            <a:schemeClr val="accent1"/>
+          </a:fillRef>
+          <a:effectRef idx="0">
+            <a:schemeClr val="accent1"/>
+          </a:effectRef>
+          <a:fontRef idx="minor">
+            <a:schemeClr val="lt1"/>
+          </a:fontRef>
+        </p:style>
+        <p:txBody>
+          <a:bodyPr rtlCol="0" anchor="ctr"/>
+          <a:lstStyle/>
+          <a:p>
+            <a:pPr algn="ctr"/>
+            <a:r>
+              <a:rPr lang="zh-CN" altLang="en-US" dirty="0" smtClean="0">
+                <a:solidFill>
+                  <a:prstClr val="white"/>
+                </a:solidFill>
+              </a:rPr>
+              <a:t>不能优化</a:t>
+            </a:r>
+            <a:endParaRPr lang="zh-CN" altLang="en-US" dirty="0">
+              <a:solidFill>
+                <a:prstClr val="white"/>
+              </a:solidFill>
+            </a:endParaRPr>
+          </a:p>
+        </p:txBody>
+      </p:sp>
+      <p:sp>
+        <p:nvSpPr>
+          <p:cNvPr id="85" name="文本框 33"/>
+          <p:cNvSpPr txBox="1"/>
+          <p:nvPr/>
+        </p:nvSpPr>
+        <p:spPr>
+          <a:xfrm flipH="1">
+            <a:off x="4322992" y="2761410"/>
+            <a:ext cx="319405" cy="368300"/>
+          </a:xfrm>
+          <a:prstGeom prst="rect">
+            <a:avLst/>
+          </a:prstGeom>
+          <a:noFill/>
+        </p:spPr>
+        <p:txBody>
+          <a:bodyPr wrap="square" rtlCol="0">
+            <a:spAutoFit/>
+          </a:bodyPr>
+          <a:lstStyle/>
+          <a:p>
+            <a:r>
+              <a:rPr lang="zh-CN" altLang="en-US" dirty="0">
+                <a:solidFill>
+                  <a:prstClr val="white"/>
+                </a:solidFill>
+              </a:rPr>
+              <a:t>是</a:t>
+            </a:r>
+          </a:p>
+        </p:txBody>
+      </p:sp>
+      <p:sp>
+        <p:nvSpPr>
+          <p:cNvPr id="87" name="文本框 32"/>
+          <p:cNvSpPr txBox="1"/>
+          <p:nvPr/>
+        </p:nvSpPr>
+        <p:spPr>
+          <a:xfrm>
+            <a:off x="7921769" y="2753411"/>
+            <a:ext cx="429260" cy="368300"/>
+          </a:xfrm>
+          <a:prstGeom prst="rect">
+            <a:avLst/>
+          </a:prstGeom>
+          <a:noFill/>
+        </p:spPr>
+        <p:txBody>
+          <a:bodyPr wrap="square" rtlCol="0">
+            <a:spAutoFit/>
+          </a:bodyPr>
+          <a:lstStyle/>
+          <a:p>
+            <a:r>
+              <a:rPr lang="zh-CN" altLang="en-US" dirty="0">
+                <a:solidFill>
+                  <a:prstClr val="white"/>
+                </a:solidFill>
+              </a:rPr>
+              <a:t>否</a:t>
+            </a:r>
+          </a:p>
+        </p:txBody>
+      </p:sp>
+    </p:spTree>
+    <p:extLst>
+      <p:ext uri="{BB962C8B-B14F-4D97-AF65-F5344CB8AC3E}">
+        <p14:creationId xmlns:p14="http://schemas.microsoft.com/office/powerpoint/2010/main" val="1966503294"/>
+      </p:ext>
+    </p:extLst>
+  </p:cSld>
+  <p:clrMapOvr>
+    <a:masterClrMapping/>
+  </p:clrMapOvr>
+</p:sld>
+</file>
+
+<file path=ppt/slides/slide51.xml><?xml version="1.0" encoding="utf-8"?>
+<p:sld xmlns:a="http://schemas.openxmlformats.org/drawingml/2006/main" xmlns:r="http://schemas.openxmlformats.org/officeDocument/2006/relationships" xmlns:p="http://schemas.openxmlformats.org/presentationml/2006/main">
+  <p:cSld>
+    <p:spTree>
+      <p:nvGrpSpPr>
+        <p:cNvPr id="1" name=""/>
+        <p:cNvGrpSpPr/>
+        <p:nvPr/>
+      </p:nvGrpSpPr>
+      <p:grpSpPr>
+        <a:xfrm>
+          <a:off x="0" y="0"/>
+          <a:ext cx="0" cy="0"/>
+          <a:chOff x="0" y="0"/>
+          <a:chExt cx="0" cy="0"/>
+        </a:xfrm>
+      </p:grpSpPr>
+      <p:sp>
+        <p:nvSpPr>
+          <p:cNvPr id="2" name="标题 1"/>
+          <p:cNvSpPr>
+            <a:spLocks noGrp="1"/>
+          </p:cNvSpPr>
+          <p:nvPr>
+            <p:ph type="title"/>
+          </p:nvPr>
+        </p:nvSpPr>
+        <p:spPr/>
+        <p:txBody>
+          <a:bodyPr/>
+          <a:lstStyle/>
+          <a:p>
+            <a:r>
+              <a:rPr lang="zh-CN" altLang="en-US" dirty="0" smtClean="0"/>
+              <a:t>选取后移</a:t>
+            </a:r>
+            <a:r>
+              <a:rPr lang="en-US" altLang="zh-CN" dirty="0" smtClean="0"/>
+              <a:t>(Sigma Push)</a:t>
+            </a:r>
+            <a:endParaRPr lang="zh-CN" altLang="en-US" dirty="0"/>
+          </a:p>
+        </p:txBody>
+      </p:sp>
+      <p:sp>
+        <p:nvSpPr>
+          <p:cNvPr id="3" name="内容占位符 2"/>
+          <p:cNvSpPr>
+            <a:spLocks noGrp="1"/>
+          </p:cNvSpPr>
+          <p:nvPr>
+            <p:ph idx="1"/>
+          </p:nvPr>
+        </p:nvSpPr>
+        <p:spPr/>
+        <p:txBody>
+          <a:bodyPr/>
+          <a:lstStyle/>
+          <a:p>
+            <a:pPr marL="457200" indent="-457200">
+              <a:buFont typeface="+mj-lt"/>
+              <a:buAutoNum type="arabicPeriod"/>
+            </a:pPr>
+            <a:r>
+              <a:rPr lang="zh-CN" altLang="en-US" dirty="0"/>
+              <a:t>获取原 </a:t>
+            </a:r>
+            <a:r>
+              <a:rPr lang="en-US" altLang="zh-CN" dirty="0"/>
+              <a:t>SRA </a:t>
+            </a:r>
+            <a:r>
+              <a:rPr lang="zh-CN" altLang="en-US" dirty="0"/>
+              <a:t>中 </a:t>
+            </a:r>
+            <a:r>
+              <a:rPr lang="en-US" altLang="zh-CN" dirty="0"/>
+              <a:t>Select </a:t>
+            </a:r>
+            <a:r>
+              <a:rPr lang="zh-CN" altLang="en-US" dirty="0"/>
+              <a:t>中条件中的左边值所处的列引用</a:t>
+            </a:r>
+          </a:p>
+          <a:p>
+            <a:pPr marL="457200" indent="-457200">
+              <a:buFont typeface="+mj-lt"/>
+              <a:buAutoNum type="arabicPeriod"/>
+            </a:pPr>
+            <a:r>
+              <a:rPr lang="zh-CN" altLang="en-US" dirty="0"/>
+              <a:t>获取原 </a:t>
+            </a:r>
+            <a:r>
+              <a:rPr lang="en-US" altLang="zh-CN" dirty="0"/>
+              <a:t>SRA </a:t>
+            </a:r>
+            <a:r>
+              <a:rPr lang="zh-CN" altLang="en-US" dirty="0"/>
+              <a:t>中的自然连接中的两个表引用</a:t>
+            </a:r>
+          </a:p>
+          <a:p>
+            <a:pPr marL="457200" indent="-457200">
+              <a:buFont typeface="+mj-lt"/>
+              <a:buAutoNum type="arabicPeriod"/>
+            </a:pPr>
+            <a:r>
+              <a:rPr lang="zh-CN" altLang="en-US" dirty="0"/>
+              <a:t>与列引用中相同的表名记为 </a:t>
+            </a:r>
+            <a:r>
+              <a:rPr lang="en-US" altLang="zh-CN" dirty="0"/>
+              <a:t>table1, </a:t>
+            </a:r>
+            <a:r>
+              <a:rPr lang="zh-CN" altLang="en-US" dirty="0"/>
+              <a:t>另一个记为 </a:t>
+            </a:r>
+            <a:r>
+              <a:rPr lang="en-US" altLang="zh-CN" dirty="0"/>
+              <a:t>table2</a:t>
+            </a:r>
+          </a:p>
+          <a:p>
+            <a:pPr marL="457200" indent="-457200">
+              <a:buFont typeface="+mj-lt"/>
+              <a:buAutoNum type="arabicPeriod"/>
+            </a:pPr>
+            <a:r>
+              <a:rPr lang="zh-CN" altLang="en-US" dirty="0"/>
+              <a:t>为优化后的 </a:t>
+            </a:r>
+            <a:r>
+              <a:rPr lang="en-US" altLang="zh-CN" dirty="0"/>
+              <a:t>SRA </a:t>
+            </a:r>
+            <a:r>
+              <a:rPr lang="zh-CN" altLang="en-US" dirty="0"/>
+              <a:t>及成员分配空间</a:t>
+            </a:r>
+          </a:p>
+          <a:p>
+            <a:pPr marL="457200" indent="-457200">
+              <a:buFont typeface="+mj-lt"/>
+              <a:buAutoNum type="arabicPeriod"/>
+            </a:pPr>
+            <a:r>
+              <a:rPr lang="zh-CN" altLang="en-US" dirty="0"/>
+              <a:t>新 </a:t>
+            </a:r>
+            <a:r>
+              <a:rPr lang="en-US" altLang="zh-CN" dirty="0"/>
+              <a:t>SRA </a:t>
+            </a:r>
+            <a:r>
+              <a:rPr lang="zh-CN" altLang="en-US" dirty="0"/>
+              <a:t>中的自然连接的右边设置为 </a:t>
+            </a:r>
+            <a:r>
+              <a:rPr lang="en-US" altLang="zh-CN" dirty="0"/>
+              <a:t>Table </a:t>
+            </a:r>
+            <a:r>
+              <a:rPr lang="zh-CN" altLang="en-US" dirty="0"/>
+              <a:t>类型的 </a:t>
+            </a:r>
+            <a:r>
+              <a:rPr lang="en-US" altLang="zh-CN" dirty="0"/>
+              <a:t>SRA, </a:t>
+            </a:r>
+            <a:r>
+              <a:rPr lang="zh-CN" altLang="en-US" dirty="0"/>
+              <a:t>其连接的表名为 </a:t>
+            </a:r>
+            <a:r>
+              <a:rPr lang="en-US" altLang="zh-CN" dirty="0"/>
+              <a:t>table2</a:t>
+            </a:r>
+          </a:p>
+          <a:p>
+            <a:pPr marL="457200" indent="-457200">
+              <a:buFont typeface="+mj-lt"/>
+              <a:buAutoNum type="arabicPeriod"/>
+            </a:pPr>
+            <a:r>
+              <a:rPr lang="zh-CN" altLang="en-US" dirty="0"/>
+              <a:t>新 </a:t>
+            </a:r>
+            <a:r>
+              <a:rPr lang="en-US" altLang="zh-CN" dirty="0"/>
+              <a:t>SRA </a:t>
+            </a:r>
+            <a:r>
+              <a:rPr lang="zh-CN" altLang="en-US" dirty="0"/>
+              <a:t>中的 </a:t>
+            </a:r>
+            <a:r>
+              <a:rPr lang="en-US" altLang="zh-CN" dirty="0"/>
+              <a:t>Select </a:t>
+            </a:r>
+            <a:r>
+              <a:rPr lang="zh-CN" altLang="en-US" dirty="0"/>
+              <a:t>部分的条件与原 </a:t>
+            </a:r>
+            <a:r>
+              <a:rPr lang="en-US" altLang="zh-CN" dirty="0"/>
+              <a:t>SRA </a:t>
+            </a:r>
+            <a:r>
+              <a:rPr lang="zh-CN" altLang="en-US" dirty="0"/>
+              <a:t>中的条件相同</a:t>
+            </a:r>
+            <a:r>
+              <a:rPr lang="en-US" altLang="zh-CN" dirty="0"/>
+              <a:t>, Select </a:t>
+            </a:r>
+            <a:r>
+              <a:rPr lang="zh-CN" altLang="en-US" dirty="0"/>
+              <a:t>中的 </a:t>
+            </a:r>
+            <a:r>
+              <a:rPr lang="en-US" altLang="zh-CN" dirty="0"/>
+              <a:t>Table </a:t>
+            </a:r>
+            <a:r>
+              <a:rPr lang="zh-CN" altLang="en-US" dirty="0"/>
+              <a:t>连接的表名为 </a:t>
+            </a:r>
+            <a:r>
+              <a:rPr lang="en-US" altLang="zh-CN" dirty="0"/>
+              <a:t>table1</a:t>
+            </a:r>
+          </a:p>
+          <a:p>
+            <a:pPr marL="0" indent="0">
+              <a:buNone/>
+            </a:pPr>
+            <a:endParaRPr lang="zh-CN" altLang="en-US" dirty="0"/>
+          </a:p>
+        </p:txBody>
+      </p:sp>
+    </p:spTree>
+    <p:extLst>
+      <p:ext uri="{BB962C8B-B14F-4D97-AF65-F5344CB8AC3E}">
+        <p14:creationId xmlns:p14="http://schemas.microsoft.com/office/powerpoint/2010/main" val="1021749492"/>
+      </p:ext>
+    </p:extLst>
+  </p:cSld>
+  <p:clrMapOvr>
+    <a:masterClrMapping/>
+  </p:clrMapOvr>
+</p:sld>
+</file>
+
+<file path=ppt/slides/slide52.xml><?xml version="1.0" encoding="utf-8"?>
+<p:sld xmlns:a="http://schemas.openxmlformats.org/drawingml/2006/main" xmlns:r="http://schemas.openxmlformats.org/officeDocument/2006/relationships" xmlns:p="http://schemas.openxmlformats.org/presentationml/2006/main">
+  <p:cSld>
+    <p:spTree>
+      <p:nvGrpSpPr>
+        <p:cNvPr id="1" name=""/>
+        <p:cNvGrpSpPr/>
+        <p:nvPr/>
+      </p:nvGrpSpPr>
+      <p:grpSpPr>
+        <a:xfrm>
+          <a:off x="0" y="0"/>
+          <a:ext cx="0" cy="0"/>
+          <a:chOff x="0" y="0"/>
+          <a:chExt cx="0" cy="0"/>
+        </a:xfrm>
+      </p:grpSpPr>
+      <p:sp>
+        <p:nvSpPr>
+          <p:cNvPr id="2" name="流程图: 决策 1"/>
+          <p:cNvSpPr/>
+          <p:nvPr/>
+        </p:nvSpPr>
+        <p:spPr>
+          <a:xfrm>
+            <a:off x="2683510" y="1090209"/>
+            <a:ext cx="2406015" cy="791845"/>
+          </a:xfrm>
+          <a:prstGeom prst="flowChartDecision">
+            <a:avLst/>
+          </a:prstGeom>
+        </p:spPr>
+        <p:style>
+          <a:lnRef idx="2">
+            <a:schemeClr val="accent1">
+              <a:shade val="50000"/>
+            </a:schemeClr>
+          </a:lnRef>
+          <a:fillRef idx="1">
+            <a:schemeClr val="accent1"/>
+          </a:fillRef>
+          <a:effectRef idx="0">
+            <a:schemeClr val="accent1"/>
+          </a:effectRef>
+          <a:fontRef idx="minor">
+            <a:schemeClr val="lt1"/>
+          </a:fontRef>
+        </p:style>
+        <p:txBody>
+          <a:bodyPr rtlCol="0" anchor="ctr"/>
+          <a:lstStyle/>
+          <a:p>
+            <a:r>
+              <a:rPr lang="zh-CN" altLang="en-US" dirty="0">
+                <a:solidFill>
+                  <a:prstClr val="white"/>
+                </a:solidFill>
+              </a:rPr>
+              <a:t>是否满足优化条件</a:t>
+            </a:r>
+          </a:p>
+        </p:txBody>
+      </p:sp>
+      <p:sp>
+        <p:nvSpPr>
+          <p:cNvPr id="3" name="流程图: 可选过程 2"/>
+          <p:cNvSpPr/>
+          <p:nvPr/>
+        </p:nvSpPr>
+        <p:spPr>
+          <a:xfrm>
+            <a:off x="1269777" y="2563830"/>
+            <a:ext cx="1398905" cy="642937"/>
+          </a:xfrm>
+          <a:prstGeom prst="flowChartAlternateProcess">
+            <a:avLst/>
+          </a:prstGeom>
+        </p:spPr>
+        <p:style>
+          <a:lnRef idx="2">
+            <a:schemeClr val="accent1">
+              <a:shade val="50000"/>
+            </a:schemeClr>
+          </a:lnRef>
+          <a:fillRef idx="1">
+            <a:schemeClr val="accent1"/>
+          </a:fillRef>
+          <a:effectRef idx="0">
+            <a:schemeClr val="accent1"/>
+          </a:effectRef>
+          <a:fontRef idx="minor">
+            <a:schemeClr val="lt1"/>
+          </a:fontRef>
+        </p:style>
+        <p:txBody>
+          <a:bodyPr rtlCol="0" anchor="ctr"/>
+          <a:lstStyle/>
+          <a:p>
+            <a:r>
+              <a:rPr lang="zh-CN" altLang="en-US" dirty="0">
+                <a:solidFill>
+                  <a:prstClr val="white"/>
+                </a:solidFill>
+              </a:rPr>
+              <a:t>复制</a:t>
+            </a:r>
+            <a:r>
+              <a:rPr lang="zh-CN" altLang="en-US" dirty="0" smtClean="0">
+                <a:solidFill>
+                  <a:prstClr val="white"/>
+                </a:solidFill>
+              </a:rPr>
+              <a:t>原来的</a:t>
+            </a:r>
+            <a:r>
+              <a:rPr lang="en-US" altLang="zh-CN" dirty="0" smtClean="0">
+                <a:solidFill>
+                  <a:prstClr val="white"/>
+                </a:solidFill>
+              </a:rPr>
+              <a:t>SQL </a:t>
+            </a:r>
+            <a:r>
+              <a:rPr lang="zh-CN" altLang="en-US" dirty="0" smtClean="0">
+                <a:solidFill>
+                  <a:prstClr val="white"/>
+                </a:solidFill>
+              </a:rPr>
+              <a:t>返回</a:t>
+            </a:r>
+            <a:endParaRPr lang="zh-CN" altLang="en-US" dirty="0">
+              <a:solidFill>
+                <a:prstClr val="white"/>
+              </a:solidFill>
+            </a:endParaRPr>
+          </a:p>
+        </p:txBody>
+      </p:sp>
+      <p:sp>
+        <p:nvSpPr>
+          <p:cNvPr id="4" name="流程图: 可选过程 3"/>
+          <p:cNvSpPr/>
+          <p:nvPr/>
+        </p:nvSpPr>
+        <p:spPr>
+          <a:xfrm>
+            <a:off x="5599430" y="1664361"/>
+            <a:ext cx="1433195" cy="575945"/>
+          </a:xfrm>
+          <a:prstGeom prst="flowChartAlternateProcess">
+            <a:avLst/>
+          </a:prstGeom>
+        </p:spPr>
+        <p:style>
+          <a:lnRef idx="2">
+            <a:schemeClr val="accent1">
+              <a:shade val="50000"/>
+            </a:schemeClr>
+          </a:lnRef>
+          <a:fillRef idx="1">
+            <a:schemeClr val="accent1"/>
+          </a:fillRef>
+          <a:effectRef idx="0">
+            <a:schemeClr val="accent1"/>
+          </a:effectRef>
+          <a:fontRef idx="minor">
+            <a:schemeClr val="lt1"/>
+          </a:fontRef>
+        </p:style>
+        <p:txBody>
+          <a:bodyPr rtlCol="0" anchor="ctr"/>
+          <a:lstStyle/>
+          <a:p>
+            <a:r>
+              <a:rPr lang="zh-CN" altLang="en-US" dirty="0">
+                <a:solidFill>
+                  <a:prstClr val="white"/>
+                </a:solidFill>
+              </a:rPr>
+              <a:t>设置</a:t>
+            </a:r>
+            <a:r>
+              <a:rPr lang="en-US" altLang="zh-CN" dirty="0">
+                <a:solidFill>
+                  <a:prstClr val="white"/>
+                </a:solidFill>
+              </a:rPr>
+              <a:t>select</a:t>
+            </a:r>
+            <a:r>
+              <a:rPr lang="zh-CN" altLang="en-US" dirty="0">
+                <a:solidFill>
+                  <a:prstClr val="white"/>
+                </a:solidFill>
+              </a:rPr>
+              <a:t>类型</a:t>
+            </a:r>
+          </a:p>
+        </p:txBody>
+      </p:sp>
+      <p:sp>
+        <p:nvSpPr>
+          <p:cNvPr id="5" name="流程图: 可选过程 4"/>
+          <p:cNvSpPr/>
+          <p:nvPr/>
+        </p:nvSpPr>
+        <p:spPr>
+          <a:xfrm>
+            <a:off x="2683510" y="106594"/>
+            <a:ext cx="2393315" cy="575945"/>
+          </a:xfrm>
+          <a:prstGeom prst="flowChartAlternateProcess">
+            <a:avLst/>
+          </a:prstGeom>
+        </p:spPr>
+        <p:style>
+          <a:lnRef idx="2">
+            <a:schemeClr val="accent1">
+              <a:shade val="50000"/>
+            </a:schemeClr>
+          </a:lnRef>
+          <a:fillRef idx="1">
+            <a:schemeClr val="accent1"/>
+          </a:fillRef>
+          <a:effectRef idx="0">
+            <a:schemeClr val="accent1"/>
+          </a:effectRef>
+          <a:fontRef idx="minor">
+            <a:schemeClr val="lt1"/>
+          </a:fontRef>
+        </p:style>
+        <p:txBody>
+          <a:bodyPr rtlCol="0" anchor="ctr"/>
+          <a:lstStyle/>
+          <a:p>
+            <a:pPr algn="ctr"/>
+            <a:r>
+              <a:rPr lang="zh-CN" altLang="en-US" dirty="0" smtClean="0">
+                <a:solidFill>
+                  <a:prstClr val="white"/>
+                </a:solidFill>
+              </a:rPr>
+              <a:t>为优化后的</a:t>
+            </a:r>
+            <a:r>
+              <a:rPr lang="en-US" altLang="zh-CN" dirty="0" smtClean="0">
+                <a:solidFill>
+                  <a:prstClr val="white"/>
+                </a:solidFill>
+              </a:rPr>
+              <a:t>SRA</a:t>
+            </a:r>
+            <a:r>
+              <a:rPr lang="zh-CN" altLang="en-US" dirty="0" smtClean="0">
+                <a:solidFill>
+                  <a:prstClr val="white"/>
+                </a:solidFill>
+              </a:rPr>
+              <a:t>申请空间</a:t>
+            </a:r>
+            <a:endParaRPr lang="zh-CN" altLang="en-US" dirty="0">
+              <a:solidFill>
+                <a:prstClr val="white"/>
+              </a:solidFill>
+            </a:endParaRPr>
+          </a:p>
+        </p:txBody>
+      </p:sp>
+      <p:sp>
+        <p:nvSpPr>
+          <p:cNvPr id="9" name="圆角矩形 8"/>
+          <p:cNvSpPr/>
+          <p:nvPr/>
+        </p:nvSpPr>
+        <p:spPr>
+          <a:xfrm>
+            <a:off x="5395911" y="2465618"/>
+            <a:ext cx="1840231" cy="575945"/>
+          </a:xfrm>
+          <a:prstGeom prst="roundRect">
+            <a:avLst/>
+          </a:prstGeom>
+        </p:spPr>
+        <p:style>
+          <a:lnRef idx="2">
+            <a:schemeClr val="accent1">
+              <a:shade val="50000"/>
+            </a:schemeClr>
+          </a:lnRef>
+          <a:fillRef idx="1">
+            <a:schemeClr val="accent1"/>
+          </a:fillRef>
+          <a:effectRef idx="0">
+            <a:schemeClr val="accent1"/>
+          </a:effectRef>
+          <a:fontRef idx="minor">
+            <a:schemeClr val="lt1"/>
+          </a:fontRef>
+        </p:style>
+        <p:txBody>
+          <a:bodyPr rtlCol="0" anchor="ctr"/>
+          <a:lstStyle/>
+          <a:p>
+            <a:r>
+              <a:rPr lang="zh-CN" altLang="en-US" dirty="0">
+                <a:solidFill>
+                  <a:prstClr val="white"/>
+                </a:solidFill>
+              </a:rPr>
+              <a:t>复制</a:t>
+            </a:r>
+            <a:r>
+              <a:rPr lang="en-US" altLang="zh-CN" dirty="0">
+                <a:solidFill>
+                  <a:prstClr val="white"/>
+                </a:solidFill>
+              </a:rPr>
+              <a:t>project</a:t>
+            </a:r>
+            <a:r>
+              <a:rPr lang="zh-CN" altLang="en-US" dirty="0">
+                <a:solidFill>
+                  <a:prstClr val="white"/>
+                </a:solidFill>
+              </a:rPr>
+              <a:t>的</a:t>
+            </a:r>
+            <a:r>
+              <a:rPr lang="en-US" altLang="zh-CN" dirty="0" err="1">
+                <a:solidFill>
+                  <a:prstClr val="white"/>
+                </a:solidFill>
+              </a:rPr>
+              <a:t>expr_list</a:t>
+            </a:r>
+            <a:r>
+              <a:rPr lang="zh-CN" altLang="en-US" dirty="0">
+                <a:solidFill>
+                  <a:prstClr val="white"/>
+                </a:solidFill>
+              </a:rPr>
+              <a:t>部分</a:t>
+            </a:r>
+          </a:p>
+        </p:txBody>
+      </p:sp>
+      <p:sp>
+        <p:nvSpPr>
+          <p:cNvPr id="12" name="圆角矩形 11"/>
+          <p:cNvSpPr/>
+          <p:nvPr/>
+        </p:nvSpPr>
+        <p:spPr>
+          <a:xfrm>
+            <a:off x="5260651" y="3305603"/>
+            <a:ext cx="2110750" cy="593725"/>
+          </a:xfrm>
+          <a:prstGeom prst="roundRect">
+            <a:avLst/>
+          </a:prstGeom>
+        </p:spPr>
+        <p:style>
+          <a:lnRef idx="2">
+            <a:schemeClr val="accent1">
+              <a:shade val="50000"/>
+            </a:schemeClr>
+          </a:lnRef>
+          <a:fillRef idx="1">
+            <a:schemeClr val="accent1"/>
+          </a:fillRef>
+          <a:effectRef idx="0">
+            <a:schemeClr val="accent1"/>
+          </a:effectRef>
+          <a:fontRef idx="minor">
+            <a:schemeClr val="lt1"/>
+          </a:fontRef>
+        </p:style>
+        <p:txBody>
+          <a:bodyPr rtlCol="0" anchor="ctr"/>
+          <a:lstStyle/>
+          <a:p>
+            <a:r>
+              <a:rPr lang="zh-CN" altLang="en-US" dirty="0">
+                <a:solidFill>
+                  <a:prstClr val="white"/>
+                </a:solidFill>
+              </a:rPr>
+              <a:t>设置</a:t>
+            </a:r>
+            <a:r>
+              <a:rPr lang="en-US" altLang="zh-CN" dirty="0">
+                <a:solidFill>
+                  <a:prstClr val="white"/>
+                </a:solidFill>
+              </a:rPr>
+              <a:t>select</a:t>
+            </a:r>
+            <a:r>
+              <a:rPr lang="zh-CN" altLang="en-US" dirty="0">
+                <a:solidFill>
+                  <a:prstClr val="white"/>
+                </a:solidFill>
+              </a:rPr>
+              <a:t>类型为</a:t>
+            </a:r>
+            <a:r>
+              <a:rPr lang="en-US" altLang="zh-CN" dirty="0">
+                <a:solidFill>
+                  <a:prstClr val="white"/>
+                </a:solidFill>
+              </a:rPr>
+              <a:t>SRA_PROJECT</a:t>
+            </a:r>
+            <a:endParaRPr lang="zh-CN" altLang="en-US" dirty="0">
+              <a:solidFill>
+                <a:prstClr val="white"/>
+              </a:solidFill>
+            </a:endParaRPr>
+          </a:p>
+        </p:txBody>
+      </p:sp>
+      <p:sp>
+        <p:nvSpPr>
+          <p:cNvPr id="14" name="圆角矩形 13"/>
+          <p:cNvSpPr/>
+          <p:nvPr/>
+        </p:nvSpPr>
+        <p:spPr>
+          <a:xfrm>
+            <a:off x="5122125" y="4163608"/>
+            <a:ext cx="2387806" cy="829945"/>
+          </a:xfrm>
+          <a:prstGeom prst="roundRect">
+            <a:avLst/>
+          </a:prstGeom>
+        </p:spPr>
+        <p:style>
+          <a:lnRef idx="2">
+            <a:schemeClr val="accent1">
+              <a:shade val="50000"/>
+            </a:schemeClr>
+          </a:lnRef>
+          <a:fillRef idx="1">
+            <a:schemeClr val="accent1"/>
+          </a:fillRef>
+          <a:effectRef idx="0">
+            <a:schemeClr val="accent1"/>
+          </a:effectRef>
+          <a:fontRef idx="minor">
+            <a:schemeClr val="lt1"/>
+          </a:fontRef>
+        </p:style>
+        <p:txBody>
+          <a:bodyPr rtlCol="0" anchor="ctr"/>
+          <a:lstStyle/>
+          <a:p>
+            <a:r>
+              <a:rPr lang="zh-CN" altLang="en-US" dirty="0">
+                <a:solidFill>
+                  <a:prstClr val="white"/>
+                </a:solidFill>
+              </a:rPr>
+              <a:t>为优化后的</a:t>
+            </a:r>
+            <a:r>
+              <a:rPr lang="en-US" altLang="zh-CN" dirty="0" err="1">
+                <a:solidFill>
+                  <a:prstClr val="white"/>
+                </a:solidFill>
+              </a:rPr>
+              <a:t>stmt</a:t>
+            </a:r>
+            <a:r>
+              <a:rPr lang="zh-CN" altLang="en-US" dirty="0">
+                <a:solidFill>
+                  <a:prstClr val="white"/>
+                </a:solidFill>
+              </a:rPr>
+              <a:t>生成</a:t>
+            </a:r>
+            <a:r>
+              <a:rPr lang="en-US" altLang="zh-CN" dirty="0" err="1">
+                <a:solidFill>
+                  <a:prstClr val="white"/>
+                </a:solidFill>
+              </a:rPr>
+              <a:t>narutaljoin</a:t>
+            </a:r>
+            <a:r>
+              <a:rPr lang="en-US" altLang="zh-CN" dirty="0">
+                <a:solidFill>
+                  <a:prstClr val="white"/>
+                </a:solidFill>
+              </a:rPr>
+              <a:t> </a:t>
+            </a:r>
+            <a:r>
+              <a:rPr lang="zh-CN" altLang="en-US" dirty="0">
+                <a:solidFill>
+                  <a:prstClr val="white"/>
+                </a:solidFill>
+              </a:rPr>
+              <a:t>设置类型</a:t>
+            </a:r>
+            <a:r>
+              <a:rPr lang="zh-CN" altLang="en-US" dirty="0" smtClean="0">
+                <a:solidFill>
+                  <a:prstClr val="white"/>
+                </a:solidFill>
+              </a:rPr>
+              <a:t>为自然连接</a:t>
+            </a:r>
+            <a:endParaRPr lang="zh-CN" altLang="en-US" dirty="0">
+              <a:solidFill>
+                <a:prstClr val="white"/>
+              </a:solidFill>
+            </a:endParaRPr>
+          </a:p>
+        </p:txBody>
+      </p:sp>
+      <p:cxnSp>
+        <p:nvCxnSpPr>
+          <p:cNvPr id="16" name="直接箭头连接符 15"/>
+          <p:cNvCxnSpPr>
+            <a:stCxn id="5" idx="2"/>
+            <a:endCxn id="2" idx="0"/>
+          </p:cNvCxnSpPr>
+          <p:nvPr/>
+        </p:nvCxnSpPr>
+        <p:spPr>
+          <a:xfrm>
+            <a:off x="3880168" y="682539"/>
+            <a:ext cx="6350" cy="407670"/>
+          </a:xfrm>
+          <a:prstGeom prst="straightConnector1">
+            <a:avLst/>
+          </a:prstGeom>
+          <a:ln>
+            <a:solidFill>
+              <a:schemeClr val="tx1"/>
+            </a:solidFill>
+            <a:tailEnd type="arrow" w="med" len="med"/>
+          </a:ln>
+        </p:spPr>
+        <p:style>
+          <a:lnRef idx="1">
+            <a:schemeClr val="dk1"/>
+          </a:lnRef>
+          <a:fillRef idx="0">
+            <a:schemeClr val="dk1"/>
+          </a:fillRef>
+          <a:effectRef idx="0">
+            <a:schemeClr val="dk1"/>
+          </a:effectRef>
+          <a:fontRef idx="minor">
+            <a:schemeClr val="tx1"/>
+          </a:fontRef>
+        </p:style>
+      </p:cxnSp>
+      <p:cxnSp>
+        <p:nvCxnSpPr>
+          <p:cNvPr id="17" name="肘形连接符 16"/>
+          <p:cNvCxnSpPr>
+            <a:stCxn id="2" idx="1"/>
+            <a:endCxn id="3" idx="0"/>
+          </p:cNvCxnSpPr>
+          <p:nvPr/>
+        </p:nvCxnSpPr>
+        <p:spPr>
+          <a:xfrm rot="10800000" flipV="1">
+            <a:off x="1969230" y="1486132"/>
+            <a:ext cx="714280" cy="1077698"/>
+          </a:xfrm>
+          <a:prstGeom prst="bentConnector2">
+            <a:avLst/>
+          </a:prstGeom>
+          <a:ln>
+            <a:solidFill>
+              <a:schemeClr val="tx1"/>
+            </a:solidFill>
+            <a:tailEnd type="arrow" w="med" len="med"/>
+          </a:ln>
+        </p:spPr>
+        <p:style>
+          <a:lnRef idx="1">
+            <a:schemeClr val="dk1"/>
+          </a:lnRef>
+          <a:fillRef idx="0">
+            <a:schemeClr val="dk1"/>
+          </a:fillRef>
+          <a:effectRef idx="0">
+            <a:schemeClr val="dk1"/>
+          </a:effectRef>
+          <a:fontRef idx="minor">
+            <a:schemeClr val="tx1"/>
+          </a:fontRef>
+        </p:style>
+      </p:cxnSp>
+      <p:cxnSp>
+        <p:nvCxnSpPr>
+          <p:cNvPr id="18" name="肘形连接符 17"/>
+          <p:cNvCxnSpPr>
+            <a:stCxn id="2" idx="3"/>
+            <a:endCxn id="4" idx="0"/>
+          </p:cNvCxnSpPr>
+          <p:nvPr/>
+        </p:nvCxnSpPr>
+        <p:spPr>
+          <a:xfrm>
+            <a:off x="5089525" y="1486132"/>
+            <a:ext cx="1226503" cy="178229"/>
+          </a:xfrm>
+          <a:prstGeom prst="bentConnector2">
+            <a:avLst/>
+          </a:prstGeom>
+          <a:ln>
+            <a:solidFill>
+              <a:schemeClr val="tx1"/>
+            </a:solidFill>
+            <a:tailEnd type="arrow" w="med" len="med"/>
+          </a:ln>
+        </p:spPr>
+        <p:style>
+          <a:lnRef idx="1">
+            <a:schemeClr val="dk1"/>
+          </a:lnRef>
+          <a:fillRef idx="0">
+            <a:schemeClr val="dk1"/>
+          </a:fillRef>
+          <a:effectRef idx="0">
+            <a:schemeClr val="dk1"/>
+          </a:effectRef>
+          <a:fontRef idx="minor">
+            <a:schemeClr val="tx1"/>
+          </a:fontRef>
+        </p:style>
+      </p:cxnSp>
+      <p:cxnSp>
+        <p:nvCxnSpPr>
+          <p:cNvPr id="19" name="直接箭头连接符 18"/>
+          <p:cNvCxnSpPr>
+            <a:stCxn id="4" idx="2"/>
+            <a:endCxn id="9" idx="0"/>
+          </p:cNvCxnSpPr>
+          <p:nvPr/>
+        </p:nvCxnSpPr>
+        <p:spPr>
+          <a:xfrm flipH="1">
+            <a:off x="6316027" y="2240306"/>
+            <a:ext cx="1" cy="225312"/>
+          </a:xfrm>
+          <a:prstGeom prst="straightConnector1">
+            <a:avLst/>
+          </a:prstGeom>
+          <a:ln>
+            <a:solidFill>
+              <a:schemeClr val="tx1"/>
+            </a:solidFill>
+            <a:tailEnd type="arrow" w="med" len="med"/>
+          </a:ln>
+        </p:spPr>
+        <p:style>
+          <a:lnRef idx="1">
+            <a:schemeClr val="dk1"/>
+          </a:lnRef>
+          <a:fillRef idx="0">
+            <a:schemeClr val="dk1"/>
+          </a:fillRef>
+          <a:effectRef idx="0">
+            <a:schemeClr val="dk1"/>
+          </a:effectRef>
+          <a:fontRef idx="minor">
+            <a:schemeClr val="tx1"/>
+          </a:fontRef>
+        </p:style>
+      </p:cxnSp>
+      <p:cxnSp>
+        <p:nvCxnSpPr>
+          <p:cNvPr id="20" name="直接箭头连接符 19"/>
+          <p:cNvCxnSpPr/>
+          <p:nvPr/>
+        </p:nvCxnSpPr>
+        <p:spPr>
+          <a:xfrm flipH="1">
+            <a:off x="6498592" y="3308264"/>
+            <a:ext cx="52386" cy="237490"/>
+          </a:xfrm>
+          <a:prstGeom prst="straightConnector1">
+            <a:avLst/>
+          </a:prstGeom>
+          <a:ln>
+            <a:tailEnd type="arrow"/>
+          </a:ln>
+        </p:spPr>
+        <p:style>
+          <a:lnRef idx="1">
+            <a:schemeClr val="accent1"/>
+          </a:lnRef>
+          <a:fillRef idx="0">
+            <a:schemeClr val="accent1"/>
+          </a:fillRef>
+          <a:effectRef idx="0">
+            <a:schemeClr val="accent1"/>
+          </a:effectRef>
+          <a:fontRef idx="minor">
+            <a:schemeClr val="tx1"/>
+          </a:fontRef>
+        </p:style>
+      </p:cxnSp>
+      <p:cxnSp>
+        <p:nvCxnSpPr>
+          <p:cNvPr id="21" name="直接箭头连接符 20"/>
+          <p:cNvCxnSpPr>
+            <a:stCxn id="9" idx="2"/>
+            <a:endCxn id="12" idx="0"/>
+          </p:cNvCxnSpPr>
+          <p:nvPr/>
+        </p:nvCxnSpPr>
+        <p:spPr>
+          <a:xfrm flipH="1">
+            <a:off x="6316026" y="3041563"/>
+            <a:ext cx="1" cy="264040"/>
+          </a:xfrm>
+          <a:prstGeom prst="straightConnector1">
+            <a:avLst/>
+          </a:prstGeom>
+          <a:ln>
+            <a:solidFill>
+              <a:schemeClr val="tx1"/>
+            </a:solidFill>
+            <a:tailEnd type="arrow" w="med" len="med"/>
+          </a:ln>
+        </p:spPr>
+        <p:style>
+          <a:lnRef idx="1">
+            <a:schemeClr val="dk1"/>
+          </a:lnRef>
+          <a:fillRef idx="0">
+            <a:schemeClr val="dk1"/>
+          </a:fillRef>
+          <a:effectRef idx="0">
+            <a:schemeClr val="dk1"/>
+          </a:effectRef>
+          <a:fontRef idx="minor">
+            <a:schemeClr val="tx1"/>
+          </a:fontRef>
+        </p:style>
+      </p:cxnSp>
+      <p:cxnSp>
+        <p:nvCxnSpPr>
+          <p:cNvPr id="22" name="直接箭头连接符 21"/>
+          <p:cNvCxnSpPr>
+            <a:stCxn id="12" idx="2"/>
+            <a:endCxn id="14" idx="0"/>
+          </p:cNvCxnSpPr>
+          <p:nvPr/>
+        </p:nvCxnSpPr>
+        <p:spPr>
+          <a:xfrm>
+            <a:off x="6316026" y="3899328"/>
+            <a:ext cx="2" cy="264280"/>
+          </a:xfrm>
+          <a:prstGeom prst="straightConnector1">
+            <a:avLst/>
+          </a:prstGeom>
+          <a:ln>
+            <a:solidFill>
+              <a:schemeClr val="tx1"/>
+            </a:solidFill>
+            <a:tailEnd type="arrow" w="med" len="med"/>
+          </a:ln>
+        </p:spPr>
+        <p:style>
+          <a:lnRef idx="1">
+            <a:schemeClr val="dk1"/>
+          </a:lnRef>
+          <a:fillRef idx="0">
+            <a:schemeClr val="dk1"/>
+          </a:fillRef>
+          <a:effectRef idx="0">
+            <a:schemeClr val="dk1"/>
+          </a:effectRef>
+          <a:fontRef idx="minor">
+            <a:schemeClr val="tx1"/>
+          </a:fontRef>
+        </p:style>
+      </p:cxnSp>
+      <p:sp>
+        <p:nvSpPr>
+          <p:cNvPr id="23" name="文本框 32"/>
+          <p:cNvSpPr txBox="1"/>
+          <p:nvPr/>
+        </p:nvSpPr>
+        <p:spPr>
+          <a:xfrm>
+            <a:off x="2468880" y="906059"/>
+            <a:ext cx="429260" cy="368300"/>
+          </a:xfrm>
+          <a:prstGeom prst="rect">
+            <a:avLst/>
+          </a:prstGeom>
+          <a:noFill/>
+        </p:spPr>
+        <p:txBody>
+          <a:bodyPr wrap="square" rtlCol="0">
+            <a:spAutoFit/>
+          </a:bodyPr>
+          <a:lstStyle/>
+          <a:p>
+            <a:r>
+              <a:rPr lang="zh-CN" altLang="en-US">
+                <a:solidFill>
+                  <a:prstClr val="white"/>
+                </a:solidFill>
+              </a:rPr>
+              <a:t>否</a:t>
+            </a:r>
+          </a:p>
+        </p:txBody>
+      </p:sp>
+      <p:sp>
+        <p:nvSpPr>
+          <p:cNvPr id="24" name="文本框 33"/>
+          <p:cNvSpPr txBox="1"/>
+          <p:nvPr/>
+        </p:nvSpPr>
+        <p:spPr>
+          <a:xfrm>
+            <a:off x="5418455" y="935269"/>
+            <a:ext cx="432435" cy="368300"/>
+          </a:xfrm>
+          <a:prstGeom prst="rect">
+            <a:avLst/>
+          </a:prstGeom>
+          <a:noFill/>
+        </p:spPr>
+        <p:txBody>
+          <a:bodyPr wrap="square" rtlCol="0">
+            <a:spAutoFit/>
+          </a:bodyPr>
+          <a:lstStyle/>
+          <a:p>
+            <a:r>
+              <a:rPr lang="zh-CN" altLang="en-US">
+                <a:solidFill>
+                  <a:prstClr val="white"/>
+                </a:solidFill>
+              </a:rPr>
+              <a:t>是</a:t>
+            </a:r>
+          </a:p>
+        </p:txBody>
+      </p:sp>
+    </p:spTree>
+    <p:extLst>
+      <p:ext uri="{BB962C8B-B14F-4D97-AF65-F5344CB8AC3E}">
+        <p14:creationId xmlns:p14="http://schemas.microsoft.com/office/powerpoint/2010/main" val="430446625"/>
+      </p:ext>
+    </p:extLst>
+  </p:cSld>
+  <p:clrMapOvr>
+    <a:masterClrMapping/>
+  </p:clrMapOvr>
+</p:sld>
+</file>
+
+<file path=ppt/slides/slide53.xml><?xml version="1.0" encoding="utf-8"?>
+<p:sld xmlns:a="http://schemas.openxmlformats.org/drawingml/2006/main" xmlns:r="http://schemas.openxmlformats.org/officeDocument/2006/relationships" xmlns:p="http://schemas.openxmlformats.org/presentationml/2006/main">
+  <p:cSld>
+    <p:spTree>
+      <p:nvGrpSpPr>
+        <p:cNvPr id="1" name=""/>
+        <p:cNvGrpSpPr/>
+        <p:nvPr/>
+      </p:nvGrpSpPr>
+      <p:grpSpPr>
+        <a:xfrm>
+          <a:off x="0" y="0"/>
+          <a:ext cx="0" cy="0"/>
+          <a:chOff x="0" y="0"/>
+          <a:chExt cx="0" cy="0"/>
+        </a:xfrm>
+      </p:grpSpPr>
+      <p:sp>
+        <p:nvSpPr>
+          <p:cNvPr id="2" name="圆角矩形 1"/>
+          <p:cNvSpPr/>
+          <p:nvPr/>
+        </p:nvSpPr>
+        <p:spPr>
+          <a:xfrm>
+            <a:off x="2761425" y="322595"/>
+            <a:ext cx="3119260" cy="503555"/>
+          </a:xfrm>
+          <a:prstGeom prst="roundRect">
+            <a:avLst/>
+          </a:prstGeom>
+        </p:spPr>
+        <p:style>
+          <a:lnRef idx="2">
+            <a:schemeClr val="accent1">
+              <a:shade val="50000"/>
+            </a:schemeClr>
+          </a:lnRef>
+          <a:fillRef idx="1">
+            <a:schemeClr val="accent1"/>
+          </a:fillRef>
+          <a:effectRef idx="0">
+            <a:schemeClr val="accent1"/>
+          </a:effectRef>
+          <a:fontRef idx="minor">
+            <a:schemeClr val="lt1"/>
+          </a:fontRef>
+        </p:style>
+        <p:txBody>
+          <a:bodyPr rtlCol="0" anchor="ctr"/>
+          <a:lstStyle/>
+          <a:p>
+            <a:r>
+              <a:rPr lang="zh-CN" altLang="en-US" dirty="0">
+                <a:solidFill>
+                  <a:prstClr val="white"/>
+                </a:solidFill>
+              </a:rPr>
+              <a:t>记录原语句比较时出现的表</a:t>
+            </a:r>
+          </a:p>
+        </p:txBody>
+      </p:sp>
+      <p:sp>
+        <p:nvSpPr>
+          <p:cNvPr id="3" name="圆角矩形 2"/>
+          <p:cNvSpPr/>
+          <p:nvPr/>
+        </p:nvSpPr>
+        <p:spPr>
+          <a:xfrm>
+            <a:off x="2892901" y="1160797"/>
+            <a:ext cx="2854960" cy="503555"/>
+          </a:xfrm>
+          <a:prstGeom prst="roundRect">
+            <a:avLst/>
+          </a:prstGeom>
+        </p:spPr>
+        <p:style>
+          <a:lnRef idx="2">
+            <a:schemeClr val="accent1">
+              <a:shade val="50000"/>
+            </a:schemeClr>
+          </a:lnRef>
+          <a:fillRef idx="1">
+            <a:schemeClr val="accent1"/>
+          </a:fillRef>
+          <a:effectRef idx="0">
+            <a:schemeClr val="accent1"/>
+          </a:effectRef>
+          <a:fontRef idx="minor">
+            <a:schemeClr val="lt1"/>
+          </a:fontRef>
+        </p:style>
+        <p:txBody>
+          <a:bodyPr rtlCol="0" anchor="ctr"/>
+          <a:lstStyle/>
+          <a:p>
+            <a:r>
+              <a:rPr lang="zh-CN" altLang="en-US" dirty="0">
+                <a:solidFill>
+                  <a:prstClr val="white"/>
+                </a:solidFill>
+              </a:rPr>
+              <a:t>记录自然连接中的另一表</a:t>
+            </a:r>
+          </a:p>
+        </p:txBody>
+      </p:sp>
+      <p:sp>
+        <p:nvSpPr>
+          <p:cNvPr id="4" name="圆角矩形 3"/>
+          <p:cNvSpPr/>
+          <p:nvPr/>
+        </p:nvSpPr>
+        <p:spPr>
+          <a:xfrm>
+            <a:off x="2922428" y="1953277"/>
+            <a:ext cx="2795905" cy="503555"/>
+          </a:xfrm>
+          <a:prstGeom prst="roundRect">
+            <a:avLst/>
+          </a:prstGeom>
+        </p:spPr>
+        <p:style>
+          <a:lnRef idx="2">
+            <a:schemeClr val="accent1">
+              <a:shade val="50000"/>
+            </a:schemeClr>
+          </a:lnRef>
+          <a:fillRef idx="1">
+            <a:schemeClr val="accent1"/>
+          </a:fillRef>
+          <a:effectRef idx="0">
+            <a:schemeClr val="accent1"/>
+          </a:effectRef>
+          <a:fontRef idx="minor">
+            <a:schemeClr val="lt1"/>
+          </a:fontRef>
+        </p:style>
+        <p:txBody>
+          <a:bodyPr rtlCol="0" anchor="ctr"/>
+          <a:lstStyle/>
+          <a:p>
+            <a:r>
+              <a:rPr lang="zh-CN" altLang="en-US" dirty="0">
+                <a:solidFill>
+                  <a:prstClr val="white"/>
+                </a:solidFill>
+              </a:rPr>
+              <a:t>设置连接的左边为</a:t>
+            </a:r>
+            <a:r>
+              <a:rPr lang="en-US" altLang="zh-CN" dirty="0">
+                <a:solidFill>
+                  <a:prstClr val="white"/>
+                </a:solidFill>
+              </a:rPr>
+              <a:t>select</a:t>
+            </a:r>
+          </a:p>
+        </p:txBody>
+      </p:sp>
+      <p:sp>
+        <p:nvSpPr>
+          <p:cNvPr id="5" name="圆角矩形 4"/>
+          <p:cNvSpPr/>
+          <p:nvPr/>
+        </p:nvSpPr>
+        <p:spPr>
+          <a:xfrm>
+            <a:off x="3114555" y="2772427"/>
+            <a:ext cx="2413000" cy="503555"/>
+          </a:xfrm>
+          <a:prstGeom prst="roundRect">
+            <a:avLst/>
+          </a:prstGeom>
+        </p:spPr>
+        <p:style>
+          <a:lnRef idx="2">
+            <a:schemeClr val="accent1">
+              <a:shade val="50000"/>
+            </a:schemeClr>
+          </a:lnRef>
+          <a:fillRef idx="1">
+            <a:schemeClr val="accent1"/>
+          </a:fillRef>
+          <a:effectRef idx="0">
+            <a:schemeClr val="accent1"/>
+          </a:effectRef>
+          <a:fontRef idx="minor">
+            <a:schemeClr val="lt1"/>
+          </a:fontRef>
+        </p:style>
+        <p:txBody>
+          <a:bodyPr rtlCol="0" anchor="ctr"/>
+          <a:lstStyle/>
+          <a:p>
+            <a:r>
+              <a:rPr lang="zh-CN" altLang="en-US" dirty="0">
+                <a:solidFill>
+                  <a:prstClr val="white"/>
+                </a:solidFill>
+              </a:rPr>
+              <a:t>设置</a:t>
+            </a:r>
+            <a:r>
+              <a:rPr lang="en-US" altLang="zh-CN" dirty="0">
+                <a:solidFill>
+                  <a:prstClr val="white"/>
+                </a:solidFill>
+              </a:rPr>
+              <a:t>select</a:t>
+            </a:r>
+            <a:r>
+              <a:rPr lang="zh-CN" altLang="en-US" dirty="0">
+                <a:solidFill>
+                  <a:prstClr val="white"/>
+                </a:solidFill>
+              </a:rPr>
+              <a:t>中的表</a:t>
+            </a:r>
+          </a:p>
+        </p:txBody>
+      </p:sp>
+      <p:sp>
+        <p:nvSpPr>
+          <p:cNvPr id="6" name="圆角矩形 5"/>
+          <p:cNvSpPr/>
+          <p:nvPr/>
+        </p:nvSpPr>
+        <p:spPr>
+          <a:xfrm>
+            <a:off x="3258660" y="3558607"/>
+            <a:ext cx="2123440" cy="503555"/>
+          </a:xfrm>
+          <a:prstGeom prst="roundRect">
+            <a:avLst/>
+          </a:prstGeom>
+        </p:spPr>
+        <p:style>
+          <a:lnRef idx="2">
+            <a:schemeClr val="accent1">
+              <a:shade val="50000"/>
+            </a:schemeClr>
+          </a:lnRef>
+          <a:fillRef idx="1">
+            <a:schemeClr val="accent1"/>
+          </a:fillRef>
+          <a:effectRef idx="0">
+            <a:schemeClr val="accent1"/>
+          </a:effectRef>
+          <a:fontRef idx="minor">
+            <a:schemeClr val="lt1"/>
+          </a:fontRef>
+        </p:style>
+        <p:txBody>
+          <a:bodyPr rtlCol="0" anchor="ctr"/>
+          <a:lstStyle/>
+          <a:p>
+            <a:r>
+              <a:rPr lang="zh-CN" altLang="en-US" dirty="0">
+                <a:solidFill>
+                  <a:prstClr val="white"/>
+                </a:solidFill>
+              </a:rPr>
+              <a:t>设置</a:t>
+            </a:r>
+            <a:r>
+              <a:rPr lang="en-US" altLang="zh-CN" dirty="0">
+                <a:solidFill>
+                  <a:prstClr val="white"/>
+                </a:solidFill>
+              </a:rPr>
+              <a:t>table</a:t>
+            </a:r>
+            <a:r>
+              <a:rPr lang="zh-CN" altLang="en-US" dirty="0">
+                <a:solidFill>
+                  <a:prstClr val="white"/>
+                </a:solidFill>
+              </a:rPr>
+              <a:t>中的表</a:t>
+            </a:r>
+          </a:p>
+        </p:txBody>
+      </p:sp>
+      <p:cxnSp>
+        <p:nvCxnSpPr>
+          <p:cNvPr id="12" name="直接箭头连接符 11"/>
+          <p:cNvCxnSpPr>
+            <a:stCxn id="2" idx="2"/>
+            <a:endCxn id="3" idx="0"/>
+          </p:cNvCxnSpPr>
+          <p:nvPr/>
+        </p:nvCxnSpPr>
+        <p:spPr>
+          <a:xfrm flipH="1">
+            <a:off x="4320381" y="826150"/>
+            <a:ext cx="674" cy="334647"/>
+          </a:xfrm>
+          <a:prstGeom prst="straightConnector1">
+            <a:avLst/>
+          </a:prstGeom>
+          <a:ln>
+            <a:solidFill>
+              <a:schemeClr val="tx1"/>
+            </a:solidFill>
+            <a:tailEnd type="arrow" w="med" len="med"/>
+          </a:ln>
+        </p:spPr>
+        <p:style>
+          <a:lnRef idx="1">
+            <a:schemeClr val="dk1"/>
+          </a:lnRef>
+          <a:fillRef idx="0">
+            <a:schemeClr val="dk1"/>
+          </a:fillRef>
+          <a:effectRef idx="0">
+            <a:schemeClr val="dk1"/>
+          </a:effectRef>
+          <a:fontRef idx="minor">
+            <a:schemeClr val="tx1"/>
+          </a:fontRef>
+        </p:style>
+      </p:cxnSp>
+      <p:cxnSp>
+        <p:nvCxnSpPr>
+          <p:cNvPr id="13" name="直接箭头连接符 12"/>
+          <p:cNvCxnSpPr>
+            <a:stCxn id="3" idx="2"/>
+            <a:endCxn id="4" idx="0"/>
+          </p:cNvCxnSpPr>
+          <p:nvPr/>
+        </p:nvCxnSpPr>
+        <p:spPr>
+          <a:xfrm>
+            <a:off x="4320381" y="1664352"/>
+            <a:ext cx="0" cy="288925"/>
+          </a:xfrm>
+          <a:prstGeom prst="straightConnector1">
+            <a:avLst/>
+          </a:prstGeom>
+          <a:ln>
+            <a:solidFill>
+              <a:schemeClr val="tx1"/>
+            </a:solidFill>
+            <a:tailEnd type="arrow" w="med" len="med"/>
+          </a:ln>
+        </p:spPr>
+        <p:style>
+          <a:lnRef idx="1">
+            <a:schemeClr val="dk1"/>
+          </a:lnRef>
+          <a:fillRef idx="0">
+            <a:schemeClr val="dk1"/>
+          </a:fillRef>
+          <a:effectRef idx="0">
+            <a:schemeClr val="dk1"/>
+          </a:effectRef>
+          <a:fontRef idx="minor">
+            <a:schemeClr val="tx1"/>
+          </a:fontRef>
+        </p:style>
+      </p:cxnSp>
+      <p:cxnSp>
+        <p:nvCxnSpPr>
+          <p:cNvPr id="14" name="直接箭头连接符 13"/>
+          <p:cNvCxnSpPr>
+            <a:stCxn id="4" idx="2"/>
+            <a:endCxn id="5" idx="0"/>
+          </p:cNvCxnSpPr>
+          <p:nvPr/>
+        </p:nvCxnSpPr>
+        <p:spPr>
+          <a:xfrm>
+            <a:off x="4320381" y="2456832"/>
+            <a:ext cx="674" cy="315595"/>
+          </a:xfrm>
+          <a:prstGeom prst="straightConnector1">
+            <a:avLst/>
+          </a:prstGeom>
+          <a:ln>
+            <a:solidFill>
+              <a:schemeClr val="tx1"/>
+            </a:solidFill>
+            <a:tailEnd type="arrow" w="med" len="med"/>
+          </a:ln>
+        </p:spPr>
+        <p:style>
+          <a:lnRef idx="1">
+            <a:schemeClr val="dk1"/>
+          </a:lnRef>
+          <a:fillRef idx="0">
+            <a:schemeClr val="dk1"/>
+          </a:fillRef>
+          <a:effectRef idx="0">
+            <a:schemeClr val="dk1"/>
+          </a:effectRef>
+          <a:fontRef idx="minor">
+            <a:schemeClr val="tx1"/>
+          </a:fontRef>
+        </p:style>
+      </p:cxnSp>
+      <p:cxnSp>
+        <p:nvCxnSpPr>
+          <p:cNvPr id="15" name="直接箭头连接符 14"/>
+          <p:cNvCxnSpPr>
+            <a:stCxn id="5" idx="2"/>
+            <a:endCxn id="6" idx="0"/>
+          </p:cNvCxnSpPr>
+          <p:nvPr/>
+        </p:nvCxnSpPr>
+        <p:spPr>
+          <a:xfrm flipH="1">
+            <a:off x="4320380" y="3275982"/>
+            <a:ext cx="675" cy="282625"/>
+          </a:xfrm>
+          <a:prstGeom prst="straightConnector1">
+            <a:avLst/>
+          </a:prstGeom>
+          <a:ln>
+            <a:solidFill>
+              <a:schemeClr val="tx1"/>
+            </a:solidFill>
+            <a:tailEnd type="arrow" w="med" len="med"/>
+          </a:ln>
+        </p:spPr>
+        <p:style>
+          <a:lnRef idx="1">
+            <a:schemeClr val="dk1"/>
+          </a:lnRef>
+          <a:fillRef idx="0">
+            <a:schemeClr val="dk1"/>
+          </a:fillRef>
+          <a:effectRef idx="0">
+            <a:schemeClr val="dk1"/>
+          </a:effectRef>
+          <a:fontRef idx="minor">
+            <a:schemeClr val="tx1"/>
+          </a:fontRef>
+        </p:style>
+      </p:cxnSp>
+      <p:cxnSp>
+        <p:nvCxnSpPr>
+          <p:cNvPr id="16" name="直接箭头连接符 15"/>
+          <p:cNvCxnSpPr>
+            <a:stCxn id="6" idx="2"/>
+            <a:endCxn id="17" idx="0"/>
+          </p:cNvCxnSpPr>
+          <p:nvPr/>
+        </p:nvCxnSpPr>
+        <p:spPr>
+          <a:xfrm>
+            <a:off x="4320380" y="4062162"/>
+            <a:ext cx="675" cy="378616"/>
+          </a:xfrm>
+          <a:prstGeom prst="straightConnector1">
+            <a:avLst/>
+          </a:prstGeom>
+          <a:ln>
+            <a:solidFill>
+              <a:schemeClr val="tx1"/>
+            </a:solidFill>
+            <a:tailEnd type="arrow" w="med" len="med"/>
+          </a:ln>
+        </p:spPr>
+        <p:style>
+          <a:lnRef idx="1">
+            <a:schemeClr val="dk1"/>
+          </a:lnRef>
+          <a:fillRef idx="0">
+            <a:schemeClr val="dk1"/>
+          </a:fillRef>
+          <a:effectRef idx="0">
+            <a:schemeClr val="dk1"/>
+          </a:effectRef>
+          <a:fontRef idx="minor">
+            <a:schemeClr val="tx1"/>
+          </a:fontRef>
+        </p:style>
+      </p:cxnSp>
+      <p:sp>
+        <p:nvSpPr>
+          <p:cNvPr id="17" name="圆角矩形 16"/>
+          <p:cNvSpPr/>
+          <p:nvPr/>
+        </p:nvSpPr>
+        <p:spPr>
+          <a:xfrm>
+            <a:off x="3889255" y="4440778"/>
+            <a:ext cx="863600" cy="360045"/>
+          </a:xfrm>
+          <a:prstGeom prst="roundRect">
+            <a:avLst/>
+          </a:prstGeom>
+        </p:spPr>
+        <p:style>
+          <a:lnRef idx="2">
+            <a:schemeClr val="accent1">
+              <a:shade val="50000"/>
+            </a:schemeClr>
+          </a:lnRef>
+          <a:fillRef idx="1">
+            <a:schemeClr val="accent1"/>
+          </a:fillRef>
+          <a:effectRef idx="0">
+            <a:schemeClr val="accent1"/>
+          </a:effectRef>
+          <a:fontRef idx="minor">
+            <a:schemeClr val="lt1"/>
+          </a:fontRef>
+        </p:style>
+        <p:txBody>
+          <a:bodyPr rtlCol="0" anchor="ctr"/>
+          <a:lstStyle/>
+          <a:p>
+            <a:r>
+              <a:rPr lang="zh-CN" altLang="en-US" dirty="0">
+                <a:solidFill>
+                  <a:prstClr val="white"/>
+                </a:solidFill>
+              </a:rPr>
+              <a:t>结束</a:t>
+            </a:r>
+          </a:p>
+        </p:txBody>
+      </p:sp>
+    </p:spTree>
+    <p:extLst>
+      <p:ext uri="{BB962C8B-B14F-4D97-AF65-F5344CB8AC3E}">
+        <p14:creationId xmlns:p14="http://schemas.microsoft.com/office/powerpoint/2010/main" val="630040077"/>
+      </p:ext>
+    </p:extLst>
+  </p:cSld>
+  <p:clrMapOvr>
+    <a:masterClrMapping/>
+  </p:clrMapOvr>
+</p:sld>
+</file>
+
+<file path=ppt/slides/slide54.xml><?xml version="1.0" encoding="utf-8"?>
+<p:sld xmlns:a="http://schemas.openxmlformats.org/drawingml/2006/main" xmlns:r="http://schemas.openxmlformats.org/officeDocument/2006/relationships" xmlns:p="http://schemas.openxmlformats.org/presentationml/2006/main">
+  <p:cSld>
+    <p:spTree>
+      <p:nvGrpSpPr>
+        <p:cNvPr id="1" name=""/>
+        <p:cNvGrpSpPr/>
+        <p:nvPr/>
+      </p:nvGrpSpPr>
+      <p:grpSpPr>
+        <a:xfrm>
+          <a:off x="0" y="0"/>
+          <a:ext cx="0" cy="0"/>
+          <a:chOff x="0" y="0"/>
+          <a:chExt cx="0" cy="0"/>
+        </a:xfrm>
+      </p:grpSpPr>
+      <p:sp>
+        <p:nvSpPr>
+          <p:cNvPr id="2" name="标题 1"/>
+          <p:cNvSpPr>
+            <a:spLocks noGrp="1"/>
+          </p:cNvSpPr>
+          <p:nvPr>
+            <p:ph type="title"/>
+          </p:nvPr>
+        </p:nvSpPr>
+        <p:spPr/>
+        <p:txBody>
+          <a:bodyPr/>
+          <a:lstStyle/>
+          <a:p>
+            <a:r>
+              <a:rPr lang="zh-CN" altLang="en-US" dirty="0"/>
+              <a:t>运行</a:t>
+            </a:r>
+            <a:r>
+              <a:rPr lang="zh-CN" altLang="en-US" dirty="0" smtClean="0"/>
+              <a:t>结果</a:t>
+            </a:r>
+            <a:endParaRPr lang="zh-CN" altLang="en-US" dirty="0"/>
+          </a:p>
+        </p:txBody>
+      </p:sp>
+      <p:pic>
+        <p:nvPicPr>
+          <p:cNvPr id="4" name="内容占位符 3" descr="屏幕剪辑"/>
+          <p:cNvPicPr>
+            <a:picLocks noGrp="1" noChangeAspect="1"/>
+          </p:cNvPicPr>
+          <p:nvPr>
+            <p:ph idx="1"/>
+          </p:nvPr>
+        </p:nvPicPr>
+        <p:blipFill>
+          <a:blip r:embed="rId2">
+            <a:extLst>
+              <a:ext uri="{28A0092B-C50C-407E-A947-70E740481C1C}">
+                <a14:useLocalDpi xmlns:a14="http://schemas.microsoft.com/office/drawing/2010/main" val="0"/>
+              </a:ext>
+            </a:extLst>
+          </a:blip>
+          <a:stretch>
+            <a:fillRect/>
+          </a:stretch>
+        </p:blipFill>
+        <p:spPr>
+          <a:xfrm>
+            <a:off x="2600647" y="1200150"/>
+            <a:ext cx="3942705" cy="3394075"/>
+          </a:xfrm>
+        </p:spPr>
+      </p:pic>
+    </p:spTree>
+    <p:extLst>
+      <p:ext uri="{BB962C8B-B14F-4D97-AF65-F5344CB8AC3E}">
+        <p14:creationId xmlns:p14="http://schemas.microsoft.com/office/powerpoint/2010/main" val="1447197568"/>
+      </p:ext>
+    </p:extLst>
+  </p:cSld>
+  <p:clrMapOvr>
+    <a:masterClrMapping/>
+  </p:clrMapOvr>
 </p:sld>
 </file>
 
@@ -33661,13 +38636,311 @@
   <a:extraClrSchemeLst/>
   <a:extLst>
     <a:ext uri="{05A4C25C-085E-4340-85A3-A5531E510DB2}">
-      <thm15:themeFamily xmlns="" xmlns:thm15="http://schemas.microsoft.com/office/thememl/2012/main" name="Office Theme" id="{62F939B6-93AF-4DB8-9C6B-D6C7DFDC589F}" vid="{4A3C46E8-61CC-4603-A589-7422A47A8E4A}"/>
+      <thm15:themeFamily xmlns:thm15="http://schemas.microsoft.com/office/thememl/2012/main" name="Office Theme" id="{62F939B6-93AF-4DB8-9C6B-D6C7DFDC589F}" vid="{4A3C46E8-61CC-4603-A589-7422A47A8E4A}"/>
     </a:ext>
   </a:extLst>
 </a:theme>
 </file>
 
 <file path=ppt/theme/theme2.xml><?xml version="1.0" encoding="utf-8"?>
+<a:theme xmlns:a="http://schemas.openxmlformats.org/drawingml/2006/main" name="1_主管人员">
+  <a:themeElements>
+    <a:clrScheme name="主管人员">
+      <a:dk1>
+        <a:sysClr val="windowText" lastClr="000000"/>
+      </a:dk1>
+      <a:lt1>
+        <a:sysClr val="window" lastClr="FFFFFF"/>
+      </a:lt1>
+      <a:dk2>
+        <a:srgbClr val="2F5897"/>
+      </a:dk2>
+      <a:lt2>
+        <a:srgbClr val="E4E9EF"/>
+      </a:lt2>
+      <a:accent1>
+        <a:srgbClr val="6076B4"/>
+      </a:accent1>
+      <a:accent2>
+        <a:srgbClr val="9C5252"/>
+      </a:accent2>
+      <a:accent3>
+        <a:srgbClr val="E68422"/>
+      </a:accent3>
+      <a:accent4>
+        <a:srgbClr val="846648"/>
+      </a:accent4>
+      <a:accent5>
+        <a:srgbClr val="63891F"/>
+      </a:accent5>
+      <a:accent6>
+        <a:srgbClr val="758085"/>
+      </a:accent6>
+      <a:hlink>
+        <a:srgbClr val="3399FF"/>
+      </a:hlink>
+      <a:folHlink>
+        <a:srgbClr val="B2B2B2"/>
+      </a:folHlink>
+    </a:clrScheme>
+    <a:fontScheme name="主管人员">
+      <a:majorFont>
+        <a:latin typeface="Century Gothic"/>
+        <a:ea typeface=""/>
+        <a:cs typeface=""/>
+        <a:font script="Jpan" typeface="HGｺﾞｼｯｸM"/>
+        <a:font script="Hang" typeface="HY중고딕"/>
+        <a:font script="Hans" typeface="幼圆"/>
+        <a:font script="Hant" typeface="微軟正黑體"/>
+        <a:font script="Arab" typeface="Tahoma"/>
+        <a:font script="Hebr" typeface="Gisha"/>
+        <a:font script="Thai" typeface="DilleniaUPC"/>
+        <a:font script="Ethi" typeface="Nyala"/>
+        <a:font script="Beng" typeface="Vrinda"/>
+        <a:font script="Gujr" typeface="Shruti"/>
+        <a:font script="Khmr" typeface="DaunPenh"/>
+        <a:font script="Knda" typeface="Tunga"/>
+        <a:font script="Guru" typeface="Raavi"/>
+        <a:font script="Cans" typeface="Euphemia"/>
+        <a:font script="Cher" typeface="Plantagenet Cherokee"/>
+        <a:font script="Yiii" typeface="Microsoft Yi Baiti"/>
+        <a:font script="Tibt" typeface="Microsoft Himalaya"/>
+        <a:font script="Thaa" typeface="MV Boli"/>
+        <a:font script="Deva" typeface="Mangal"/>
+        <a:font script="Telu" typeface="Gautami"/>
+        <a:font script="Taml" typeface="Latha"/>
+        <a:font script="Syrc" typeface="Estrangelo Edessa"/>
+        <a:font script="Orya" typeface="Kalinga"/>
+        <a:font script="Mlym" typeface="Kartika"/>
+        <a:font script="Laoo" typeface="DokChampa"/>
+        <a:font script="Sinh" typeface="Iskoola Pota"/>
+        <a:font script="Mong" typeface="Mongolian Baiti"/>
+        <a:font script="Viet" typeface="Tahoma"/>
+        <a:font script="Uigh" typeface="Microsoft Uighur"/>
+        <a:font script="Geor" typeface="Sylfaen"/>
+      </a:majorFont>
+      <a:minorFont>
+        <a:latin typeface="Palatino Linotype"/>
+        <a:ea typeface=""/>
+        <a:cs typeface=""/>
+        <a:font script="Jpan" typeface="HGS明朝E"/>
+        <a:font script="Hang" typeface="맑은 고딕"/>
+        <a:font script="Hans" typeface="宋体"/>
+        <a:font script="Hant" typeface="新細明體"/>
+        <a:font script="Arab" typeface="Times New Roman"/>
+        <a:font script="Hebr" typeface="Times New Roman"/>
+        <a:font script="Thai" typeface="Browallia New"/>
+        <a:font script="Ethi" typeface="Nyala"/>
+        <a:font script="Beng" typeface="Vrinda"/>
+        <a:font script="Gujr" typeface="Shruti"/>
+        <a:font script="Khmr" typeface="MoolBoran"/>
+        <a:font script="Knda" typeface="Tunga"/>
+        <a:font script="Guru" typeface="Raavi"/>
+        <a:font script="Cans" typeface="Euphemia"/>
+        <a:font script="Cher" typeface="Plantagenet Cherokee"/>
+        <a:font script="Yiii" typeface="Microsoft Yi Baiti"/>
+        <a:font script="Tibt" typeface="Microsoft Himalaya"/>
+        <a:font script="Thaa" typeface="MV Boli"/>
+        <a:font script="Deva" typeface="Mangal"/>
+        <a:font script="Telu" typeface="Gautami"/>
+        <a:font script="Taml" typeface="Latha"/>
+        <a:font script="Syrc" typeface="Estrangelo Edessa"/>
+        <a:font script="Orya" typeface="Kalinga"/>
+        <a:font script="Mlym" typeface="Kartika"/>
+        <a:font script="Laoo" typeface="DokChampa"/>
+        <a:font script="Sinh" typeface="Iskoola Pota"/>
+        <a:font script="Mong" typeface="Mongolian Baiti"/>
+        <a:font script="Viet" typeface="Times New Roman"/>
+        <a:font script="Uigh" typeface="Microsoft Uighur"/>
+        <a:font script="Geor" typeface="Sylfaen"/>
+      </a:minorFont>
+    </a:fontScheme>
+    <a:fmtScheme name="行云流水">
+      <a:fillStyleLst>
+        <a:solidFill>
+          <a:schemeClr val="phClr"/>
+        </a:solidFill>
+        <a:gradFill rotWithShape="1">
+          <a:gsLst>
+            <a:gs pos="0">
+              <a:schemeClr val="phClr">
+                <a:tint val="90000"/>
+                <a:satMod val="130000"/>
+              </a:schemeClr>
+            </a:gs>
+            <a:gs pos="50000">
+              <a:schemeClr val="phClr">
+                <a:tint val="45000"/>
+                <a:satMod val="220000"/>
+              </a:schemeClr>
+            </a:gs>
+            <a:gs pos="100000">
+              <a:schemeClr val="phClr">
+                <a:tint val="90000"/>
+                <a:satMod val="130000"/>
+              </a:schemeClr>
+            </a:gs>
+          </a:gsLst>
+          <a:lin ang="5400000" scaled="1"/>
+        </a:gradFill>
+        <a:gradFill rotWithShape="1">
+          <a:gsLst>
+            <a:gs pos="0">
+              <a:schemeClr val="phClr">
+                <a:tint val="100000"/>
+                <a:shade val="90000"/>
+                <a:hueMod val="100000"/>
+                <a:satMod val="200000"/>
+              </a:schemeClr>
+            </a:gs>
+            <a:gs pos="50000">
+              <a:schemeClr val="phClr">
+                <a:tint val="100000"/>
+                <a:shade val="60000"/>
+                <a:hueMod val="100000"/>
+                <a:satMod val="180000"/>
+              </a:schemeClr>
+            </a:gs>
+            <a:gs pos="100000">
+              <a:schemeClr val="phClr">
+                <a:tint val="100000"/>
+                <a:shade val="90000"/>
+                <a:hueMod val="100000"/>
+                <a:satMod val="200000"/>
+              </a:schemeClr>
+            </a:gs>
+          </a:gsLst>
+          <a:lin ang="5400000" scaled="1"/>
+        </a:gradFill>
+      </a:fillStyleLst>
+      <a:lnStyleLst>
+        <a:ln w="12700" cap="flat" cmpd="sng" algn="ctr">
+          <a:solidFill>
+            <a:schemeClr val="phClr"/>
+          </a:solidFill>
+          <a:prstDash val="solid"/>
+        </a:ln>
+        <a:ln w="25400" cap="flat" cmpd="sng" algn="ctr">
+          <a:solidFill>
+            <a:schemeClr val="phClr"/>
+          </a:solidFill>
+          <a:prstDash val="solid"/>
+        </a:ln>
+        <a:ln w="38100" cap="flat" cmpd="dbl" algn="ctr">
+          <a:solidFill>
+            <a:schemeClr val="phClr"/>
+          </a:solidFill>
+          <a:prstDash val="solid"/>
+        </a:ln>
+      </a:lnStyleLst>
+      <a:effectStyleLst>
+        <a:effectStyle>
+          <a:effectLst>
+            <a:glow rad="50600">
+              <a:schemeClr val="phClr">
+                <a:alpha val="40000"/>
+              </a:schemeClr>
+            </a:glow>
+          </a:effectLst>
+        </a:effectStyle>
+        <a:effectStyle>
+          <a:effectLst>
+            <a:glow rad="101600">
+              <a:schemeClr val="phClr">
+                <a:alpha val="60000"/>
+              </a:schemeClr>
+            </a:glow>
+          </a:effectLst>
+          <a:scene3d>
+            <a:camera prst="isometricLeftDown" fov="0">
+              <a:rot lat="0" lon="0" rev="0"/>
+            </a:camera>
+            <a:lightRig rig="harsh" dir="tl">
+              <a:rot lat="0" lon="0" rev="14280000"/>
+            </a:lightRig>
+          </a:scene3d>
+          <a:sp3d prstMaterial="flat">
+            <a:bevelT w="38100" h="50800" prst="softRound"/>
+          </a:sp3d>
+        </a:effectStyle>
+        <a:effectStyle>
+          <a:effectLst>
+            <a:glow>
+              <a:schemeClr val="phClr"/>
+            </a:glow>
+          </a:effectLst>
+          <a:scene3d>
+            <a:camera prst="isometricLeftDown">
+              <a:rot lat="0" lon="0" rev="0"/>
+            </a:camera>
+            <a:lightRig rig="harsh" dir="tl">
+              <a:rot lat="0" lon="0" rev="14280000"/>
+            </a:lightRig>
+          </a:scene3d>
+          <a:sp3d extrusionH="63500" contourW="38100" prstMaterial="flat">
+            <a:bevelT w="50800" h="63500" prst="softRound"/>
+            <a:contourClr>
+              <a:schemeClr val="phClr">
+                <a:tint val="5"/>
+                <a:satMod val="130000"/>
+              </a:schemeClr>
+            </a:contourClr>
+          </a:sp3d>
+        </a:effectStyle>
+      </a:effectStyleLst>
+      <a:bgFillStyleLst>
+        <a:solidFill>
+          <a:schemeClr val="phClr"/>
+        </a:solidFill>
+        <a:gradFill rotWithShape="1">
+          <a:gsLst>
+            <a:gs pos="50000">
+              <a:schemeClr val="phClr">
+                <a:tint val="80000"/>
+                <a:satMod val="250000"/>
+              </a:schemeClr>
+            </a:gs>
+            <a:gs pos="76000">
+              <a:schemeClr val="phClr">
+                <a:tint val="90000"/>
+                <a:shade val="90000"/>
+                <a:satMod val="200000"/>
+              </a:schemeClr>
+            </a:gs>
+            <a:gs pos="92000">
+              <a:schemeClr val="phClr">
+                <a:tint val="90000"/>
+                <a:shade val="70000"/>
+                <a:satMod val="250000"/>
+              </a:schemeClr>
+            </a:gs>
+          </a:gsLst>
+          <a:path path="circle">
+            <a:fillToRect l="50000" t="50000" r="50000" b="50000"/>
+          </a:path>
+        </a:gradFill>
+        <a:blipFill>
+          <a:blip xmlns:r="http://schemas.openxmlformats.org/officeDocument/2006/relationships" r:embed="rId1">
+            <a:duotone>
+              <a:schemeClr val="phClr">
+                <a:tint val="95000"/>
+              </a:schemeClr>
+              <a:schemeClr val="phClr">
+                <a:shade val="90000"/>
+              </a:schemeClr>
+            </a:duotone>
+          </a:blip>
+          <a:tile tx="0" ty="0" sx="100000" sy="100000" flip="none" algn="tl"/>
+        </a:blipFill>
+      </a:bgFillStyleLst>
+    </a:fmtScheme>
+  </a:themeElements>
+  <a:objectDefaults/>
+  <a:extraClrSchemeLst/>
+</a:theme>
+</file>
+
+<file path=ppt/theme/theme3.xml><?xml version="1.0" encoding="utf-8"?>
 <a:theme xmlns:a="http://schemas.openxmlformats.org/drawingml/2006/main" name="Office 主题​​">
   <a:themeElements>
     <a:clrScheme name="Office">
@@ -33951,7 +39224,7 @@
   <a:extraClrSchemeLst/>
   <a:extLst>
     <a:ext uri="{05A4C25C-085E-4340-85A3-A5531E510DB2}">
-      <thm15:themeFamily xmlns="" xmlns:thm15="http://schemas.microsoft.com/office/thememl/2012/main" name="Office Theme" id="{62F939B6-93AF-4DB8-9C6B-D6C7DFDC589F}" vid="{4A3C46E8-61CC-4603-A589-7422A47A8E4A}"/>
+      <thm15:themeFamily xmlns:thm15="http://schemas.microsoft.com/office/thememl/2012/main" name="Office Theme" id="{62F939B6-93AF-4DB8-9C6B-D6C7DFDC589F}" vid="{4A3C46E8-61CC-4603-A589-7422A47A8E4A}"/>
     </a:ext>
   </a:extLst>
 </a:theme>
